--- a/docs/MySystemDesign_RangeOfCounter.pptx
+++ b/docs/MySystemDesign_RangeOfCounter.pptx
@@ -18,6 +18,13 @@
     <p:sldId id="266" r:id="rId12"/>
     <p:sldId id="267" r:id="rId13"/>
     <p:sldId id="268" r:id="rId14"/>
+    <p:sldId id="270" r:id="rId15"/>
+    <p:sldId id="272" r:id="rId16"/>
+    <p:sldId id="271" r:id="rId17"/>
+    <p:sldId id="273" r:id="rId18"/>
+    <p:sldId id="276" r:id="rId19"/>
+    <p:sldId id="275" r:id="rId20"/>
+    <p:sldId id="274" r:id="rId21"/>
   </p:sldIdLst>
   <p:sldSz cx="12192000" cy="6858000"/>
   <p:notesSz cx="6858000" cy="9144000"/>
@@ -273,7 +280,7 @@
           <a:p>
             <a:fld id="{1CAE48DF-23E4-2E4E-9011-6A2C88CF2076}" type="datetimeFigureOut">
               <a:rPr lang="en-US" smtClean="0"/>
-              <a:t>3/3/25</a:t>
+              <a:t>3/10/25</a:t>
             </a:fld>
             <a:endParaRPr lang="en-US"/>
           </a:p>
@@ -473,7 +480,7 @@
           <a:p>
             <a:fld id="{1CAE48DF-23E4-2E4E-9011-6A2C88CF2076}" type="datetimeFigureOut">
               <a:rPr lang="en-US" smtClean="0"/>
-              <a:t>3/3/25</a:t>
+              <a:t>3/10/25</a:t>
             </a:fld>
             <a:endParaRPr lang="en-US"/>
           </a:p>
@@ -683,7 +690,7 @@
           <a:p>
             <a:fld id="{1CAE48DF-23E4-2E4E-9011-6A2C88CF2076}" type="datetimeFigureOut">
               <a:rPr lang="en-US" smtClean="0"/>
-              <a:t>3/3/25</a:t>
+              <a:t>3/10/25</a:t>
             </a:fld>
             <a:endParaRPr lang="en-US"/>
           </a:p>
@@ -883,7 +890,7 @@
           <a:p>
             <a:fld id="{1CAE48DF-23E4-2E4E-9011-6A2C88CF2076}" type="datetimeFigureOut">
               <a:rPr lang="en-US" smtClean="0"/>
-              <a:t>3/3/25</a:t>
+              <a:t>3/10/25</a:t>
             </a:fld>
             <a:endParaRPr lang="en-US"/>
           </a:p>
@@ -1159,7 +1166,7 @@
           <a:p>
             <a:fld id="{1CAE48DF-23E4-2E4E-9011-6A2C88CF2076}" type="datetimeFigureOut">
               <a:rPr lang="en-US" smtClean="0"/>
-              <a:t>3/3/25</a:t>
+              <a:t>3/10/25</a:t>
             </a:fld>
             <a:endParaRPr lang="en-US"/>
           </a:p>
@@ -1427,7 +1434,7 @@
           <a:p>
             <a:fld id="{1CAE48DF-23E4-2E4E-9011-6A2C88CF2076}" type="datetimeFigureOut">
               <a:rPr lang="en-US" smtClean="0"/>
-              <a:t>3/3/25</a:t>
+              <a:t>3/10/25</a:t>
             </a:fld>
             <a:endParaRPr lang="en-US"/>
           </a:p>
@@ -1842,7 +1849,7 @@
           <a:p>
             <a:fld id="{1CAE48DF-23E4-2E4E-9011-6A2C88CF2076}" type="datetimeFigureOut">
               <a:rPr lang="en-US" smtClean="0"/>
-              <a:t>3/3/25</a:t>
+              <a:t>3/10/25</a:t>
             </a:fld>
             <a:endParaRPr lang="en-US"/>
           </a:p>
@@ -1984,7 +1991,7 @@
           <a:p>
             <a:fld id="{1CAE48DF-23E4-2E4E-9011-6A2C88CF2076}" type="datetimeFigureOut">
               <a:rPr lang="en-US" smtClean="0"/>
-              <a:t>3/3/25</a:t>
+              <a:t>3/10/25</a:t>
             </a:fld>
             <a:endParaRPr lang="en-US"/>
           </a:p>
@@ -2097,7 +2104,7 @@
           <a:p>
             <a:fld id="{1CAE48DF-23E4-2E4E-9011-6A2C88CF2076}" type="datetimeFigureOut">
               <a:rPr lang="en-US" smtClean="0"/>
-              <a:t>3/3/25</a:t>
+              <a:t>3/10/25</a:t>
             </a:fld>
             <a:endParaRPr lang="en-US"/>
           </a:p>
@@ -2410,7 +2417,7 @@
           <a:p>
             <a:fld id="{1CAE48DF-23E4-2E4E-9011-6A2C88CF2076}" type="datetimeFigureOut">
               <a:rPr lang="en-US" smtClean="0"/>
-              <a:t>3/3/25</a:t>
+              <a:t>3/10/25</a:t>
             </a:fld>
             <a:endParaRPr lang="en-US"/>
           </a:p>
@@ -2699,7 +2706,7 @@
           <a:p>
             <a:fld id="{1CAE48DF-23E4-2E4E-9011-6A2C88CF2076}" type="datetimeFigureOut">
               <a:rPr lang="en-US" smtClean="0"/>
-              <a:t>3/3/25</a:t>
+              <a:t>3/10/25</a:t>
             </a:fld>
             <a:endParaRPr lang="en-US"/>
           </a:p>
@@ -2942,7 +2949,7 @@
           <a:p>
             <a:fld id="{1CAE48DF-23E4-2E4E-9011-6A2C88CF2076}" type="datetimeFigureOut">
               <a:rPr lang="en-US" smtClean="0"/>
-              <a:t>3/3/25</a:t>
+              <a:t>3/10/25</a:t>
             </a:fld>
             <a:endParaRPr lang="en-US"/>
           </a:p>
@@ -3422,6 +3429,54 @@
           </a:p>
         </p:txBody>
       </p:sp>
+      <p:sp>
+        <p:nvSpPr>
+          <p:cNvPr id="2" name="TextBox 1">
+            <a:extLst>
+              <a:ext uri="{FF2B5EF4-FFF2-40B4-BE49-F238E27FC236}">
+                <a16:creationId xmlns:a16="http://schemas.microsoft.com/office/drawing/2014/main" id="{16B22574-8664-DACB-ACFA-02C1160866CC}"/>
+              </a:ext>
+            </a:extLst>
+          </p:cNvPr>
+          <p:cNvSpPr txBox="1"/>
+          <p:nvPr/>
+        </p:nvSpPr>
+        <p:spPr>
+          <a:xfrm>
+            <a:off x="1418895" y="5420161"/>
+            <a:ext cx="10279117" cy="400110"/>
+          </a:xfrm>
+          <a:prstGeom prst="rect">
+            <a:avLst/>
+          </a:prstGeom>
+          <a:noFill/>
+        </p:spPr>
+        <p:txBody>
+          <a:bodyPr wrap="square" rtlCol="0">
+            <a:spAutoFit/>
+          </a:bodyPr>
+          <a:lstStyle/>
+          <a:p>
+            <a:pPr algn="r" fontAlgn="base"/>
+            <a:r>
+              <a:rPr lang="en-IE" sz="2000" b="1" i="0" dirty="0">
+                <a:solidFill>
+                  <a:srgbClr val="FF0000"/>
+                </a:solidFill>
+                <a:effectLst/>
+                <a:latin typeface="inherit"/>
+              </a:rPr>
+              <a:t>Coordinator Pattern</a:t>
+            </a:r>
+            <a:endParaRPr lang="en-IE" sz="2000" b="1" dirty="0">
+              <a:solidFill>
+                <a:srgbClr val="FF0000"/>
+              </a:solidFill>
+              <a:latin typeface="inherit"/>
+            </a:endParaRPr>
+          </a:p>
+        </p:txBody>
+      </p:sp>
     </p:spTree>
     <p:extLst>
       <p:ext uri="{BB962C8B-B14F-4D97-AF65-F5344CB8AC3E}">
@@ -7811,6 +7866,5487 @@
 </p:sld>
 </file>
 
+<file path=ppt/slides/slide14.xml><?xml version="1.0" encoding="utf-8"?>
+<p:sld xmlns:a="http://schemas.openxmlformats.org/drawingml/2006/main" xmlns:r="http://schemas.openxmlformats.org/officeDocument/2006/relationships" xmlns:p="http://schemas.openxmlformats.org/presentationml/2006/main">
+  <p:cSld>
+    <p:spTree>
+      <p:nvGrpSpPr>
+        <p:cNvPr id="1" name=""/>
+        <p:cNvGrpSpPr/>
+        <p:nvPr/>
+      </p:nvGrpSpPr>
+      <p:grpSpPr>
+        <a:xfrm>
+          <a:off x="0" y="0"/>
+          <a:ext cx="0" cy="0"/>
+          <a:chOff x="0" y="0"/>
+          <a:chExt cx="0" cy="0"/>
+        </a:xfrm>
+      </p:grpSpPr>
+    </p:spTree>
+    <p:extLst>
+      <p:ext uri="{BB962C8B-B14F-4D97-AF65-F5344CB8AC3E}">
+        <p14:creationId xmlns:p14="http://schemas.microsoft.com/office/powerpoint/2010/main" val="600500189"/>
+      </p:ext>
+    </p:extLst>
+  </p:cSld>
+  <p:clrMapOvr>
+    <a:masterClrMapping/>
+  </p:clrMapOvr>
+</p:sld>
+</file>
+
+<file path=ppt/slides/slide15.xml><?xml version="1.0" encoding="utf-8"?>
+<p:sld xmlns:a="http://schemas.openxmlformats.org/drawingml/2006/main" xmlns:r="http://schemas.openxmlformats.org/officeDocument/2006/relationships" xmlns:p="http://schemas.openxmlformats.org/presentationml/2006/main">
+  <p:cSld>
+    <p:spTree>
+      <p:nvGrpSpPr>
+        <p:cNvPr id="1" name="">
+          <a:extLst>
+            <a:ext uri="{FF2B5EF4-FFF2-40B4-BE49-F238E27FC236}">
+              <a16:creationId xmlns:a16="http://schemas.microsoft.com/office/drawing/2014/main" id="{3A4BD8A7-1B85-F3BA-EFFA-1EBD53D75A80}"/>
+            </a:ext>
+          </a:extLst>
+        </p:cNvPr>
+        <p:cNvGrpSpPr/>
+        <p:nvPr/>
+      </p:nvGrpSpPr>
+      <p:grpSpPr>
+        <a:xfrm>
+          <a:off x="0" y="0"/>
+          <a:ext cx="0" cy="0"/>
+          <a:chOff x="0" y="0"/>
+          <a:chExt cx="0" cy="0"/>
+        </a:xfrm>
+      </p:grpSpPr>
+      <p:sp>
+        <p:nvSpPr>
+          <p:cNvPr id="4" name="TextBox 3">
+            <a:extLst>
+              <a:ext uri="{FF2B5EF4-FFF2-40B4-BE49-F238E27FC236}">
+                <a16:creationId xmlns:a16="http://schemas.microsoft.com/office/drawing/2014/main" id="{862386B1-4EF8-F219-6AD6-72890183A727}"/>
+              </a:ext>
+            </a:extLst>
+          </p:cNvPr>
+          <p:cNvSpPr txBox="1"/>
+          <p:nvPr/>
+        </p:nvSpPr>
+        <p:spPr>
+          <a:xfrm>
+            <a:off x="383628" y="2577113"/>
+            <a:ext cx="11424744" cy="1015663"/>
+          </a:xfrm>
+          <a:prstGeom prst="rect">
+            <a:avLst/>
+          </a:prstGeom>
+          <a:noFill/>
+        </p:spPr>
+        <p:txBody>
+          <a:bodyPr wrap="square" rtlCol="0">
+            <a:spAutoFit/>
+          </a:bodyPr>
+          <a:lstStyle/>
+          <a:p>
+            <a:pPr algn="l" fontAlgn="base"/>
+            <a:r>
+              <a:rPr lang="en-IE" sz="2000" b="1" i="0" dirty="0">
+                <a:solidFill>
+                  <a:srgbClr val="FF0000"/>
+                </a:solidFill>
+                <a:effectLst/>
+                <a:latin typeface="inherit"/>
+              </a:rPr>
+              <a:t>Owned by Daniela Ventura</a:t>
+            </a:r>
+          </a:p>
+          <a:p>
+            <a:pPr algn="l" fontAlgn="base"/>
+            <a:endParaRPr lang="en-IE" sz="2000" b="1" dirty="0">
+              <a:solidFill>
+                <a:srgbClr val="FF0000"/>
+              </a:solidFill>
+              <a:latin typeface="inherit"/>
+            </a:endParaRPr>
+          </a:p>
+          <a:p>
+            <a:pPr algn="l" fontAlgn="base"/>
+            <a:r>
+              <a:rPr lang="en-IE" sz="2000" b="1" dirty="0">
+                <a:solidFill>
+                  <a:srgbClr val="FF0000"/>
+                </a:solidFill>
+                <a:latin typeface="inherit"/>
+              </a:rPr>
+              <a:t>GPL Licence</a:t>
+            </a:r>
+          </a:p>
+        </p:txBody>
+      </p:sp>
+      <p:sp>
+        <p:nvSpPr>
+          <p:cNvPr id="2" name="TextBox 1">
+            <a:extLst>
+              <a:ext uri="{FF2B5EF4-FFF2-40B4-BE49-F238E27FC236}">
+                <a16:creationId xmlns:a16="http://schemas.microsoft.com/office/drawing/2014/main" id="{40BA3A27-0939-9581-6AE6-9FF6E410DBF0}"/>
+              </a:ext>
+            </a:extLst>
+          </p:cNvPr>
+          <p:cNvSpPr txBox="1"/>
+          <p:nvPr/>
+        </p:nvSpPr>
+        <p:spPr>
+          <a:xfrm>
+            <a:off x="1418895" y="5420161"/>
+            <a:ext cx="10279117" cy="400110"/>
+          </a:xfrm>
+          <a:prstGeom prst="rect">
+            <a:avLst/>
+          </a:prstGeom>
+          <a:noFill/>
+        </p:spPr>
+        <p:txBody>
+          <a:bodyPr wrap="square" rtlCol="0">
+            <a:spAutoFit/>
+          </a:bodyPr>
+          <a:lstStyle/>
+          <a:p>
+            <a:pPr algn="r" fontAlgn="base"/>
+            <a:r>
+              <a:rPr lang="en-IE" sz="2000" b="1" i="0" dirty="0">
+                <a:solidFill>
+                  <a:srgbClr val="FF0000"/>
+                </a:solidFill>
+                <a:effectLst/>
+                <a:latin typeface="inherit"/>
+              </a:rPr>
+              <a:t>Concurrent Reads and Writes</a:t>
+            </a:r>
+            <a:endParaRPr lang="en-IE" sz="2000" b="1" dirty="0">
+              <a:solidFill>
+                <a:srgbClr val="FF0000"/>
+              </a:solidFill>
+              <a:latin typeface="inherit"/>
+            </a:endParaRPr>
+          </a:p>
+        </p:txBody>
+      </p:sp>
+    </p:spTree>
+    <p:extLst>
+      <p:ext uri="{BB962C8B-B14F-4D97-AF65-F5344CB8AC3E}">
+        <p14:creationId xmlns:p14="http://schemas.microsoft.com/office/powerpoint/2010/main" val="1360509037"/>
+      </p:ext>
+    </p:extLst>
+  </p:cSld>
+  <p:clrMapOvr>
+    <a:masterClrMapping/>
+  </p:clrMapOvr>
+</p:sld>
+</file>
+
+<file path=ppt/slides/slide16.xml><?xml version="1.0" encoding="utf-8"?>
+<p:sld xmlns:a="http://schemas.openxmlformats.org/drawingml/2006/main" xmlns:r="http://schemas.openxmlformats.org/officeDocument/2006/relationships" xmlns:p="http://schemas.openxmlformats.org/presentationml/2006/main">
+  <p:cSld>
+    <p:spTree>
+      <p:nvGrpSpPr>
+        <p:cNvPr id="1" name="">
+          <a:extLst>
+            <a:ext uri="{FF2B5EF4-FFF2-40B4-BE49-F238E27FC236}">
+              <a16:creationId xmlns:a16="http://schemas.microsoft.com/office/drawing/2014/main" id="{082B0280-CF7B-DE0B-EF0C-9C0EEC76A310}"/>
+            </a:ext>
+          </a:extLst>
+        </p:cNvPr>
+        <p:cNvGrpSpPr/>
+        <p:nvPr/>
+      </p:nvGrpSpPr>
+      <p:grpSpPr>
+        <a:xfrm>
+          <a:off x="0" y="0"/>
+          <a:ext cx="0" cy="0"/>
+          <a:chOff x="0" y="0"/>
+          <a:chExt cx="0" cy="0"/>
+        </a:xfrm>
+      </p:grpSpPr>
+      <p:sp>
+        <p:nvSpPr>
+          <p:cNvPr id="4" name="Can 3">
+            <a:extLst>
+              <a:ext uri="{FF2B5EF4-FFF2-40B4-BE49-F238E27FC236}">
+                <a16:creationId xmlns:a16="http://schemas.microsoft.com/office/drawing/2014/main" id="{B5A20299-42D6-163B-96A0-D0EB75DBB9D1}"/>
+              </a:ext>
+            </a:extLst>
+          </p:cNvPr>
+          <p:cNvSpPr/>
+          <p:nvPr/>
+        </p:nvSpPr>
+        <p:spPr>
+          <a:xfrm>
+            <a:off x="8632152" y="1762684"/>
+            <a:ext cx="1198180" cy="2028497"/>
+          </a:xfrm>
+          <a:prstGeom prst="can">
+            <a:avLst/>
+          </a:prstGeom>
+        </p:spPr>
+        <p:style>
+          <a:lnRef idx="2">
+            <a:schemeClr val="accent1">
+              <a:shade val="15000"/>
+            </a:schemeClr>
+          </a:lnRef>
+          <a:fillRef idx="1">
+            <a:schemeClr val="accent1"/>
+          </a:fillRef>
+          <a:effectRef idx="0">
+            <a:schemeClr val="accent1"/>
+          </a:effectRef>
+          <a:fontRef idx="minor">
+            <a:schemeClr val="lt1"/>
+          </a:fontRef>
+        </p:style>
+        <p:txBody>
+          <a:bodyPr rtlCol="0" anchor="ctr"/>
+          <a:lstStyle/>
+          <a:p>
+            <a:pPr algn="ctr"/>
+            <a:r>
+              <a:rPr lang="en-US" dirty="0"/>
+              <a:t>Strings</a:t>
+            </a:r>
+          </a:p>
+          <a:p>
+            <a:pPr algn="ctr"/>
+            <a:r>
+              <a:rPr lang="en-US" dirty="0"/>
+              <a:t>DB</a:t>
+            </a:r>
+          </a:p>
+        </p:txBody>
+      </p:sp>
+      <p:sp>
+        <p:nvSpPr>
+          <p:cNvPr id="5" name="Rectangle 4">
+            <a:extLst>
+              <a:ext uri="{FF2B5EF4-FFF2-40B4-BE49-F238E27FC236}">
+                <a16:creationId xmlns:a16="http://schemas.microsoft.com/office/drawing/2014/main" id="{D759CDDE-D233-640A-CB58-1907A2EC9CB5}"/>
+              </a:ext>
+            </a:extLst>
+          </p:cNvPr>
+          <p:cNvSpPr/>
+          <p:nvPr/>
+        </p:nvSpPr>
+        <p:spPr>
+          <a:xfrm>
+            <a:off x="4979469" y="1999419"/>
+            <a:ext cx="1429407" cy="1213944"/>
+          </a:xfrm>
+          <a:prstGeom prst="rect">
+            <a:avLst/>
+          </a:prstGeom>
+          <a:solidFill>
+            <a:schemeClr val="accent6">
+              <a:lumMod val="60000"/>
+              <a:lumOff val="40000"/>
+            </a:schemeClr>
+          </a:solidFill>
+        </p:spPr>
+        <p:style>
+          <a:lnRef idx="2">
+            <a:schemeClr val="accent1">
+              <a:shade val="15000"/>
+            </a:schemeClr>
+          </a:lnRef>
+          <a:fillRef idx="1">
+            <a:schemeClr val="accent1"/>
+          </a:fillRef>
+          <a:effectRef idx="0">
+            <a:schemeClr val="accent1"/>
+          </a:effectRef>
+          <a:fontRef idx="minor">
+            <a:schemeClr val="lt1"/>
+          </a:fontRef>
+        </p:style>
+        <p:txBody>
+          <a:bodyPr rtlCol="0" anchor="ctr"/>
+          <a:lstStyle/>
+          <a:p>
+            <a:pPr algn="ctr"/>
+            <a:endParaRPr lang="en-US"/>
+          </a:p>
+        </p:txBody>
+      </p:sp>
+      <p:sp>
+        <p:nvSpPr>
+          <p:cNvPr id="6" name="Rectangle 5">
+            <a:extLst>
+              <a:ext uri="{FF2B5EF4-FFF2-40B4-BE49-F238E27FC236}">
+                <a16:creationId xmlns:a16="http://schemas.microsoft.com/office/drawing/2014/main" id="{F682ADE6-CD3B-89A2-E6C3-8FF84410E8C1}"/>
+              </a:ext>
+            </a:extLst>
+          </p:cNvPr>
+          <p:cNvSpPr/>
+          <p:nvPr/>
+        </p:nvSpPr>
+        <p:spPr>
+          <a:xfrm>
+            <a:off x="5131869" y="2183350"/>
+            <a:ext cx="1429407" cy="1213944"/>
+          </a:xfrm>
+          <a:prstGeom prst="rect">
+            <a:avLst/>
+          </a:prstGeom>
+          <a:solidFill>
+            <a:schemeClr val="accent6">
+              <a:lumMod val="60000"/>
+              <a:lumOff val="40000"/>
+            </a:schemeClr>
+          </a:solidFill>
+        </p:spPr>
+        <p:style>
+          <a:lnRef idx="2">
+            <a:schemeClr val="accent1">
+              <a:shade val="15000"/>
+            </a:schemeClr>
+          </a:lnRef>
+          <a:fillRef idx="1">
+            <a:schemeClr val="accent1"/>
+          </a:fillRef>
+          <a:effectRef idx="0">
+            <a:schemeClr val="accent1"/>
+          </a:effectRef>
+          <a:fontRef idx="minor">
+            <a:schemeClr val="lt1"/>
+          </a:fontRef>
+        </p:style>
+        <p:txBody>
+          <a:bodyPr rtlCol="0" anchor="ctr"/>
+          <a:lstStyle/>
+          <a:p>
+            <a:pPr algn="ctr"/>
+            <a:endParaRPr lang="en-US"/>
+          </a:p>
+        </p:txBody>
+      </p:sp>
+      <p:sp>
+        <p:nvSpPr>
+          <p:cNvPr id="7" name="Rectangle 6">
+            <a:extLst>
+              <a:ext uri="{FF2B5EF4-FFF2-40B4-BE49-F238E27FC236}">
+                <a16:creationId xmlns:a16="http://schemas.microsoft.com/office/drawing/2014/main" id="{9A38C121-9E18-99A8-1807-870242EFBE43}"/>
+              </a:ext>
+            </a:extLst>
+          </p:cNvPr>
+          <p:cNvSpPr/>
+          <p:nvPr/>
+        </p:nvSpPr>
+        <p:spPr>
+          <a:xfrm>
+            <a:off x="5284269" y="2335750"/>
+            <a:ext cx="1429407" cy="1213944"/>
+          </a:xfrm>
+          <a:prstGeom prst="rect">
+            <a:avLst/>
+          </a:prstGeom>
+          <a:solidFill>
+            <a:schemeClr val="accent6">
+              <a:lumMod val="60000"/>
+              <a:lumOff val="40000"/>
+            </a:schemeClr>
+          </a:solidFill>
+        </p:spPr>
+        <p:style>
+          <a:lnRef idx="2">
+            <a:schemeClr val="accent1">
+              <a:shade val="15000"/>
+            </a:schemeClr>
+          </a:lnRef>
+          <a:fillRef idx="1">
+            <a:schemeClr val="accent1"/>
+          </a:fillRef>
+          <a:effectRef idx="0">
+            <a:schemeClr val="accent1"/>
+          </a:effectRef>
+          <a:fontRef idx="minor">
+            <a:schemeClr val="lt1"/>
+          </a:fontRef>
+        </p:style>
+        <p:txBody>
+          <a:bodyPr rtlCol="0" anchor="ctr"/>
+          <a:lstStyle/>
+          <a:p>
+            <a:pPr algn="ctr"/>
+            <a:endParaRPr lang="en-US"/>
+          </a:p>
+        </p:txBody>
+      </p:sp>
+      <p:sp>
+        <p:nvSpPr>
+          <p:cNvPr id="8" name="Rectangle 7">
+            <a:extLst>
+              <a:ext uri="{FF2B5EF4-FFF2-40B4-BE49-F238E27FC236}">
+                <a16:creationId xmlns:a16="http://schemas.microsoft.com/office/drawing/2014/main" id="{C127118C-C1BC-7F59-41B1-F466909C3615}"/>
+              </a:ext>
+            </a:extLst>
+          </p:cNvPr>
+          <p:cNvSpPr/>
+          <p:nvPr/>
+        </p:nvSpPr>
+        <p:spPr>
+          <a:xfrm>
+            <a:off x="5436669" y="2488150"/>
+            <a:ext cx="1429407" cy="1213944"/>
+          </a:xfrm>
+          <a:prstGeom prst="rect">
+            <a:avLst/>
+          </a:prstGeom>
+          <a:solidFill>
+            <a:schemeClr val="accent6">
+              <a:lumMod val="60000"/>
+              <a:lumOff val="40000"/>
+            </a:schemeClr>
+          </a:solidFill>
+        </p:spPr>
+        <p:style>
+          <a:lnRef idx="2">
+            <a:schemeClr val="accent1">
+              <a:shade val="15000"/>
+            </a:schemeClr>
+          </a:lnRef>
+          <a:fillRef idx="1">
+            <a:schemeClr val="accent1"/>
+          </a:fillRef>
+          <a:effectRef idx="0">
+            <a:schemeClr val="accent1"/>
+          </a:effectRef>
+          <a:fontRef idx="minor">
+            <a:schemeClr val="lt1"/>
+          </a:fontRef>
+        </p:style>
+        <p:txBody>
+          <a:bodyPr rtlCol="0" anchor="ctr"/>
+          <a:lstStyle/>
+          <a:p>
+            <a:pPr algn="ctr"/>
+            <a:r>
+              <a:rPr lang="en-US" dirty="0"/>
+              <a:t>Server</a:t>
+            </a:r>
+          </a:p>
+        </p:txBody>
+      </p:sp>
+      <p:sp>
+        <p:nvSpPr>
+          <p:cNvPr id="9" name="TextBox 8">
+            <a:extLst>
+              <a:ext uri="{FF2B5EF4-FFF2-40B4-BE49-F238E27FC236}">
+                <a16:creationId xmlns:a16="http://schemas.microsoft.com/office/drawing/2014/main" id="{519D5AC4-A52C-7B79-96D7-DE7D76DAF15A}"/>
+              </a:ext>
+            </a:extLst>
+          </p:cNvPr>
+          <p:cNvSpPr txBox="1"/>
+          <p:nvPr/>
+        </p:nvSpPr>
+        <p:spPr>
+          <a:xfrm>
+            <a:off x="10101212" y="434897"/>
+            <a:ext cx="1998752" cy="646331"/>
+          </a:xfrm>
+          <a:prstGeom prst="rect">
+            <a:avLst/>
+          </a:prstGeom>
+          <a:noFill/>
+        </p:spPr>
+        <p:txBody>
+          <a:bodyPr wrap="square" rtlCol="0">
+            <a:spAutoFit/>
+          </a:bodyPr>
+          <a:lstStyle/>
+          <a:p>
+            <a:r>
+              <a:rPr lang="en-US" dirty="0"/>
+              <a:t>{ string: “00cc11”,</a:t>
+            </a:r>
+          </a:p>
+          <a:p>
+            <a:r>
+              <a:rPr lang="en-US" dirty="0"/>
+              <a:t>  “used”: “false” }</a:t>
+            </a:r>
+          </a:p>
+        </p:txBody>
+      </p:sp>
+      <p:sp>
+        <p:nvSpPr>
+          <p:cNvPr id="10" name="TextBox 9">
+            <a:extLst>
+              <a:ext uri="{FF2B5EF4-FFF2-40B4-BE49-F238E27FC236}">
+                <a16:creationId xmlns:a16="http://schemas.microsoft.com/office/drawing/2014/main" id="{941C665A-9D42-F0D2-0EAD-8762CC592AE2}"/>
+              </a:ext>
+            </a:extLst>
+          </p:cNvPr>
+          <p:cNvSpPr txBox="1"/>
+          <p:nvPr/>
+        </p:nvSpPr>
+        <p:spPr>
+          <a:xfrm>
+            <a:off x="10101212" y="1253385"/>
+            <a:ext cx="1894045" cy="646331"/>
+          </a:xfrm>
+          <a:prstGeom prst="rect">
+            <a:avLst/>
+          </a:prstGeom>
+          <a:noFill/>
+        </p:spPr>
+        <p:txBody>
+          <a:bodyPr wrap="square" rtlCol="0">
+            <a:spAutoFit/>
+          </a:bodyPr>
+          <a:lstStyle/>
+          <a:p>
+            <a:r>
+              <a:rPr lang="en-US" dirty="0"/>
+              <a:t>{ string: “xx6411”,</a:t>
+            </a:r>
+          </a:p>
+          <a:p>
+            <a:r>
+              <a:rPr lang="en-US" dirty="0"/>
+              <a:t>  “used”: “false” }</a:t>
+            </a:r>
+          </a:p>
+        </p:txBody>
+      </p:sp>
+      <p:sp>
+        <p:nvSpPr>
+          <p:cNvPr id="11" name="TextBox 10">
+            <a:extLst>
+              <a:ext uri="{FF2B5EF4-FFF2-40B4-BE49-F238E27FC236}">
+                <a16:creationId xmlns:a16="http://schemas.microsoft.com/office/drawing/2014/main" id="{0A612D1A-E2D9-A5D3-8230-81748FC6F22C}"/>
+              </a:ext>
+            </a:extLst>
+          </p:cNvPr>
+          <p:cNvSpPr txBox="1"/>
+          <p:nvPr/>
+        </p:nvSpPr>
+        <p:spPr>
+          <a:xfrm>
+            <a:off x="10101211" y="2065282"/>
+            <a:ext cx="1949060" cy="646331"/>
+          </a:xfrm>
+          <a:prstGeom prst="rect">
+            <a:avLst/>
+          </a:prstGeom>
+          <a:noFill/>
+        </p:spPr>
+        <p:txBody>
+          <a:bodyPr wrap="square" rtlCol="0">
+            <a:spAutoFit/>
+          </a:bodyPr>
+          <a:lstStyle/>
+          <a:p>
+            <a:r>
+              <a:rPr lang="en-US" dirty="0"/>
+              <a:t>{ string: “74d412”,</a:t>
+            </a:r>
+          </a:p>
+          <a:p>
+            <a:r>
+              <a:rPr lang="en-US" dirty="0"/>
+              <a:t>  “used”: “false” }</a:t>
+            </a:r>
+          </a:p>
+        </p:txBody>
+      </p:sp>
+      <p:sp>
+        <p:nvSpPr>
+          <p:cNvPr id="12" name="TextBox 11">
+            <a:extLst>
+              <a:ext uri="{FF2B5EF4-FFF2-40B4-BE49-F238E27FC236}">
+                <a16:creationId xmlns:a16="http://schemas.microsoft.com/office/drawing/2014/main" id="{4886F14B-E56E-D073-2E97-4E1D8206544C}"/>
+              </a:ext>
+            </a:extLst>
+          </p:cNvPr>
+          <p:cNvSpPr txBox="1"/>
+          <p:nvPr/>
+        </p:nvSpPr>
+        <p:spPr>
+          <a:xfrm>
+            <a:off x="10126058" y="2877179"/>
+            <a:ext cx="1894558" cy="646331"/>
+          </a:xfrm>
+          <a:prstGeom prst="rect">
+            <a:avLst/>
+          </a:prstGeom>
+          <a:noFill/>
+        </p:spPr>
+        <p:txBody>
+          <a:bodyPr wrap="square" rtlCol="0">
+            <a:spAutoFit/>
+          </a:bodyPr>
+          <a:lstStyle/>
+          <a:p>
+            <a:r>
+              <a:rPr lang="en-US" dirty="0"/>
+              <a:t>{ string: “hww40”,</a:t>
+            </a:r>
+          </a:p>
+          <a:p>
+            <a:r>
+              <a:rPr lang="en-US" dirty="0"/>
+              <a:t>  “used”: “false” }</a:t>
+            </a:r>
+          </a:p>
+        </p:txBody>
+      </p:sp>
+      <p:sp>
+        <p:nvSpPr>
+          <p:cNvPr id="13" name="TextBox 12">
+            <a:extLst>
+              <a:ext uri="{FF2B5EF4-FFF2-40B4-BE49-F238E27FC236}">
+                <a16:creationId xmlns:a16="http://schemas.microsoft.com/office/drawing/2014/main" id="{4E473DD8-425A-D5A1-80E5-73F6E3FBB473}"/>
+              </a:ext>
+            </a:extLst>
+          </p:cNvPr>
+          <p:cNvSpPr txBox="1"/>
+          <p:nvPr/>
+        </p:nvSpPr>
+        <p:spPr>
+          <a:xfrm>
+            <a:off x="10135132" y="3689076"/>
+            <a:ext cx="1860125" cy="646331"/>
+          </a:xfrm>
+          <a:prstGeom prst="rect">
+            <a:avLst/>
+          </a:prstGeom>
+          <a:noFill/>
+        </p:spPr>
+        <p:txBody>
+          <a:bodyPr wrap="square" rtlCol="0">
+            <a:spAutoFit/>
+          </a:bodyPr>
+          <a:lstStyle/>
+          <a:p>
+            <a:r>
+              <a:rPr lang="en-US" dirty="0"/>
+              <a:t>{ string: “211zxz”,</a:t>
+            </a:r>
+          </a:p>
+          <a:p>
+            <a:r>
+              <a:rPr lang="en-US" dirty="0"/>
+              <a:t>  “used”: “false” }</a:t>
+            </a:r>
+          </a:p>
+        </p:txBody>
+      </p:sp>
+      <p:sp>
+        <p:nvSpPr>
+          <p:cNvPr id="14" name="TextBox 13">
+            <a:extLst>
+              <a:ext uri="{FF2B5EF4-FFF2-40B4-BE49-F238E27FC236}">
+                <a16:creationId xmlns:a16="http://schemas.microsoft.com/office/drawing/2014/main" id="{A044C6B3-A12B-782F-C342-AC4986C37CA5}"/>
+              </a:ext>
+            </a:extLst>
+          </p:cNvPr>
+          <p:cNvSpPr txBox="1"/>
+          <p:nvPr/>
+        </p:nvSpPr>
+        <p:spPr>
+          <a:xfrm>
+            <a:off x="10190146" y="4500973"/>
+            <a:ext cx="1907382" cy="646331"/>
+          </a:xfrm>
+          <a:prstGeom prst="rect">
+            <a:avLst/>
+          </a:prstGeom>
+          <a:noFill/>
+        </p:spPr>
+        <p:txBody>
+          <a:bodyPr wrap="square" rtlCol="0">
+            <a:spAutoFit/>
+          </a:bodyPr>
+          <a:lstStyle/>
+          <a:p>
+            <a:r>
+              <a:rPr lang="en-US" dirty="0"/>
+              <a:t>{ string: “b4v3z7”,</a:t>
+            </a:r>
+          </a:p>
+          <a:p>
+            <a:r>
+              <a:rPr lang="en-US" dirty="0"/>
+              <a:t>  “used”: “false” }</a:t>
+            </a:r>
+          </a:p>
+        </p:txBody>
+      </p:sp>
+      <p:sp>
+        <p:nvSpPr>
+          <p:cNvPr id="15" name="Smiley Face 14">
+            <a:extLst>
+              <a:ext uri="{FF2B5EF4-FFF2-40B4-BE49-F238E27FC236}">
+                <a16:creationId xmlns:a16="http://schemas.microsoft.com/office/drawing/2014/main" id="{9B246253-DDA2-F691-4174-3DF459979B4A}"/>
+              </a:ext>
+            </a:extLst>
+          </p:cNvPr>
+          <p:cNvSpPr/>
+          <p:nvPr/>
+        </p:nvSpPr>
+        <p:spPr>
+          <a:xfrm>
+            <a:off x="215078" y="1466088"/>
+            <a:ext cx="780586" cy="725213"/>
+          </a:xfrm>
+          <a:prstGeom prst="smileyFace">
+            <a:avLst/>
+          </a:prstGeom>
+          <a:solidFill>
+            <a:schemeClr val="accent5">
+              <a:lumMod val="40000"/>
+              <a:lumOff val="60000"/>
+            </a:schemeClr>
+          </a:solidFill>
+        </p:spPr>
+        <p:style>
+          <a:lnRef idx="2">
+            <a:schemeClr val="accent1">
+              <a:shade val="15000"/>
+            </a:schemeClr>
+          </a:lnRef>
+          <a:fillRef idx="1">
+            <a:schemeClr val="accent1"/>
+          </a:fillRef>
+          <a:effectRef idx="0">
+            <a:schemeClr val="accent1"/>
+          </a:effectRef>
+          <a:fontRef idx="minor">
+            <a:schemeClr val="lt1"/>
+          </a:fontRef>
+        </p:style>
+        <p:txBody>
+          <a:bodyPr rtlCol="0" anchor="ctr"/>
+          <a:lstStyle/>
+          <a:p>
+            <a:pPr algn="ctr"/>
+            <a:endParaRPr lang="en-US"/>
+          </a:p>
+        </p:txBody>
+      </p:sp>
+      <p:sp>
+        <p:nvSpPr>
+          <p:cNvPr id="16" name="TextBox 15">
+            <a:extLst>
+              <a:ext uri="{FF2B5EF4-FFF2-40B4-BE49-F238E27FC236}">
+                <a16:creationId xmlns:a16="http://schemas.microsoft.com/office/drawing/2014/main" id="{BE7A1E42-945E-54CE-8C00-0F669BB4C526}"/>
+              </a:ext>
+            </a:extLst>
+          </p:cNvPr>
+          <p:cNvSpPr txBox="1"/>
+          <p:nvPr/>
+        </p:nvSpPr>
+        <p:spPr>
+          <a:xfrm>
+            <a:off x="10190146" y="5312870"/>
+            <a:ext cx="1937775" cy="646331"/>
+          </a:xfrm>
+          <a:prstGeom prst="rect">
+            <a:avLst/>
+          </a:prstGeom>
+          <a:noFill/>
+        </p:spPr>
+        <p:txBody>
+          <a:bodyPr wrap="square" rtlCol="0">
+            <a:spAutoFit/>
+          </a:bodyPr>
+          <a:lstStyle/>
+          <a:p>
+            <a:r>
+              <a:rPr lang="en-US" dirty="0"/>
+              <a:t>{ string: “aaa311”,</a:t>
+            </a:r>
+          </a:p>
+          <a:p>
+            <a:r>
+              <a:rPr lang="en-US" dirty="0"/>
+              <a:t>  “used”: “false” }</a:t>
+            </a:r>
+          </a:p>
+        </p:txBody>
+      </p:sp>
+      <p:cxnSp>
+        <p:nvCxnSpPr>
+          <p:cNvPr id="17" name="Straight Arrow Connector 16">
+            <a:extLst>
+              <a:ext uri="{FF2B5EF4-FFF2-40B4-BE49-F238E27FC236}">
+                <a16:creationId xmlns:a16="http://schemas.microsoft.com/office/drawing/2014/main" id="{E1C6B0BC-875C-7B5B-0E90-CAA851E632CB}"/>
+              </a:ext>
+            </a:extLst>
+          </p:cNvPr>
+          <p:cNvCxnSpPr>
+            <a:cxnSpLocks/>
+            <a:stCxn id="15" idx="6"/>
+          </p:cNvCxnSpPr>
+          <p:nvPr/>
+        </p:nvCxnSpPr>
+        <p:spPr>
+          <a:xfrm flipV="1">
+            <a:off x="995664" y="1828694"/>
+            <a:ext cx="1626669" cy="1"/>
+          </a:xfrm>
+          <a:prstGeom prst="straightConnector1">
+            <a:avLst/>
+          </a:prstGeom>
+          <a:ln>
+            <a:tailEnd type="triangle"/>
+          </a:ln>
+        </p:spPr>
+        <p:style>
+          <a:lnRef idx="2">
+            <a:schemeClr val="accent1"/>
+          </a:lnRef>
+          <a:fillRef idx="0">
+            <a:schemeClr val="accent1"/>
+          </a:fillRef>
+          <a:effectRef idx="1">
+            <a:schemeClr val="accent1"/>
+          </a:effectRef>
+          <a:fontRef idx="minor">
+            <a:schemeClr val="tx1"/>
+          </a:fontRef>
+        </p:style>
+      </p:cxnSp>
+      <p:sp>
+        <p:nvSpPr>
+          <p:cNvPr id="18" name="TextBox 17">
+            <a:extLst>
+              <a:ext uri="{FF2B5EF4-FFF2-40B4-BE49-F238E27FC236}">
+                <a16:creationId xmlns:a16="http://schemas.microsoft.com/office/drawing/2014/main" id="{D60EE87D-E3E1-7851-34E7-7A312B2F9032}"/>
+              </a:ext>
+            </a:extLst>
+          </p:cNvPr>
+          <p:cNvSpPr txBox="1"/>
+          <p:nvPr/>
+        </p:nvSpPr>
+        <p:spPr>
+          <a:xfrm>
+            <a:off x="1187223" y="1301019"/>
+            <a:ext cx="1276619" cy="461665"/>
+          </a:xfrm>
+          <a:prstGeom prst="rect">
+            <a:avLst/>
+          </a:prstGeom>
+          <a:noFill/>
+        </p:spPr>
+        <p:txBody>
+          <a:bodyPr wrap="square" rtlCol="0">
+            <a:spAutoFit/>
+          </a:bodyPr>
+          <a:lstStyle/>
+          <a:p>
+            <a:r>
+              <a:rPr lang="en-US" sz="1200" dirty="0"/>
+              <a:t>Give me 2 random Strings</a:t>
+            </a:r>
+          </a:p>
+        </p:txBody>
+      </p:sp>
+      <p:sp>
+        <p:nvSpPr>
+          <p:cNvPr id="19" name="Smiley Face 18">
+            <a:extLst>
+              <a:ext uri="{FF2B5EF4-FFF2-40B4-BE49-F238E27FC236}">
+                <a16:creationId xmlns:a16="http://schemas.microsoft.com/office/drawing/2014/main" id="{190DE69B-D801-B578-AB9E-E34779C039FB}"/>
+              </a:ext>
+            </a:extLst>
+          </p:cNvPr>
+          <p:cNvSpPr/>
+          <p:nvPr/>
+        </p:nvSpPr>
+        <p:spPr>
+          <a:xfrm>
+            <a:off x="215078" y="2622625"/>
+            <a:ext cx="780586" cy="725213"/>
+          </a:xfrm>
+          <a:prstGeom prst="smileyFace">
+            <a:avLst/>
+          </a:prstGeom>
+          <a:solidFill>
+            <a:schemeClr val="accent5">
+              <a:lumMod val="40000"/>
+              <a:lumOff val="60000"/>
+            </a:schemeClr>
+          </a:solidFill>
+        </p:spPr>
+        <p:style>
+          <a:lnRef idx="2">
+            <a:schemeClr val="accent1">
+              <a:shade val="15000"/>
+            </a:schemeClr>
+          </a:lnRef>
+          <a:fillRef idx="1">
+            <a:schemeClr val="accent1"/>
+          </a:fillRef>
+          <a:effectRef idx="0">
+            <a:schemeClr val="accent1"/>
+          </a:effectRef>
+          <a:fontRef idx="minor">
+            <a:schemeClr val="lt1"/>
+          </a:fontRef>
+        </p:style>
+        <p:txBody>
+          <a:bodyPr rtlCol="0" anchor="ctr"/>
+          <a:lstStyle/>
+          <a:p>
+            <a:pPr algn="ctr"/>
+            <a:endParaRPr lang="en-US"/>
+          </a:p>
+        </p:txBody>
+      </p:sp>
+      <p:sp>
+        <p:nvSpPr>
+          <p:cNvPr id="20" name="Rectangle 19">
+            <a:extLst>
+              <a:ext uri="{FF2B5EF4-FFF2-40B4-BE49-F238E27FC236}">
+                <a16:creationId xmlns:a16="http://schemas.microsoft.com/office/drawing/2014/main" id="{A5E90FA5-BDD2-BCF7-0771-0FCD4729605D}"/>
+              </a:ext>
+            </a:extLst>
+          </p:cNvPr>
+          <p:cNvSpPr/>
+          <p:nvPr/>
+        </p:nvSpPr>
+        <p:spPr>
+          <a:xfrm>
+            <a:off x="2642839" y="936702"/>
+            <a:ext cx="1014761" cy="4210602"/>
+          </a:xfrm>
+          <a:prstGeom prst="rect">
+            <a:avLst/>
+          </a:prstGeom>
+        </p:spPr>
+        <p:style>
+          <a:lnRef idx="2">
+            <a:schemeClr val="accent1">
+              <a:shade val="15000"/>
+            </a:schemeClr>
+          </a:lnRef>
+          <a:fillRef idx="1">
+            <a:schemeClr val="accent1"/>
+          </a:fillRef>
+          <a:effectRef idx="0">
+            <a:schemeClr val="accent1"/>
+          </a:effectRef>
+          <a:fontRef idx="minor">
+            <a:schemeClr val="lt1"/>
+          </a:fontRef>
+        </p:style>
+        <p:txBody>
+          <a:bodyPr rtlCol="0" anchor="ctr"/>
+          <a:lstStyle/>
+          <a:p>
+            <a:pPr algn="ctr"/>
+            <a:r>
+              <a:rPr lang="en-US" dirty="0"/>
+              <a:t>Load</a:t>
+            </a:r>
+          </a:p>
+          <a:p>
+            <a:pPr algn="ctr"/>
+            <a:r>
+              <a:rPr lang="en-US" dirty="0"/>
+              <a:t>Balance</a:t>
+            </a:r>
+          </a:p>
+        </p:txBody>
+      </p:sp>
+      <p:cxnSp>
+        <p:nvCxnSpPr>
+          <p:cNvPr id="21" name="Straight Arrow Connector 20">
+            <a:extLst>
+              <a:ext uri="{FF2B5EF4-FFF2-40B4-BE49-F238E27FC236}">
+                <a16:creationId xmlns:a16="http://schemas.microsoft.com/office/drawing/2014/main" id="{6709BB3A-6770-AC3C-DF81-07AA9DC6362D}"/>
+              </a:ext>
+            </a:extLst>
+          </p:cNvPr>
+          <p:cNvCxnSpPr>
+            <a:stCxn id="19" idx="6"/>
+          </p:cNvCxnSpPr>
+          <p:nvPr/>
+        </p:nvCxnSpPr>
+        <p:spPr>
+          <a:xfrm flipV="1">
+            <a:off x="995664" y="2985231"/>
+            <a:ext cx="1622953" cy="1"/>
+          </a:xfrm>
+          <a:prstGeom prst="straightConnector1">
+            <a:avLst/>
+          </a:prstGeom>
+          <a:ln>
+            <a:tailEnd type="triangle"/>
+          </a:ln>
+        </p:spPr>
+        <p:style>
+          <a:lnRef idx="2">
+            <a:schemeClr val="accent1"/>
+          </a:lnRef>
+          <a:fillRef idx="0">
+            <a:schemeClr val="accent1"/>
+          </a:fillRef>
+          <a:effectRef idx="1">
+            <a:schemeClr val="accent1"/>
+          </a:effectRef>
+          <a:fontRef idx="minor">
+            <a:schemeClr val="tx1"/>
+          </a:fontRef>
+        </p:style>
+      </p:cxnSp>
+      <p:sp>
+        <p:nvSpPr>
+          <p:cNvPr id="22" name="Smiley Face 21">
+            <a:extLst>
+              <a:ext uri="{FF2B5EF4-FFF2-40B4-BE49-F238E27FC236}">
+                <a16:creationId xmlns:a16="http://schemas.microsoft.com/office/drawing/2014/main" id="{603E3A5A-7CE3-0F6E-663A-FE81FF14A07C}"/>
+              </a:ext>
+            </a:extLst>
+          </p:cNvPr>
+          <p:cNvSpPr/>
+          <p:nvPr/>
+        </p:nvSpPr>
+        <p:spPr>
+          <a:xfrm>
+            <a:off x="243209" y="3822897"/>
+            <a:ext cx="780586" cy="725213"/>
+          </a:xfrm>
+          <a:prstGeom prst="smileyFace">
+            <a:avLst/>
+          </a:prstGeom>
+          <a:solidFill>
+            <a:schemeClr val="accent5">
+              <a:lumMod val="40000"/>
+              <a:lumOff val="60000"/>
+            </a:schemeClr>
+          </a:solidFill>
+        </p:spPr>
+        <p:style>
+          <a:lnRef idx="2">
+            <a:schemeClr val="accent1">
+              <a:shade val="15000"/>
+            </a:schemeClr>
+          </a:lnRef>
+          <a:fillRef idx="1">
+            <a:schemeClr val="accent1"/>
+          </a:fillRef>
+          <a:effectRef idx="0">
+            <a:schemeClr val="accent1"/>
+          </a:effectRef>
+          <a:fontRef idx="minor">
+            <a:schemeClr val="lt1"/>
+          </a:fontRef>
+        </p:style>
+        <p:txBody>
+          <a:bodyPr rtlCol="0" anchor="ctr"/>
+          <a:lstStyle/>
+          <a:p>
+            <a:pPr algn="ctr"/>
+            <a:endParaRPr lang="en-US"/>
+          </a:p>
+        </p:txBody>
+      </p:sp>
+      <p:cxnSp>
+        <p:nvCxnSpPr>
+          <p:cNvPr id="23" name="Straight Arrow Connector 22">
+            <a:extLst>
+              <a:ext uri="{FF2B5EF4-FFF2-40B4-BE49-F238E27FC236}">
+                <a16:creationId xmlns:a16="http://schemas.microsoft.com/office/drawing/2014/main" id="{435C6D18-0159-CC49-1A0A-5B6A2ABDD895}"/>
+              </a:ext>
+            </a:extLst>
+          </p:cNvPr>
+          <p:cNvCxnSpPr>
+            <a:stCxn id="22" idx="6"/>
+          </p:cNvCxnSpPr>
+          <p:nvPr/>
+        </p:nvCxnSpPr>
+        <p:spPr>
+          <a:xfrm flipV="1">
+            <a:off x="1023795" y="4185503"/>
+            <a:ext cx="1622249" cy="1"/>
+          </a:xfrm>
+          <a:prstGeom prst="straightConnector1">
+            <a:avLst/>
+          </a:prstGeom>
+          <a:ln>
+            <a:tailEnd type="triangle"/>
+          </a:ln>
+        </p:spPr>
+        <p:style>
+          <a:lnRef idx="2">
+            <a:schemeClr val="accent1"/>
+          </a:lnRef>
+          <a:fillRef idx="0">
+            <a:schemeClr val="accent1"/>
+          </a:fillRef>
+          <a:effectRef idx="1">
+            <a:schemeClr val="accent1"/>
+          </a:effectRef>
+          <a:fontRef idx="minor">
+            <a:schemeClr val="tx1"/>
+          </a:fontRef>
+        </p:style>
+      </p:cxnSp>
+      <p:sp>
+        <p:nvSpPr>
+          <p:cNvPr id="24" name="TextBox 23">
+            <a:extLst>
+              <a:ext uri="{FF2B5EF4-FFF2-40B4-BE49-F238E27FC236}">
+                <a16:creationId xmlns:a16="http://schemas.microsoft.com/office/drawing/2014/main" id="{3CC8FFF4-FD47-B0B2-8C29-FB9DAB841580}"/>
+              </a:ext>
+            </a:extLst>
+          </p:cNvPr>
+          <p:cNvSpPr txBox="1"/>
+          <p:nvPr/>
+        </p:nvSpPr>
+        <p:spPr>
+          <a:xfrm>
+            <a:off x="1200993" y="2469856"/>
+            <a:ext cx="1276619" cy="461665"/>
+          </a:xfrm>
+          <a:prstGeom prst="rect">
+            <a:avLst/>
+          </a:prstGeom>
+          <a:noFill/>
+        </p:spPr>
+        <p:txBody>
+          <a:bodyPr wrap="square" rtlCol="0">
+            <a:spAutoFit/>
+          </a:bodyPr>
+          <a:lstStyle/>
+          <a:p>
+            <a:r>
+              <a:rPr lang="en-US" sz="1200" dirty="0"/>
+              <a:t>Give me 3 random Strings</a:t>
+            </a:r>
+          </a:p>
+        </p:txBody>
+      </p:sp>
+      <p:sp>
+        <p:nvSpPr>
+          <p:cNvPr id="25" name="TextBox 24">
+            <a:extLst>
+              <a:ext uri="{FF2B5EF4-FFF2-40B4-BE49-F238E27FC236}">
+                <a16:creationId xmlns:a16="http://schemas.microsoft.com/office/drawing/2014/main" id="{7F9668FA-56AA-D336-0093-A7495B6CE917}"/>
+              </a:ext>
+            </a:extLst>
+          </p:cNvPr>
+          <p:cNvSpPr txBox="1"/>
+          <p:nvPr/>
+        </p:nvSpPr>
+        <p:spPr>
+          <a:xfrm>
+            <a:off x="1196609" y="3689076"/>
+            <a:ext cx="1276619" cy="461665"/>
+          </a:xfrm>
+          <a:prstGeom prst="rect">
+            <a:avLst/>
+          </a:prstGeom>
+          <a:noFill/>
+        </p:spPr>
+        <p:txBody>
+          <a:bodyPr wrap="square" rtlCol="0">
+            <a:spAutoFit/>
+          </a:bodyPr>
+          <a:lstStyle/>
+          <a:p>
+            <a:r>
+              <a:rPr lang="en-US" sz="1200" dirty="0"/>
+              <a:t>Give me 2 random Strings</a:t>
+            </a:r>
+          </a:p>
+        </p:txBody>
+      </p:sp>
+      <p:cxnSp>
+        <p:nvCxnSpPr>
+          <p:cNvPr id="26" name="Straight Arrow Connector 25">
+            <a:extLst>
+              <a:ext uri="{FF2B5EF4-FFF2-40B4-BE49-F238E27FC236}">
+                <a16:creationId xmlns:a16="http://schemas.microsoft.com/office/drawing/2014/main" id="{84A4DE48-D430-21B9-E411-B5E8CFD924EA}"/>
+              </a:ext>
+            </a:extLst>
+          </p:cNvPr>
+          <p:cNvCxnSpPr>
+            <a:stCxn id="20" idx="3"/>
+            <a:endCxn id="5" idx="1"/>
+          </p:cNvCxnSpPr>
+          <p:nvPr/>
+        </p:nvCxnSpPr>
+        <p:spPr>
+          <a:xfrm flipV="1">
+            <a:off x="3657600" y="2606391"/>
+            <a:ext cx="1321869" cy="435612"/>
+          </a:xfrm>
+          <a:prstGeom prst="straightConnector1">
+            <a:avLst/>
+          </a:prstGeom>
+          <a:ln>
+            <a:tailEnd type="triangle"/>
+          </a:ln>
+        </p:spPr>
+        <p:style>
+          <a:lnRef idx="2">
+            <a:schemeClr val="accent1"/>
+          </a:lnRef>
+          <a:fillRef idx="0">
+            <a:schemeClr val="accent1"/>
+          </a:fillRef>
+          <a:effectRef idx="1">
+            <a:schemeClr val="accent1"/>
+          </a:effectRef>
+          <a:fontRef idx="minor">
+            <a:schemeClr val="tx1"/>
+          </a:fontRef>
+        </p:style>
+      </p:cxnSp>
+      <p:cxnSp>
+        <p:nvCxnSpPr>
+          <p:cNvPr id="27" name="Straight Arrow Connector 26">
+            <a:extLst>
+              <a:ext uri="{FF2B5EF4-FFF2-40B4-BE49-F238E27FC236}">
+                <a16:creationId xmlns:a16="http://schemas.microsoft.com/office/drawing/2014/main" id="{2E5E4965-CC80-2CBF-BC87-A52DAF18251E}"/>
+              </a:ext>
+            </a:extLst>
+          </p:cNvPr>
+          <p:cNvCxnSpPr>
+            <a:stCxn id="20" idx="3"/>
+            <a:endCxn id="6" idx="1"/>
+          </p:cNvCxnSpPr>
+          <p:nvPr/>
+        </p:nvCxnSpPr>
+        <p:spPr>
+          <a:xfrm flipV="1">
+            <a:off x="3657600" y="2790322"/>
+            <a:ext cx="1474269" cy="251681"/>
+          </a:xfrm>
+          <a:prstGeom prst="straightConnector1">
+            <a:avLst/>
+          </a:prstGeom>
+          <a:ln>
+            <a:tailEnd type="triangle"/>
+          </a:ln>
+        </p:spPr>
+        <p:style>
+          <a:lnRef idx="2">
+            <a:schemeClr val="accent1"/>
+          </a:lnRef>
+          <a:fillRef idx="0">
+            <a:schemeClr val="accent1"/>
+          </a:fillRef>
+          <a:effectRef idx="1">
+            <a:schemeClr val="accent1"/>
+          </a:effectRef>
+          <a:fontRef idx="minor">
+            <a:schemeClr val="tx1"/>
+          </a:fontRef>
+        </p:style>
+      </p:cxnSp>
+      <p:cxnSp>
+        <p:nvCxnSpPr>
+          <p:cNvPr id="28" name="Straight Arrow Connector 27">
+            <a:extLst>
+              <a:ext uri="{FF2B5EF4-FFF2-40B4-BE49-F238E27FC236}">
+                <a16:creationId xmlns:a16="http://schemas.microsoft.com/office/drawing/2014/main" id="{7B2040D6-CFDE-3446-2BAE-102509B2A727}"/>
+              </a:ext>
+            </a:extLst>
+          </p:cNvPr>
+          <p:cNvCxnSpPr>
+            <a:stCxn id="20" idx="3"/>
+            <a:endCxn id="7" idx="1"/>
+          </p:cNvCxnSpPr>
+          <p:nvPr/>
+        </p:nvCxnSpPr>
+        <p:spPr>
+          <a:xfrm flipV="1">
+            <a:off x="3657600" y="2942722"/>
+            <a:ext cx="1626669" cy="99281"/>
+          </a:xfrm>
+          <a:prstGeom prst="straightConnector1">
+            <a:avLst/>
+          </a:prstGeom>
+          <a:ln>
+            <a:tailEnd type="triangle"/>
+          </a:ln>
+        </p:spPr>
+        <p:style>
+          <a:lnRef idx="2">
+            <a:schemeClr val="accent1"/>
+          </a:lnRef>
+          <a:fillRef idx="0">
+            <a:schemeClr val="accent1"/>
+          </a:fillRef>
+          <a:effectRef idx="1">
+            <a:schemeClr val="accent1"/>
+          </a:effectRef>
+          <a:fontRef idx="minor">
+            <a:schemeClr val="tx1"/>
+          </a:fontRef>
+        </p:style>
+      </p:cxnSp>
+      <p:cxnSp>
+        <p:nvCxnSpPr>
+          <p:cNvPr id="29" name="Straight Arrow Connector 28">
+            <a:extLst>
+              <a:ext uri="{FF2B5EF4-FFF2-40B4-BE49-F238E27FC236}">
+                <a16:creationId xmlns:a16="http://schemas.microsoft.com/office/drawing/2014/main" id="{B8429A2F-7563-4459-F0DB-25754C7C9103}"/>
+              </a:ext>
+            </a:extLst>
+          </p:cNvPr>
+          <p:cNvCxnSpPr>
+            <a:endCxn id="4" idx="2"/>
+          </p:cNvCxnSpPr>
+          <p:nvPr/>
+        </p:nvCxnSpPr>
+        <p:spPr>
+          <a:xfrm>
+            <a:off x="6408876" y="2065282"/>
+            <a:ext cx="2223276" cy="711651"/>
+          </a:xfrm>
+          <a:prstGeom prst="straightConnector1">
+            <a:avLst/>
+          </a:prstGeom>
+          <a:ln>
+            <a:headEnd type="triangle"/>
+            <a:tailEnd type="triangle"/>
+          </a:ln>
+        </p:spPr>
+        <p:style>
+          <a:lnRef idx="2">
+            <a:schemeClr val="accent1"/>
+          </a:lnRef>
+          <a:fillRef idx="0">
+            <a:schemeClr val="accent1"/>
+          </a:fillRef>
+          <a:effectRef idx="1">
+            <a:schemeClr val="accent1"/>
+          </a:effectRef>
+          <a:fontRef idx="minor">
+            <a:schemeClr val="tx1"/>
+          </a:fontRef>
+        </p:style>
+      </p:cxnSp>
+      <p:cxnSp>
+        <p:nvCxnSpPr>
+          <p:cNvPr id="30" name="Straight Arrow Connector 29">
+            <a:extLst>
+              <a:ext uri="{FF2B5EF4-FFF2-40B4-BE49-F238E27FC236}">
+                <a16:creationId xmlns:a16="http://schemas.microsoft.com/office/drawing/2014/main" id="{80236860-AE63-CA53-07FA-E6FEA5A518F5}"/>
+              </a:ext>
+            </a:extLst>
+          </p:cNvPr>
+          <p:cNvCxnSpPr>
+            <a:endCxn id="4" idx="2"/>
+          </p:cNvCxnSpPr>
+          <p:nvPr/>
+        </p:nvCxnSpPr>
+        <p:spPr>
+          <a:xfrm>
+            <a:off x="6561276" y="2191301"/>
+            <a:ext cx="2070876" cy="585632"/>
+          </a:xfrm>
+          <a:prstGeom prst="straightConnector1">
+            <a:avLst/>
+          </a:prstGeom>
+          <a:ln>
+            <a:headEnd type="triangle"/>
+            <a:tailEnd type="triangle"/>
+          </a:ln>
+        </p:spPr>
+        <p:style>
+          <a:lnRef idx="2">
+            <a:schemeClr val="accent1"/>
+          </a:lnRef>
+          <a:fillRef idx="0">
+            <a:schemeClr val="accent1"/>
+          </a:fillRef>
+          <a:effectRef idx="1">
+            <a:schemeClr val="accent1"/>
+          </a:effectRef>
+          <a:fontRef idx="minor">
+            <a:schemeClr val="tx1"/>
+          </a:fontRef>
+        </p:style>
+      </p:cxnSp>
+      <p:cxnSp>
+        <p:nvCxnSpPr>
+          <p:cNvPr id="31" name="Straight Arrow Connector 30">
+            <a:extLst>
+              <a:ext uri="{FF2B5EF4-FFF2-40B4-BE49-F238E27FC236}">
+                <a16:creationId xmlns:a16="http://schemas.microsoft.com/office/drawing/2014/main" id="{281BCE9A-0B13-5CE3-1C00-35FC69376ACC}"/>
+              </a:ext>
+            </a:extLst>
+          </p:cNvPr>
+          <p:cNvCxnSpPr>
+            <a:endCxn id="4" idx="2"/>
+          </p:cNvCxnSpPr>
+          <p:nvPr/>
+        </p:nvCxnSpPr>
+        <p:spPr>
+          <a:xfrm>
+            <a:off x="6713676" y="2335750"/>
+            <a:ext cx="1918476" cy="441183"/>
+          </a:xfrm>
+          <a:prstGeom prst="straightConnector1">
+            <a:avLst/>
+          </a:prstGeom>
+          <a:ln>
+            <a:headEnd type="triangle"/>
+            <a:tailEnd type="triangle"/>
+          </a:ln>
+        </p:spPr>
+        <p:style>
+          <a:lnRef idx="2">
+            <a:schemeClr val="accent1"/>
+          </a:lnRef>
+          <a:fillRef idx="0">
+            <a:schemeClr val="accent1"/>
+          </a:fillRef>
+          <a:effectRef idx="1">
+            <a:schemeClr val="accent1"/>
+          </a:effectRef>
+          <a:fontRef idx="minor">
+            <a:schemeClr val="tx1"/>
+          </a:fontRef>
+        </p:style>
+      </p:cxnSp>
+      <p:sp>
+        <p:nvSpPr>
+          <p:cNvPr id="32" name="TextBox 31">
+            <a:extLst>
+              <a:ext uri="{FF2B5EF4-FFF2-40B4-BE49-F238E27FC236}">
+                <a16:creationId xmlns:a16="http://schemas.microsoft.com/office/drawing/2014/main" id="{FD9BA8D6-5304-A833-4690-CC42B10FA5D5}"/>
+              </a:ext>
+            </a:extLst>
+          </p:cNvPr>
+          <p:cNvSpPr txBox="1"/>
+          <p:nvPr/>
+        </p:nvSpPr>
+        <p:spPr>
+          <a:xfrm>
+            <a:off x="8119604" y="78800"/>
+            <a:ext cx="2223276" cy="646331"/>
+          </a:xfrm>
+          <a:prstGeom prst="rect">
+            <a:avLst/>
+          </a:prstGeom>
+          <a:noFill/>
+        </p:spPr>
+        <p:txBody>
+          <a:bodyPr wrap="square" rtlCol="0">
+            <a:spAutoFit/>
+          </a:bodyPr>
+          <a:lstStyle/>
+          <a:p>
+            <a:r>
+              <a:rPr lang="en-US" dirty="0"/>
+              <a:t>Strings have been pre-computed</a:t>
+            </a:r>
+          </a:p>
+        </p:txBody>
+      </p:sp>
+      <p:sp>
+        <p:nvSpPr>
+          <p:cNvPr id="33" name="TextBox 32">
+            <a:extLst>
+              <a:ext uri="{FF2B5EF4-FFF2-40B4-BE49-F238E27FC236}">
+                <a16:creationId xmlns:a16="http://schemas.microsoft.com/office/drawing/2014/main" id="{25C8E6E5-C7D6-74E8-C4BB-8D9C34F5C15B}"/>
+              </a:ext>
+            </a:extLst>
+          </p:cNvPr>
+          <p:cNvSpPr txBox="1"/>
+          <p:nvPr/>
+        </p:nvSpPr>
+        <p:spPr>
+          <a:xfrm>
+            <a:off x="4265088" y="4004266"/>
+            <a:ext cx="4072818" cy="923330"/>
+          </a:xfrm>
+          <a:prstGeom prst="rect">
+            <a:avLst/>
+          </a:prstGeom>
+          <a:noFill/>
+        </p:spPr>
+        <p:txBody>
+          <a:bodyPr wrap="square" rtlCol="0">
+            <a:spAutoFit/>
+          </a:bodyPr>
+          <a:lstStyle/>
+          <a:p>
+            <a:r>
+              <a:rPr lang="en-US" dirty="0"/>
+              <a:t>Server is replicated (different PODs).</a:t>
+            </a:r>
+            <a:br>
+              <a:rPr lang="en-US" dirty="0"/>
+            </a:br>
+            <a:r>
+              <a:rPr lang="en-US" dirty="0"/>
+              <a:t>Each server has a singleton connection opened with the DB</a:t>
+            </a:r>
+          </a:p>
+        </p:txBody>
+      </p:sp>
+      <p:sp>
+        <p:nvSpPr>
+          <p:cNvPr id="34" name="TextBox 33">
+            <a:extLst>
+              <a:ext uri="{FF2B5EF4-FFF2-40B4-BE49-F238E27FC236}">
+                <a16:creationId xmlns:a16="http://schemas.microsoft.com/office/drawing/2014/main" id="{E5E5CB79-D983-C08D-E1AF-38D77FE20ADA}"/>
+              </a:ext>
+            </a:extLst>
+          </p:cNvPr>
+          <p:cNvSpPr txBox="1"/>
+          <p:nvPr/>
+        </p:nvSpPr>
+        <p:spPr>
+          <a:xfrm>
+            <a:off x="356007" y="4839937"/>
+            <a:ext cx="2117222" cy="1477328"/>
+          </a:xfrm>
+          <a:prstGeom prst="rect">
+            <a:avLst/>
+          </a:prstGeom>
+          <a:noFill/>
+        </p:spPr>
+        <p:txBody>
+          <a:bodyPr wrap="square" rtlCol="0">
+            <a:spAutoFit/>
+          </a:bodyPr>
+          <a:lstStyle/>
+          <a:p>
+            <a:r>
+              <a:rPr lang="en-US" dirty="0"/>
+              <a:t>Different clients can call the API in parallel to request X number of unique strings</a:t>
+            </a:r>
+          </a:p>
+        </p:txBody>
+      </p:sp>
+      <p:sp>
+        <p:nvSpPr>
+          <p:cNvPr id="35" name="TextBox 34">
+            <a:extLst>
+              <a:ext uri="{FF2B5EF4-FFF2-40B4-BE49-F238E27FC236}">
+                <a16:creationId xmlns:a16="http://schemas.microsoft.com/office/drawing/2014/main" id="{1933A2DD-BF48-DF8C-45A3-016EC2205A39}"/>
+              </a:ext>
+            </a:extLst>
+          </p:cNvPr>
+          <p:cNvSpPr txBox="1"/>
+          <p:nvPr/>
+        </p:nvSpPr>
+        <p:spPr>
+          <a:xfrm>
+            <a:off x="3805377" y="5855600"/>
+            <a:ext cx="5511798" cy="369332"/>
+          </a:xfrm>
+          <a:prstGeom prst="rect">
+            <a:avLst/>
+          </a:prstGeom>
+          <a:noFill/>
+        </p:spPr>
+        <p:txBody>
+          <a:bodyPr wrap="square" rtlCol="0">
+            <a:spAutoFit/>
+          </a:bodyPr>
+          <a:lstStyle/>
+          <a:p>
+            <a:r>
+              <a:rPr lang="en-US" b="1" dirty="0">
+                <a:solidFill>
+                  <a:schemeClr val="accent6"/>
+                </a:solidFill>
+              </a:rPr>
+              <a:t>Requirement: Return UNIQUE strings to the clients</a:t>
+            </a:r>
+          </a:p>
+        </p:txBody>
+      </p:sp>
+    </p:spTree>
+    <p:extLst>
+      <p:ext uri="{BB962C8B-B14F-4D97-AF65-F5344CB8AC3E}">
+        <p14:creationId xmlns:p14="http://schemas.microsoft.com/office/powerpoint/2010/main" val="247324843"/>
+      </p:ext>
+    </p:extLst>
+  </p:cSld>
+  <p:clrMapOvr>
+    <a:masterClrMapping/>
+  </p:clrMapOvr>
+</p:sld>
+</file>
+
+<file path=ppt/slides/slide17.xml><?xml version="1.0" encoding="utf-8"?>
+<p:sld xmlns:a="http://schemas.openxmlformats.org/drawingml/2006/main" xmlns:r="http://schemas.openxmlformats.org/officeDocument/2006/relationships" xmlns:p="http://schemas.openxmlformats.org/presentationml/2006/main">
+  <p:cSld>
+    <p:spTree>
+      <p:nvGrpSpPr>
+        <p:cNvPr id="1" name="">
+          <a:extLst>
+            <a:ext uri="{FF2B5EF4-FFF2-40B4-BE49-F238E27FC236}">
+              <a16:creationId xmlns:a16="http://schemas.microsoft.com/office/drawing/2014/main" id="{BE01570C-FAC9-97D5-3BF2-387F6D322DEE}"/>
+            </a:ext>
+          </a:extLst>
+        </p:cNvPr>
+        <p:cNvGrpSpPr/>
+        <p:nvPr/>
+      </p:nvGrpSpPr>
+      <p:grpSpPr>
+        <a:xfrm>
+          <a:off x="0" y="0"/>
+          <a:ext cx="0" cy="0"/>
+          <a:chOff x="0" y="0"/>
+          <a:chExt cx="0" cy="0"/>
+        </a:xfrm>
+      </p:grpSpPr>
+      <p:sp>
+        <p:nvSpPr>
+          <p:cNvPr id="4" name="Can 3">
+            <a:extLst>
+              <a:ext uri="{FF2B5EF4-FFF2-40B4-BE49-F238E27FC236}">
+                <a16:creationId xmlns:a16="http://schemas.microsoft.com/office/drawing/2014/main" id="{B821416B-CF5C-79F3-2E74-CB774C07CAB8}"/>
+              </a:ext>
+            </a:extLst>
+          </p:cNvPr>
+          <p:cNvSpPr/>
+          <p:nvPr/>
+        </p:nvSpPr>
+        <p:spPr>
+          <a:xfrm>
+            <a:off x="8632152" y="1762684"/>
+            <a:ext cx="1198180" cy="2028497"/>
+          </a:xfrm>
+          <a:prstGeom prst="can">
+            <a:avLst/>
+          </a:prstGeom>
+        </p:spPr>
+        <p:style>
+          <a:lnRef idx="2">
+            <a:schemeClr val="accent1">
+              <a:shade val="15000"/>
+            </a:schemeClr>
+          </a:lnRef>
+          <a:fillRef idx="1">
+            <a:schemeClr val="accent1"/>
+          </a:fillRef>
+          <a:effectRef idx="0">
+            <a:schemeClr val="accent1"/>
+          </a:effectRef>
+          <a:fontRef idx="minor">
+            <a:schemeClr val="lt1"/>
+          </a:fontRef>
+        </p:style>
+        <p:txBody>
+          <a:bodyPr rtlCol="0" anchor="ctr"/>
+          <a:lstStyle/>
+          <a:p>
+            <a:pPr algn="ctr"/>
+            <a:r>
+              <a:rPr lang="en-US" dirty="0"/>
+              <a:t>Strings</a:t>
+            </a:r>
+          </a:p>
+          <a:p>
+            <a:pPr algn="ctr"/>
+            <a:r>
+              <a:rPr lang="en-US" dirty="0"/>
+              <a:t>DB</a:t>
+            </a:r>
+          </a:p>
+        </p:txBody>
+      </p:sp>
+      <p:sp>
+        <p:nvSpPr>
+          <p:cNvPr id="5" name="Rectangle 4">
+            <a:extLst>
+              <a:ext uri="{FF2B5EF4-FFF2-40B4-BE49-F238E27FC236}">
+                <a16:creationId xmlns:a16="http://schemas.microsoft.com/office/drawing/2014/main" id="{8756CA47-74B7-6CC4-B2B6-BF78814C1484}"/>
+              </a:ext>
+            </a:extLst>
+          </p:cNvPr>
+          <p:cNvSpPr/>
+          <p:nvPr/>
+        </p:nvSpPr>
+        <p:spPr>
+          <a:xfrm>
+            <a:off x="4979469" y="1999419"/>
+            <a:ext cx="1429407" cy="1213944"/>
+          </a:xfrm>
+          <a:prstGeom prst="rect">
+            <a:avLst/>
+          </a:prstGeom>
+          <a:solidFill>
+            <a:schemeClr val="accent6">
+              <a:lumMod val="60000"/>
+              <a:lumOff val="40000"/>
+            </a:schemeClr>
+          </a:solidFill>
+        </p:spPr>
+        <p:style>
+          <a:lnRef idx="2">
+            <a:schemeClr val="accent1">
+              <a:shade val="15000"/>
+            </a:schemeClr>
+          </a:lnRef>
+          <a:fillRef idx="1">
+            <a:schemeClr val="accent1"/>
+          </a:fillRef>
+          <a:effectRef idx="0">
+            <a:schemeClr val="accent1"/>
+          </a:effectRef>
+          <a:fontRef idx="minor">
+            <a:schemeClr val="lt1"/>
+          </a:fontRef>
+        </p:style>
+        <p:txBody>
+          <a:bodyPr rtlCol="0" anchor="ctr"/>
+          <a:lstStyle/>
+          <a:p>
+            <a:pPr algn="ctr"/>
+            <a:endParaRPr lang="en-US"/>
+          </a:p>
+        </p:txBody>
+      </p:sp>
+      <p:sp>
+        <p:nvSpPr>
+          <p:cNvPr id="6" name="Rectangle 5">
+            <a:extLst>
+              <a:ext uri="{FF2B5EF4-FFF2-40B4-BE49-F238E27FC236}">
+                <a16:creationId xmlns:a16="http://schemas.microsoft.com/office/drawing/2014/main" id="{4255E1D1-ED95-559E-B028-DA2D57939B23}"/>
+              </a:ext>
+            </a:extLst>
+          </p:cNvPr>
+          <p:cNvSpPr/>
+          <p:nvPr/>
+        </p:nvSpPr>
+        <p:spPr>
+          <a:xfrm>
+            <a:off x="5131869" y="2183350"/>
+            <a:ext cx="1429407" cy="1213944"/>
+          </a:xfrm>
+          <a:prstGeom prst="rect">
+            <a:avLst/>
+          </a:prstGeom>
+          <a:solidFill>
+            <a:schemeClr val="accent6">
+              <a:lumMod val="60000"/>
+              <a:lumOff val="40000"/>
+            </a:schemeClr>
+          </a:solidFill>
+        </p:spPr>
+        <p:style>
+          <a:lnRef idx="2">
+            <a:schemeClr val="accent1">
+              <a:shade val="15000"/>
+            </a:schemeClr>
+          </a:lnRef>
+          <a:fillRef idx="1">
+            <a:schemeClr val="accent1"/>
+          </a:fillRef>
+          <a:effectRef idx="0">
+            <a:schemeClr val="accent1"/>
+          </a:effectRef>
+          <a:fontRef idx="minor">
+            <a:schemeClr val="lt1"/>
+          </a:fontRef>
+        </p:style>
+        <p:txBody>
+          <a:bodyPr rtlCol="0" anchor="ctr"/>
+          <a:lstStyle/>
+          <a:p>
+            <a:pPr algn="ctr"/>
+            <a:endParaRPr lang="en-US"/>
+          </a:p>
+        </p:txBody>
+      </p:sp>
+      <p:sp>
+        <p:nvSpPr>
+          <p:cNvPr id="7" name="Rectangle 6">
+            <a:extLst>
+              <a:ext uri="{FF2B5EF4-FFF2-40B4-BE49-F238E27FC236}">
+                <a16:creationId xmlns:a16="http://schemas.microsoft.com/office/drawing/2014/main" id="{41FF88D8-389C-FBCE-D54E-B79B5410BDEA}"/>
+              </a:ext>
+            </a:extLst>
+          </p:cNvPr>
+          <p:cNvSpPr/>
+          <p:nvPr/>
+        </p:nvSpPr>
+        <p:spPr>
+          <a:xfrm>
+            <a:off x="5284269" y="2335750"/>
+            <a:ext cx="1429407" cy="1213944"/>
+          </a:xfrm>
+          <a:prstGeom prst="rect">
+            <a:avLst/>
+          </a:prstGeom>
+          <a:solidFill>
+            <a:schemeClr val="accent6">
+              <a:lumMod val="60000"/>
+              <a:lumOff val="40000"/>
+            </a:schemeClr>
+          </a:solidFill>
+        </p:spPr>
+        <p:style>
+          <a:lnRef idx="2">
+            <a:schemeClr val="accent1">
+              <a:shade val="15000"/>
+            </a:schemeClr>
+          </a:lnRef>
+          <a:fillRef idx="1">
+            <a:schemeClr val="accent1"/>
+          </a:fillRef>
+          <a:effectRef idx="0">
+            <a:schemeClr val="accent1"/>
+          </a:effectRef>
+          <a:fontRef idx="minor">
+            <a:schemeClr val="lt1"/>
+          </a:fontRef>
+        </p:style>
+        <p:txBody>
+          <a:bodyPr rtlCol="0" anchor="ctr"/>
+          <a:lstStyle/>
+          <a:p>
+            <a:pPr algn="ctr"/>
+            <a:endParaRPr lang="en-US"/>
+          </a:p>
+        </p:txBody>
+      </p:sp>
+      <p:sp>
+        <p:nvSpPr>
+          <p:cNvPr id="8" name="Rectangle 7">
+            <a:extLst>
+              <a:ext uri="{FF2B5EF4-FFF2-40B4-BE49-F238E27FC236}">
+                <a16:creationId xmlns:a16="http://schemas.microsoft.com/office/drawing/2014/main" id="{AE21FEA8-7E0F-838C-C1E8-754D0470C8A7}"/>
+              </a:ext>
+            </a:extLst>
+          </p:cNvPr>
+          <p:cNvSpPr/>
+          <p:nvPr/>
+        </p:nvSpPr>
+        <p:spPr>
+          <a:xfrm>
+            <a:off x="5436669" y="2488150"/>
+            <a:ext cx="1429407" cy="1213944"/>
+          </a:xfrm>
+          <a:prstGeom prst="rect">
+            <a:avLst/>
+          </a:prstGeom>
+          <a:solidFill>
+            <a:schemeClr val="accent6">
+              <a:lumMod val="60000"/>
+              <a:lumOff val="40000"/>
+            </a:schemeClr>
+          </a:solidFill>
+        </p:spPr>
+        <p:style>
+          <a:lnRef idx="2">
+            <a:schemeClr val="accent1">
+              <a:shade val="15000"/>
+            </a:schemeClr>
+          </a:lnRef>
+          <a:fillRef idx="1">
+            <a:schemeClr val="accent1"/>
+          </a:fillRef>
+          <a:effectRef idx="0">
+            <a:schemeClr val="accent1"/>
+          </a:effectRef>
+          <a:fontRef idx="minor">
+            <a:schemeClr val="lt1"/>
+          </a:fontRef>
+        </p:style>
+        <p:txBody>
+          <a:bodyPr rtlCol="0" anchor="ctr"/>
+          <a:lstStyle/>
+          <a:p>
+            <a:pPr algn="ctr"/>
+            <a:r>
+              <a:rPr lang="en-US" dirty="0"/>
+              <a:t>Server</a:t>
+            </a:r>
+          </a:p>
+        </p:txBody>
+      </p:sp>
+      <p:sp>
+        <p:nvSpPr>
+          <p:cNvPr id="9" name="TextBox 8">
+            <a:extLst>
+              <a:ext uri="{FF2B5EF4-FFF2-40B4-BE49-F238E27FC236}">
+                <a16:creationId xmlns:a16="http://schemas.microsoft.com/office/drawing/2014/main" id="{0F00AACA-5CC5-F5B8-F101-AA370FED9551}"/>
+              </a:ext>
+            </a:extLst>
+          </p:cNvPr>
+          <p:cNvSpPr txBox="1"/>
+          <p:nvPr/>
+        </p:nvSpPr>
+        <p:spPr>
+          <a:xfrm>
+            <a:off x="10101212" y="434897"/>
+            <a:ext cx="1998752" cy="646331"/>
+          </a:xfrm>
+          <a:prstGeom prst="rect">
+            <a:avLst/>
+          </a:prstGeom>
+          <a:noFill/>
+        </p:spPr>
+        <p:txBody>
+          <a:bodyPr wrap="square" rtlCol="0">
+            <a:spAutoFit/>
+          </a:bodyPr>
+          <a:lstStyle/>
+          <a:p>
+            <a:r>
+              <a:rPr lang="en-US" dirty="0">
+                <a:solidFill>
+                  <a:srgbClr val="FF0000"/>
+                </a:solidFill>
+              </a:rPr>
+              <a:t>{ string: “00cc11”,</a:t>
+            </a:r>
+          </a:p>
+          <a:p>
+            <a:r>
+              <a:rPr lang="en-US" dirty="0">
+                <a:solidFill>
+                  <a:srgbClr val="FF0000"/>
+                </a:solidFill>
+              </a:rPr>
+              <a:t>  “used”: “false” }</a:t>
+            </a:r>
+          </a:p>
+        </p:txBody>
+      </p:sp>
+      <p:sp>
+        <p:nvSpPr>
+          <p:cNvPr id="10" name="TextBox 9">
+            <a:extLst>
+              <a:ext uri="{FF2B5EF4-FFF2-40B4-BE49-F238E27FC236}">
+                <a16:creationId xmlns:a16="http://schemas.microsoft.com/office/drawing/2014/main" id="{DB02045C-13E7-73AE-E292-C798BF469165}"/>
+              </a:ext>
+            </a:extLst>
+          </p:cNvPr>
+          <p:cNvSpPr txBox="1"/>
+          <p:nvPr/>
+        </p:nvSpPr>
+        <p:spPr>
+          <a:xfrm>
+            <a:off x="10101212" y="1253385"/>
+            <a:ext cx="1894045" cy="646331"/>
+          </a:xfrm>
+          <a:prstGeom prst="rect">
+            <a:avLst/>
+          </a:prstGeom>
+          <a:noFill/>
+        </p:spPr>
+        <p:txBody>
+          <a:bodyPr wrap="square" rtlCol="0">
+            <a:spAutoFit/>
+          </a:bodyPr>
+          <a:lstStyle/>
+          <a:p>
+            <a:r>
+              <a:rPr lang="en-US" dirty="0">
+                <a:solidFill>
+                  <a:srgbClr val="FF0000"/>
+                </a:solidFill>
+              </a:rPr>
+              <a:t>{ string: “xx6411”,</a:t>
+            </a:r>
+          </a:p>
+          <a:p>
+            <a:r>
+              <a:rPr lang="en-US" dirty="0">
+                <a:solidFill>
+                  <a:srgbClr val="FF0000"/>
+                </a:solidFill>
+              </a:rPr>
+              <a:t>  “used”: “false” }</a:t>
+            </a:r>
+          </a:p>
+        </p:txBody>
+      </p:sp>
+      <p:sp>
+        <p:nvSpPr>
+          <p:cNvPr id="11" name="TextBox 10">
+            <a:extLst>
+              <a:ext uri="{FF2B5EF4-FFF2-40B4-BE49-F238E27FC236}">
+                <a16:creationId xmlns:a16="http://schemas.microsoft.com/office/drawing/2014/main" id="{716235FC-42A5-D7C5-BAFA-A3EC884DB712}"/>
+              </a:ext>
+            </a:extLst>
+          </p:cNvPr>
+          <p:cNvSpPr txBox="1"/>
+          <p:nvPr/>
+        </p:nvSpPr>
+        <p:spPr>
+          <a:xfrm>
+            <a:off x="10101211" y="2065282"/>
+            <a:ext cx="1949060" cy="646331"/>
+          </a:xfrm>
+          <a:prstGeom prst="rect">
+            <a:avLst/>
+          </a:prstGeom>
+          <a:noFill/>
+        </p:spPr>
+        <p:txBody>
+          <a:bodyPr wrap="square" rtlCol="0">
+            <a:spAutoFit/>
+          </a:bodyPr>
+          <a:lstStyle/>
+          <a:p>
+            <a:r>
+              <a:rPr lang="en-US" dirty="0"/>
+              <a:t>{ string: “74d412”,</a:t>
+            </a:r>
+          </a:p>
+          <a:p>
+            <a:r>
+              <a:rPr lang="en-US" dirty="0"/>
+              <a:t>  “used”: “false” }</a:t>
+            </a:r>
+          </a:p>
+        </p:txBody>
+      </p:sp>
+      <p:sp>
+        <p:nvSpPr>
+          <p:cNvPr id="12" name="TextBox 11">
+            <a:extLst>
+              <a:ext uri="{FF2B5EF4-FFF2-40B4-BE49-F238E27FC236}">
+                <a16:creationId xmlns:a16="http://schemas.microsoft.com/office/drawing/2014/main" id="{66BFA5C3-E5D2-76EF-1493-EDF33DD2D6D3}"/>
+              </a:ext>
+            </a:extLst>
+          </p:cNvPr>
+          <p:cNvSpPr txBox="1"/>
+          <p:nvPr/>
+        </p:nvSpPr>
+        <p:spPr>
+          <a:xfrm>
+            <a:off x="10126058" y="2877179"/>
+            <a:ext cx="1894558" cy="646331"/>
+          </a:xfrm>
+          <a:prstGeom prst="rect">
+            <a:avLst/>
+          </a:prstGeom>
+          <a:noFill/>
+        </p:spPr>
+        <p:txBody>
+          <a:bodyPr wrap="square" rtlCol="0">
+            <a:spAutoFit/>
+          </a:bodyPr>
+          <a:lstStyle/>
+          <a:p>
+            <a:r>
+              <a:rPr lang="en-US" dirty="0"/>
+              <a:t>{ string: “hww40”,</a:t>
+            </a:r>
+          </a:p>
+          <a:p>
+            <a:r>
+              <a:rPr lang="en-US" dirty="0"/>
+              <a:t>  “used”: “false” }</a:t>
+            </a:r>
+          </a:p>
+        </p:txBody>
+      </p:sp>
+      <p:sp>
+        <p:nvSpPr>
+          <p:cNvPr id="13" name="TextBox 12">
+            <a:extLst>
+              <a:ext uri="{FF2B5EF4-FFF2-40B4-BE49-F238E27FC236}">
+                <a16:creationId xmlns:a16="http://schemas.microsoft.com/office/drawing/2014/main" id="{D58A2ECE-774D-6702-7A9E-50A12D86A63D}"/>
+              </a:ext>
+            </a:extLst>
+          </p:cNvPr>
+          <p:cNvSpPr txBox="1"/>
+          <p:nvPr/>
+        </p:nvSpPr>
+        <p:spPr>
+          <a:xfrm>
+            <a:off x="10135132" y="3689076"/>
+            <a:ext cx="1860125" cy="646331"/>
+          </a:xfrm>
+          <a:prstGeom prst="rect">
+            <a:avLst/>
+          </a:prstGeom>
+          <a:noFill/>
+        </p:spPr>
+        <p:txBody>
+          <a:bodyPr wrap="square" rtlCol="0">
+            <a:spAutoFit/>
+          </a:bodyPr>
+          <a:lstStyle/>
+          <a:p>
+            <a:r>
+              <a:rPr lang="en-US" dirty="0"/>
+              <a:t>{ string: “211zxz”,</a:t>
+            </a:r>
+          </a:p>
+          <a:p>
+            <a:r>
+              <a:rPr lang="en-US" dirty="0"/>
+              <a:t>  “used”: “false” }</a:t>
+            </a:r>
+          </a:p>
+        </p:txBody>
+      </p:sp>
+      <p:sp>
+        <p:nvSpPr>
+          <p:cNvPr id="14" name="TextBox 13">
+            <a:extLst>
+              <a:ext uri="{FF2B5EF4-FFF2-40B4-BE49-F238E27FC236}">
+                <a16:creationId xmlns:a16="http://schemas.microsoft.com/office/drawing/2014/main" id="{8BE7DA44-832D-554C-5544-90C35EDEE4C5}"/>
+              </a:ext>
+            </a:extLst>
+          </p:cNvPr>
+          <p:cNvSpPr txBox="1"/>
+          <p:nvPr/>
+        </p:nvSpPr>
+        <p:spPr>
+          <a:xfrm>
+            <a:off x="10190146" y="4500973"/>
+            <a:ext cx="1907382" cy="646331"/>
+          </a:xfrm>
+          <a:prstGeom prst="rect">
+            <a:avLst/>
+          </a:prstGeom>
+          <a:noFill/>
+        </p:spPr>
+        <p:txBody>
+          <a:bodyPr wrap="square" rtlCol="0">
+            <a:spAutoFit/>
+          </a:bodyPr>
+          <a:lstStyle/>
+          <a:p>
+            <a:r>
+              <a:rPr lang="en-US" dirty="0"/>
+              <a:t>{ string: “b4v3z7”,</a:t>
+            </a:r>
+          </a:p>
+          <a:p>
+            <a:r>
+              <a:rPr lang="en-US" dirty="0"/>
+              <a:t>  “used”: “false” }</a:t>
+            </a:r>
+          </a:p>
+        </p:txBody>
+      </p:sp>
+      <p:sp>
+        <p:nvSpPr>
+          <p:cNvPr id="15" name="Smiley Face 14">
+            <a:extLst>
+              <a:ext uri="{FF2B5EF4-FFF2-40B4-BE49-F238E27FC236}">
+                <a16:creationId xmlns:a16="http://schemas.microsoft.com/office/drawing/2014/main" id="{452B2389-64B2-7E23-C2F1-FA79DE516109}"/>
+              </a:ext>
+            </a:extLst>
+          </p:cNvPr>
+          <p:cNvSpPr/>
+          <p:nvPr/>
+        </p:nvSpPr>
+        <p:spPr>
+          <a:xfrm>
+            <a:off x="215078" y="1466088"/>
+            <a:ext cx="780586" cy="725213"/>
+          </a:xfrm>
+          <a:prstGeom prst="smileyFace">
+            <a:avLst/>
+          </a:prstGeom>
+          <a:solidFill>
+            <a:schemeClr val="accent5">
+              <a:lumMod val="40000"/>
+              <a:lumOff val="60000"/>
+            </a:schemeClr>
+          </a:solidFill>
+        </p:spPr>
+        <p:style>
+          <a:lnRef idx="2">
+            <a:schemeClr val="accent1">
+              <a:shade val="15000"/>
+            </a:schemeClr>
+          </a:lnRef>
+          <a:fillRef idx="1">
+            <a:schemeClr val="accent1"/>
+          </a:fillRef>
+          <a:effectRef idx="0">
+            <a:schemeClr val="accent1"/>
+          </a:effectRef>
+          <a:fontRef idx="minor">
+            <a:schemeClr val="lt1"/>
+          </a:fontRef>
+        </p:style>
+        <p:txBody>
+          <a:bodyPr rtlCol="0" anchor="ctr"/>
+          <a:lstStyle/>
+          <a:p>
+            <a:pPr algn="ctr"/>
+            <a:endParaRPr lang="en-US"/>
+          </a:p>
+        </p:txBody>
+      </p:sp>
+      <p:sp>
+        <p:nvSpPr>
+          <p:cNvPr id="16" name="TextBox 15">
+            <a:extLst>
+              <a:ext uri="{FF2B5EF4-FFF2-40B4-BE49-F238E27FC236}">
+                <a16:creationId xmlns:a16="http://schemas.microsoft.com/office/drawing/2014/main" id="{A07968EE-2BA5-F8CF-5B8D-36DA1F1AF043}"/>
+              </a:ext>
+            </a:extLst>
+          </p:cNvPr>
+          <p:cNvSpPr txBox="1"/>
+          <p:nvPr/>
+        </p:nvSpPr>
+        <p:spPr>
+          <a:xfrm>
+            <a:off x="10190146" y="5312870"/>
+            <a:ext cx="1937775" cy="646331"/>
+          </a:xfrm>
+          <a:prstGeom prst="rect">
+            <a:avLst/>
+          </a:prstGeom>
+          <a:noFill/>
+        </p:spPr>
+        <p:txBody>
+          <a:bodyPr wrap="square" rtlCol="0">
+            <a:spAutoFit/>
+          </a:bodyPr>
+          <a:lstStyle/>
+          <a:p>
+            <a:r>
+              <a:rPr lang="en-US" dirty="0"/>
+              <a:t>{ string: “aaa311”,</a:t>
+            </a:r>
+          </a:p>
+          <a:p>
+            <a:r>
+              <a:rPr lang="en-US" dirty="0"/>
+              <a:t>  “used”: “false” }</a:t>
+            </a:r>
+          </a:p>
+        </p:txBody>
+      </p:sp>
+      <p:cxnSp>
+        <p:nvCxnSpPr>
+          <p:cNvPr id="17" name="Straight Arrow Connector 16">
+            <a:extLst>
+              <a:ext uri="{FF2B5EF4-FFF2-40B4-BE49-F238E27FC236}">
+                <a16:creationId xmlns:a16="http://schemas.microsoft.com/office/drawing/2014/main" id="{0B55F20F-12A5-190F-5241-0BBC5D49F5F1}"/>
+              </a:ext>
+            </a:extLst>
+          </p:cNvPr>
+          <p:cNvCxnSpPr>
+            <a:cxnSpLocks/>
+            <a:stCxn id="15" idx="6"/>
+          </p:cNvCxnSpPr>
+          <p:nvPr/>
+        </p:nvCxnSpPr>
+        <p:spPr>
+          <a:xfrm flipV="1">
+            <a:off x="995664" y="1828694"/>
+            <a:ext cx="1626669" cy="1"/>
+          </a:xfrm>
+          <a:prstGeom prst="straightConnector1">
+            <a:avLst/>
+          </a:prstGeom>
+          <a:ln>
+            <a:tailEnd type="triangle"/>
+          </a:ln>
+        </p:spPr>
+        <p:style>
+          <a:lnRef idx="2">
+            <a:schemeClr val="accent1"/>
+          </a:lnRef>
+          <a:fillRef idx="0">
+            <a:schemeClr val="accent1"/>
+          </a:fillRef>
+          <a:effectRef idx="1">
+            <a:schemeClr val="accent1"/>
+          </a:effectRef>
+          <a:fontRef idx="minor">
+            <a:schemeClr val="tx1"/>
+          </a:fontRef>
+        </p:style>
+      </p:cxnSp>
+      <p:sp>
+        <p:nvSpPr>
+          <p:cNvPr id="18" name="TextBox 17">
+            <a:extLst>
+              <a:ext uri="{FF2B5EF4-FFF2-40B4-BE49-F238E27FC236}">
+                <a16:creationId xmlns:a16="http://schemas.microsoft.com/office/drawing/2014/main" id="{7AD082D6-A78E-4849-F930-219BED97DE48}"/>
+              </a:ext>
+            </a:extLst>
+          </p:cNvPr>
+          <p:cNvSpPr txBox="1"/>
+          <p:nvPr/>
+        </p:nvSpPr>
+        <p:spPr>
+          <a:xfrm>
+            <a:off x="1187223" y="1301019"/>
+            <a:ext cx="1276619" cy="461665"/>
+          </a:xfrm>
+          <a:prstGeom prst="rect">
+            <a:avLst/>
+          </a:prstGeom>
+          <a:noFill/>
+        </p:spPr>
+        <p:txBody>
+          <a:bodyPr wrap="square" rtlCol="0">
+            <a:spAutoFit/>
+          </a:bodyPr>
+          <a:lstStyle/>
+          <a:p>
+            <a:r>
+              <a:rPr lang="en-US" sz="1200" dirty="0">
+                <a:solidFill>
+                  <a:srgbClr val="FF0000"/>
+                </a:solidFill>
+              </a:rPr>
+              <a:t>Give me 2 random Strings</a:t>
+            </a:r>
+          </a:p>
+        </p:txBody>
+      </p:sp>
+      <p:sp>
+        <p:nvSpPr>
+          <p:cNvPr id="19" name="Smiley Face 18">
+            <a:extLst>
+              <a:ext uri="{FF2B5EF4-FFF2-40B4-BE49-F238E27FC236}">
+                <a16:creationId xmlns:a16="http://schemas.microsoft.com/office/drawing/2014/main" id="{83648EE2-826A-3A6B-D549-F1FC1C428409}"/>
+              </a:ext>
+            </a:extLst>
+          </p:cNvPr>
+          <p:cNvSpPr/>
+          <p:nvPr/>
+        </p:nvSpPr>
+        <p:spPr>
+          <a:xfrm>
+            <a:off x="215078" y="2622625"/>
+            <a:ext cx="780586" cy="725213"/>
+          </a:xfrm>
+          <a:prstGeom prst="smileyFace">
+            <a:avLst/>
+          </a:prstGeom>
+          <a:solidFill>
+            <a:schemeClr val="accent5">
+              <a:lumMod val="40000"/>
+              <a:lumOff val="60000"/>
+            </a:schemeClr>
+          </a:solidFill>
+        </p:spPr>
+        <p:style>
+          <a:lnRef idx="2">
+            <a:schemeClr val="accent1">
+              <a:shade val="15000"/>
+            </a:schemeClr>
+          </a:lnRef>
+          <a:fillRef idx="1">
+            <a:schemeClr val="accent1"/>
+          </a:fillRef>
+          <a:effectRef idx="0">
+            <a:schemeClr val="accent1"/>
+          </a:effectRef>
+          <a:fontRef idx="minor">
+            <a:schemeClr val="lt1"/>
+          </a:fontRef>
+        </p:style>
+        <p:txBody>
+          <a:bodyPr rtlCol="0" anchor="ctr"/>
+          <a:lstStyle/>
+          <a:p>
+            <a:pPr algn="ctr"/>
+            <a:endParaRPr lang="en-US"/>
+          </a:p>
+        </p:txBody>
+      </p:sp>
+      <p:sp>
+        <p:nvSpPr>
+          <p:cNvPr id="20" name="Rectangle 19">
+            <a:extLst>
+              <a:ext uri="{FF2B5EF4-FFF2-40B4-BE49-F238E27FC236}">
+                <a16:creationId xmlns:a16="http://schemas.microsoft.com/office/drawing/2014/main" id="{15AAF022-4665-725E-511A-F1323142E3E6}"/>
+              </a:ext>
+            </a:extLst>
+          </p:cNvPr>
+          <p:cNvSpPr/>
+          <p:nvPr/>
+        </p:nvSpPr>
+        <p:spPr>
+          <a:xfrm>
+            <a:off x="2642839" y="936702"/>
+            <a:ext cx="1014761" cy="4210602"/>
+          </a:xfrm>
+          <a:prstGeom prst="rect">
+            <a:avLst/>
+          </a:prstGeom>
+        </p:spPr>
+        <p:style>
+          <a:lnRef idx="2">
+            <a:schemeClr val="accent1">
+              <a:shade val="15000"/>
+            </a:schemeClr>
+          </a:lnRef>
+          <a:fillRef idx="1">
+            <a:schemeClr val="accent1"/>
+          </a:fillRef>
+          <a:effectRef idx="0">
+            <a:schemeClr val="accent1"/>
+          </a:effectRef>
+          <a:fontRef idx="minor">
+            <a:schemeClr val="lt1"/>
+          </a:fontRef>
+        </p:style>
+        <p:txBody>
+          <a:bodyPr rtlCol="0" anchor="ctr"/>
+          <a:lstStyle/>
+          <a:p>
+            <a:pPr algn="ctr"/>
+            <a:r>
+              <a:rPr lang="en-US" dirty="0"/>
+              <a:t>Load</a:t>
+            </a:r>
+          </a:p>
+          <a:p>
+            <a:pPr algn="ctr"/>
+            <a:r>
+              <a:rPr lang="en-US" dirty="0"/>
+              <a:t>Balance</a:t>
+            </a:r>
+          </a:p>
+        </p:txBody>
+      </p:sp>
+      <p:cxnSp>
+        <p:nvCxnSpPr>
+          <p:cNvPr id="21" name="Straight Arrow Connector 20">
+            <a:extLst>
+              <a:ext uri="{FF2B5EF4-FFF2-40B4-BE49-F238E27FC236}">
+                <a16:creationId xmlns:a16="http://schemas.microsoft.com/office/drawing/2014/main" id="{9E00CF65-0775-E55D-5B6B-C05F2035DBAE}"/>
+              </a:ext>
+            </a:extLst>
+          </p:cNvPr>
+          <p:cNvCxnSpPr>
+            <a:stCxn id="19" idx="6"/>
+          </p:cNvCxnSpPr>
+          <p:nvPr/>
+        </p:nvCxnSpPr>
+        <p:spPr>
+          <a:xfrm flipV="1">
+            <a:off x="995664" y="2985231"/>
+            <a:ext cx="1622953" cy="1"/>
+          </a:xfrm>
+          <a:prstGeom prst="straightConnector1">
+            <a:avLst/>
+          </a:prstGeom>
+          <a:ln>
+            <a:tailEnd type="triangle"/>
+          </a:ln>
+        </p:spPr>
+        <p:style>
+          <a:lnRef idx="2">
+            <a:schemeClr val="accent1"/>
+          </a:lnRef>
+          <a:fillRef idx="0">
+            <a:schemeClr val="accent1"/>
+          </a:fillRef>
+          <a:effectRef idx="1">
+            <a:schemeClr val="accent1"/>
+          </a:effectRef>
+          <a:fontRef idx="minor">
+            <a:schemeClr val="tx1"/>
+          </a:fontRef>
+        </p:style>
+      </p:cxnSp>
+      <p:sp>
+        <p:nvSpPr>
+          <p:cNvPr id="22" name="Smiley Face 21">
+            <a:extLst>
+              <a:ext uri="{FF2B5EF4-FFF2-40B4-BE49-F238E27FC236}">
+                <a16:creationId xmlns:a16="http://schemas.microsoft.com/office/drawing/2014/main" id="{B8BBFBF1-5CBC-1F05-4A0B-903C33043406}"/>
+              </a:ext>
+            </a:extLst>
+          </p:cNvPr>
+          <p:cNvSpPr/>
+          <p:nvPr/>
+        </p:nvSpPr>
+        <p:spPr>
+          <a:xfrm>
+            <a:off x="243209" y="3822897"/>
+            <a:ext cx="780586" cy="725213"/>
+          </a:xfrm>
+          <a:prstGeom prst="smileyFace">
+            <a:avLst/>
+          </a:prstGeom>
+          <a:solidFill>
+            <a:schemeClr val="accent5">
+              <a:lumMod val="40000"/>
+              <a:lumOff val="60000"/>
+            </a:schemeClr>
+          </a:solidFill>
+        </p:spPr>
+        <p:style>
+          <a:lnRef idx="2">
+            <a:schemeClr val="accent1">
+              <a:shade val="15000"/>
+            </a:schemeClr>
+          </a:lnRef>
+          <a:fillRef idx="1">
+            <a:schemeClr val="accent1"/>
+          </a:fillRef>
+          <a:effectRef idx="0">
+            <a:schemeClr val="accent1"/>
+          </a:effectRef>
+          <a:fontRef idx="minor">
+            <a:schemeClr val="lt1"/>
+          </a:fontRef>
+        </p:style>
+        <p:txBody>
+          <a:bodyPr rtlCol="0" anchor="ctr"/>
+          <a:lstStyle/>
+          <a:p>
+            <a:pPr algn="ctr"/>
+            <a:endParaRPr lang="en-US"/>
+          </a:p>
+        </p:txBody>
+      </p:sp>
+      <p:cxnSp>
+        <p:nvCxnSpPr>
+          <p:cNvPr id="23" name="Straight Arrow Connector 22">
+            <a:extLst>
+              <a:ext uri="{FF2B5EF4-FFF2-40B4-BE49-F238E27FC236}">
+                <a16:creationId xmlns:a16="http://schemas.microsoft.com/office/drawing/2014/main" id="{592F247B-BBEB-CB4F-2772-99098D538542}"/>
+              </a:ext>
+            </a:extLst>
+          </p:cNvPr>
+          <p:cNvCxnSpPr>
+            <a:stCxn id="22" idx="6"/>
+          </p:cNvCxnSpPr>
+          <p:nvPr/>
+        </p:nvCxnSpPr>
+        <p:spPr>
+          <a:xfrm flipV="1">
+            <a:off x="1023795" y="4185503"/>
+            <a:ext cx="1622249" cy="1"/>
+          </a:xfrm>
+          <a:prstGeom prst="straightConnector1">
+            <a:avLst/>
+          </a:prstGeom>
+          <a:ln>
+            <a:tailEnd type="triangle"/>
+          </a:ln>
+        </p:spPr>
+        <p:style>
+          <a:lnRef idx="2">
+            <a:schemeClr val="accent1"/>
+          </a:lnRef>
+          <a:fillRef idx="0">
+            <a:schemeClr val="accent1"/>
+          </a:fillRef>
+          <a:effectRef idx="1">
+            <a:schemeClr val="accent1"/>
+          </a:effectRef>
+          <a:fontRef idx="minor">
+            <a:schemeClr val="tx1"/>
+          </a:fontRef>
+        </p:style>
+      </p:cxnSp>
+      <p:sp>
+        <p:nvSpPr>
+          <p:cNvPr id="24" name="TextBox 23">
+            <a:extLst>
+              <a:ext uri="{FF2B5EF4-FFF2-40B4-BE49-F238E27FC236}">
+                <a16:creationId xmlns:a16="http://schemas.microsoft.com/office/drawing/2014/main" id="{D260DE82-125F-B40A-B476-246AB14751EF}"/>
+              </a:ext>
+            </a:extLst>
+          </p:cNvPr>
+          <p:cNvSpPr txBox="1"/>
+          <p:nvPr/>
+        </p:nvSpPr>
+        <p:spPr>
+          <a:xfrm>
+            <a:off x="1200993" y="2469856"/>
+            <a:ext cx="1276619" cy="461665"/>
+          </a:xfrm>
+          <a:prstGeom prst="rect">
+            <a:avLst/>
+          </a:prstGeom>
+          <a:noFill/>
+        </p:spPr>
+        <p:txBody>
+          <a:bodyPr wrap="square" rtlCol="0">
+            <a:spAutoFit/>
+          </a:bodyPr>
+          <a:lstStyle/>
+          <a:p>
+            <a:r>
+              <a:rPr lang="en-US" sz="1200" dirty="0"/>
+              <a:t>Give me 3 random Strings</a:t>
+            </a:r>
+          </a:p>
+        </p:txBody>
+      </p:sp>
+      <p:sp>
+        <p:nvSpPr>
+          <p:cNvPr id="25" name="TextBox 24">
+            <a:extLst>
+              <a:ext uri="{FF2B5EF4-FFF2-40B4-BE49-F238E27FC236}">
+                <a16:creationId xmlns:a16="http://schemas.microsoft.com/office/drawing/2014/main" id="{481FF09F-A4B0-BF9F-E6EA-7ECFC6924AA4}"/>
+              </a:ext>
+            </a:extLst>
+          </p:cNvPr>
+          <p:cNvSpPr txBox="1"/>
+          <p:nvPr/>
+        </p:nvSpPr>
+        <p:spPr>
+          <a:xfrm>
+            <a:off x="1196609" y="3689076"/>
+            <a:ext cx="1276619" cy="461665"/>
+          </a:xfrm>
+          <a:prstGeom prst="rect">
+            <a:avLst/>
+          </a:prstGeom>
+          <a:noFill/>
+        </p:spPr>
+        <p:txBody>
+          <a:bodyPr wrap="square" rtlCol="0">
+            <a:spAutoFit/>
+          </a:bodyPr>
+          <a:lstStyle/>
+          <a:p>
+            <a:r>
+              <a:rPr lang="en-US" sz="1200" dirty="0"/>
+              <a:t>Give me 2 random Strings</a:t>
+            </a:r>
+          </a:p>
+        </p:txBody>
+      </p:sp>
+      <p:cxnSp>
+        <p:nvCxnSpPr>
+          <p:cNvPr id="26" name="Straight Arrow Connector 25">
+            <a:extLst>
+              <a:ext uri="{FF2B5EF4-FFF2-40B4-BE49-F238E27FC236}">
+                <a16:creationId xmlns:a16="http://schemas.microsoft.com/office/drawing/2014/main" id="{B86DB633-B336-D9FE-5B03-4853EED9B371}"/>
+              </a:ext>
+            </a:extLst>
+          </p:cNvPr>
+          <p:cNvCxnSpPr>
+            <a:stCxn id="20" idx="3"/>
+            <a:endCxn id="5" idx="1"/>
+          </p:cNvCxnSpPr>
+          <p:nvPr/>
+        </p:nvCxnSpPr>
+        <p:spPr>
+          <a:xfrm flipV="1">
+            <a:off x="3657600" y="2606391"/>
+            <a:ext cx="1321869" cy="435612"/>
+          </a:xfrm>
+          <a:prstGeom prst="straightConnector1">
+            <a:avLst/>
+          </a:prstGeom>
+          <a:ln>
+            <a:tailEnd type="triangle"/>
+          </a:ln>
+        </p:spPr>
+        <p:style>
+          <a:lnRef idx="2">
+            <a:schemeClr val="accent1"/>
+          </a:lnRef>
+          <a:fillRef idx="0">
+            <a:schemeClr val="accent1"/>
+          </a:fillRef>
+          <a:effectRef idx="1">
+            <a:schemeClr val="accent1"/>
+          </a:effectRef>
+          <a:fontRef idx="minor">
+            <a:schemeClr val="tx1"/>
+          </a:fontRef>
+        </p:style>
+      </p:cxnSp>
+      <p:cxnSp>
+        <p:nvCxnSpPr>
+          <p:cNvPr id="27" name="Straight Arrow Connector 26">
+            <a:extLst>
+              <a:ext uri="{FF2B5EF4-FFF2-40B4-BE49-F238E27FC236}">
+                <a16:creationId xmlns:a16="http://schemas.microsoft.com/office/drawing/2014/main" id="{58040DDD-D9AA-2723-1989-3A69BC851643}"/>
+              </a:ext>
+            </a:extLst>
+          </p:cNvPr>
+          <p:cNvCxnSpPr>
+            <a:stCxn id="20" idx="3"/>
+            <a:endCxn id="6" idx="1"/>
+          </p:cNvCxnSpPr>
+          <p:nvPr/>
+        </p:nvCxnSpPr>
+        <p:spPr>
+          <a:xfrm flipV="1">
+            <a:off x="3657600" y="2790322"/>
+            <a:ext cx="1474269" cy="251681"/>
+          </a:xfrm>
+          <a:prstGeom prst="straightConnector1">
+            <a:avLst/>
+          </a:prstGeom>
+          <a:ln>
+            <a:tailEnd type="triangle"/>
+          </a:ln>
+        </p:spPr>
+        <p:style>
+          <a:lnRef idx="2">
+            <a:schemeClr val="accent1"/>
+          </a:lnRef>
+          <a:fillRef idx="0">
+            <a:schemeClr val="accent1"/>
+          </a:fillRef>
+          <a:effectRef idx="1">
+            <a:schemeClr val="accent1"/>
+          </a:effectRef>
+          <a:fontRef idx="minor">
+            <a:schemeClr val="tx1"/>
+          </a:fontRef>
+        </p:style>
+      </p:cxnSp>
+      <p:cxnSp>
+        <p:nvCxnSpPr>
+          <p:cNvPr id="28" name="Straight Arrow Connector 27">
+            <a:extLst>
+              <a:ext uri="{FF2B5EF4-FFF2-40B4-BE49-F238E27FC236}">
+                <a16:creationId xmlns:a16="http://schemas.microsoft.com/office/drawing/2014/main" id="{7EB540A5-A632-EE7E-03CB-D6FC0F389000}"/>
+              </a:ext>
+            </a:extLst>
+          </p:cNvPr>
+          <p:cNvCxnSpPr>
+            <a:stCxn id="20" idx="3"/>
+            <a:endCxn id="7" idx="1"/>
+          </p:cNvCxnSpPr>
+          <p:nvPr/>
+        </p:nvCxnSpPr>
+        <p:spPr>
+          <a:xfrm flipV="1">
+            <a:off x="3657600" y="2942722"/>
+            <a:ext cx="1626669" cy="99281"/>
+          </a:xfrm>
+          <a:prstGeom prst="straightConnector1">
+            <a:avLst/>
+          </a:prstGeom>
+          <a:ln>
+            <a:tailEnd type="triangle"/>
+          </a:ln>
+        </p:spPr>
+        <p:style>
+          <a:lnRef idx="2">
+            <a:schemeClr val="accent1"/>
+          </a:lnRef>
+          <a:fillRef idx="0">
+            <a:schemeClr val="accent1"/>
+          </a:fillRef>
+          <a:effectRef idx="1">
+            <a:schemeClr val="accent1"/>
+          </a:effectRef>
+          <a:fontRef idx="minor">
+            <a:schemeClr val="tx1"/>
+          </a:fontRef>
+        </p:style>
+      </p:cxnSp>
+      <p:cxnSp>
+        <p:nvCxnSpPr>
+          <p:cNvPr id="29" name="Straight Arrow Connector 28">
+            <a:extLst>
+              <a:ext uri="{FF2B5EF4-FFF2-40B4-BE49-F238E27FC236}">
+                <a16:creationId xmlns:a16="http://schemas.microsoft.com/office/drawing/2014/main" id="{05A73D03-D412-3180-C613-31FBADC9F206}"/>
+              </a:ext>
+            </a:extLst>
+          </p:cNvPr>
+          <p:cNvCxnSpPr>
+            <a:endCxn id="4" idx="2"/>
+          </p:cNvCxnSpPr>
+          <p:nvPr/>
+        </p:nvCxnSpPr>
+        <p:spPr>
+          <a:xfrm>
+            <a:off x="6408876" y="2065282"/>
+            <a:ext cx="2223276" cy="711651"/>
+          </a:xfrm>
+          <a:prstGeom prst="straightConnector1">
+            <a:avLst/>
+          </a:prstGeom>
+          <a:ln>
+            <a:headEnd type="triangle"/>
+            <a:tailEnd type="triangle"/>
+          </a:ln>
+        </p:spPr>
+        <p:style>
+          <a:lnRef idx="2">
+            <a:schemeClr val="accent1"/>
+          </a:lnRef>
+          <a:fillRef idx="0">
+            <a:schemeClr val="accent1"/>
+          </a:fillRef>
+          <a:effectRef idx="1">
+            <a:schemeClr val="accent1"/>
+          </a:effectRef>
+          <a:fontRef idx="minor">
+            <a:schemeClr val="tx1"/>
+          </a:fontRef>
+        </p:style>
+      </p:cxnSp>
+      <p:cxnSp>
+        <p:nvCxnSpPr>
+          <p:cNvPr id="30" name="Straight Arrow Connector 29">
+            <a:extLst>
+              <a:ext uri="{FF2B5EF4-FFF2-40B4-BE49-F238E27FC236}">
+                <a16:creationId xmlns:a16="http://schemas.microsoft.com/office/drawing/2014/main" id="{B40BDCF6-7933-0C0C-8CDF-959F5BBAB30A}"/>
+              </a:ext>
+            </a:extLst>
+          </p:cNvPr>
+          <p:cNvCxnSpPr>
+            <a:endCxn id="4" idx="2"/>
+          </p:cNvCxnSpPr>
+          <p:nvPr/>
+        </p:nvCxnSpPr>
+        <p:spPr>
+          <a:xfrm>
+            <a:off x="6561276" y="2191301"/>
+            <a:ext cx="2070876" cy="585632"/>
+          </a:xfrm>
+          <a:prstGeom prst="straightConnector1">
+            <a:avLst/>
+          </a:prstGeom>
+          <a:ln>
+            <a:headEnd type="triangle"/>
+            <a:tailEnd type="triangle"/>
+          </a:ln>
+        </p:spPr>
+        <p:style>
+          <a:lnRef idx="2">
+            <a:schemeClr val="accent1"/>
+          </a:lnRef>
+          <a:fillRef idx="0">
+            <a:schemeClr val="accent1"/>
+          </a:fillRef>
+          <a:effectRef idx="1">
+            <a:schemeClr val="accent1"/>
+          </a:effectRef>
+          <a:fontRef idx="minor">
+            <a:schemeClr val="tx1"/>
+          </a:fontRef>
+        </p:style>
+      </p:cxnSp>
+      <p:cxnSp>
+        <p:nvCxnSpPr>
+          <p:cNvPr id="31" name="Straight Arrow Connector 30">
+            <a:extLst>
+              <a:ext uri="{FF2B5EF4-FFF2-40B4-BE49-F238E27FC236}">
+                <a16:creationId xmlns:a16="http://schemas.microsoft.com/office/drawing/2014/main" id="{C1CDDC4A-EFA5-7D90-6A29-F0C100B44D0A}"/>
+              </a:ext>
+            </a:extLst>
+          </p:cNvPr>
+          <p:cNvCxnSpPr>
+            <a:endCxn id="4" idx="2"/>
+          </p:cNvCxnSpPr>
+          <p:nvPr/>
+        </p:nvCxnSpPr>
+        <p:spPr>
+          <a:xfrm>
+            <a:off x="6713676" y="2335750"/>
+            <a:ext cx="1918476" cy="441183"/>
+          </a:xfrm>
+          <a:prstGeom prst="straightConnector1">
+            <a:avLst/>
+          </a:prstGeom>
+          <a:ln>
+            <a:headEnd type="triangle"/>
+            <a:tailEnd type="triangle"/>
+          </a:ln>
+        </p:spPr>
+        <p:style>
+          <a:lnRef idx="2">
+            <a:schemeClr val="accent1"/>
+          </a:lnRef>
+          <a:fillRef idx="0">
+            <a:schemeClr val="accent1"/>
+          </a:fillRef>
+          <a:effectRef idx="1">
+            <a:schemeClr val="accent1"/>
+          </a:effectRef>
+          <a:fontRef idx="minor">
+            <a:schemeClr val="tx1"/>
+          </a:fontRef>
+        </p:style>
+      </p:cxnSp>
+      <p:sp>
+        <p:nvSpPr>
+          <p:cNvPr id="32" name="TextBox 31">
+            <a:extLst>
+              <a:ext uri="{FF2B5EF4-FFF2-40B4-BE49-F238E27FC236}">
+                <a16:creationId xmlns:a16="http://schemas.microsoft.com/office/drawing/2014/main" id="{55BD604C-77D2-D91C-834B-C0155B92290D}"/>
+              </a:ext>
+            </a:extLst>
+          </p:cNvPr>
+          <p:cNvSpPr txBox="1"/>
+          <p:nvPr/>
+        </p:nvSpPr>
+        <p:spPr>
+          <a:xfrm>
+            <a:off x="3833166" y="195958"/>
+            <a:ext cx="6348264" cy="1477328"/>
+          </a:xfrm>
+          <a:prstGeom prst="rect">
+            <a:avLst/>
+          </a:prstGeom>
+          <a:noFill/>
+        </p:spPr>
+        <p:txBody>
+          <a:bodyPr wrap="square" rtlCol="0">
+            <a:spAutoFit/>
+          </a:bodyPr>
+          <a:lstStyle/>
+          <a:p>
+            <a:r>
+              <a:rPr lang="en-US" dirty="0"/>
+              <a:t>Two queries:</a:t>
+            </a:r>
+          </a:p>
+          <a:p>
+            <a:pPr marL="342900" indent="-342900">
+              <a:buFont typeface="+mj-lt"/>
+              <a:buAutoNum type="arabicPeriod"/>
+            </a:pPr>
+            <a:r>
+              <a:rPr lang="en-US" dirty="0"/>
+              <a:t>SELECT string FROM Strings WHERE used = FALSE FETCH FIRST 2 ROWS ONLY;</a:t>
+            </a:r>
+          </a:p>
+          <a:p>
+            <a:pPr marL="342900" indent="-342900">
+              <a:buFont typeface="+mj-lt"/>
+              <a:buAutoNum type="arabicPeriod"/>
+            </a:pPr>
+            <a:r>
+              <a:rPr lang="en-US" dirty="0"/>
+              <a:t>UPDATE  Strings SET used = TRUE WHERE string = “00cc11” OR string = “xx6411”</a:t>
+            </a:r>
+          </a:p>
+        </p:txBody>
+      </p:sp>
+      <p:sp>
+        <p:nvSpPr>
+          <p:cNvPr id="2" name="TextBox 1">
+            <a:extLst>
+              <a:ext uri="{FF2B5EF4-FFF2-40B4-BE49-F238E27FC236}">
+                <a16:creationId xmlns:a16="http://schemas.microsoft.com/office/drawing/2014/main" id="{1D592E0C-9A53-83F2-DC41-9FFE8CF6A352}"/>
+              </a:ext>
+            </a:extLst>
+          </p:cNvPr>
+          <p:cNvSpPr txBox="1"/>
+          <p:nvPr/>
+        </p:nvSpPr>
+        <p:spPr>
+          <a:xfrm>
+            <a:off x="346841" y="5319461"/>
+            <a:ext cx="9843306" cy="1323439"/>
+          </a:xfrm>
+          <a:prstGeom prst="rect">
+            <a:avLst/>
+          </a:prstGeom>
+          <a:noFill/>
+        </p:spPr>
+        <p:txBody>
+          <a:bodyPr wrap="square" rtlCol="0">
+            <a:spAutoFit/>
+          </a:bodyPr>
+          <a:lstStyle/>
+          <a:p>
+            <a:r>
+              <a:rPr lang="en-IE" sz="1600" b="0" i="0" dirty="0">
+                <a:solidFill>
+                  <a:srgbClr val="0C0D0E"/>
+                </a:solidFill>
+                <a:effectLst/>
+                <a:latin typeface="-apple-system"/>
+              </a:rPr>
+              <a:t>PROBLEM with those two queries:</a:t>
+            </a:r>
+          </a:p>
+          <a:p>
+            <a:r>
+              <a:rPr lang="en-IE" sz="1600" b="0" i="0" dirty="0">
+                <a:solidFill>
+                  <a:srgbClr val="0C0D0E"/>
+                </a:solidFill>
+                <a:effectLst/>
+                <a:latin typeface="-apple-system"/>
+              </a:rPr>
+              <a:t>How can I prevent the concurrency of accessing and updating the documents, I.e. the so called “</a:t>
+            </a:r>
+            <a:r>
+              <a:rPr lang="en-IE" sz="1600" b="1" i="0" dirty="0">
+                <a:solidFill>
+                  <a:srgbClr val="0C0D0E"/>
+                </a:solidFill>
+                <a:effectLst/>
+                <a:latin typeface="-apple-system"/>
+              </a:rPr>
+              <a:t>unrepeatable reads</a:t>
+            </a:r>
+            <a:r>
+              <a:rPr lang="en-IE" sz="1600" b="0" i="0" dirty="0">
+                <a:solidFill>
+                  <a:srgbClr val="0C0D0E"/>
+                </a:solidFill>
+                <a:effectLst/>
+                <a:latin typeface="-apple-system"/>
+              </a:rPr>
+              <a:t>”?</a:t>
+            </a:r>
+            <a:br>
+              <a:rPr lang="en-IE" sz="1600" b="0" i="0" dirty="0">
+                <a:solidFill>
+                  <a:srgbClr val="0C0D0E"/>
+                </a:solidFill>
+                <a:effectLst/>
+                <a:latin typeface="-apple-system"/>
+              </a:rPr>
+            </a:br>
+            <a:r>
+              <a:rPr lang="en-IE" sz="1600" b="0" i="0" dirty="0">
+                <a:solidFill>
+                  <a:srgbClr val="0C0D0E"/>
+                </a:solidFill>
+                <a:effectLst/>
+                <a:latin typeface="-apple-system"/>
+              </a:rPr>
+              <a:t>Basically if two servers read the same row</a:t>
+            </a:r>
+            <a:r>
+              <a:rPr lang="en-IE" sz="1600" dirty="0">
+                <a:solidFill>
+                  <a:srgbClr val="0C0D0E"/>
+                </a:solidFill>
+                <a:latin typeface="-apple-system"/>
+              </a:rPr>
+              <a:t>s =&gt; they both will UPDATE the same rows =&gt; and return the same strings to different clients… </a:t>
+            </a:r>
+            <a:r>
+              <a:rPr lang="en-IE" sz="1600" b="1" dirty="0">
+                <a:solidFill>
+                  <a:schemeClr val="accent6"/>
+                </a:solidFill>
+                <a:latin typeface="-apple-system"/>
+              </a:rPr>
+              <a:t>but THIS MUST NOT HAPPEN, since the requirement is to return UNIQUE strings to the clients!</a:t>
+            </a:r>
+            <a:endParaRPr lang="en-US" sz="1600" b="1" dirty="0">
+              <a:solidFill>
+                <a:schemeClr val="accent6"/>
+              </a:solidFill>
+            </a:endParaRPr>
+          </a:p>
+        </p:txBody>
+      </p:sp>
+    </p:spTree>
+    <p:extLst>
+      <p:ext uri="{BB962C8B-B14F-4D97-AF65-F5344CB8AC3E}">
+        <p14:creationId xmlns:p14="http://schemas.microsoft.com/office/powerpoint/2010/main" val="496576066"/>
+      </p:ext>
+    </p:extLst>
+  </p:cSld>
+  <p:clrMapOvr>
+    <a:masterClrMapping/>
+  </p:clrMapOvr>
+</p:sld>
+</file>
+
+<file path=ppt/slides/slide18.xml><?xml version="1.0" encoding="utf-8"?>
+<p:sld xmlns:a="http://schemas.openxmlformats.org/drawingml/2006/main" xmlns:r="http://schemas.openxmlformats.org/officeDocument/2006/relationships" xmlns:p="http://schemas.openxmlformats.org/presentationml/2006/main">
+  <p:cSld>
+    <p:spTree>
+      <p:nvGrpSpPr>
+        <p:cNvPr id="1" name=""/>
+        <p:cNvGrpSpPr/>
+        <p:nvPr/>
+      </p:nvGrpSpPr>
+      <p:grpSpPr>
+        <a:xfrm>
+          <a:off x="0" y="0"/>
+          <a:ext cx="0" cy="0"/>
+          <a:chOff x="0" y="0"/>
+          <a:chExt cx="0" cy="0"/>
+        </a:xfrm>
+      </p:grpSpPr>
+      <p:graphicFrame>
+        <p:nvGraphicFramePr>
+          <p:cNvPr id="5" name="Table 4">
+            <a:extLst>
+              <a:ext uri="{FF2B5EF4-FFF2-40B4-BE49-F238E27FC236}">
+                <a16:creationId xmlns:a16="http://schemas.microsoft.com/office/drawing/2014/main" id="{35839261-6B99-F0B3-4258-95314D302B85}"/>
+              </a:ext>
+            </a:extLst>
+          </p:cNvPr>
+          <p:cNvGraphicFramePr>
+            <a:graphicFrameLocks noGrp="1"/>
+          </p:cNvGraphicFramePr>
+          <p:nvPr>
+            <p:extLst>
+              <p:ext uri="{D42A27DB-BD31-4B8C-83A1-F6EECF244321}">
+                <p14:modId xmlns:p14="http://schemas.microsoft.com/office/powerpoint/2010/main" val="588791141"/>
+              </p:ext>
+            </p:extLst>
+          </p:nvPr>
+        </p:nvGraphicFramePr>
+        <p:xfrm>
+          <a:off x="581572" y="152108"/>
+          <a:ext cx="10895724" cy="6497320"/>
+        </p:xfrm>
+        <a:graphic>
+          <a:graphicData uri="http://schemas.openxmlformats.org/drawingml/2006/table">
+            <a:tbl>
+              <a:tblPr firstRow="1" bandRow="1">
+                <a:tableStyleId>{5C22544A-7EE6-4342-B048-85BDC9FD1C3A}</a:tableStyleId>
+              </a:tblPr>
+              <a:tblGrid>
+                <a:gridCol w="1488769">
+                  <a:extLst>
+                    <a:ext uri="{9D8B030D-6E8A-4147-A177-3AD203B41FA5}">
+                      <a16:colId xmlns:a16="http://schemas.microsoft.com/office/drawing/2014/main" val="2615145052"/>
+                    </a:ext>
+                  </a:extLst>
+                </a:gridCol>
+                <a:gridCol w="4480398">
+                  <a:extLst>
+                    <a:ext uri="{9D8B030D-6E8A-4147-A177-3AD203B41FA5}">
+                      <a16:colId xmlns:a16="http://schemas.microsoft.com/office/drawing/2014/main" val="1567126933"/>
+                    </a:ext>
+                  </a:extLst>
+                </a:gridCol>
+                <a:gridCol w="4926557">
+                  <a:extLst>
+                    <a:ext uri="{9D8B030D-6E8A-4147-A177-3AD203B41FA5}">
+                      <a16:colId xmlns:a16="http://schemas.microsoft.com/office/drawing/2014/main" val="3554720667"/>
+                    </a:ext>
+                  </a:extLst>
+                </a:gridCol>
+              </a:tblGrid>
+              <a:tr h="370840">
+                <a:tc>
+                  <a:txBody>
+                    <a:bodyPr/>
+                    <a:lstStyle/>
+                    <a:p>
+                      <a:r>
+                        <a:rPr lang="en-US" dirty="0"/>
+                        <a:t>Time</a:t>
+                      </a:r>
+                    </a:p>
+                  </a:txBody>
+                  <a:tcPr/>
+                </a:tc>
+                <a:tc>
+                  <a:txBody>
+                    <a:bodyPr/>
+                    <a:lstStyle/>
+                    <a:p>
+                      <a:r>
+                        <a:rPr lang="en-US" dirty="0"/>
+                        <a:t>Connection 1</a:t>
+                      </a:r>
+                    </a:p>
+                  </a:txBody>
+                  <a:tcPr/>
+                </a:tc>
+                <a:tc>
+                  <a:txBody>
+                    <a:bodyPr/>
+                    <a:lstStyle/>
+                    <a:p>
+                      <a:r>
+                        <a:rPr lang="en-US" dirty="0"/>
+                        <a:t>Connection 2</a:t>
+                      </a:r>
+                    </a:p>
+                  </a:txBody>
+                  <a:tcPr/>
+                </a:tc>
+                <a:extLst>
+                  <a:ext uri="{0D108BD9-81ED-4DB2-BD59-A6C34878D82A}">
+                    <a16:rowId xmlns:a16="http://schemas.microsoft.com/office/drawing/2014/main" val="2445291069"/>
+                  </a:ext>
+                </a:extLst>
+              </a:tr>
+              <a:tr h="370840">
+                <a:tc>
+                  <a:txBody>
+                    <a:bodyPr/>
+                    <a:lstStyle/>
+                    <a:p>
+                      <a:r>
+                        <a:rPr lang="en-US" dirty="0"/>
+                        <a:t>T1</a:t>
+                      </a:r>
+                    </a:p>
+                  </a:txBody>
+                  <a:tcPr/>
+                </a:tc>
+                <a:tc>
+                  <a:txBody>
+                    <a:bodyPr/>
+                    <a:lstStyle/>
+                    <a:p>
+                      <a:pPr marL="0" marR="0" lvl="0" indent="0" algn="l" defTabSz="914400" rtl="0" eaLnBrk="1" fontAlgn="auto" latinLnBrk="0" hangingPunct="1">
+                        <a:lnSpc>
+                          <a:spcPct val="100000"/>
+                        </a:lnSpc>
+                        <a:spcBef>
+                          <a:spcPts val="0"/>
+                        </a:spcBef>
+                        <a:spcAft>
+                          <a:spcPts val="0"/>
+                        </a:spcAft>
+                        <a:buClrTx/>
+                        <a:buSzTx/>
+                        <a:buFontTx/>
+                        <a:buNone/>
+                        <a:tabLst/>
+                        <a:defRPr/>
+                      </a:pPr>
+                      <a:r>
+                        <a:rPr lang="en-US" dirty="0"/>
+                        <a:t>SELECT string FROM Strings WHERE used = FALSE FETCH FIRST 2 ROWS ONLY;</a:t>
+                      </a:r>
+                    </a:p>
+                    <a:p>
+                      <a:pPr marL="0" marR="0" indent="0" algn="l" defTabSz="914400" rtl="0" eaLnBrk="1" fontAlgn="auto" latinLnBrk="0" hangingPunct="1">
+                        <a:lnSpc>
+                          <a:spcPct val="100000"/>
+                        </a:lnSpc>
+                        <a:spcBef>
+                          <a:spcPts val="0"/>
+                        </a:spcBef>
+                        <a:spcAft>
+                          <a:spcPts val="0"/>
+                        </a:spcAft>
+                        <a:buClrTx/>
+                        <a:buSzTx/>
+                        <a:buFontTx/>
+                        <a:buNone/>
+                        <a:tabLst/>
+                        <a:defRPr/>
+                      </a:pPr>
+                      <a:r>
+                        <a:rPr lang="en-US" dirty="0"/>
+                        <a:t>=&gt; Returns “</a:t>
+                      </a:r>
+                      <a:r>
+                        <a:rPr lang="en-US" dirty="0">
+                          <a:solidFill>
+                            <a:srgbClr val="FF0000"/>
+                          </a:solidFill>
+                        </a:rPr>
+                        <a:t>00cc11</a:t>
+                      </a:r>
+                      <a:r>
+                        <a:rPr lang="en-US" dirty="0">
+                          <a:solidFill>
+                            <a:schemeClr val="tx1"/>
+                          </a:solidFill>
+                        </a:rPr>
+                        <a:t>”</a:t>
+                      </a:r>
+                      <a:r>
+                        <a:rPr lang="en-US" dirty="0">
+                          <a:solidFill>
+                            <a:srgbClr val="FF0000"/>
+                          </a:solidFill>
+                        </a:rPr>
+                        <a:t> and </a:t>
+                      </a:r>
+                      <a:r>
+                        <a:rPr lang="en-US" dirty="0">
+                          <a:solidFill>
+                            <a:schemeClr val="tx1"/>
+                          </a:solidFill>
+                        </a:rPr>
+                        <a:t>“</a:t>
+                      </a:r>
+                      <a:r>
+                        <a:rPr lang="en-US" dirty="0">
+                          <a:solidFill>
+                            <a:srgbClr val="FF0000"/>
+                          </a:solidFill>
+                        </a:rPr>
+                        <a:t>xx6411</a:t>
+                      </a:r>
+                      <a:r>
+                        <a:rPr lang="en-US" dirty="0">
+                          <a:solidFill>
+                            <a:schemeClr val="tx1"/>
+                          </a:solidFill>
+                        </a:rPr>
+                        <a:t>”</a:t>
+                      </a:r>
+                    </a:p>
+                  </a:txBody>
+                  <a:tcPr/>
+                </a:tc>
+                <a:tc>
+                  <a:txBody>
+                    <a:bodyPr/>
+                    <a:lstStyle/>
+                    <a:p>
+                      <a:endParaRPr lang="en-US" dirty="0"/>
+                    </a:p>
+                  </a:txBody>
+                  <a:tcPr/>
+                </a:tc>
+                <a:extLst>
+                  <a:ext uri="{0D108BD9-81ED-4DB2-BD59-A6C34878D82A}">
+                    <a16:rowId xmlns:a16="http://schemas.microsoft.com/office/drawing/2014/main" val="1464182578"/>
+                  </a:ext>
+                </a:extLst>
+              </a:tr>
+              <a:tr h="370840">
+                <a:tc>
+                  <a:txBody>
+                    <a:bodyPr/>
+                    <a:lstStyle/>
+                    <a:p>
+                      <a:r>
+                        <a:rPr lang="en-US" dirty="0"/>
+                        <a:t>T2</a:t>
+                      </a:r>
+                    </a:p>
+                  </a:txBody>
+                  <a:tcPr/>
+                </a:tc>
+                <a:tc>
+                  <a:txBody>
+                    <a:bodyPr/>
+                    <a:lstStyle/>
+                    <a:p>
+                      <a:endParaRPr lang="en-US"/>
+                    </a:p>
+                  </a:txBody>
+                  <a:tcPr/>
+                </a:tc>
+                <a:tc>
+                  <a:txBody>
+                    <a:bodyPr/>
+                    <a:lstStyle/>
+                    <a:p>
+                      <a:pPr marL="0" marR="0" lvl="0" indent="0" algn="l" defTabSz="914400" rtl="0" eaLnBrk="1" fontAlgn="auto" latinLnBrk="0" hangingPunct="1">
+                        <a:lnSpc>
+                          <a:spcPct val="100000"/>
+                        </a:lnSpc>
+                        <a:spcBef>
+                          <a:spcPts val="0"/>
+                        </a:spcBef>
+                        <a:spcAft>
+                          <a:spcPts val="0"/>
+                        </a:spcAft>
+                        <a:buClrTx/>
+                        <a:buSzTx/>
+                        <a:buFontTx/>
+                        <a:buNone/>
+                        <a:tabLst/>
+                        <a:defRPr/>
+                      </a:pPr>
+                      <a:r>
+                        <a:rPr lang="en-US" dirty="0"/>
+                        <a:t>SELECT string FROM Strings WHERE used = FALSE FETCH FIRST 3 ROWS ONLY;</a:t>
+                      </a:r>
+                    </a:p>
+                    <a:p>
+                      <a:pPr marL="0" marR="0" lvl="0" indent="0" algn="l" defTabSz="914400" rtl="0" eaLnBrk="1" fontAlgn="auto" latinLnBrk="0" hangingPunct="1">
+                        <a:lnSpc>
+                          <a:spcPct val="100000"/>
+                        </a:lnSpc>
+                        <a:spcBef>
+                          <a:spcPts val="0"/>
+                        </a:spcBef>
+                        <a:spcAft>
+                          <a:spcPts val="0"/>
+                        </a:spcAft>
+                        <a:buClrTx/>
+                        <a:buSzTx/>
+                        <a:buFontTx/>
+                        <a:buNone/>
+                        <a:tabLst/>
+                        <a:defRPr/>
+                      </a:pPr>
+                      <a:r>
+                        <a:rPr lang="en-US" dirty="0"/>
+                        <a:t>=&gt; Returns “</a:t>
+                      </a:r>
+                      <a:r>
+                        <a:rPr lang="en-US" dirty="0">
+                          <a:solidFill>
+                            <a:srgbClr val="FF0000"/>
+                          </a:solidFill>
+                        </a:rPr>
+                        <a:t>00cc11</a:t>
+                      </a:r>
+                      <a:r>
+                        <a:rPr lang="en-US" dirty="0">
+                          <a:solidFill>
+                            <a:schemeClr val="tx1"/>
+                          </a:solidFill>
+                        </a:rPr>
+                        <a:t>”</a:t>
+                      </a:r>
+                      <a:r>
+                        <a:rPr lang="en-US" dirty="0">
+                          <a:solidFill>
+                            <a:srgbClr val="FF0000"/>
+                          </a:solidFill>
+                        </a:rPr>
+                        <a:t> and </a:t>
+                      </a:r>
+                      <a:r>
+                        <a:rPr lang="en-US" dirty="0">
+                          <a:solidFill>
+                            <a:schemeClr val="tx1"/>
+                          </a:solidFill>
+                        </a:rPr>
+                        <a:t>“</a:t>
+                      </a:r>
+                      <a:r>
+                        <a:rPr lang="en-US" dirty="0">
+                          <a:solidFill>
+                            <a:srgbClr val="FF0000"/>
+                          </a:solidFill>
+                        </a:rPr>
+                        <a:t>xx6411</a:t>
+                      </a:r>
+                      <a:r>
+                        <a:rPr lang="en-US" dirty="0">
+                          <a:solidFill>
+                            <a:schemeClr val="tx1"/>
+                          </a:solidFill>
+                        </a:rPr>
+                        <a:t>” </a:t>
+                      </a:r>
+                      <a:r>
+                        <a:rPr lang="en-US" dirty="0">
+                          <a:solidFill>
+                            <a:srgbClr val="FF0000"/>
+                          </a:solidFill>
+                        </a:rPr>
+                        <a:t>and </a:t>
+                      </a:r>
+                      <a:r>
+                        <a:rPr lang="en-US" dirty="0">
+                          <a:solidFill>
+                            <a:schemeClr val="tx1"/>
+                          </a:solidFill>
+                        </a:rPr>
+                        <a:t>“</a:t>
+                      </a:r>
+                      <a:r>
+                        <a:rPr lang="en-US" dirty="0">
+                          <a:solidFill>
+                            <a:srgbClr val="FF0000"/>
+                          </a:solidFill>
+                        </a:rPr>
+                        <a:t>74d412</a:t>
+                      </a:r>
+                      <a:r>
+                        <a:rPr lang="en-US" dirty="0">
+                          <a:solidFill>
+                            <a:schemeClr val="tx1"/>
+                          </a:solidFill>
+                        </a:rPr>
+                        <a:t>”</a:t>
+                      </a:r>
+                    </a:p>
+                  </a:txBody>
+                  <a:tcPr/>
+                </a:tc>
+                <a:extLst>
+                  <a:ext uri="{0D108BD9-81ED-4DB2-BD59-A6C34878D82A}">
+                    <a16:rowId xmlns:a16="http://schemas.microsoft.com/office/drawing/2014/main" val="3336295349"/>
+                  </a:ext>
+                </a:extLst>
+              </a:tr>
+              <a:tr h="370840">
+                <a:tc>
+                  <a:txBody>
+                    <a:bodyPr/>
+                    <a:lstStyle/>
+                    <a:p>
+                      <a:r>
+                        <a:rPr lang="en-US" dirty="0"/>
+                        <a:t>T3</a:t>
+                      </a:r>
+                    </a:p>
+                  </a:txBody>
+                  <a:tcPr/>
+                </a:tc>
+                <a:tc>
+                  <a:txBody>
+                    <a:bodyPr/>
+                    <a:lstStyle/>
+                    <a:p>
+                      <a:pPr marL="0" marR="0" lvl="0" indent="0" algn="l" defTabSz="914400" rtl="0" eaLnBrk="1" fontAlgn="auto" latinLnBrk="0" hangingPunct="1">
+                        <a:lnSpc>
+                          <a:spcPct val="100000"/>
+                        </a:lnSpc>
+                        <a:spcBef>
+                          <a:spcPts val="0"/>
+                        </a:spcBef>
+                        <a:spcAft>
+                          <a:spcPts val="0"/>
+                        </a:spcAft>
+                        <a:buClrTx/>
+                        <a:buSzTx/>
+                        <a:buFontTx/>
+                        <a:buNone/>
+                        <a:tabLst/>
+                        <a:defRPr/>
+                      </a:pPr>
+                      <a:r>
+                        <a:rPr lang="en-US" dirty="0"/>
+                        <a:t>UPDATE  Strings SET used = TRUE WHERE string = “00cc11” OR string = “xx6411”</a:t>
+                      </a:r>
+                    </a:p>
+                    <a:p>
+                      <a:pPr marL="285750" indent="-285750">
+                        <a:buFont typeface="Symbol" pitchFamily="2" charset="2"/>
+                        <a:buChar char="Þ"/>
+                      </a:pPr>
+                      <a:r>
+                        <a:rPr lang="en-US" dirty="0"/>
+                        <a:t>DB returns “OK”</a:t>
+                      </a:r>
+                    </a:p>
+                    <a:p>
+                      <a:pPr marL="285750" indent="-285750">
+                        <a:buFont typeface="Symbol" pitchFamily="2" charset="2"/>
+                        <a:buChar char="Þ"/>
+                      </a:pPr>
+                      <a:r>
+                        <a:rPr lang="en-US" dirty="0"/>
+                        <a:t>Strings returned to the client “</a:t>
+                      </a:r>
+                      <a:r>
+                        <a:rPr lang="en-US" dirty="0">
+                          <a:solidFill>
+                            <a:srgbClr val="FF0000"/>
+                          </a:solidFill>
+                        </a:rPr>
+                        <a:t>00cc11</a:t>
+                      </a:r>
+                      <a:r>
+                        <a:rPr lang="en-US" dirty="0">
+                          <a:solidFill>
+                            <a:schemeClr val="tx1"/>
+                          </a:solidFill>
+                        </a:rPr>
+                        <a:t>”</a:t>
+                      </a:r>
+                      <a:r>
+                        <a:rPr lang="en-US" dirty="0">
+                          <a:solidFill>
+                            <a:srgbClr val="FF0000"/>
+                          </a:solidFill>
+                        </a:rPr>
+                        <a:t> and </a:t>
+                      </a:r>
+                      <a:r>
+                        <a:rPr lang="en-US" dirty="0">
+                          <a:solidFill>
+                            <a:schemeClr val="tx1"/>
+                          </a:solidFill>
+                        </a:rPr>
+                        <a:t>“</a:t>
+                      </a:r>
+                      <a:r>
+                        <a:rPr lang="en-US" dirty="0">
+                          <a:solidFill>
+                            <a:srgbClr val="FF0000"/>
+                          </a:solidFill>
+                        </a:rPr>
+                        <a:t>xx6411</a:t>
+                      </a:r>
+                      <a:r>
+                        <a:rPr lang="en-US" dirty="0">
+                          <a:solidFill>
+                            <a:schemeClr val="tx1"/>
+                          </a:solidFill>
+                        </a:rPr>
+                        <a:t>”</a:t>
+                      </a:r>
+                      <a:endParaRPr lang="en-US" dirty="0"/>
+                    </a:p>
+                  </a:txBody>
+                  <a:tcPr/>
+                </a:tc>
+                <a:tc>
+                  <a:txBody>
+                    <a:bodyPr/>
+                    <a:lstStyle/>
+                    <a:p>
+                      <a:endParaRPr lang="en-US"/>
+                    </a:p>
+                  </a:txBody>
+                  <a:tcPr/>
+                </a:tc>
+                <a:extLst>
+                  <a:ext uri="{0D108BD9-81ED-4DB2-BD59-A6C34878D82A}">
+                    <a16:rowId xmlns:a16="http://schemas.microsoft.com/office/drawing/2014/main" val="4048871679"/>
+                  </a:ext>
+                </a:extLst>
+              </a:tr>
+              <a:tr h="370840">
+                <a:tc>
+                  <a:txBody>
+                    <a:bodyPr/>
+                    <a:lstStyle/>
+                    <a:p>
+                      <a:r>
+                        <a:rPr lang="en-US" dirty="0"/>
+                        <a:t>T4</a:t>
+                      </a:r>
+                    </a:p>
+                  </a:txBody>
+                  <a:tcPr/>
+                </a:tc>
+                <a:tc>
+                  <a:txBody>
+                    <a:bodyPr/>
+                    <a:lstStyle/>
+                    <a:p>
+                      <a:endParaRPr lang="en-US"/>
+                    </a:p>
+                  </a:txBody>
+                  <a:tcPr/>
+                </a:tc>
+                <a:tc>
+                  <a:txBody>
+                    <a:bodyPr/>
+                    <a:lstStyle/>
+                    <a:p>
+                      <a:pPr marL="0" marR="0" lvl="0" indent="0" algn="l" defTabSz="914400" rtl="0" eaLnBrk="1" fontAlgn="auto" latinLnBrk="0" hangingPunct="1">
+                        <a:lnSpc>
+                          <a:spcPct val="100000"/>
+                        </a:lnSpc>
+                        <a:spcBef>
+                          <a:spcPts val="0"/>
+                        </a:spcBef>
+                        <a:spcAft>
+                          <a:spcPts val="0"/>
+                        </a:spcAft>
+                        <a:buClrTx/>
+                        <a:buSzTx/>
+                        <a:buFontTx/>
+                        <a:buNone/>
+                        <a:tabLst/>
+                        <a:defRPr/>
+                      </a:pPr>
+                      <a:r>
+                        <a:rPr lang="en-US" dirty="0"/>
+                        <a:t>UPDATE  Strings SET used = TRUE WHERE string = “00cc11” OR string = “xx6411” OR string = </a:t>
+                      </a:r>
+                      <a:r>
+                        <a:rPr lang="en-US" dirty="0">
+                          <a:solidFill>
+                            <a:schemeClr val="tx1"/>
+                          </a:solidFill>
+                        </a:rPr>
+                        <a:t>“74d412”</a:t>
+                      </a:r>
+                      <a:endParaRPr lang="en-US" dirty="0"/>
+                    </a:p>
+                    <a:p>
+                      <a:pPr marL="285750" indent="-285750">
+                        <a:buFont typeface="Symbol" pitchFamily="2" charset="2"/>
+                        <a:buChar char="Þ"/>
+                      </a:pPr>
+                      <a:r>
+                        <a:rPr lang="en-US" dirty="0"/>
+                        <a:t>DB returns “OK”</a:t>
+                      </a:r>
+                    </a:p>
+                    <a:p>
+                      <a:pPr marL="285750" indent="-285750">
+                        <a:buFont typeface="Symbol" pitchFamily="2" charset="2"/>
+                        <a:buChar char="Þ"/>
+                      </a:pPr>
+                      <a:r>
+                        <a:rPr lang="en-US" dirty="0"/>
+                        <a:t>Strings returned to the client “</a:t>
+                      </a:r>
+                      <a:r>
+                        <a:rPr lang="en-US" dirty="0">
+                          <a:solidFill>
+                            <a:srgbClr val="FF0000"/>
+                          </a:solidFill>
+                        </a:rPr>
+                        <a:t>00cc11</a:t>
+                      </a:r>
+                      <a:r>
+                        <a:rPr lang="en-US" dirty="0">
+                          <a:solidFill>
+                            <a:schemeClr val="tx1"/>
+                          </a:solidFill>
+                        </a:rPr>
+                        <a:t>”</a:t>
+                      </a:r>
+                      <a:r>
+                        <a:rPr lang="en-US" dirty="0">
+                          <a:solidFill>
+                            <a:srgbClr val="FF0000"/>
+                          </a:solidFill>
+                        </a:rPr>
+                        <a:t> and </a:t>
+                      </a:r>
+                      <a:r>
+                        <a:rPr lang="en-US" dirty="0">
+                          <a:solidFill>
+                            <a:schemeClr val="tx1"/>
+                          </a:solidFill>
+                        </a:rPr>
+                        <a:t>“</a:t>
+                      </a:r>
+                      <a:r>
+                        <a:rPr lang="en-US" dirty="0">
+                          <a:solidFill>
+                            <a:srgbClr val="FF0000"/>
+                          </a:solidFill>
+                        </a:rPr>
+                        <a:t>xx6411</a:t>
+                      </a:r>
+                      <a:r>
+                        <a:rPr lang="en-US" dirty="0">
+                          <a:solidFill>
+                            <a:schemeClr val="tx1"/>
+                          </a:solidFill>
+                        </a:rPr>
+                        <a:t>”</a:t>
+                      </a:r>
+                      <a:r>
+                        <a:rPr lang="en-US" dirty="0">
+                          <a:solidFill>
+                            <a:srgbClr val="FF0000"/>
+                          </a:solidFill>
+                        </a:rPr>
+                        <a:t> and </a:t>
+                      </a:r>
+                      <a:r>
+                        <a:rPr lang="en-US" dirty="0">
+                          <a:solidFill>
+                            <a:schemeClr val="tx1"/>
+                          </a:solidFill>
+                        </a:rPr>
+                        <a:t>“</a:t>
+                      </a:r>
+                      <a:r>
+                        <a:rPr lang="en-US" dirty="0">
+                          <a:solidFill>
+                            <a:srgbClr val="FF0000"/>
+                          </a:solidFill>
+                        </a:rPr>
+                        <a:t>74d412</a:t>
+                      </a:r>
+                      <a:r>
+                        <a:rPr lang="en-US" dirty="0">
+                          <a:solidFill>
+                            <a:schemeClr val="tx1"/>
+                          </a:solidFill>
+                        </a:rPr>
+                        <a:t>”</a:t>
+                      </a:r>
+                    </a:p>
+                    <a:p>
+                      <a:pPr marL="285750" indent="-285750">
+                        <a:buFont typeface="Symbol" pitchFamily="2" charset="2"/>
+                        <a:buChar char="Þ"/>
+                      </a:pPr>
+                      <a:r>
+                        <a:rPr lang="en-US" dirty="0">
+                          <a:solidFill>
+                            <a:schemeClr val="tx1"/>
+                          </a:solidFill>
+                        </a:rPr>
+                        <a:t>BUT in reality, the strings </a:t>
+                      </a:r>
+                      <a:r>
+                        <a:rPr lang="en-US" dirty="0"/>
+                        <a:t>“</a:t>
+                      </a:r>
+                      <a:r>
+                        <a:rPr lang="en-US" dirty="0">
+                          <a:solidFill>
+                            <a:srgbClr val="FF0000"/>
+                          </a:solidFill>
+                        </a:rPr>
+                        <a:t>00cc11</a:t>
+                      </a:r>
+                      <a:r>
+                        <a:rPr lang="en-US" dirty="0">
+                          <a:solidFill>
+                            <a:schemeClr val="tx1"/>
+                          </a:solidFill>
+                        </a:rPr>
+                        <a:t>”</a:t>
+                      </a:r>
+                      <a:r>
+                        <a:rPr lang="en-US" dirty="0">
+                          <a:solidFill>
+                            <a:srgbClr val="FF0000"/>
+                          </a:solidFill>
+                        </a:rPr>
+                        <a:t> and </a:t>
+                      </a:r>
+                      <a:r>
+                        <a:rPr lang="en-US" dirty="0">
+                          <a:solidFill>
+                            <a:schemeClr val="tx1"/>
+                          </a:solidFill>
+                        </a:rPr>
+                        <a:t>“</a:t>
+                      </a:r>
+                      <a:r>
+                        <a:rPr lang="en-US" dirty="0">
+                          <a:solidFill>
+                            <a:srgbClr val="FF0000"/>
+                          </a:solidFill>
+                        </a:rPr>
+                        <a:t>xx6411</a:t>
+                      </a:r>
+                      <a:r>
+                        <a:rPr lang="en-US" dirty="0">
+                          <a:solidFill>
+                            <a:schemeClr val="tx1"/>
+                          </a:solidFill>
+                        </a:rPr>
+                        <a:t>”</a:t>
+                      </a:r>
+                      <a:r>
+                        <a:rPr lang="en-US" dirty="0">
+                          <a:solidFill>
+                            <a:srgbClr val="FF0000"/>
+                          </a:solidFill>
+                        </a:rPr>
+                        <a:t> </a:t>
+                      </a:r>
+                      <a:r>
+                        <a:rPr lang="en-US" dirty="0">
+                          <a:solidFill>
+                            <a:schemeClr val="accent6">
+                              <a:lumMod val="75000"/>
+                            </a:schemeClr>
+                          </a:solidFill>
+                        </a:rPr>
+                        <a:t>where already been used and returned to another client!!</a:t>
+                      </a:r>
+                    </a:p>
+                  </a:txBody>
+                  <a:tcPr/>
+                </a:tc>
+                <a:extLst>
+                  <a:ext uri="{0D108BD9-81ED-4DB2-BD59-A6C34878D82A}">
+                    <a16:rowId xmlns:a16="http://schemas.microsoft.com/office/drawing/2014/main" val="3411619432"/>
+                  </a:ext>
+                </a:extLst>
+              </a:tr>
+            </a:tbl>
+          </a:graphicData>
+        </a:graphic>
+      </p:graphicFrame>
+      <p:sp>
+        <p:nvSpPr>
+          <p:cNvPr id="6" name="Oval 5">
+            <a:extLst>
+              <a:ext uri="{FF2B5EF4-FFF2-40B4-BE49-F238E27FC236}">
+                <a16:creationId xmlns:a16="http://schemas.microsoft.com/office/drawing/2014/main" id="{989EEF43-FC40-5657-BE20-CAD890B97793}"/>
+              </a:ext>
+            </a:extLst>
+          </p:cNvPr>
+          <p:cNvSpPr/>
+          <p:nvPr/>
+        </p:nvSpPr>
+        <p:spPr>
+          <a:xfrm>
+            <a:off x="5854262" y="3773214"/>
+            <a:ext cx="6264166" cy="3084786"/>
+          </a:xfrm>
+          <a:prstGeom prst="ellipse">
+            <a:avLst/>
+          </a:prstGeom>
+          <a:noFill/>
+          <a:ln>
+            <a:solidFill>
+              <a:schemeClr val="accent6"/>
+            </a:solidFill>
+          </a:ln>
+        </p:spPr>
+        <p:style>
+          <a:lnRef idx="2">
+            <a:schemeClr val="accent1">
+              <a:shade val="15000"/>
+            </a:schemeClr>
+          </a:lnRef>
+          <a:fillRef idx="1">
+            <a:schemeClr val="accent1"/>
+          </a:fillRef>
+          <a:effectRef idx="0">
+            <a:schemeClr val="accent1"/>
+          </a:effectRef>
+          <a:fontRef idx="minor">
+            <a:schemeClr val="lt1"/>
+          </a:fontRef>
+        </p:style>
+        <p:txBody>
+          <a:bodyPr rtlCol="0" anchor="ctr"/>
+          <a:lstStyle/>
+          <a:p>
+            <a:pPr algn="ctr"/>
+            <a:endParaRPr lang="en-US"/>
+          </a:p>
+        </p:txBody>
+      </p:sp>
+    </p:spTree>
+    <p:extLst>
+      <p:ext uri="{BB962C8B-B14F-4D97-AF65-F5344CB8AC3E}">
+        <p14:creationId xmlns:p14="http://schemas.microsoft.com/office/powerpoint/2010/main" val="706616318"/>
+      </p:ext>
+    </p:extLst>
+  </p:cSld>
+  <p:clrMapOvr>
+    <a:masterClrMapping/>
+  </p:clrMapOvr>
+</p:sld>
+</file>
+
+<file path=ppt/slides/slide19.xml><?xml version="1.0" encoding="utf-8"?>
+<p:sld xmlns:a="http://schemas.openxmlformats.org/drawingml/2006/main" xmlns:r="http://schemas.openxmlformats.org/officeDocument/2006/relationships" xmlns:p="http://schemas.openxmlformats.org/presentationml/2006/main">
+  <p:cSld>
+    <p:spTree>
+      <p:nvGrpSpPr>
+        <p:cNvPr id="1" name="">
+          <a:extLst>
+            <a:ext uri="{FF2B5EF4-FFF2-40B4-BE49-F238E27FC236}">
+              <a16:creationId xmlns:a16="http://schemas.microsoft.com/office/drawing/2014/main" id="{A9AC321E-EE35-349A-EFA8-EAEBF17CA905}"/>
+            </a:ext>
+          </a:extLst>
+        </p:cNvPr>
+        <p:cNvGrpSpPr/>
+        <p:nvPr/>
+      </p:nvGrpSpPr>
+      <p:grpSpPr>
+        <a:xfrm>
+          <a:off x="0" y="0"/>
+          <a:ext cx="0" cy="0"/>
+          <a:chOff x="0" y="0"/>
+          <a:chExt cx="0" cy="0"/>
+        </a:xfrm>
+      </p:grpSpPr>
+      <p:sp>
+        <p:nvSpPr>
+          <p:cNvPr id="4" name="Can 3">
+            <a:extLst>
+              <a:ext uri="{FF2B5EF4-FFF2-40B4-BE49-F238E27FC236}">
+                <a16:creationId xmlns:a16="http://schemas.microsoft.com/office/drawing/2014/main" id="{FF25F29D-1803-DBAE-1ACE-82B1BFCCEA9D}"/>
+              </a:ext>
+            </a:extLst>
+          </p:cNvPr>
+          <p:cNvSpPr/>
+          <p:nvPr/>
+        </p:nvSpPr>
+        <p:spPr>
+          <a:xfrm>
+            <a:off x="8632152" y="1762684"/>
+            <a:ext cx="1198180" cy="2028497"/>
+          </a:xfrm>
+          <a:prstGeom prst="can">
+            <a:avLst/>
+          </a:prstGeom>
+        </p:spPr>
+        <p:style>
+          <a:lnRef idx="2">
+            <a:schemeClr val="accent1">
+              <a:shade val="15000"/>
+            </a:schemeClr>
+          </a:lnRef>
+          <a:fillRef idx="1">
+            <a:schemeClr val="accent1"/>
+          </a:fillRef>
+          <a:effectRef idx="0">
+            <a:schemeClr val="accent1"/>
+          </a:effectRef>
+          <a:fontRef idx="minor">
+            <a:schemeClr val="lt1"/>
+          </a:fontRef>
+        </p:style>
+        <p:txBody>
+          <a:bodyPr rtlCol="0" anchor="ctr"/>
+          <a:lstStyle/>
+          <a:p>
+            <a:pPr algn="ctr"/>
+            <a:r>
+              <a:rPr lang="en-US" dirty="0"/>
+              <a:t>Strings</a:t>
+            </a:r>
+          </a:p>
+          <a:p>
+            <a:pPr algn="ctr"/>
+            <a:r>
+              <a:rPr lang="en-US" dirty="0"/>
+              <a:t>DB</a:t>
+            </a:r>
+          </a:p>
+        </p:txBody>
+      </p:sp>
+      <p:sp>
+        <p:nvSpPr>
+          <p:cNvPr id="5" name="Rectangle 4">
+            <a:extLst>
+              <a:ext uri="{FF2B5EF4-FFF2-40B4-BE49-F238E27FC236}">
+                <a16:creationId xmlns:a16="http://schemas.microsoft.com/office/drawing/2014/main" id="{58528C48-4B4C-01DD-CBED-B854BF501B95}"/>
+              </a:ext>
+            </a:extLst>
+          </p:cNvPr>
+          <p:cNvSpPr/>
+          <p:nvPr/>
+        </p:nvSpPr>
+        <p:spPr>
+          <a:xfrm>
+            <a:off x="4979469" y="1999419"/>
+            <a:ext cx="1429407" cy="1213944"/>
+          </a:xfrm>
+          <a:prstGeom prst="rect">
+            <a:avLst/>
+          </a:prstGeom>
+          <a:solidFill>
+            <a:schemeClr val="accent6">
+              <a:lumMod val="60000"/>
+              <a:lumOff val="40000"/>
+            </a:schemeClr>
+          </a:solidFill>
+        </p:spPr>
+        <p:style>
+          <a:lnRef idx="2">
+            <a:schemeClr val="accent1">
+              <a:shade val="15000"/>
+            </a:schemeClr>
+          </a:lnRef>
+          <a:fillRef idx="1">
+            <a:schemeClr val="accent1"/>
+          </a:fillRef>
+          <a:effectRef idx="0">
+            <a:schemeClr val="accent1"/>
+          </a:effectRef>
+          <a:fontRef idx="minor">
+            <a:schemeClr val="lt1"/>
+          </a:fontRef>
+        </p:style>
+        <p:txBody>
+          <a:bodyPr rtlCol="0" anchor="ctr"/>
+          <a:lstStyle/>
+          <a:p>
+            <a:pPr algn="ctr"/>
+            <a:endParaRPr lang="en-US"/>
+          </a:p>
+        </p:txBody>
+      </p:sp>
+      <p:sp>
+        <p:nvSpPr>
+          <p:cNvPr id="6" name="Rectangle 5">
+            <a:extLst>
+              <a:ext uri="{FF2B5EF4-FFF2-40B4-BE49-F238E27FC236}">
+                <a16:creationId xmlns:a16="http://schemas.microsoft.com/office/drawing/2014/main" id="{2387D9FD-6AEC-3F3A-B46A-66E7A83EAC0F}"/>
+              </a:ext>
+            </a:extLst>
+          </p:cNvPr>
+          <p:cNvSpPr/>
+          <p:nvPr/>
+        </p:nvSpPr>
+        <p:spPr>
+          <a:xfrm>
+            <a:off x="5131869" y="2183350"/>
+            <a:ext cx="1429407" cy="1213944"/>
+          </a:xfrm>
+          <a:prstGeom prst="rect">
+            <a:avLst/>
+          </a:prstGeom>
+          <a:solidFill>
+            <a:schemeClr val="accent6">
+              <a:lumMod val="60000"/>
+              <a:lumOff val="40000"/>
+            </a:schemeClr>
+          </a:solidFill>
+        </p:spPr>
+        <p:style>
+          <a:lnRef idx="2">
+            <a:schemeClr val="accent1">
+              <a:shade val="15000"/>
+            </a:schemeClr>
+          </a:lnRef>
+          <a:fillRef idx="1">
+            <a:schemeClr val="accent1"/>
+          </a:fillRef>
+          <a:effectRef idx="0">
+            <a:schemeClr val="accent1"/>
+          </a:effectRef>
+          <a:fontRef idx="minor">
+            <a:schemeClr val="lt1"/>
+          </a:fontRef>
+        </p:style>
+        <p:txBody>
+          <a:bodyPr rtlCol="0" anchor="ctr"/>
+          <a:lstStyle/>
+          <a:p>
+            <a:pPr algn="ctr"/>
+            <a:endParaRPr lang="en-US"/>
+          </a:p>
+        </p:txBody>
+      </p:sp>
+      <p:sp>
+        <p:nvSpPr>
+          <p:cNvPr id="7" name="Rectangle 6">
+            <a:extLst>
+              <a:ext uri="{FF2B5EF4-FFF2-40B4-BE49-F238E27FC236}">
+                <a16:creationId xmlns:a16="http://schemas.microsoft.com/office/drawing/2014/main" id="{356B5A5C-BB11-4609-2D36-A600537F64F3}"/>
+              </a:ext>
+            </a:extLst>
+          </p:cNvPr>
+          <p:cNvSpPr/>
+          <p:nvPr/>
+        </p:nvSpPr>
+        <p:spPr>
+          <a:xfrm>
+            <a:off x="5284269" y="2335750"/>
+            <a:ext cx="1429407" cy="1213944"/>
+          </a:xfrm>
+          <a:prstGeom prst="rect">
+            <a:avLst/>
+          </a:prstGeom>
+          <a:solidFill>
+            <a:schemeClr val="accent6">
+              <a:lumMod val="60000"/>
+              <a:lumOff val="40000"/>
+            </a:schemeClr>
+          </a:solidFill>
+        </p:spPr>
+        <p:style>
+          <a:lnRef idx="2">
+            <a:schemeClr val="accent1">
+              <a:shade val="15000"/>
+            </a:schemeClr>
+          </a:lnRef>
+          <a:fillRef idx="1">
+            <a:schemeClr val="accent1"/>
+          </a:fillRef>
+          <a:effectRef idx="0">
+            <a:schemeClr val="accent1"/>
+          </a:effectRef>
+          <a:fontRef idx="minor">
+            <a:schemeClr val="lt1"/>
+          </a:fontRef>
+        </p:style>
+        <p:txBody>
+          <a:bodyPr rtlCol="0" anchor="ctr"/>
+          <a:lstStyle/>
+          <a:p>
+            <a:pPr algn="ctr"/>
+            <a:endParaRPr lang="en-US"/>
+          </a:p>
+        </p:txBody>
+      </p:sp>
+      <p:sp>
+        <p:nvSpPr>
+          <p:cNvPr id="8" name="Rectangle 7">
+            <a:extLst>
+              <a:ext uri="{FF2B5EF4-FFF2-40B4-BE49-F238E27FC236}">
+                <a16:creationId xmlns:a16="http://schemas.microsoft.com/office/drawing/2014/main" id="{76239F8E-3894-60BC-7154-E71B0AAA6294}"/>
+              </a:ext>
+            </a:extLst>
+          </p:cNvPr>
+          <p:cNvSpPr/>
+          <p:nvPr/>
+        </p:nvSpPr>
+        <p:spPr>
+          <a:xfrm>
+            <a:off x="5436669" y="2488150"/>
+            <a:ext cx="1429407" cy="1213944"/>
+          </a:xfrm>
+          <a:prstGeom prst="rect">
+            <a:avLst/>
+          </a:prstGeom>
+          <a:solidFill>
+            <a:schemeClr val="accent6">
+              <a:lumMod val="60000"/>
+              <a:lumOff val="40000"/>
+            </a:schemeClr>
+          </a:solidFill>
+        </p:spPr>
+        <p:style>
+          <a:lnRef idx="2">
+            <a:schemeClr val="accent1">
+              <a:shade val="15000"/>
+            </a:schemeClr>
+          </a:lnRef>
+          <a:fillRef idx="1">
+            <a:schemeClr val="accent1"/>
+          </a:fillRef>
+          <a:effectRef idx="0">
+            <a:schemeClr val="accent1"/>
+          </a:effectRef>
+          <a:fontRef idx="minor">
+            <a:schemeClr val="lt1"/>
+          </a:fontRef>
+        </p:style>
+        <p:txBody>
+          <a:bodyPr rtlCol="0" anchor="ctr"/>
+          <a:lstStyle/>
+          <a:p>
+            <a:pPr algn="ctr"/>
+            <a:r>
+              <a:rPr lang="en-US" dirty="0"/>
+              <a:t>Server</a:t>
+            </a:r>
+          </a:p>
+        </p:txBody>
+      </p:sp>
+      <p:sp>
+        <p:nvSpPr>
+          <p:cNvPr id="9" name="TextBox 8">
+            <a:extLst>
+              <a:ext uri="{FF2B5EF4-FFF2-40B4-BE49-F238E27FC236}">
+                <a16:creationId xmlns:a16="http://schemas.microsoft.com/office/drawing/2014/main" id="{BCEACE6B-8596-DCAB-A684-F036ECE75C9A}"/>
+              </a:ext>
+            </a:extLst>
+          </p:cNvPr>
+          <p:cNvSpPr txBox="1"/>
+          <p:nvPr/>
+        </p:nvSpPr>
+        <p:spPr>
+          <a:xfrm>
+            <a:off x="10101212" y="434897"/>
+            <a:ext cx="1998752" cy="646331"/>
+          </a:xfrm>
+          <a:prstGeom prst="rect">
+            <a:avLst/>
+          </a:prstGeom>
+          <a:noFill/>
+        </p:spPr>
+        <p:txBody>
+          <a:bodyPr wrap="square" rtlCol="0">
+            <a:spAutoFit/>
+          </a:bodyPr>
+          <a:lstStyle/>
+          <a:p>
+            <a:r>
+              <a:rPr lang="en-US" dirty="0">
+                <a:solidFill>
+                  <a:srgbClr val="FF0000"/>
+                </a:solidFill>
+              </a:rPr>
+              <a:t>{ string: “00cc11”,</a:t>
+            </a:r>
+          </a:p>
+          <a:p>
+            <a:r>
+              <a:rPr lang="en-US" dirty="0">
+                <a:solidFill>
+                  <a:srgbClr val="FF0000"/>
+                </a:solidFill>
+              </a:rPr>
+              <a:t>  “used”: “true” }</a:t>
+            </a:r>
+          </a:p>
+        </p:txBody>
+      </p:sp>
+      <p:sp>
+        <p:nvSpPr>
+          <p:cNvPr id="10" name="TextBox 9">
+            <a:extLst>
+              <a:ext uri="{FF2B5EF4-FFF2-40B4-BE49-F238E27FC236}">
+                <a16:creationId xmlns:a16="http://schemas.microsoft.com/office/drawing/2014/main" id="{8BB3BF6C-4DF3-7C31-C008-241CE0BABDAF}"/>
+              </a:ext>
+            </a:extLst>
+          </p:cNvPr>
+          <p:cNvSpPr txBox="1"/>
+          <p:nvPr/>
+        </p:nvSpPr>
+        <p:spPr>
+          <a:xfrm>
+            <a:off x="10101212" y="1253385"/>
+            <a:ext cx="1894045" cy="646331"/>
+          </a:xfrm>
+          <a:prstGeom prst="rect">
+            <a:avLst/>
+          </a:prstGeom>
+          <a:noFill/>
+        </p:spPr>
+        <p:txBody>
+          <a:bodyPr wrap="square" rtlCol="0">
+            <a:spAutoFit/>
+          </a:bodyPr>
+          <a:lstStyle/>
+          <a:p>
+            <a:r>
+              <a:rPr lang="en-US" dirty="0">
+                <a:solidFill>
+                  <a:srgbClr val="FF0000"/>
+                </a:solidFill>
+              </a:rPr>
+              <a:t>{ string: “xx6411”,</a:t>
+            </a:r>
+          </a:p>
+          <a:p>
+            <a:r>
+              <a:rPr lang="en-US" dirty="0">
+                <a:solidFill>
+                  <a:srgbClr val="FF0000"/>
+                </a:solidFill>
+              </a:rPr>
+              <a:t>  “used”: “true” }</a:t>
+            </a:r>
+          </a:p>
+        </p:txBody>
+      </p:sp>
+      <p:sp>
+        <p:nvSpPr>
+          <p:cNvPr id="11" name="TextBox 10">
+            <a:extLst>
+              <a:ext uri="{FF2B5EF4-FFF2-40B4-BE49-F238E27FC236}">
+                <a16:creationId xmlns:a16="http://schemas.microsoft.com/office/drawing/2014/main" id="{E51FA8D1-05F3-CAE4-BB09-0BB4F09B4ED3}"/>
+              </a:ext>
+            </a:extLst>
+          </p:cNvPr>
+          <p:cNvSpPr txBox="1"/>
+          <p:nvPr/>
+        </p:nvSpPr>
+        <p:spPr>
+          <a:xfrm>
+            <a:off x="10101211" y="2065282"/>
+            <a:ext cx="1949060" cy="646331"/>
+          </a:xfrm>
+          <a:prstGeom prst="rect">
+            <a:avLst/>
+          </a:prstGeom>
+          <a:noFill/>
+        </p:spPr>
+        <p:txBody>
+          <a:bodyPr wrap="square" rtlCol="0">
+            <a:spAutoFit/>
+          </a:bodyPr>
+          <a:lstStyle/>
+          <a:p>
+            <a:r>
+              <a:rPr lang="en-US" dirty="0"/>
+              <a:t>{ string: “74d412”,</a:t>
+            </a:r>
+          </a:p>
+          <a:p>
+            <a:r>
+              <a:rPr lang="en-US" dirty="0"/>
+              <a:t>  “used”: “false” }</a:t>
+            </a:r>
+          </a:p>
+        </p:txBody>
+      </p:sp>
+      <p:sp>
+        <p:nvSpPr>
+          <p:cNvPr id="12" name="TextBox 11">
+            <a:extLst>
+              <a:ext uri="{FF2B5EF4-FFF2-40B4-BE49-F238E27FC236}">
+                <a16:creationId xmlns:a16="http://schemas.microsoft.com/office/drawing/2014/main" id="{E73FD72A-E6CC-DEBC-2D1D-301BAA5F8CB5}"/>
+              </a:ext>
+            </a:extLst>
+          </p:cNvPr>
+          <p:cNvSpPr txBox="1"/>
+          <p:nvPr/>
+        </p:nvSpPr>
+        <p:spPr>
+          <a:xfrm>
+            <a:off x="10126058" y="2877179"/>
+            <a:ext cx="1894558" cy="646331"/>
+          </a:xfrm>
+          <a:prstGeom prst="rect">
+            <a:avLst/>
+          </a:prstGeom>
+          <a:noFill/>
+        </p:spPr>
+        <p:txBody>
+          <a:bodyPr wrap="square" rtlCol="0">
+            <a:spAutoFit/>
+          </a:bodyPr>
+          <a:lstStyle/>
+          <a:p>
+            <a:r>
+              <a:rPr lang="en-US" dirty="0"/>
+              <a:t>{ string: “hww40”,</a:t>
+            </a:r>
+          </a:p>
+          <a:p>
+            <a:r>
+              <a:rPr lang="en-US" dirty="0"/>
+              <a:t>  “used”: “false” }</a:t>
+            </a:r>
+          </a:p>
+        </p:txBody>
+      </p:sp>
+      <p:sp>
+        <p:nvSpPr>
+          <p:cNvPr id="13" name="TextBox 12">
+            <a:extLst>
+              <a:ext uri="{FF2B5EF4-FFF2-40B4-BE49-F238E27FC236}">
+                <a16:creationId xmlns:a16="http://schemas.microsoft.com/office/drawing/2014/main" id="{81873B74-31FF-743F-A250-158ACD61174C}"/>
+              </a:ext>
+            </a:extLst>
+          </p:cNvPr>
+          <p:cNvSpPr txBox="1"/>
+          <p:nvPr/>
+        </p:nvSpPr>
+        <p:spPr>
+          <a:xfrm>
+            <a:off x="10135132" y="3689076"/>
+            <a:ext cx="1860125" cy="646331"/>
+          </a:xfrm>
+          <a:prstGeom prst="rect">
+            <a:avLst/>
+          </a:prstGeom>
+          <a:noFill/>
+        </p:spPr>
+        <p:txBody>
+          <a:bodyPr wrap="square" rtlCol="0">
+            <a:spAutoFit/>
+          </a:bodyPr>
+          <a:lstStyle/>
+          <a:p>
+            <a:r>
+              <a:rPr lang="en-US" dirty="0"/>
+              <a:t>{ string: “211zxz”,</a:t>
+            </a:r>
+          </a:p>
+          <a:p>
+            <a:r>
+              <a:rPr lang="en-US" dirty="0"/>
+              <a:t>  “used”: “false” }</a:t>
+            </a:r>
+          </a:p>
+        </p:txBody>
+      </p:sp>
+      <p:sp>
+        <p:nvSpPr>
+          <p:cNvPr id="14" name="TextBox 13">
+            <a:extLst>
+              <a:ext uri="{FF2B5EF4-FFF2-40B4-BE49-F238E27FC236}">
+                <a16:creationId xmlns:a16="http://schemas.microsoft.com/office/drawing/2014/main" id="{22BAA874-62B0-4063-F781-C93B158EABD3}"/>
+              </a:ext>
+            </a:extLst>
+          </p:cNvPr>
+          <p:cNvSpPr txBox="1"/>
+          <p:nvPr/>
+        </p:nvSpPr>
+        <p:spPr>
+          <a:xfrm>
+            <a:off x="10190146" y="4500973"/>
+            <a:ext cx="1907382" cy="646331"/>
+          </a:xfrm>
+          <a:prstGeom prst="rect">
+            <a:avLst/>
+          </a:prstGeom>
+          <a:noFill/>
+        </p:spPr>
+        <p:txBody>
+          <a:bodyPr wrap="square" rtlCol="0">
+            <a:spAutoFit/>
+          </a:bodyPr>
+          <a:lstStyle/>
+          <a:p>
+            <a:r>
+              <a:rPr lang="en-US" dirty="0"/>
+              <a:t>{ string: “b4v3z7”,</a:t>
+            </a:r>
+          </a:p>
+          <a:p>
+            <a:r>
+              <a:rPr lang="en-US" dirty="0"/>
+              <a:t>  “used”: “false” }</a:t>
+            </a:r>
+          </a:p>
+        </p:txBody>
+      </p:sp>
+      <p:sp>
+        <p:nvSpPr>
+          <p:cNvPr id="15" name="Smiley Face 14">
+            <a:extLst>
+              <a:ext uri="{FF2B5EF4-FFF2-40B4-BE49-F238E27FC236}">
+                <a16:creationId xmlns:a16="http://schemas.microsoft.com/office/drawing/2014/main" id="{5E4192C9-0E70-013A-9E0A-A1C980AC4C0E}"/>
+              </a:ext>
+            </a:extLst>
+          </p:cNvPr>
+          <p:cNvSpPr/>
+          <p:nvPr/>
+        </p:nvSpPr>
+        <p:spPr>
+          <a:xfrm>
+            <a:off x="215078" y="1466088"/>
+            <a:ext cx="780586" cy="725213"/>
+          </a:xfrm>
+          <a:prstGeom prst="smileyFace">
+            <a:avLst/>
+          </a:prstGeom>
+          <a:solidFill>
+            <a:schemeClr val="accent5">
+              <a:lumMod val="40000"/>
+              <a:lumOff val="60000"/>
+            </a:schemeClr>
+          </a:solidFill>
+        </p:spPr>
+        <p:style>
+          <a:lnRef idx="2">
+            <a:schemeClr val="accent1">
+              <a:shade val="15000"/>
+            </a:schemeClr>
+          </a:lnRef>
+          <a:fillRef idx="1">
+            <a:schemeClr val="accent1"/>
+          </a:fillRef>
+          <a:effectRef idx="0">
+            <a:schemeClr val="accent1"/>
+          </a:effectRef>
+          <a:fontRef idx="minor">
+            <a:schemeClr val="lt1"/>
+          </a:fontRef>
+        </p:style>
+        <p:txBody>
+          <a:bodyPr rtlCol="0" anchor="ctr"/>
+          <a:lstStyle/>
+          <a:p>
+            <a:pPr algn="ctr"/>
+            <a:endParaRPr lang="en-US"/>
+          </a:p>
+        </p:txBody>
+      </p:sp>
+      <p:sp>
+        <p:nvSpPr>
+          <p:cNvPr id="16" name="TextBox 15">
+            <a:extLst>
+              <a:ext uri="{FF2B5EF4-FFF2-40B4-BE49-F238E27FC236}">
+                <a16:creationId xmlns:a16="http://schemas.microsoft.com/office/drawing/2014/main" id="{10B29CA3-72BB-1EC0-607B-65598C3E47DD}"/>
+              </a:ext>
+            </a:extLst>
+          </p:cNvPr>
+          <p:cNvSpPr txBox="1"/>
+          <p:nvPr/>
+        </p:nvSpPr>
+        <p:spPr>
+          <a:xfrm>
+            <a:off x="10190146" y="5312870"/>
+            <a:ext cx="1937775" cy="646331"/>
+          </a:xfrm>
+          <a:prstGeom prst="rect">
+            <a:avLst/>
+          </a:prstGeom>
+          <a:noFill/>
+        </p:spPr>
+        <p:txBody>
+          <a:bodyPr wrap="square" rtlCol="0">
+            <a:spAutoFit/>
+          </a:bodyPr>
+          <a:lstStyle/>
+          <a:p>
+            <a:r>
+              <a:rPr lang="en-US" dirty="0"/>
+              <a:t>{ string: “aaa311”,</a:t>
+            </a:r>
+          </a:p>
+          <a:p>
+            <a:r>
+              <a:rPr lang="en-US" dirty="0"/>
+              <a:t>  “used”: “false” }</a:t>
+            </a:r>
+          </a:p>
+        </p:txBody>
+      </p:sp>
+      <p:cxnSp>
+        <p:nvCxnSpPr>
+          <p:cNvPr id="17" name="Straight Arrow Connector 16">
+            <a:extLst>
+              <a:ext uri="{FF2B5EF4-FFF2-40B4-BE49-F238E27FC236}">
+                <a16:creationId xmlns:a16="http://schemas.microsoft.com/office/drawing/2014/main" id="{0891D0B8-3757-1932-34DE-BE1B822E59C6}"/>
+              </a:ext>
+            </a:extLst>
+          </p:cNvPr>
+          <p:cNvCxnSpPr>
+            <a:cxnSpLocks/>
+            <a:stCxn id="15" idx="6"/>
+          </p:cNvCxnSpPr>
+          <p:nvPr/>
+        </p:nvCxnSpPr>
+        <p:spPr>
+          <a:xfrm flipV="1">
+            <a:off x="995664" y="1828694"/>
+            <a:ext cx="1626669" cy="1"/>
+          </a:xfrm>
+          <a:prstGeom prst="straightConnector1">
+            <a:avLst/>
+          </a:prstGeom>
+          <a:ln>
+            <a:tailEnd type="triangle"/>
+          </a:ln>
+        </p:spPr>
+        <p:style>
+          <a:lnRef idx="2">
+            <a:schemeClr val="accent1"/>
+          </a:lnRef>
+          <a:fillRef idx="0">
+            <a:schemeClr val="accent1"/>
+          </a:fillRef>
+          <a:effectRef idx="1">
+            <a:schemeClr val="accent1"/>
+          </a:effectRef>
+          <a:fontRef idx="minor">
+            <a:schemeClr val="tx1"/>
+          </a:fontRef>
+        </p:style>
+      </p:cxnSp>
+      <p:sp>
+        <p:nvSpPr>
+          <p:cNvPr id="18" name="TextBox 17">
+            <a:extLst>
+              <a:ext uri="{FF2B5EF4-FFF2-40B4-BE49-F238E27FC236}">
+                <a16:creationId xmlns:a16="http://schemas.microsoft.com/office/drawing/2014/main" id="{2F28EFA8-AD57-8B42-8772-70806E2F1A80}"/>
+              </a:ext>
+            </a:extLst>
+          </p:cNvPr>
+          <p:cNvSpPr txBox="1"/>
+          <p:nvPr/>
+        </p:nvSpPr>
+        <p:spPr>
+          <a:xfrm>
+            <a:off x="1187223" y="1301019"/>
+            <a:ext cx="1276619" cy="461665"/>
+          </a:xfrm>
+          <a:prstGeom prst="rect">
+            <a:avLst/>
+          </a:prstGeom>
+          <a:noFill/>
+        </p:spPr>
+        <p:txBody>
+          <a:bodyPr wrap="square" rtlCol="0">
+            <a:spAutoFit/>
+          </a:bodyPr>
+          <a:lstStyle/>
+          <a:p>
+            <a:r>
+              <a:rPr lang="en-US" sz="1200" dirty="0">
+                <a:solidFill>
+                  <a:srgbClr val="FF0000"/>
+                </a:solidFill>
+              </a:rPr>
+              <a:t>Give me 2 random Strings</a:t>
+            </a:r>
+          </a:p>
+        </p:txBody>
+      </p:sp>
+      <p:sp>
+        <p:nvSpPr>
+          <p:cNvPr id="19" name="Smiley Face 18">
+            <a:extLst>
+              <a:ext uri="{FF2B5EF4-FFF2-40B4-BE49-F238E27FC236}">
+                <a16:creationId xmlns:a16="http://schemas.microsoft.com/office/drawing/2014/main" id="{484E82B1-7AF5-F4A2-A855-40D2C3E465B0}"/>
+              </a:ext>
+            </a:extLst>
+          </p:cNvPr>
+          <p:cNvSpPr/>
+          <p:nvPr/>
+        </p:nvSpPr>
+        <p:spPr>
+          <a:xfrm>
+            <a:off x="215078" y="2622625"/>
+            <a:ext cx="780586" cy="725213"/>
+          </a:xfrm>
+          <a:prstGeom prst="smileyFace">
+            <a:avLst/>
+          </a:prstGeom>
+          <a:solidFill>
+            <a:schemeClr val="accent5">
+              <a:lumMod val="40000"/>
+              <a:lumOff val="60000"/>
+            </a:schemeClr>
+          </a:solidFill>
+        </p:spPr>
+        <p:style>
+          <a:lnRef idx="2">
+            <a:schemeClr val="accent1">
+              <a:shade val="15000"/>
+            </a:schemeClr>
+          </a:lnRef>
+          <a:fillRef idx="1">
+            <a:schemeClr val="accent1"/>
+          </a:fillRef>
+          <a:effectRef idx="0">
+            <a:schemeClr val="accent1"/>
+          </a:effectRef>
+          <a:fontRef idx="minor">
+            <a:schemeClr val="lt1"/>
+          </a:fontRef>
+        </p:style>
+        <p:txBody>
+          <a:bodyPr rtlCol="0" anchor="ctr"/>
+          <a:lstStyle/>
+          <a:p>
+            <a:pPr algn="ctr"/>
+            <a:endParaRPr lang="en-US"/>
+          </a:p>
+        </p:txBody>
+      </p:sp>
+      <p:sp>
+        <p:nvSpPr>
+          <p:cNvPr id="20" name="Rectangle 19">
+            <a:extLst>
+              <a:ext uri="{FF2B5EF4-FFF2-40B4-BE49-F238E27FC236}">
+                <a16:creationId xmlns:a16="http://schemas.microsoft.com/office/drawing/2014/main" id="{91D647B3-F8AB-45C3-9844-FD450E479D9E}"/>
+              </a:ext>
+            </a:extLst>
+          </p:cNvPr>
+          <p:cNvSpPr/>
+          <p:nvPr/>
+        </p:nvSpPr>
+        <p:spPr>
+          <a:xfrm>
+            <a:off x="2642839" y="936702"/>
+            <a:ext cx="1014761" cy="4210602"/>
+          </a:xfrm>
+          <a:prstGeom prst="rect">
+            <a:avLst/>
+          </a:prstGeom>
+        </p:spPr>
+        <p:style>
+          <a:lnRef idx="2">
+            <a:schemeClr val="accent1">
+              <a:shade val="15000"/>
+            </a:schemeClr>
+          </a:lnRef>
+          <a:fillRef idx="1">
+            <a:schemeClr val="accent1"/>
+          </a:fillRef>
+          <a:effectRef idx="0">
+            <a:schemeClr val="accent1"/>
+          </a:effectRef>
+          <a:fontRef idx="minor">
+            <a:schemeClr val="lt1"/>
+          </a:fontRef>
+        </p:style>
+        <p:txBody>
+          <a:bodyPr rtlCol="0" anchor="ctr"/>
+          <a:lstStyle/>
+          <a:p>
+            <a:pPr algn="ctr"/>
+            <a:r>
+              <a:rPr lang="en-US" dirty="0"/>
+              <a:t>Load</a:t>
+            </a:r>
+          </a:p>
+          <a:p>
+            <a:pPr algn="ctr"/>
+            <a:r>
+              <a:rPr lang="en-US" dirty="0"/>
+              <a:t>Balance</a:t>
+            </a:r>
+          </a:p>
+        </p:txBody>
+      </p:sp>
+      <p:cxnSp>
+        <p:nvCxnSpPr>
+          <p:cNvPr id="21" name="Straight Arrow Connector 20">
+            <a:extLst>
+              <a:ext uri="{FF2B5EF4-FFF2-40B4-BE49-F238E27FC236}">
+                <a16:creationId xmlns:a16="http://schemas.microsoft.com/office/drawing/2014/main" id="{F420C864-8725-DC2B-F1AC-DD53447A3D46}"/>
+              </a:ext>
+            </a:extLst>
+          </p:cNvPr>
+          <p:cNvCxnSpPr>
+            <a:stCxn id="19" idx="6"/>
+          </p:cNvCxnSpPr>
+          <p:nvPr/>
+        </p:nvCxnSpPr>
+        <p:spPr>
+          <a:xfrm flipV="1">
+            <a:off x="995664" y="2985231"/>
+            <a:ext cx="1622953" cy="1"/>
+          </a:xfrm>
+          <a:prstGeom prst="straightConnector1">
+            <a:avLst/>
+          </a:prstGeom>
+          <a:ln>
+            <a:tailEnd type="triangle"/>
+          </a:ln>
+        </p:spPr>
+        <p:style>
+          <a:lnRef idx="2">
+            <a:schemeClr val="accent1"/>
+          </a:lnRef>
+          <a:fillRef idx="0">
+            <a:schemeClr val="accent1"/>
+          </a:fillRef>
+          <a:effectRef idx="1">
+            <a:schemeClr val="accent1"/>
+          </a:effectRef>
+          <a:fontRef idx="minor">
+            <a:schemeClr val="tx1"/>
+          </a:fontRef>
+        </p:style>
+      </p:cxnSp>
+      <p:sp>
+        <p:nvSpPr>
+          <p:cNvPr id="22" name="Smiley Face 21">
+            <a:extLst>
+              <a:ext uri="{FF2B5EF4-FFF2-40B4-BE49-F238E27FC236}">
+                <a16:creationId xmlns:a16="http://schemas.microsoft.com/office/drawing/2014/main" id="{B616840A-722C-FDE5-02F5-90299AAFD4CD}"/>
+              </a:ext>
+            </a:extLst>
+          </p:cNvPr>
+          <p:cNvSpPr/>
+          <p:nvPr/>
+        </p:nvSpPr>
+        <p:spPr>
+          <a:xfrm>
+            <a:off x="243209" y="3822897"/>
+            <a:ext cx="780586" cy="725213"/>
+          </a:xfrm>
+          <a:prstGeom prst="smileyFace">
+            <a:avLst/>
+          </a:prstGeom>
+          <a:solidFill>
+            <a:schemeClr val="accent5">
+              <a:lumMod val="40000"/>
+              <a:lumOff val="60000"/>
+            </a:schemeClr>
+          </a:solidFill>
+        </p:spPr>
+        <p:style>
+          <a:lnRef idx="2">
+            <a:schemeClr val="accent1">
+              <a:shade val="15000"/>
+            </a:schemeClr>
+          </a:lnRef>
+          <a:fillRef idx="1">
+            <a:schemeClr val="accent1"/>
+          </a:fillRef>
+          <a:effectRef idx="0">
+            <a:schemeClr val="accent1"/>
+          </a:effectRef>
+          <a:fontRef idx="minor">
+            <a:schemeClr val="lt1"/>
+          </a:fontRef>
+        </p:style>
+        <p:txBody>
+          <a:bodyPr rtlCol="0" anchor="ctr"/>
+          <a:lstStyle/>
+          <a:p>
+            <a:pPr algn="ctr"/>
+            <a:endParaRPr lang="en-US"/>
+          </a:p>
+        </p:txBody>
+      </p:sp>
+      <p:cxnSp>
+        <p:nvCxnSpPr>
+          <p:cNvPr id="23" name="Straight Arrow Connector 22">
+            <a:extLst>
+              <a:ext uri="{FF2B5EF4-FFF2-40B4-BE49-F238E27FC236}">
+                <a16:creationId xmlns:a16="http://schemas.microsoft.com/office/drawing/2014/main" id="{4878E650-53F5-D419-9138-1649F0D976F5}"/>
+              </a:ext>
+            </a:extLst>
+          </p:cNvPr>
+          <p:cNvCxnSpPr>
+            <a:stCxn id="22" idx="6"/>
+          </p:cNvCxnSpPr>
+          <p:nvPr/>
+        </p:nvCxnSpPr>
+        <p:spPr>
+          <a:xfrm flipV="1">
+            <a:off x="1023795" y="4185503"/>
+            <a:ext cx="1622249" cy="1"/>
+          </a:xfrm>
+          <a:prstGeom prst="straightConnector1">
+            <a:avLst/>
+          </a:prstGeom>
+          <a:ln>
+            <a:tailEnd type="triangle"/>
+          </a:ln>
+        </p:spPr>
+        <p:style>
+          <a:lnRef idx="2">
+            <a:schemeClr val="accent1"/>
+          </a:lnRef>
+          <a:fillRef idx="0">
+            <a:schemeClr val="accent1"/>
+          </a:fillRef>
+          <a:effectRef idx="1">
+            <a:schemeClr val="accent1"/>
+          </a:effectRef>
+          <a:fontRef idx="minor">
+            <a:schemeClr val="tx1"/>
+          </a:fontRef>
+        </p:style>
+      </p:cxnSp>
+      <p:sp>
+        <p:nvSpPr>
+          <p:cNvPr id="24" name="TextBox 23">
+            <a:extLst>
+              <a:ext uri="{FF2B5EF4-FFF2-40B4-BE49-F238E27FC236}">
+                <a16:creationId xmlns:a16="http://schemas.microsoft.com/office/drawing/2014/main" id="{ACFC215E-0EB6-02D9-9DA8-E7DD80CB35C4}"/>
+              </a:ext>
+            </a:extLst>
+          </p:cNvPr>
+          <p:cNvSpPr txBox="1"/>
+          <p:nvPr/>
+        </p:nvSpPr>
+        <p:spPr>
+          <a:xfrm>
+            <a:off x="1200993" y="2469856"/>
+            <a:ext cx="1276619" cy="461665"/>
+          </a:xfrm>
+          <a:prstGeom prst="rect">
+            <a:avLst/>
+          </a:prstGeom>
+          <a:noFill/>
+        </p:spPr>
+        <p:txBody>
+          <a:bodyPr wrap="square" rtlCol="0">
+            <a:spAutoFit/>
+          </a:bodyPr>
+          <a:lstStyle/>
+          <a:p>
+            <a:r>
+              <a:rPr lang="en-US" sz="1200" dirty="0"/>
+              <a:t>Give me 3 random Strings</a:t>
+            </a:r>
+          </a:p>
+        </p:txBody>
+      </p:sp>
+      <p:sp>
+        <p:nvSpPr>
+          <p:cNvPr id="25" name="TextBox 24">
+            <a:extLst>
+              <a:ext uri="{FF2B5EF4-FFF2-40B4-BE49-F238E27FC236}">
+                <a16:creationId xmlns:a16="http://schemas.microsoft.com/office/drawing/2014/main" id="{925EBD67-B0CF-08A2-3FD3-D78CFF9A3B4C}"/>
+              </a:ext>
+            </a:extLst>
+          </p:cNvPr>
+          <p:cNvSpPr txBox="1"/>
+          <p:nvPr/>
+        </p:nvSpPr>
+        <p:spPr>
+          <a:xfrm>
+            <a:off x="1196609" y="3689076"/>
+            <a:ext cx="1276619" cy="461665"/>
+          </a:xfrm>
+          <a:prstGeom prst="rect">
+            <a:avLst/>
+          </a:prstGeom>
+          <a:noFill/>
+        </p:spPr>
+        <p:txBody>
+          <a:bodyPr wrap="square" rtlCol="0">
+            <a:spAutoFit/>
+          </a:bodyPr>
+          <a:lstStyle/>
+          <a:p>
+            <a:r>
+              <a:rPr lang="en-US" sz="1200" dirty="0"/>
+              <a:t>Give me 2 random Strings</a:t>
+            </a:r>
+          </a:p>
+        </p:txBody>
+      </p:sp>
+      <p:cxnSp>
+        <p:nvCxnSpPr>
+          <p:cNvPr id="26" name="Straight Arrow Connector 25">
+            <a:extLst>
+              <a:ext uri="{FF2B5EF4-FFF2-40B4-BE49-F238E27FC236}">
+                <a16:creationId xmlns:a16="http://schemas.microsoft.com/office/drawing/2014/main" id="{C4A459DC-9DB4-AA71-BCAE-F1FACBF0BB19}"/>
+              </a:ext>
+            </a:extLst>
+          </p:cNvPr>
+          <p:cNvCxnSpPr>
+            <a:stCxn id="20" idx="3"/>
+            <a:endCxn id="5" idx="1"/>
+          </p:cNvCxnSpPr>
+          <p:nvPr/>
+        </p:nvCxnSpPr>
+        <p:spPr>
+          <a:xfrm flipV="1">
+            <a:off x="3657600" y="2606391"/>
+            <a:ext cx="1321869" cy="435612"/>
+          </a:xfrm>
+          <a:prstGeom prst="straightConnector1">
+            <a:avLst/>
+          </a:prstGeom>
+          <a:ln>
+            <a:tailEnd type="triangle"/>
+          </a:ln>
+        </p:spPr>
+        <p:style>
+          <a:lnRef idx="2">
+            <a:schemeClr val="accent1"/>
+          </a:lnRef>
+          <a:fillRef idx="0">
+            <a:schemeClr val="accent1"/>
+          </a:fillRef>
+          <a:effectRef idx="1">
+            <a:schemeClr val="accent1"/>
+          </a:effectRef>
+          <a:fontRef idx="minor">
+            <a:schemeClr val="tx1"/>
+          </a:fontRef>
+        </p:style>
+      </p:cxnSp>
+      <p:cxnSp>
+        <p:nvCxnSpPr>
+          <p:cNvPr id="27" name="Straight Arrow Connector 26">
+            <a:extLst>
+              <a:ext uri="{FF2B5EF4-FFF2-40B4-BE49-F238E27FC236}">
+                <a16:creationId xmlns:a16="http://schemas.microsoft.com/office/drawing/2014/main" id="{4F1724F4-B3EA-20F5-00C9-0C843E14835C}"/>
+              </a:ext>
+            </a:extLst>
+          </p:cNvPr>
+          <p:cNvCxnSpPr>
+            <a:stCxn id="20" idx="3"/>
+            <a:endCxn id="6" idx="1"/>
+          </p:cNvCxnSpPr>
+          <p:nvPr/>
+        </p:nvCxnSpPr>
+        <p:spPr>
+          <a:xfrm flipV="1">
+            <a:off x="3657600" y="2790322"/>
+            <a:ext cx="1474269" cy="251681"/>
+          </a:xfrm>
+          <a:prstGeom prst="straightConnector1">
+            <a:avLst/>
+          </a:prstGeom>
+          <a:ln>
+            <a:tailEnd type="triangle"/>
+          </a:ln>
+        </p:spPr>
+        <p:style>
+          <a:lnRef idx="2">
+            <a:schemeClr val="accent1"/>
+          </a:lnRef>
+          <a:fillRef idx="0">
+            <a:schemeClr val="accent1"/>
+          </a:fillRef>
+          <a:effectRef idx="1">
+            <a:schemeClr val="accent1"/>
+          </a:effectRef>
+          <a:fontRef idx="minor">
+            <a:schemeClr val="tx1"/>
+          </a:fontRef>
+        </p:style>
+      </p:cxnSp>
+      <p:cxnSp>
+        <p:nvCxnSpPr>
+          <p:cNvPr id="28" name="Straight Arrow Connector 27">
+            <a:extLst>
+              <a:ext uri="{FF2B5EF4-FFF2-40B4-BE49-F238E27FC236}">
+                <a16:creationId xmlns:a16="http://schemas.microsoft.com/office/drawing/2014/main" id="{A7BAE102-5169-06E1-E33B-16D8D5284F6F}"/>
+              </a:ext>
+            </a:extLst>
+          </p:cNvPr>
+          <p:cNvCxnSpPr>
+            <a:stCxn id="20" idx="3"/>
+            <a:endCxn id="7" idx="1"/>
+          </p:cNvCxnSpPr>
+          <p:nvPr/>
+        </p:nvCxnSpPr>
+        <p:spPr>
+          <a:xfrm flipV="1">
+            <a:off x="3657600" y="2942722"/>
+            <a:ext cx="1626669" cy="99281"/>
+          </a:xfrm>
+          <a:prstGeom prst="straightConnector1">
+            <a:avLst/>
+          </a:prstGeom>
+          <a:ln>
+            <a:tailEnd type="triangle"/>
+          </a:ln>
+        </p:spPr>
+        <p:style>
+          <a:lnRef idx="2">
+            <a:schemeClr val="accent1"/>
+          </a:lnRef>
+          <a:fillRef idx="0">
+            <a:schemeClr val="accent1"/>
+          </a:fillRef>
+          <a:effectRef idx="1">
+            <a:schemeClr val="accent1"/>
+          </a:effectRef>
+          <a:fontRef idx="minor">
+            <a:schemeClr val="tx1"/>
+          </a:fontRef>
+        </p:style>
+      </p:cxnSp>
+      <p:cxnSp>
+        <p:nvCxnSpPr>
+          <p:cNvPr id="29" name="Straight Arrow Connector 28">
+            <a:extLst>
+              <a:ext uri="{FF2B5EF4-FFF2-40B4-BE49-F238E27FC236}">
+                <a16:creationId xmlns:a16="http://schemas.microsoft.com/office/drawing/2014/main" id="{A30C2113-29BF-ED00-4761-EA6051C6E421}"/>
+              </a:ext>
+            </a:extLst>
+          </p:cNvPr>
+          <p:cNvCxnSpPr>
+            <a:endCxn id="4" idx="2"/>
+          </p:cNvCxnSpPr>
+          <p:nvPr/>
+        </p:nvCxnSpPr>
+        <p:spPr>
+          <a:xfrm>
+            <a:off x="6408876" y="2065282"/>
+            <a:ext cx="2223276" cy="711651"/>
+          </a:xfrm>
+          <a:prstGeom prst="straightConnector1">
+            <a:avLst/>
+          </a:prstGeom>
+          <a:ln>
+            <a:headEnd type="triangle"/>
+            <a:tailEnd type="triangle"/>
+          </a:ln>
+        </p:spPr>
+        <p:style>
+          <a:lnRef idx="2">
+            <a:schemeClr val="accent1"/>
+          </a:lnRef>
+          <a:fillRef idx="0">
+            <a:schemeClr val="accent1"/>
+          </a:fillRef>
+          <a:effectRef idx="1">
+            <a:schemeClr val="accent1"/>
+          </a:effectRef>
+          <a:fontRef idx="minor">
+            <a:schemeClr val="tx1"/>
+          </a:fontRef>
+        </p:style>
+      </p:cxnSp>
+      <p:cxnSp>
+        <p:nvCxnSpPr>
+          <p:cNvPr id="30" name="Straight Arrow Connector 29">
+            <a:extLst>
+              <a:ext uri="{FF2B5EF4-FFF2-40B4-BE49-F238E27FC236}">
+                <a16:creationId xmlns:a16="http://schemas.microsoft.com/office/drawing/2014/main" id="{752FC9BF-1DFD-F8FD-AFDC-79A692097F7B}"/>
+              </a:ext>
+            </a:extLst>
+          </p:cNvPr>
+          <p:cNvCxnSpPr>
+            <a:endCxn id="4" idx="2"/>
+          </p:cNvCxnSpPr>
+          <p:nvPr/>
+        </p:nvCxnSpPr>
+        <p:spPr>
+          <a:xfrm>
+            <a:off x="6561276" y="2191301"/>
+            <a:ext cx="2070876" cy="585632"/>
+          </a:xfrm>
+          <a:prstGeom prst="straightConnector1">
+            <a:avLst/>
+          </a:prstGeom>
+          <a:ln>
+            <a:headEnd type="triangle"/>
+            <a:tailEnd type="triangle"/>
+          </a:ln>
+        </p:spPr>
+        <p:style>
+          <a:lnRef idx="2">
+            <a:schemeClr val="accent1"/>
+          </a:lnRef>
+          <a:fillRef idx="0">
+            <a:schemeClr val="accent1"/>
+          </a:fillRef>
+          <a:effectRef idx="1">
+            <a:schemeClr val="accent1"/>
+          </a:effectRef>
+          <a:fontRef idx="minor">
+            <a:schemeClr val="tx1"/>
+          </a:fontRef>
+        </p:style>
+      </p:cxnSp>
+      <p:cxnSp>
+        <p:nvCxnSpPr>
+          <p:cNvPr id="31" name="Straight Arrow Connector 30">
+            <a:extLst>
+              <a:ext uri="{FF2B5EF4-FFF2-40B4-BE49-F238E27FC236}">
+                <a16:creationId xmlns:a16="http://schemas.microsoft.com/office/drawing/2014/main" id="{CC3EB51C-4F6C-C6DC-EE46-4F17C89A332B}"/>
+              </a:ext>
+            </a:extLst>
+          </p:cNvPr>
+          <p:cNvCxnSpPr>
+            <a:endCxn id="4" idx="2"/>
+          </p:cNvCxnSpPr>
+          <p:nvPr/>
+        </p:nvCxnSpPr>
+        <p:spPr>
+          <a:xfrm>
+            <a:off x="6713676" y="2335750"/>
+            <a:ext cx="1918476" cy="441183"/>
+          </a:xfrm>
+          <a:prstGeom prst="straightConnector1">
+            <a:avLst/>
+          </a:prstGeom>
+          <a:ln>
+            <a:headEnd type="triangle"/>
+            <a:tailEnd type="triangle"/>
+          </a:ln>
+        </p:spPr>
+        <p:style>
+          <a:lnRef idx="2">
+            <a:schemeClr val="accent1"/>
+          </a:lnRef>
+          <a:fillRef idx="0">
+            <a:schemeClr val="accent1"/>
+          </a:fillRef>
+          <a:effectRef idx="1">
+            <a:schemeClr val="accent1"/>
+          </a:effectRef>
+          <a:fontRef idx="minor">
+            <a:schemeClr val="tx1"/>
+          </a:fontRef>
+        </p:style>
+      </p:cxnSp>
+      <p:sp>
+        <p:nvSpPr>
+          <p:cNvPr id="32" name="TextBox 31">
+            <a:extLst>
+              <a:ext uri="{FF2B5EF4-FFF2-40B4-BE49-F238E27FC236}">
+                <a16:creationId xmlns:a16="http://schemas.microsoft.com/office/drawing/2014/main" id="{A0184553-0FBC-EFC0-60BE-D6432217BE8A}"/>
+              </a:ext>
+            </a:extLst>
+          </p:cNvPr>
+          <p:cNvSpPr txBox="1"/>
+          <p:nvPr/>
+        </p:nvSpPr>
+        <p:spPr>
+          <a:xfrm>
+            <a:off x="3833166" y="195958"/>
+            <a:ext cx="6348264" cy="1169551"/>
+          </a:xfrm>
+          <a:prstGeom prst="rect">
+            <a:avLst/>
+          </a:prstGeom>
+          <a:noFill/>
+        </p:spPr>
+        <p:txBody>
+          <a:bodyPr wrap="square" rtlCol="0">
+            <a:spAutoFit/>
+          </a:bodyPr>
+          <a:lstStyle/>
+          <a:p>
+            <a:r>
+              <a:rPr lang="en-US" sz="1400" dirty="0"/>
+              <a:t>Two queries:</a:t>
+            </a:r>
+          </a:p>
+          <a:p>
+            <a:pPr marL="342900" indent="-342900">
+              <a:buFont typeface="+mj-lt"/>
+              <a:buAutoNum type="arabicPeriod"/>
+            </a:pPr>
+            <a:r>
+              <a:rPr lang="en-US" sz="1400" dirty="0"/>
+              <a:t>SELECT string FROM Strings WHERE used = FALSE FETCH FIRST 2 ROWS ONLY;</a:t>
+            </a:r>
+          </a:p>
+          <a:p>
+            <a:pPr marL="342900" indent="-342900">
+              <a:buFont typeface="+mj-lt"/>
+              <a:buAutoNum type="arabicPeriod"/>
+            </a:pPr>
+            <a:r>
+              <a:rPr lang="en-US" sz="1400" dirty="0"/>
+              <a:t>UPDATE  Strings SET used = TRUE WHERE string = “00cc11” OR string = “xx6411”</a:t>
+            </a:r>
+          </a:p>
+        </p:txBody>
+      </p:sp>
+      <p:sp>
+        <p:nvSpPr>
+          <p:cNvPr id="2" name="TextBox 1">
+            <a:extLst>
+              <a:ext uri="{FF2B5EF4-FFF2-40B4-BE49-F238E27FC236}">
+                <a16:creationId xmlns:a16="http://schemas.microsoft.com/office/drawing/2014/main" id="{991CC83A-FB71-0933-78A4-4FCBE4549486}"/>
+              </a:ext>
+            </a:extLst>
+          </p:cNvPr>
+          <p:cNvSpPr txBox="1"/>
+          <p:nvPr/>
+        </p:nvSpPr>
+        <p:spPr>
+          <a:xfrm>
+            <a:off x="338213" y="5427654"/>
+            <a:ext cx="9851933" cy="830997"/>
+          </a:xfrm>
+          <a:prstGeom prst="rect">
+            <a:avLst/>
+          </a:prstGeom>
+          <a:noFill/>
+        </p:spPr>
+        <p:txBody>
+          <a:bodyPr wrap="square" rtlCol="0">
+            <a:spAutoFit/>
+          </a:bodyPr>
+          <a:lstStyle/>
+          <a:p>
+            <a:pPr marL="285750" indent="-285750">
+              <a:buFont typeface="Arial" panose="020B0604020202020204" pitchFamily="34" charset="0"/>
+              <a:buChar char="•"/>
+            </a:pPr>
+            <a:r>
+              <a:rPr lang="en-IE" sz="1600" dirty="0">
+                <a:solidFill>
+                  <a:srgbClr val="0C0D0E"/>
+                </a:solidFill>
+                <a:latin typeface="-apple-system"/>
+              </a:rPr>
+              <a:t>If </a:t>
+            </a:r>
+            <a:r>
+              <a:rPr lang="en-IE" sz="1600" b="1" dirty="0">
+                <a:solidFill>
+                  <a:srgbClr val="0C0D0E"/>
+                </a:solidFill>
+                <a:latin typeface="-apple-system"/>
+              </a:rPr>
+              <a:t>SQL DBs </a:t>
+            </a:r>
+            <a:r>
+              <a:rPr lang="en-IE" sz="1600" dirty="0">
+                <a:solidFill>
+                  <a:srgbClr val="0C0D0E"/>
+                </a:solidFill>
+                <a:latin typeface="-apple-system"/>
+              </a:rPr>
+              <a:t>=&gt; Use </a:t>
+            </a:r>
+            <a:r>
+              <a:rPr lang="en-IE" sz="1600" b="1" dirty="0">
+                <a:solidFill>
+                  <a:srgbClr val="0C0D0E"/>
+                </a:solidFill>
+                <a:latin typeface="-apple-system"/>
+              </a:rPr>
+              <a:t>locking mechanism of transactions =&gt; level of isolation needed is “Repeatable Read”.</a:t>
+            </a:r>
+            <a:endParaRPr lang="en-IE" sz="1600" dirty="0">
+              <a:solidFill>
+                <a:srgbClr val="0C0D0E"/>
+              </a:solidFill>
+              <a:latin typeface="-apple-system"/>
+            </a:endParaRPr>
+          </a:p>
+          <a:p>
+            <a:pPr marL="285750" indent="-285750">
+              <a:buFont typeface="Arial" panose="020B0604020202020204" pitchFamily="34" charset="0"/>
+              <a:buChar char="•"/>
+            </a:pPr>
+            <a:r>
+              <a:rPr lang="en-IE" sz="1600" dirty="0">
+                <a:solidFill>
+                  <a:srgbClr val="0C0D0E"/>
+                </a:solidFill>
+                <a:latin typeface="-apple-system"/>
+              </a:rPr>
+              <a:t>If </a:t>
+            </a:r>
+            <a:r>
+              <a:rPr lang="en-IE" sz="1600" b="1" dirty="0">
+                <a:solidFill>
+                  <a:srgbClr val="0C0D0E"/>
+                </a:solidFill>
+                <a:latin typeface="-apple-system"/>
+              </a:rPr>
+              <a:t>NoSQL DBs </a:t>
+            </a:r>
+            <a:r>
+              <a:rPr lang="en-IE" sz="1600" dirty="0">
+                <a:solidFill>
+                  <a:srgbClr val="0C0D0E"/>
+                </a:solidFill>
+                <a:latin typeface="-apple-system"/>
+              </a:rPr>
+              <a:t>=&gt; Use </a:t>
+            </a:r>
+            <a:r>
+              <a:rPr lang="en-IE" sz="1600" b="1" dirty="0">
+                <a:solidFill>
+                  <a:srgbClr val="0C0D0E"/>
+                </a:solidFill>
+                <a:latin typeface="-apple-system"/>
+              </a:rPr>
+              <a:t>versioning</a:t>
+            </a:r>
+            <a:r>
+              <a:rPr lang="en-IE" sz="1600" dirty="0">
+                <a:solidFill>
+                  <a:srgbClr val="0C0D0E"/>
+                </a:solidFill>
+                <a:latin typeface="-apple-system"/>
+              </a:rPr>
+              <a:t>. NoSQL DBs usually DO NOT use locking. </a:t>
+            </a:r>
+            <a:r>
+              <a:rPr lang="en-IE" sz="1600" b="0" i="0" dirty="0">
+                <a:solidFill>
+                  <a:srgbClr val="1F1F1F"/>
+                </a:solidFill>
+                <a:effectLst/>
+                <a:latin typeface="Google Sans"/>
+              </a:rPr>
+              <a:t>They allow concurrent operations to proceed without locking or blocking, but check for conflicts at the end of each operation.</a:t>
+            </a:r>
+            <a:endParaRPr lang="en-US" sz="1600" dirty="0"/>
+          </a:p>
+        </p:txBody>
+      </p:sp>
+      <p:sp>
+        <p:nvSpPr>
+          <p:cNvPr id="3" name="TextBox 2">
+            <a:extLst>
+              <a:ext uri="{FF2B5EF4-FFF2-40B4-BE49-F238E27FC236}">
+                <a16:creationId xmlns:a16="http://schemas.microsoft.com/office/drawing/2014/main" id="{F7331679-87C6-563F-5C82-9C34718C640F}"/>
+              </a:ext>
+            </a:extLst>
+          </p:cNvPr>
+          <p:cNvSpPr txBox="1"/>
+          <p:nvPr/>
+        </p:nvSpPr>
+        <p:spPr>
+          <a:xfrm>
+            <a:off x="285661" y="219296"/>
+            <a:ext cx="2983055" cy="369332"/>
+          </a:xfrm>
+          <a:prstGeom prst="rect">
+            <a:avLst/>
+          </a:prstGeom>
+          <a:noFill/>
+        </p:spPr>
+        <p:txBody>
+          <a:bodyPr wrap="square" rtlCol="0">
+            <a:spAutoFit/>
+          </a:bodyPr>
+          <a:lstStyle/>
+          <a:p>
+            <a:r>
+              <a:rPr lang="en-US" dirty="0">
+                <a:solidFill>
+                  <a:srgbClr val="FF0000"/>
+                </a:solidFill>
+              </a:rPr>
+              <a:t>SOLUTION – OPTION 1</a:t>
+            </a:r>
+          </a:p>
+        </p:txBody>
+      </p:sp>
+    </p:spTree>
+    <p:extLst>
+      <p:ext uri="{BB962C8B-B14F-4D97-AF65-F5344CB8AC3E}">
+        <p14:creationId xmlns:p14="http://schemas.microsoft.com/office/powerpoint/2010/main" val="3592899797"/>
+      </p:ext>
+    </p:extLst>
+  </p:cSld>
+  <p:clrMapOvr>
+    <a:masterClrMapping/>
+  </p:clrMapOvr>
+</p:sld>
+</file>
+
 <file path=ppt/slides/slide2.xml><?xml version="1.0" encoding="utf-8"?>
 <p:sld xmlns:a="http://schemas.openxmlformats.org/drawingml/2006/main" xmlns:r="http://schemas.openxmlformats.org/officeDocument/2006/relationships" xmlns:p="http://schemas.openxmlformats.org/presentationml/2006/main">
   <p:cSld>
@@ -8356,6 +13892,1515 @@
     <p:extLst>
       <p:ext uri="{BB962C8B-B14F-4D97-AF65-F5344CB8AC3E}">
         <p14:creationId xmlns:p14="http://schemas.microsoft.com/office/powerpoint/2010/main" val="643378275"/>
+      </p:ext>
+    </p:extLst>
+  </p:cSld>
+  <p:clrMapOvr>
+    <a:masterClrMapping/>
+  </p:clrMapOvr>
+</p:sld>
+</file>
+
+<file path=ppt/slides/slide20.xml><?xml version="1.0" encoding="utf-8"?>
+<p:sld xmlns:a="http://schemas.openxmlformats.org/drawingml/2006/main" xmlns:r="http://schemas.openxmlformats.org/officeDocument/2006/relationships" xmlns:p="http://schemas.openxmlformats.org/presentationml/2006/main">
+  <p:cSld>
+    <p:spTree>
+      <p:nvGrpSpPr>
+        <p:cNvPr id="1" name="">
+          <a:extLst>
+            <a:ext uri="{FF2B5EF4-FFF2-40B4-BE49-F238E27FC236}">
+              <a16:creationId xmlns:a16="http://schemas.microsoft.com/office/drawing/2014/main" id="{47C83521-73D5-6634-7DD9-A34E8C0C63A1}"/>
+            </a:ext>
+          </a:extLst>
+        </p:cNvPr>
+        <p:cNvGrpSpPr/>
+        <p:nvPr/>
+      </p:nvGrpSpPr>
+      <p:grpSpPr>
+        <a:xfrm>
+          <a:off x="0" y="0"/>
+          <a:ext cx="0" cy="0"/>
+          <a:chOff x="0" y="0"/>
+          <a:chExt cx="0" cy="0"/>
+        </a:xfrm>
+      </p:grpSpPr>
+      <p:sp>
+        <p:nvSpPr>
+          <p:cNvPr id="4" name="Can 3">
+            <a:extLst>
+              <a:ext uri="{FF2B5EF4-FFF2-40B4-BE49-F238E27FC236}">
+                <a16:creationId xmlns:a16="http://schemas.microsoft.com/office/drawing/2014/main" id="{7B86486D-9704-B73C-E429-43E0159E1E05}"/>
+              </a:ext>
+            </a:extLst>
+          </p:cNvPr>
+          <p:cNvSpPr/>
+          <p:nvPr/>
+        </p:nvSpPr>
+        <p:spPr>
+          <a:xfrm>
+            <a:off x="8632152" y="1762684"/>
+            <a:ext cx="1198180" cy="2028497"/>
+          </a:xfrm>
+          <a:prstGeom prst="can">
+            <a:avLst/>
+          </a:prstGeom>
+        </p:spPr>
+        <p:style>
+          <a:lnRef idx="2">
+            <a:schemeClr val="accent1">
+              <a:shade val="15000"/>
+            </a:schemeClr>
+          </a:lnRef>
+          <a:fillRef idx="1">
+            <a:schemeClr val="accent1"/>
+          </a:fillRef>
+          <a:effectRef idx="0">
+            <a:schemeClr val="accent1"/>
+          </a:effectRef>
+          <a:fontRef idx="minor">
+            <a:schemeClr val="lt1"/>
+          </a:fontRef>
+        </p:style>
+        <p:txBody>
+          <a:bodyPr rtlCol="0" anchor="ctr"/>
+          <a:lstStyle/>
+          <a:p>
+            <a:pPr algn="ctr"/>
+            <a:r>
+              <a:rPr lang="en-US" dirty="0"/>
+              <a:t>Strings</a:t>
+            </a:r>
+          </a:p>
+          <a:p>
+            <a:pPr algn="ctr"/>
+            <a:r>
+              <a:rPr lang="en-US" dirty="0"/>
+              <a:t>DB</a:t>
+            </a:r>
+          </a:p>
+        </p:txBody>
+      </p:sp>
+      <p:sp>
+        <p:nvSpPr>
+          <p:cNvPr id="5" name="Rectangle 4">
+            <a:extLst>
+              <a:ext uri="{FF2B5EF4-FFF2-40B4-BE49-F238E27FC236}">
+                <a16:creationId xmlns:a16="http://schemas.microsoft.com/office/drawing/2014/main" id="{AE9E0BC5-745F-4A50-546A-6D16707E1F1D}"/>
+              </a:ext>
+            </a:extLst>
+          </p:cNvPr>
+          <p:cNvSpPr/>
+          <p:nvPr/>
+        </p:nvSpPr>
+        <p:spPr>
+          <a:xfrm>
+            <a:off x="4979469" y="1999419"/>
+            <a:ext cx="1429407" cy="1213944"/>
+          </a:xfrm>
+          <a:prstGeom prst="rect">
+            <a:avLst/>
+          </a:prstGeom>
+          <a:solidFill>
+            <a:schemeClr val="accent6">
+              <a:lumMod val="60000"/>
+              <a:lumOff val="40000"/>
+            </a:schemeClr>
+          </a:solidFill>
+        </p:spPr>
+        <p:style>
+          <a:lnRef idx="2">
+            <a:schemeClr val="accent1">
+              <a:shade val="15000"/>
+            </a:schemeClr>
+          </a:lnRef>
+          <a:fillRef idx="1">
+            <a:schemeClr val="accent1"/>
+          </a:fillRef>
+          <a:effectRef idx="0">
+            <a:schemeClr val="accent1"/>
+          </a:effectRef>
+          <a:fontRef idx="minor">
+            <a:schemeClr val="lt1"/>
+          </a:fontRef>
+        </p:style>
+        <p:txBody>
+          <a:bodyPr rtlCol="0" anchor="ctr"/>
+          <a:lstStyle/>
+          <a:p>
+            <a:pPr algn="ctr"/>
+            <a:endParaRPr lang="en-US"/>
+          </a:p>
+        </p:txBody>
+      </p:sp>
+      <p:sp>
+        <p:nvSpPr>
+          <p:cNvPr id="6" name="Rectangle 5">
+            <a:extLst>
+              <a:ext uri="{FF2B5EF4-FFF2-40B4-BE49-F238E27FC236}">
+                <a16:creationId xmlns:a16="http://schemas.microsoft.com/office/drawing/2014/main" id="{C13ACB2C-F4D3-018F-381B-076F0F52D37E}"/>
+              </a:ext>
+            </a:extLst>
+          </p:cNvPr>
+          <p:cNvSpPr/>
+          <p:nvPr/>
+        </p:nvSpPr>
+        <p:spPr>
+          <a:xfrm>
+            <a:off x="5131869" y="2183350"/>
+            <a:ext cx="1429407" cy="1213944"/>
+          </a:xfrm>
+          <a:prstGeom prst="rect">
+            <a:avLst/>
+          </a:prstGeom>
+          <a:solidFill>
+            <a:schemeClr val="accent6">
+              <a:lumMod val="60000"/>
+              <a:lumOff val="40000"/>
+            </a:schemeClr>
+          </a:solidFill>
+        </p:spPr>
+        <p:style>
+          <a:lnRef idx="2">
+            <a:schemeClr val="accent1">
+              <a:shade val="15000"/>
+            </a:schemeClr>
+          </a:lnRef>
+          <a:fillRef idx="1">
+            <a:schemeClr val="accent1"/>
+          </a:fillRef>
+          <a:effectRef idx="0">
+            <a:schemeClr val="accent1"/>
+          </a:effectRef>
+          <a:fontRef idx="minor">
+            <a:schemeClr val="lt1"/>
+          </a:fontRef>
+        </p:style>
+        <p:txBody>
+          <a:bodyPr rtlCol="0" anchor="ctr"/>
+          <a:lstStyle/>
+          <a:p>
+            <a:pPr algn="ctr"/>
+            <a:endParaRPr lang="en-US"/>
+          </a:p>
+        </p:txBody>
+      </p:sp>
+      <p:sp>
+        <p:nvSpPr>
+          <p:cNvPr id="7" name="Rectangle 6">
+            <a:extLst>
+              <a:ext uri="{FF2B5EF4-FFF2-40B4-BE49-F238E27FC236}">
+                <a16:creationId xmlns:a16="http://schemas.microsoft.com/office/drawing/2014/main" id="{F1F04169-F24E-1487-F70F-2623CAEEE85F}"/>
+              </a:ext>
+            </a:extLst>
+          </p:cNvPr>
+          <p:cNvSpPr/>
+          <p:nvPr/>
+        </p:nvSpPr>
+        <p:spPr>
+          <a:xfrm>
+            <a:off x="5284269" y="2335750"/>
+            <a:ext cx="1429407" cy="1213944"/>
+          </a:xfrm>
+          <a:prstGeom prst="rect">
+            <a:avLst/>
+          </a:prstGeom>
+          <a:solidFill>
+            <a:schemeClr val="accent6">
+              <a:lumMod val="60000"/>
+              <a:lumOff val="40000"/>
+            </a:schemeClr>
+          </a:solidFill>
+        </p:spPr>
+        <p:style>
+          <a:lnRef idx="2">
+            <a:schemeClr val="accent1">
+              <a:shade val="15000"/>
+            </a:schemeClr>
+          </a:lnRef>
+          <a:fillRef idx="1">
+            <a:schemeClr val="accent1"/>
+          </a:fillRef>
+          <a:effectRef idx="0">
+            <a:schemeClr val="accent1"/>
+          </a:effectRef>
+          <a:fontRef idx="minor">
+            <a:schemeClr val="lt1"/>
+          </a:fontRef>
+        </p:style>
+        <p:txBody>
+          <a:bodyPr rtlCol="0" anchor="ctr"/>
+          <a:lstStyle/>
+          <a:p>
+            <a:pPr algn="ctr"/>
+            <a:endParaRPr lang="en-US"/>
+          </a:p>
+        </p:txBody>
+      </p:sp>
+      <p:sp>
+        <p:nvSpPr>
+          <p:cNvPr id="8" name="Rectangle 7">
+            <a:extLst>
+              <a:ext uri="{FF2B5EF4-FFF2-40B4-BE49-F238E27FC236}">
+                <a16:creationId xmlns:a16="http://schemas.microsoft.com/office/drawing/2014/main" id="{1F84F603-0E4D-1310-8E72-9543A80E8DC4}"/>
+              </a:ext>
+            </a:extLst>
+          </p:cNvPr>
+          <p:cNvSpPr/>
+          <p:nvPr/>
+        </p:nvSpPr>
+        <p:spPr>
+          <a:xfrm>
+            <a:off x="5436669" y="2488150"/>
+            <a:ext cx="1429407" cy="1213944"/>
+          </a:xfrm>
+          <a:prstGeom prst="rect">
+            <a:avLst/>
+          </a:prstGeom>
+          <a:solidFill>
+            <a:schemeClr val="accent6">
+              <a:lumMod val="60000"/>
+              <a:lumOff val="40000"/>
+            </a:schemeClr>
+          </a:solidFill>
+        </p:spPr>
+        <p:style>
+          <a:lnRef idx="2">
+            <a:schemeClr val="accent1">
+              <a:shade val="15000"/>
+            </a:schemeClr>
+          </a:lnRef>
+          <a:fillRef idx="1">
+            <a:schemeClr val="accent1"/>
+          </a:fillRef>
+          <a:effectRef idx="0">
+            <a:schemeClr val="accent1"/>
+          </a:effectRef>
+          <a:fontRef idx="minor">
+            <a:schemeClr val="lt1"/>
+          </a:fontRef>
+        </p:style>
+        <p:txBody>
+          <a:bodyPr rtlCol="0" anchor="ctr"/>
+          <a:lstStyle/>
+          <a:p>
+            <a:pPr algn="ctr"/>
+            <a:r>
+              <a:rPr lang="en-US" dirty="0"/>
+              <a:t>Server</a:t>
+            </a:r>
+          </a:p>
+        </p:txBody>
+      </p:sp>
+      <p:sp>
+        <p:nvSpPr>
+          <p:cNvPr id="9" name="TextBox 8">
+            <a:extLst>
+              <a:ext uri="{FF2B5EF4-FFF2-40B4-BE49-F238E27FC236}">
+                <a16:creationId xmlns:a16="http://schemas.microsoft.com/office/drawing/2014/main" id="{F3169AC4-629B-323E-A5FC-A10550D9F7F7}"/>
+              </a:ext>
+            </a:extLst>
+          </p:cNvPr>
+          <p:cNvSpPr txBox="1"/>
+          <p:nvPr/>
+        </p:nvSpPr>
+        <p:spPr>
+          <a:xfrm>
+            <a:off x="10101212" y="434897"/>
+            <a:ext cx="1998752" cy="646331"/>
+          </a:xfrm>
+          <a:prstGeom prst="rect">
+            <a:avLst/>
+          </a:prstGeom>
+          <a:noFill/>
+        </p:spPr>
+        <p:txBody>
+          <a:bodyPr wrap="square" rtlCol="0">
+            <a:spAutoFit/>
+          </a:bodyPr>
+          <a:lstStyle/>
+          <a:p>
+            <a:r>
+              <a:rPr lang="en-US" dirty="0">
+                <a:solidFill>
+                  <a:srgbClr val="FF0000"/>
+                </a:solidFill>
+              </a:rPr>
+              <a:t>{ string: “00cc11”,</a:t>
+            </a:r>
+          </a:p>
+          <a:p>
+            <a:r>
+              <a:rPr lang="en-US" dirty="0">
+                <a:solidFill>
+                  <a:srgbClr val="FF0000"/>
+                </a:solidFill>
+              </a:rPr>
+              <a:t>  “used”: “true” }</a:t>
+            </a:r>
+          </a:p>
+        </p:txBody>
+      </p:sp>
+      <p:sp>
+        <p:nvSpPr>
+          <p:cNvPr id="10" name="TextBox 9">
+            <a:extLst>
+              <a:ext uri="{FF2B5EF4-FFF2-40B4-BE49-F238E27FC236}">
+                <a16:creationId xmlns:a16="http://schemas.microsoft.com/office/drawing/2014/main" id="{1B24ECFF-2D12-B8D3-5FDF-EA2BF773E8C3}"/>
+              </a:ext>
+            </a:extLst>
+          </p:cNvPr>
+          <p:cNvSpPr txBox="1"/>
+          <p:nvPr/>
+        </p:nvSpPr>
+        <p:spPr>
+          <a:xfrm>
+            <a:off x="10101212" y="1253385"/>
+            <a:ext cx="1894045" cy="646331"/>
+          </a:xfrm>
+          <a:prstGeom prst="rect">
+            <a:avLst/>
+          </a:prstGeom>
+          <a:noFill/>
+        </p:spPr>
+        <p:txBody>
+          <a:bodyPr wrap="square" rtlCol="0">
+            <a:spAutoFit/>
+          </a:bodyPr>
+          <a:lstStyle/>
+          <a:p>
+            <a:r>
+              <a:rPr lang="en-US" dirty="0">
+                <a:solidFill>
+                  <a:srgbClr val="FF0000"/>
+                </a:solidFill>
+              </a:rPr>
+              <a:t>{ string: “xx6411”,</a:t>
+            </a:r>
+          </a:p>
+          <a:p>
+            <a:r>
+              <a:rPr lang="en-US" dirty="0">
+                <a:solidFill>
+                  <a:srgbClr val="FF0000"/>
+                </a:solidFill>
+              </a:rPr>
+              <a:t>  “used”: “true” }</a:t>
+            </a:r>
+          </a:p>
+        </p:txBody>
+      </p:sp>
+      <p:sp>
+        <p:nvSpPr>
+          <p:cNvPr id="11" name="TextBox 10">
+            <a:extLst>
+              <a:ext uri="{FF2B5EF4-FFF2-40B4-BE49-F238E27FC236}">
+                <a16:creationId xmlns:a16="http://schemas.microsoft.com/office/drawing/2014/main" id="{6B8B446A-304F-ADA8-7F9C-1158C5776840}"/>
+              </a:ext>
+            </a:extLst>
+          </p:cNvPr>
+          <p:cNvSpPr txBox="1"/>
+          <p:nvPr/>
+        </p:nvSpPr>
+        <p:spPr>
+          <a:xfrm>
+            <a:off x="10101211" y="2065282"/>
+            <a:ext cx="1949060" cy="646331"/>
+          </a:xfrm>
+          <a:prstGeom prst="rect">
+            <a:avLst/>
+          </a:prstGeom>
+          <a:noFill/>
+        </p:spPr>
+        <p:txBody>
+          <a:bodyPr wrap="square" rtlCol="0">
+            <a:spAutoFit/>
+          </a:bodyPr>
+          <a:lstStyle/>
+          <a:p>
+            <a:r>
+              <a:rPr lang="en-US" dirty="0"/>
+              <a:t>{ string: “74d412”,</a:t>
+            </a:r>
+          </a:p>
+          <a:p>
+            <a:r>
+              <a:rPr lang="en-US" dirty="0"/>
+              <a:t>  “used”: “false” }</a:t>
+            </a:r>
+          </a:p>
+        </p:txBody>
+      </p:sp>
+      <p:sp>
+        <p:nvSpPr>
+          <p:cNvPr id="12" name="TextBox 11">
+            <a:extLst>
+              <a:ext uri="{FF2B5EF4-FFF2-40B4-BE49-F238E27FC236}">
+                <a16:creationId xmlns:a16="http://schemas.microsoft.com/office/drawing/2014/main" id="{30D21C92-B99A-BEE7-4464-5B7FC739147C}"/>
+              </a:ext>
+            </a:extLst>
+          </p:cNvPr>
+          <p:cNvSpPr txBox="1"/>
+          <p:nvPr/>
+        </p:nvSpPr>
+        <p:spPr>
+          <a:xfrm>
+            <a:off x="10126058" y="2877179"/>
+            <a:ext cx="1894558" cy="646331"/>
+          </a:xfrm>
+          <a:prstGeom prst="rect">
+            <a:avLst/>
+          </a:prstGeom>
+          <a:noFill/>
+        </p:spPr>
+        <p:txBody>
+          <a:bodyPr wrap="square" rtlCol="0">
+            <a:spAutoFit/>
+          </a:bodyPr>
+          <a:lstStyle/>
+          <a:p>
+            <a:r>
+              <a:rPr lang="en-US" dirty="0"/>
+              <a:t>{ string: “hww40”,</a:t>
+            </a:r>
+          </a:p>
+          <a:p>
+            <a:r>
+              <a:rPr lang="en-US" dirty="0"/>
+              <a:t>  “used”: “false” }</a:t>
+            </a:r>
+          </a:p>
+        </p:txBody>
+      </p:sp>
+      <p:sp>
+        <p:nvSpPr>
+          <p:cNvPr id="13" name="TextBox 12">
+            <a:extLst>
+              <a:ext uri="{FF2B5EF4-FFF2-40B4-BE49-F238E27FC236}">
+                <a16:creationId xmlns:a16="http://schemas.microsoft.com/office/drawing/2014/main" id="{0EF35162-96E8-7209-C7FA-2A7D028B1B75}"/>
+              </a:ext>
+            </a:extLst>
+          </p:cNvPr>
+          <p:cNvSpPr txBox="1"/>
+          <p:nvPr/>
+        </p:nvSpPr>
+        <p:spPr>
+          <a:xfrm>
+            <a:off x="10135132" y="3689076"/>
+            <a:ext cx="1860125" cy="646331"/>
+          </a:xfrm>
+          <a:prstGeom prst="rect">
+            <a:avLst/>
+          </a:prstGeom>
+          <a:noFill/>
+        </p:spPr>
+        <p:txBody>
+          <a:bodyPr wrap="square" rtlCol="0">
+            <a:spAutoFit/>
+          </a:bodyPr>
+          <a:lstStyle/>
+          <a:p>
+            <a:r>
+              <a:rPr lang="en-US" dirty="0"/>
+              <a:t>{ string: “211zxz”,</a:t>
+            </a:r>
+          </a:p>
+          <a:p>
+            <a:r>
+              <a:rPr lang="en-US" dirty="0"/>
+              <a:t>  “used”: “false” }</a:t>
+            </a:r>
+          </a:p>
+        </p:txBody>
+      </p:sp>
+      <p:sp>
+        <p:nvSpPr>
+          <p:cNvPr id="14" name="TextBox 13">
+            <a:extLst>
+              <a:ext uri="{FF2B5EF4-FFF2-40B4-BE49-F238E27FC236}">
+                <a16:creationId xmlns:a16="http://schemas.microsoft.com/office/drawing/2014/main" id="{254D0C3C-F753-9C13-1E59-B336D9DB92E2}"/>
+              </a:ext>
+            </a:extLst>
+          </p:cNvPr>
+          <p:cNvSpPr txBox="1"/>
+          <p:nvPr/>
+        </p:nvSpPr>
+        <p:spPr>
+          <a:xfrm>
+            <a:off x="10190146" y="4500973"/>
+            <a:ext cx="1907382" cy="646331"/>
+          </a:xfrm>
+          <a:prstGeom prst="rect">
+            <a:avLst/>
+          </a:prstGeom>
+          <a:noFill/>
+        </p:spPr>
+        <p:txBody>
+          <a:bodyPr wrap="square" rtlCol="0">
+            <a:spAutoFit/>
+          </a:bodyPr>
+          <a:lstStyle/>
+          <a:p>
+            <a:r>
+              <a:rPr lang="en-US" dirty="0"/>
+              <a:t>{ string: “b4v3z7”,</a:t>
+            </a:r>
+          </a:p>
+          <a:p>
+            <a:r>
+              <a:rPr lang="en-US" dirty="0"/>
+              <a:t>  “used”: “false” }</a:t>
+            </a:r>
+          </a:p>
+        </p:txBody>
+      </p:sp>
+      <p:sp>
+        <p:nvSpPr>
+          <p:cNvPr id="15" name="Smiley Face 14">
+            <a:extLst>
+              <a:ext uri="{FF2B5EF4-FFF2-40B4-BE49-F238E27FC236}">
+                <a16:creationId xmlns:a16="http://schemas.microsoft.com/office/drawing/2014/main" id="{0E2A5F98-50DE-EF25-1AB0-3A19679951A0}"/>
+              </a:ext>
+            </a:extLst>
+          </p:cNvPr>
+          <p:cNvSpPr/>
+          <p:nvPr/>
+        </p:nvSpPr>
+        <p:spPr>
+          <a:xfrm>
+            <a:off x="215078" y="1466088"/>
+            <a:ext cx="780586" cy="725213"/>
+          </a:xfrm>
+          <a:prstGeom prst="smileyFace">
+            <a:avLst/>
+          </a:prstGeom>
+          <a:solidFill>
+            <a:schemeClr val="accent5">
+              <a:lumMod val="40000"/>
+              <a:lumOff val="60000"/>
+            </a:schemeClr>
+          </a:solidFill>
+        </p:spPr>
+        <p:style>
+          <a:lnRef idx="2">
+            <a:schemeClr val="accent1">
+              <a:shade val="15000"/>
+            </a:schemeClr>
+          </a:lnRef>
+          <a:fillRef idx="1">
+            <a:schemeClr val="accent1"/>
+          </a:fillRef>
+          <a:effectRef idx="0">
+            <a:schemeClr val="accent1"/>
+          </a:effectRef>
+          <a:fontRef idx="minor">
+            <a:schemeClr val="lt1"/>
+          </a:fontRef>
+        </p:style>
+        <p:txBody>
+          <a:bodyPr rtlCol="0" anchor="ctr"/>
+          <a:lstStyle/>
+          <a:p>
+            <a:pPr algn="ctr"/>
+            <a:endParaRPr lang="en-US"/>
+          </a:p>
+        </p:txBody>
+      </p:sp>
+      <p:sp>
+        <p:nvSpPr>
+          <p:cNvPr id="16" name="TextBox 15">
+            <a:extLst>
+              <a:ext uri="{FF2B5EF4-FFF2-40B4-BE49-F238E27FC236}">
+                <a16:creationId xmlns:a16="http://schemas.microsoft.com/office/drawing/2014/main" id="{07C0A43C-C814-97B7-0E7A-81A337977C52}"/>
+              </a:ext>
+            </a:extLst>
+          </p:cNvPr>
+          <p:cNvSpPr txBox="1"/>
+          <p:nvPr/>
+        </p:nvSpPr>
+        <p:spPr>
+          <a:xfrm>
+            <a:off x="10190146" y="5312870"/>
+            <a:ext cx="1937775" cy="646331"/>
+          </a:xfrm>
+          <a:prstGeom prst="rect">
+            <a:avLst/>
+          </a:prstGeom>
+          <a:noFill/>
+        </p:spPr>
+        <p:txBody>
+          <a:bodyPr wrap="square" rtlCol="0">
+            <a:spAutoFit/>
+          </a:bodyPr>
+          <a:lstStyle/>
+          <a:p>
+            <a:r>
+              <a:rPr lang="en-US" dirty="0"/>
+              <a:t>{ string: “aaa311”,</a:t>
+            </a:r>
+          </a:p>
+          <a:p>
+            <a:r>
+              <a:rPr lang="en-US" dirty="0"/>
+              <a:t>  “used”: “false” }</a:t>
+            </a:r>
+          </a:p>
+        </p:txBody>
+      </p:sp>
+      <p:cxnSp>
+        <p:nvCxnSpPr>
+          <p:cNvPr id="17" name="Straight Arrow Connector 16">
+            <a:extLst>
+              <a:ext uri="{FF2B5EF4-FFF2-40B4-BE49-F238E27FC236}">
+                <a16:creationId xmlns:a16="http://schemas.microsoft.com/office/drawing/2014/main" id="{5F9DAC7B-A044-29BA-20E6-EAC233611A45}"/>
+              </a:ext>
+            </a:extLst>
+          </p:cNvPr>
+          <p:cNvCxnSpPr>
+            <a:cxnSpLocks/>
+            <a:stCxn id="15" idx="6"/>
+          </p:cNvCxnSpPr>
+          <p:nvPr/>
+        </p:nvCxnSpPr>
+        <p:spPr>
+          <a:xfrm flipV="1">
+            <a:off x="995664" y="1828694"/>
+            <a:ext cx="1626669" cy="1"/>
+          </a:xfrm>
+          <a:prstGeom prst="straightConnector1">
+            <a:avLst/>
+          </a:prstGeom>
+          <a:ln>
+            <a:tailEnd type="triangle"/>
+          </a:ln>
+        </p:spPr>
+        <p:style>
+          <a:lnRef idx="2">
+            <a:schemeClr val="accent1"/>
+          </a:lnRef>
+          <a:fillRef idx="0">
+            <a:schemeClr val="accent1"/>
+          </a:fillRef>
+          <a:effectRef idx="1">
+            <a:schemeClr val="accent1"/>
+          </a:effectRef>
+          <a:fontRef idx="minor">
+            <a:schemeClr val="tx1"/>
+          </a:fontRef>
+        </p:style>
+      </p:cxnSp>
+      <p:sp>
+        <p:nvSpPr>
+          <p:cNvPr id="18" name="TextBox 17">
+            <a:extLst>
+              <a:ext uri="{FF2B5EF4-FFF2-40B4-BE49-F238E27FC236}">
+                <a16:creationId xmlns:a16="http://schemas.microsoft.com/office/drawing/2014/main" id="{065B2928-2E72-C421-0679-2235D38A07AF}"/>
+              </a:ext>
+            </a:extLst>
+          </p:cNvPr>
+          <p:cNvSpPr txBox="1"/>
+          <p:nvPr/>
+        </p:nvSpPr>
+        <p:spPr>
+          <a:xfrm>
+            <a:off x="1187223" y="1301019"/>
+            <a:ext cx="1276619" cy="461665"/>
+          </a:xfrm>
+          <a:prstGeom prst="rect">
+            <a:avLst/>
+          </a:prstGeom>
+          <a:noFill/>
+        </p:spPr>
+        <p:txBody>
+          <a:bodyPr wrap="square" rtlCol="0">
+            <a:spAutoFit/>
+          </a:bodyPr>
+          <a:lstStyle/>
+          <a:p>
+            <a:r>
+              <a:rPr lang="en-US" sz="1200" dirty="0">
+                <a:solidFill>
+                  <a:srgbClr val="FF0000"/>
+                </a:solidFill>
+              </a:rPr>
+              <a:t>Give me 2 random Strings</a:t>
+            </a:r>
+          </a:p>
+        </p:txBody>
+      </p:sp>
+      <p:sp>
+        <p:nvSpPr>
+          <p:cNvPr id="19" name="Smiley Face 18">
+            <a:extLst>
+              <a:ext uri="{FF2B5EF4-FFF2-40B4-BE49-F238E27FC236}">
+                <a16:creationId xmlns:a16="http://schemas.microsoft.com/office/drawing/2014/main" id="{DC4B6489-4694-70BB-9C5D-401FAD55E2A8}"/>
+              </a:ext>
+            </a:extLst>
+          </p:cNvPr>
+          <p:cNvSpPr/>
+          <p:nvPr/>
+        </p:nvSpPr>
+        <p:spPr>
+          <a:xfrm>
+            <a:off x="215078" y="2622625"/>
+            <a:ext cx="780586" cy="725213"/>
+          </a:xfrm>
+          <a:prstGeom prst="smileyFace">
+            <a:avLst/>
+          </a:prstGeom>
+          <a:solidFill>
+            <a:schemeClr val="accent5">
+              <a:lumMod val="40000"/>
+              <a:lumOff val="60000"/>
+            </a:schemeClr>
+          </a:solidFill>
+        </p:spPr>
+        <p:style>
+          <a:lnRef idx="2">
+            <a:schemeClr val="accent1">
+              <a:shade val="15000"/>
+            </a:schemeClr>
+          </a:lnRef>
+          <a:fillRef idx="1">
+            <a:schemeClr val="accent1"/>
+          </a:fillRef>
+          <a:effectRef idx="0">
+            <a:schemeClr val="accent1"/>
+          </a:effectRef>
+          <a:fontRef idx="minor">
+            <a:schemeClr val="lt1"/>
+          </a:fontRef>
+        </p:style>
+        <p:txBody>
+          <a:bodyPr rtlCol="0" anchor="ctr"/>
+          <a:lstStyle/>
+          <a:p>
+            <a:pPr algn="ctr"/>
+            <a:endParaRPr lang="en-US"/>
+          </a:p>
+        </p:txBody>
+      </p:sp>
+      <p:sp>
+        <p:nvSpPr>
+          <p:cNvPr id="20" name="Rectangle 19">
+            <a:extLst>
+              <a:ext uri="{FF2B5EF4-FFF2-40B4-BE49-F238E27FC236}">
+                <a16:creationId xmlns:a16="http://schemas.microsoft.com/office/drawing/2014/main" id="{ABC0C69D-E228-60E2-AECB-A61F5C44E802}"/>
+              </a:ext>
+            </a:extLst>
+          </p:cNvPr>
+          <p:cNvSpPr/>
+          <p:nvPr/>
+        </p:nvSpPr>
+        <p:spPr>
+          <a:xfrm>
+            <a:off x="2642839" y="936702"/>
+            <a:ext cx="1014761" cy="4210602"/>
+          </a:xfrm>
+          <a:prstGeom prst="rect">
+            <a:avLst/>
+          </a:prstGeom>
+        </p:spPr>
+        <p:style>
+          <a:lnRef idx="2">
+            <a:schemeClr val="accent1">
+              <a:shade val="15000"/>
+            </a:schemeClr>
+          </a:lnRef>
+          <a:fillRef idx="1">
+            <a:schemeClr val="accent1"/>
+          </a:fillRef>
+          <a:effectRef idx="0">
+            <a:schemeClr val="accent1"/>
+          </a:effectRef>
+          <a:fontRef idx="minor">
+            <a:schemeClr val="lt1"/>
+          </a:fontRef>
+        </p:style>
+        <p:txBody>
+          <a:bodyPr rtlCol="0" anchor="ctr"/>
+          <a:lstStyle/>
+          <a:p>
+            <a:pPr algn="ctr"/>
+            <a:r>
+              <a:rPr lang="en-US" dirty="0"/>
+              <a:t>Load</a:t>
+            </a:r>
+          </a:p>
+          <a:p>
+            <a:pPr algn="ctr"/>
+            <a:r>
+              <a:rPr lang="en-US" dirty="0"/>
+              <a:t>Balance</a:t>
+            </a:r>
+          </a:p>
+        </p:txBody>
+      </p:sp>
+      <p:cxnSp>
+        <p:nvCxnSpPr>
+          <p:cNvPr id="21" name="Straight Arrow Connector 20">
+            <a:extLst>
+              <a:ext uri="{FF2B5EF4-FFF2-40B4-BE49-F238E27FC236}">
+                <a16:creationId xmlns:a16="http://schemas.microsoft.com/office/drawing/2014/main" id="{064799F0-32EF-64B3-342D-193F7D0B8F02}"/>
+              </a:ext>
+            </a:extLst>
+          </p:cNvPr>
+          <p:cNvCxnSpPr>
+            <a:stCxn id="19" idx="6"/>
+          </p:cNvCxnSpPr>
+          <p:nvPr/>
+        </p:nvCxnSpPr>
+        <p:spPr>
+          <a:xfrm flipV="1">
+            <a:off x="995664" y="2985231"/>
+            <a:ext cx="1622953" cy="1"/>
+          </a:xfrm>
+          <a:prstGeom prst="straightConnector1">
+            <a:avLst/>
+          </a:prstGeom>
+          <a:ln>
+            <a:tailEnd type="triangle"/>
+          </a:ln>
+        </p:spPr>
+        <p:style>
+          <a:lnRef idx="2">
+            <a:schemeClr val="accent1"/>
+          </a:lnRef>
+          <a:fillRef idx="0">
+            <a:schemeClr val="accent1"/>
+          </a:fillRef>
+          <a:effectRef idx="1">
+            <a:schemeClr val="accent1"/>
+          </a:effectRef>
+          <a:fontRef idx="minor">
+            <a:schemeClr val="tx1"/>
+          </a:fontRef>
+        </p:style>
+      </p:cxnSp>
+      <p:sp>
+        <p:nvSpPr>
+          <p:cNvPr id="22" name="Smiley Face 21">
+            <a:extLst>
+              <a:ext uri="{FF2B5EF4-FFF2-40B4-BE49-F238E27FC236}">
+                <a16:creationId xmlns:a16="http://schemas.microsoft.com/office/drawing/2014/main" id="{FAFA6885-98EB-F11E-952C-906674BB273F}"/>
+              </a:ext>
+            </a:extLst>
+          </p:cNvPr>
+          <p:cNvSpPr/>
+          <p:nvPr/>
+        </p:nvSpPr>
+        <p:spPr>
+          <a:xfrm>
+            <a:off x="243209" y="3822897"/>
+            <a:ext cx="780586" cy="725213"/>
+          </a:xfrm>
+          <a:prstGeom prst="smileyFace">
+            <a:avLst/>
+          </a:prstGeom>
+          <a:solidFill>
+            <a:schemeClr val="accent5">
+              <a:lumMod val="40000"/>
+              <a:lumOff val="60000"/>
+            </a:schemeClr>
+          </a:solidFill>
+        </p:spPr>
+        <p:style>
+          <a:lnRef idx="2">
+            <a:schemeClr val="accent1">
+              <a:shade val="15000"/>
+            </a:schemeClr>
+          </a:lnRef>
+          <a:fillRef idx="1">
+            <a:schemeClr val="accent1"/>
+          </a:fillRef>
+          <a:effectRef idx="0">
+            <a:schemeClr val="accent1"/>
+          </a:effectRef>
+          <a:fontRef idx="minor">
+            <a:schemeClr val="lt1"/>
+          </a:fontRef>
+        </p:style>
+        <p:txBody>
+          <a:bodyPr rtlCol="0" anchor="ctr"/>
+          <a:lstStyle/>
+          <a:p>
+            <a:pPr algn="ctr"/>
+            <a:endParaRPr lang="en-US"/>
+          </a:p>
+        </p:txBody>
+      </p:sp>
+      <p:cxnSp>
+        <p:nvCxnSpPr>
+          <p:cNvPr id="23" name="Straight Arrow Connector 22">
+            <a:extLst>
+              <a:ext uri="{FF2B5EF4-FFF2-40B4-BE49-F238E27FC236}">
+                <a16:creationId xmlns:a16="http://schemas.microsoft.com/office/drawing/2014/main" id="{4574D849-19DA-B9CD-3527-93141D4AF49A}"/>
+              </a:ext>
+            </a:extLst>
+          </p:cNvPr>
+          <p:cNvCxnSpPr>
+            <a:stCxn id="22" idx="6"/>
+          </p:cNvCxnSpPr>
+          <p:nvPr/>
+        </p:nvCxnSpPr>
+        <p:spPr>
+          <a:xfrm flipV="1">
+            <a:off x="1023795" y="4185503"/>
+            <a:ext cx="1622249" cy="1"/>
+          </a:xfrm>
+          <a:prstGeom prst="straightConnector1">
+            <a:avLst/>
+          </a:prstGeom>
+          <a:ln>
+            <a:tailEnd type="triangle"/>
+          </a:ln>
+        </p:spPr>
+        <p:style>
+          <a:lnRef idx="2">
+            <a:schemeClr val="accent1"/>
+          </a:lnRef>
+          <a:fillRef idx="0">
+            <a:schemeClr val="accent1"/>
+          </a:fillRef>
+          <a:effectRef idx="1">
+            <a:schemeClr val="accent1"/>
+          </a:effectRef>
+          <a:fontRef idx="minor">
+            <a:schemeClr val="tx1"/>
+          </a:fontRef>
+        </p:style>
+      </p:cxnSp>
+      <p:sp>
+        <p:nvSpPr>
+          <p:cNvPr id="24" name="TextBox 23">
+            <a:extLst>
+              <a:ext uri="{FF2B5EF4-FFF2-40B4-BE49-F238E27FC236}">
+                <a16:creationId xmlns:a16="http://schemas.microsoft.com/office/drawing/2014/main" id="{3CEECAF5-F151-AB9A-8859-729A6926923C}"/>
+              </a:ext>
+            </a:extLst>
+          </p:cNvPr>
+          <p:cNvSpPr txBox="1"/>
+          <p:nvPr/>
+        </p:nvSpPr>
+        <p:spPr>
+          <a:xfrm>
+            <a:off x="1200993" y="2469856"/>
+            <a:ext cx="1276619" cy="461665"/>
+          </a:xfrm>
+          <a:prstGeom prst="rect">
+            <a:avLst/>
+          </a:prstGeom>
+          <a:noFill/>
+        </p:spPr>
+        <p:txBody>
+          <a:bodyPr wrap="square" rtlCol="0">
+            <a:spAutoFit/>
+          </a:bodyPr>
+          <a:lstStyle/>
+          <a:p>
+            <a:r>
+              <a:rPr lang="en-US" sz="1200" dirty="0"/>
+              <a:t>Give me 3 random Strings</a:t>
+            </a:r>
+          </a:p>
+        </p:txBody>
+      </p:sp>
+      <p:sp>
+        <p:nvSpPr>
+          <p:cNvPr id="25" name="TextBox 24">
+            <a:extLst>
+              <a:ext uri="{FF2B5EF4-FFF2-40B4-BE49-F238E27FC236}">
+                <a16:creationId xmlns:a16="http://schemas.microsoft.com/office/drawing/2014/main" id="{7875AE1A-8F1D-5982-F4B4-54C7756BAB48}"/>
+              </a:ext>
+            </a:extLst>
+          </p:cNvPr>
+          <p:cNvSpPr txBox="1"/>
+          <p:nvPr/>
+        </p:nvSpPr>
+        <p:spPr>
+          <a:xfrm>
+            <a:off x="1196609" y="3689076"/>
+            <a:ext cx="1276619" cy="461665"/>
+          </a:xfrm>
+          <a:prstGeom prst="rect">
+            <a:avLst/>
+          </a:prstGeom>
+          <a:noFill/>
+        </p:spPr>
+        <p:txBody>
+          <a:bodyPr wrap="square" rtlCol="0">
+            <a:spAutoFit/>
+          </a:bodyPr>
+          <a:lstStyle/>
+          <a:p>
+            <a:r>
+              <a:rPr lang="en-US" sz="1200" dirty="0"/>
+              <a:t>Give me 2 random Strings</a:t>
+            </a:r>
+          </a:p>
+        </p:txBody>
+      </p:sp>
+      <p:cxnSp>
+        <p:nvCxnSpPr>
+          <p:cNvPr id="26" name="Straight Arrow Connector 25">
+            <a:extLst>
+              <a:ext uri="{FF2B5EF4-FFF2-40B4-BE49-F238E27FC236}">
+                <a16:creationId xmlns:a16="http://schemas.microsoft.com/office/drawing/2014/main" id="{6F429FA3-63EE-FB8D-822A-D51F51945DA5}"/>
+              </a:ext>
+            </a:extLst>
+          </p:cNvPr>
+          <p:cNvCxnSpPr>
+            <a:stCxn id="20" idx="3"/>
+            <a:endCxn id="5" idx="1"/>
+          </p:cNvCxnSpPr>
+          <p:nvPr/>
+        </p:nvCxnSpPr>
+        <p:spPr>
+          <a:xfrm flipV="1">
+            <a:off x="3657600" y="2606391"/>
+            <a:ext cx="1321869" cy="435612"/>
+          </a:xfrm>
+          <a:prstGeom prst="straightConnector1">
+            <a:avLst/>
+          </a:prstGeom>
+          <a:ln>
+            <a:tailEnd type="triangle"/>
+          </a:ln>
+        </p:spPr>
+        <p:style>
+          <a:lnRef idx="2">
+            <a:schemeClr val="accent1"/>
+          </a:lnRef>
+          <a:fillRef idx="0">
+            <a:schemeClr val="accent1"/>
+          </a:fillRef>
+          <a:effectRef idx="1">
+            <a:schemeClr val="accent1"/>
+          </a:effectRef>
+          <a:fontRef idx="minor">
+            <a:schemeClr val="tx1"/>
+          </a:fontRef>
+        </p:style>
+      </p:cxnSp>
+      <p:cxnSp>
+        <p:nvCxnSpPr>
+          <p:cNvPr id="27" name="Straight Arrow Connector 26">
+            <a:extLst>
+              <a:ext uri="{FF2B5EF4-FFF2-40B4-BE49-F238E27FC236}">
+                <a16:creationId xmlns:a16="http://schemas.microsoft.com/office/drawing/2014/main" id="{50ADC811-82D8-B7F1-1889-26FD6E20482E}"/>
+              </a:ext>
+            </a:extLst>
+          </p:cNvPr>
+          <p:cNvCxnSpPr>
+            <a:stCxn id="20" idx="3"/>
+            <a:endCxn id="6" idx="1"/>
+          </p:cNvCxnSpPr>
+          <p:nvPr/>
+        </p:nvCxnSpPr>
+        <p:spPr>
+          <a:xfrm flipV="1">
+            <a:off x="3657600" y="2790322"/>
+            <a:ext cx="1474269" cy="251681"/>
+          </a:xfrm>
+          <a:prstGeom prst="straightConnector1">
+            <a:avLst/>
+          </a:prstGeom>
+          <a:ln>
+            <a:tailEnd type="triangle"/>
+          </a:ln>
+        </p:spPr>
+        <p:style>
+          <a:lnRef idx="2">
+            <a:schemeClr val="accent1"/>
+          </a:lnRef>
+          <a:fillRef idx="0">
+            <a:schemeClr val="accent1"/>
+          </a:fillRef>
+          <a:effectRef idx="1">
+            <a:schemeClr val="accent1"/>
+          </a:effectRef>
+          <a:fontRef idx="minor">
+            <a:schemeClr val="tx1"/>
+          </a:fontRef>
+        </p:style>
+      </p:cxnSp>
+      <p:cxnSp>
+        <p:nvCxnSpPr>
+          <p:cNvPr id="28" name="Straight Arrow Connector 27">
+            <a:extLst>
+              <a:ext uri="{FF2B5EF4-FFF2-40B4-BE49-F238E27FC236}">
+                <a16:creationId xmlns:a16="http://schemas.microsoft.com/office/drawing/2014/main" id="{D87EE230-108D-BBAA-EAFF-0B5E6157E031}"/>
+              </a:ext>
+            </a:extLst>
+          </p:cNvPr>
+          <p:cNvCxnSpPr>
+            <a:stCxn id="20" idx="3"/>
+            <a:endCxn id="7" idx="1"/>
+          </p:cNvCxnSpPr>
+          <p:nvPr/>
+        </p:nvCxnSpPr>
+        <p:spPr>
+          <a:xfrm flipV="1">
+            <a:off x="3657600" y="2942722"/>
+            <a:ext cx="1626669" cy="99281"/>
+          </a:xfrm>
+          <a:prstGeom prst="straightConnector1">
+            <a:avLst/>
+          </a:prstGeom>
+          <a:ln>
+            <a:tailEnd type="triangle"/>
+          </a:ln>
+        </p:spPr>
+        <p:style>
+          <a:lnRef idx="2">
+            <a:schemeClr val="accent1"/>
+          </a:lnRef>
+          <a:fillRef idx="0">
+            <a:schemeClr val="accent1"/>
+          </a:fillRef>
+          <a:effectRef idx="1">
+            <a:schemeClr val="accent1"/>
+          </a:effectRef>
+          <a:fontRef idx="minor">
+            <a:schemeClr val="tx1"/>
+          </a:fontRef>
+        </p:style>
+      </p:cxnSp>
+      <p:cxnSp>
+        <p:nvCxnSpPr>
+          <p:cNvPr id="29" name="Straight Arrow Connector 28">
+            <a:extLst>
+              <a:ext uri="{FF2B5EF4-FFF2-40B4-BE49-F238E27FC236}">
+                <a16:creationId xmlns:a16="http://schemas.microsoft.com/office/drawing/2014/main" id="{73DDE25C-5709-4259-A611-10D3C7E70240}"/>
+              </a:ext>
+            </a:extLst>
+          </p:cNvPr>
+          <p:cNvCxnSpPr>
+            <a:endCxn id="4" idx="2"/>
+          </p:cNvCxnSpPr>
+          <p:nvPr/>
+        </p:nvCxnSpPr>
+        <p:spPr>
+          <a:xfrm>
+            <a:off x="6408876" y="2065282"/>
+            <a:ext cx="2223276" cy="711651"/>
+          </a:xfrm>
+          <a:prstGeom prst="straightConnector1">
+            <a:avLst/>
+          </a:prstGeom>
+          <a:ln>
+            <a:headEnd type="triangle"/>
+            <a:tailEnd type="triangle"/>
+          </a:ln>
+        </p:spPr>
+        <p:style>
+          <a:lnRef idx="2">
+            <a:schemeClr val="accent1"/>
+          </a:lnRef>
+          <a:fillRef idx="0">
+            <a:schemeClr val="accent1"/>
+          </a:fillRef>
+          <a:effectRef idx="1">
+            <a:schemeClr val="accent1"/>
+          </a:effectRef>
+          <a:fontRef idx="minor">
+            <a:schemeClr val="tx1"/>
+          </a:fontRef>
+        </p:style>
+      </p:cxnSp>
+      <p:cxnSp>
+        <p:nvCxnSpPr>
+          <p:cNvPr id="30" name="Straight Arrow Connector 29">
+            <a:extLst>
+              <a:ext uri="{FF2B5EF4-FFF2-40B4-BE49-F238E27FC236}">
+                <a16:creationId xmlns:a16="http://schemas.microsoft.com/office/drawing/2014/main" id="{5F58074E-AADD-D270-88EE-9EC10AD86B71}"/>
+              </a:ext>
+            </a:extLst>
+          </p:cNvPr>
+          <p:cNvCxnSpPr>
+            <a:endCxn id="4" idx="2"/>
+          </p:cNvCxnSpPr>
+          <p:nvPr/>
+        </p:nvCxnSpPr>
+        <p:spPr>
+          <a:xfrm>
+            <a:off x="6561276" y="2191301"/>
+            <a:ext cx="2070876" cy="585632"/>
+          </a:xfrm>
+          <a:prstGeom prst="straightConnector1">
+            <a:avLst/>
+          </a:prstGeom>
+          <a:ln>
+            <a:headEnd type="triangle"/>
+            <a:tailEnd type="triangle"/>
+          </a:ln>
+        </p:spPr>
+        <p:style>
+          <a:lnRef idx="2">
+            <a:schemeClr val="accent1"/>
+          </a:lnRef>
+          <a:fillRef idx="0">
+            <a:schemeClr val="accent1"/>
+          </a:fillRef>
+          <a:effectRef idx="1">
+            <a:schemeClr val="accent1"/>
+          </a:effectRef>
+          <a:fontRef idx="minor">
+            <a:schemeClr val="tx1"/>
+          </a:fontRef>
+        </p:style>
+      </p:cxnSp>
+      <p:cxnSp>
+        <p:nvCxnSpPr>
+          <p:cNvPr id="31" name="Straight Arrow Connector 30">
+            <a:extLst>
+              <a:ext uri="{FF2B5EF4-FFF2-40B4-BE49-F238E27FC236}">
+                <a16:creationId xmlns:a16="http://schemas.microsoft.com/office/drawing/2014/main" id="{9024259B-B4B4-A302-4F4F-7B52FAA0F8FA}"/>
+              </a:ext>
+            </a:extLst>
+          </p:cNvPr>
+          <p:cNvCxnSpPr>
+            <a:endCxn id="4" idx="2"/>
+          </p:cNvCxnSpPr>
+          <p:nvPr/>
+        </p:nvCxnSpPr>
+        <p:spPr>
+          <a:xfrm>
+            <a:off x="6713676" y="2335750"/>
+            <a:ext cx="1918476" cy="441183"/>
+          </a:xfrm>
+          <a:prstGeom prst="straightConnector1">
+            <a:avLst/>
+          </a:prstGeom>
+          <a:ln>
+            <a:headEnd type="triangle"/>
+            <a:tailEnd type="triangle"/>
+          </a:ln>
+        </p:spPr>
+        <p:style>
+          <a:lnRef idx="2">
+            <a:schemeClr val="accent1"/>
+          </a:lnRef>
+          <a:fillRef idx="0">
+            <a:schemeClr val="accent1"/>
+          </a:fillRef>
+          <a:effectRef idx="1">
+            <a:schemeClr val="accent1"/>
+          </a:effectRef>
+          <a:fontRef idx="minor">
+            <a:schemeClr val="tx1"/>
+          </a:fontRef>
+        </p:style>
+      </p:cxnSp>
+      <p:sp>
+        <p:nvSpPr>
+          <p:cNvPr id="32" name="TextBox 31">
+            <a:extLst>
+              <a:ext uri="{FF2B5EF4-FFF2-40B4-BE49-F238E27FC236}">
+                <a16:creationId xmlns:a16="http://schemas.microsoft.com/office/drawing/2014/main" id="{EF131053-BA6F-378E-AE7A-2C898519789A}"/>
+              </a:ext>
+            </a:extLst>
+          </p:cNvPr>
+          <p:cNvSpPr txBox="1"/>
+          <p:nvPr/>
+        </p:nvSpPr>
+        <p:spPr>
+          <a:xfrm>
+            <a:off x="3833166" y="195958"/>
+            <a:ext cx="6348264" cy="1600438"/>
+          </a:xfrm>
+          <a:prstGeom prst="rect">
+            <a:avLst/>
+          </a:prstGeom>
+          <a:noFill/>
+        </p:spPr>
+        <p:txBody>
+          <a:bodyPr wrap="square" rtlCol="0">
+            <a:spAutoFit/>
+          </a:bodyPr>
+          <a:lstStyle/>
+          <a:p>
+            <a:r>
+              <a:rPr lang="en-US" sz="1400" dirty="0"/>
+              <a:t>Three queries:</a:t>
+            </a:r>
+          </a:p>
+          <a:p>
+            <a:pPr marL="342900" indent="-342900">
+              <a:buFont typeface="+mj-lt"/>
+              <a:buAutoNum type="arabicPeriod"/>
+            </a:pPr>
+            <a:r>
+              <a:rPr lang="en-US" sz="1400" dirty="0"/>
+              <a:t>SELECT string FROM Strings WHERE used = FALSE FETCH FIRST 2 ROWS ONLY;</a:t>
+            </a:r>
+          </a:p>
+          <a:p>
+            <a:pPr marL="342900" indent="-342900">
+              <a:buFont typeface="+mj-lt"/>
+              <a:buAutoNum type="arabicPeriod"/>
+            </a:pPr>
+            <a:r>
+              <a:rPr lang="en-US" sz="1400" dirty="0"/>
+              <a:t>UPDATE  Strings SET used = TRUE WHERE string = “00cc11” AND used = FALSE</a:t>
+            </a:r>
+          </a:p>
+          <a:p>
+            <a:pPr marL="342900" indent="-342900">
+              <a:buFont typeface="+mj-lt"/>
+              <a:buAutoNum type="arabicPeriod"/>
+            </a:pPr>
+            <a:r>
+              <a:rPr lang="en-US" sz="1400" dirty="0"/>
+              <a:t>UPDATE  Strings SET used = TRUE WHERE string = “xxc6411” AND used = FALSE</a:t>
+            </a:r>
+          </a:p>
+        </p:txBody>
+      </p:sp>
+      <p:sp>
+        <p:nvSpPr>
+          <p:cNvPr id="2" name="TextBox 1">
+            <a:extLst>
+              <a:ext uri="{FF2B5EF4-FFF2-40B4-BE49-F238E27FC236}">
+                <a16:creationId xmlns:a16="http://schemas.microsoft.com/office/drawing/2014/main" id="{CCE9B235-9337-2EA3-B2DA-8A139003A2E8}"/>
+              </a:ext>
+            </a:extLst>
+          </p:cNvPr>
+          <p:cNvSpPr txBox="1"/>
+          <p:nvPr/>
+        </p:nvSpPr>
+        <p:spPr>
+          <a:xfrm>
+            <a:off x="1185011" y="5425569"/>
+            <a:ext cx="8198515" cy="1200329"/>
+          </a:xfrm>
+          <a:prstGeom prst="rect">
+            <a:avLst/>
+          </a:prstGeom>
+          <a:noFill/>
+        </p:spPr>
+        <p:txBody>
+          <a:bodyPr wrap="square" rtlCol="0">
+            <a:spAutoFit/>
+          </a:bodyPr>
+          <a:lstStyle/>
+          <a:p>
+            <a:r>
+              <a:rPr lang="en-IE" b="0" i="0" dirty="0">
+                <a:solidFill>
+                  <a:srgbClr val="0C0D0E"/>
+                </a:solidFill>
+                <a:effectLst/>
+                <a:latin typeface="-apple-system"/>
+              </a:rPr>
+              <a:t>If one of the UPDATE returns </a:t>
+            </a:r>
+            <a:r>
+              <a:rPr lang="en-IE" b="1" i="0" dirty="0">
+                <a:solidFill>
+                  <a:srgbClr val="0C0D0E"/>
+                </a:solidFill>
+                <a:effectLst/>
+                <a:latin typeface="-apple-system"/>
+              </a:rPr>
+              <a:t>“0 UPDATES”</a:t>
+            </a:r>
+            <a:r>
+              <a:rPr lang="en-IE" b="0" i="0" dirty="0">
+                <a:solidFill>
+                  <a:srgbClr val="0C0D0E"/>
+                </a:solidFill>
+                <a:effectLst/>
+                <a:latin typeface="-apple-system"/>
+              </a:rPr>
+              <a:t> because maybe another process has made the change before…</a:t>
+            </a:r>
+            <a:r>
+              <a:rPr lang="en-IE" b="0" i="0" u="sng" dirty="0">
+                <a:solidFill>
+                  <a:srgbClr val="0C0D0E"/>
+                </a:solidFill>
+                <a:effectLst/>
+                <a:latin typeface="-apple-system"/>
+              </a:rPr>
+              <a:t>but this means I would need to do again a SELECT to get another string and then and UPDATE again</a:t>
+            </a:r>
+            <a:r>
+              <a:rPr lang="en-IE" b="0" i="0" dirty="0">
+                <a:solidFill>
+                  <a:srgbClr val="0C0D0E"/>
+                </a:solidFill>
+                <a:effectLst/>
+                <a:latin typeface="-apple-system"/>
+              </a:rPr>
+              <a:t>… until I find the number of strings the client needs… </a:t>
+            </a:r>
+            <a:r>
+              <a:rPr lang="en-IE" b="0" i="0" u="sng" dirty="0">
+                <a:solidFill>
+                  <a:srgbClr val="0C0D0E"/>
+                </a:solidFill>
+                <a:effectLst/>
+                <a:latin typeface="-apple-system"/>
+              </a:rPr>
+              <a:t>This option might be “time” and “resources” consuming</a:t>
+            </a:r>
+            <a:r>
+              <a:rPr lang="en-IE" b="0" i="0" dirty="0">
+                <a:solidFill>
+                  <a:srgbClr val="0C0D0E"/>
+                </a:solidFill>
+                <a:effectLst/>
+                <a:latin typeface="-apple-system"/>
+              </a:rPr>
+              <a:t>…</a:t>
+            </a:r>
+            <a:endParaRPr lang="en-US" dirty="0"/>
+          </a:p>
+        </p:txBody>
+      </p:sp>
+      <p:sp>
+        <p:nvSpPr>
+          <p:cNvPr id="3" name="TextBox 2">
+            <a:extLst>
+              <a:ext uri="{FF2B5EF4-FFF2-40B4-BE49-F238E27FC236}">
+                <a16:creationId xmlns:a16="http://schemas.microsoft.com/office/drawing/2014/main" id="{25972EA9-16F9-DBAE-46EA-F87F28FE3BD1}"/>
+              </a:ext>
+            </a:extLst>
+          </p:cNvPr>
+          <p:cNvSpPr txBox="1"/>
+          <p:nvPr/>
+        </p:nvSpPr>
+        <p:spPr>
+          <a:xfrm>
+            <a:off x="285661" y="219296"/>
+            <a:ext cx="2983055" cy="369332"/>
+          </a:xfrm>
+          <a:prstGeom prst="rect">
+            <a:avLst/>
+          </a:prstGeom>
+          <a:noFill/>
+        </p:spPr>
+        <p:txBody>
+          <a:bodyPr wrap="square" rtlCol="0">
+            <a:spAutoFit/>
+          </a:bodyPr>
+          <a:lstStyle/>
+          <a:p>
+            <a:r>
+              <a:rPr lang="en-US" dirty="0">
+                <a:solidFill>
+                  <a:srgbClr val="FF0000"/>
+                </a:solidFill>
+              </a:rPr>
+              <a:t>SOLUTION – OPTION 2</a:t>
+            </a:r>
+          </a:p>
+        </p:txBody>
+      </p:sp>
+    </p:spTree>
+    <p:extLst>
+      <p:ext uri="{BB962C8B-B14F-4D97-AF65-F5344CB8AC3E}">
+        <p14:creationId xmlns:p14="http://schemas.microsoft.com/office/powerpoint/2010/main" val="1970716188"/>
       </p:ext>
     </p:extLst>
   </p:cSld>

--- a/docs/MySystemDesign_RangeOfCounter.pptx
+++ b/docs/MySystemDesign_RangeOfCounter.pptx
@@ -23,8 +23,10 @@
     <p:sldId id="271" r:id="rId17"/>
     <p:sldId id="273" r:id="rId18"/>
     <p:sldId id="276" r:id="rId19"/>
-    <p:sldId id="275" r:id="rId20"/>
-    <p:sldId id="274" r:id="rId21"/>
+    <p:sldId id="277" r:id="rId20"/>
+    <p:sldId id="275" r:id="rId21"/>
+    <p:sldId id="278" r:id="rId22"/>
+    <p:sldId id="274" r:id="rId23"/>
   </p:sldIdLst>
   <p:sldSz cx="12192000" cy="6858000"/>
   <p:notesSz cx="6858000" cy="9144000"/>
@@ -280,7 +282,7 @@
           <a:p>
             <a:fld id="{1CAE48DF-23E4-2E4E-9011-6A2C88CF2076}" type="datetimeFigureOut">
               <a:rPr lang="en-US" smtClean="0"/>
-              <a:t>3/10/25</a:t>
+              <a:t>3/11/25</a:t>
             </a:fld>
             <a:endParaRPr lang="en-US"/>
           </a:p>
@@ -480,7 +482,7 @@
           <a:p>
             <a:fld id="{1CAE48DF-23E4-2E4E-9011-6A2C88CF2076}" type="datetimeFigureOut">
               <a:rPr lang="en-US" smtClean="0"/>
-              <a:t>3/10/25</a:t>
+              <a:t>3/11/25</a:t>
             </a:fld>
             <a:endParaRPr lang="en-US"/>
           </a:p>
@@ -690,7 +692,7 @@
           <a:p>
             <a:fld id="{1CAE48DF-23E4-2E4E-9011-6A2C88CF2076}" type="datetimeFigureOut">
               <a:rPr lang="en-US" smtClean="0"/>
-              <a:t>3/10/25</a:t>
+              <a:t>3/11/25</a:t>
             </a:fld>
             <a:endParaRPr lang="en-US"/>
           </a:p>
@@ -890,7 +892,7 @@
           <a:p>
             <a:fld id="{1CAE48DF-23E4-2E4E-9011-6A2C88CF2076}" type="datetimeFigureOut">
               <a:rPr lang="en-US" smtClean="0"/>
-              <a:t>3/10/25</a:t>
+              <a:t>3/11/25</a:t>
             </a:fld>
             <a:endParaRPr lang="en-US"/>
           </a:p>
@@ -1166,7 +1168,7 @@
           <a:p>
             <a:fld id="{1CAE48DF-23E4-2E4E-9011-6A2C88CF2076}" type="datetimeFigureOut">
               <a:rPr lang="en-US" smtClean="0"/>
-              <a:t>3/10/25</a:t>
+              <a:t>3/11/25</a:t>
             </a:fld>
             <a:endParaRPr lang="en-US"/>
           </a:p>
@@ -1434,7 +1436,7 @@
           <a:p>
             <a:fld id="{1CAE48DF-23E4-2E4E-9011-6A2C88CF2076}" type="datetimeFigureOut">
               <a:rPr lang="en-US" smtClean="0"/>
-              <a:t>3/10/25</a:t>
+              <a:t>3/11/25</a:t>
             </a:fld>
             <a:endParaRPr lang="en-US"/>
           </a:p>
@@ -1849,7 +1851,7 @@
           <a:p>
             <a:fld id="{1CAE48DF-23E4-2E4E-9011-6A2C88CF2076}" type="datetimeFigureOut">
               <a:rPr lang="en-US" smtClean="0"/>
-              <a:t>3/10/25</a:t>
+              <a:t>3/11/25</a:t>
             </a:fld>
             <a:endParaRPr lang="en-US"/>
           </a:p>
@@ -1991,7 +1993,7 @@
           <a:p>
             <a:fld id="{1CAE48DF-23E4-2E4E-9011-6A2C88CF2076}" type="datetimeFigureOut">
               <a:rPr lang="en-US" smtClean="0"/>
-              <a:t>3/10/25</a:t>
+              <a:t>3/11/25</a:t>
             </a:fld>
             <a:endParaRPr lang="en-US"/>
           </a:p>
@@ -2104,7 +2106,7 @@
           <a:p>
             <a:fld id="{1CAE48DF-23E4-2E4E-9011-6A2C88CF2076}" type="datetimeFigureOut">
               <a:rPr lang="en-US" smtClean="0"/>
-              <a:t>3/10/25</a:t>
+              <a:t>3/11/25</a:t>
             </a:fld>
             <a:endParaRPr lang="en-US"/>
           </a:p>
@@ -2417,7 +2419,7 @@
           <a:p>
             <a:fld id="{1CAE48DF-23E4-2E4E-9011-6A2C88CF2076}" type="datetimeFigureOut">
               <a:rPr lang="en-US" smtClean="0"/>
-              <a:t>3/10/25</a:t>
+              <a:t>3/11/25</a:t>
             </a:fld>
             <a:endParaRPr lang="en-US"/>
           </a:p>
@@ -2706,7 +2708,7 @@
           <a:p>
             <a:fld id="{1CAE48DF-23E4-2E4E-9011-6A2C88CF2076}" type="datetimeFigureOut">
               <a:rPr lang="en-US" smtClean="0"/>
-              <a:t>3/10/25</a:t>
+              <a:t>3/11/25</a:t>
             </a:fld>
             <a:endParaRPr lang="en-US"/>
           </a:p>
@@ -2949,7 +2951,7 @@
           <a:p>
             <a:fld id="{1CAE48DF-23E4-2E4E-9011-6A2C88CF2076}" type="datetimeFigureOut">
               <a:rPr lang="en-US" smtClean="0"/>
-              <a:t>3/10/25</a:t>
+              <a:t>3/11/25</a:t>
             </a:fld>
             <a:endParaRPr lang="en-US"/>
           </a:p>
@@ -11816,13 +11818,7 @@
   <p:cSld>
     <p:spTree>
       <p:nvGrpSpPr>
-        <p:cNvPr id="1" name="">
-          <a:extLst>
-            <a:ext uri="{FF2B5EF4-FFF2-40B4-BE49-F238E27FC236}">
-              <a16:creationId xmlns:a16="http://schemas.microsoft.com/office/drawing/2014/main" id="{A9AC321E-EE35-349A-EFA8-EAEBF17CA905}"/>
-            </a:ext>
-          </a:extLst>
-        </p:cNvPr>
+        <p:cNvPr id="1" name=""/>
         <p:cNvGrpSpPr/>
         <p:nvPr/>
       </p:nvGrpSpPr>
@@ -11836,277 +11832,10 @@
       </p:grpSpPr>
       <p:sp>
         <p:nvSpPr>
-          <p:cNvPr id="4" name="Can 3">
-            <a:extLst>
-              <a:ext uri="{FF2B5EF4-FFF2-40B4-BE49-F238E27FC236}">
-                <a16:creationId xmlns:a16="http://schemas.microsoft.com/office/drawing/2014/main" id="{FF25F29D-1803-DBAE-1ACE-82B1BFCCEA9D}"/>
-              </a:ext>
-            </a:extLst>
-          </p:cNvPr>
-          <p:cNvSpPr/>
-          <p:nvPr/>
-        </p:nvSpPr>
-        <p:spPr>
-          <a:xfrm>
-            <a:off x="8632152" y="1762684"/>
-            <a:ext cx="1198180" cy="2028497"/>
-          </a:xfrm>
-          <a:prstGeom prst="can">
-            <a:avLst/>
-          </a:prstGeom>
-        </p:spPr>
-        <p:style>
-          <a:lnRef idx="2">
-            <a:schemeClr val="accent1">
-              <a:shade val="15000"/>
-            </a:schemeClr>
-          </a:lnRef>
-          <a:fillRef idx="1">
-            <a:schemeClr val="accent1"/>
-          </a:fillRef>
-          <a:effectRef idx="0">
-            <a:schemeClr val="accent1"/>
-          </a:effectRef>
-          <a:fontRef idx="minor">
-            <a:schemeClr val="lt1"/>
-          </a:fontRef>
-        </p:style>
-        <p:txBody>
-          <a:bodyPr rtlCol="0" anchor="ctr"/>
-          <a:lstStyle/>
-          <a:p>
-            <a:pPr algn="ctr"/>
-            <a:r>
-              <a:rPr lang="en-US" dirty="0"/>
-              <a:t>Strings</a:t>
-            </a:r>
-          </a:p>
-          <a:p>
-            <a:pPr algn="ctr"/>
-            <a:r>
-              <a:rPr lang="en-US" dirty="0"/>
-              <a:t>DB</a:t>
-            </a:r>
-          </a:p>
-        </p:txBody>
-      </p:sp>
-      <p:sp>
-        <p:nvSpPr>
-          <p:cNvPr id="5" name="Rectangle 4">
-            <a:extLst>
-              <a:ext uri="{FF2B5EF4-FFF2-40B4-BE49-F238E27FC236}">
-                <a16:creationId xmlns:a16="http://schemas.microsoft.com/office/drawing/2014/main" id="{58528C48-4B4C-01DD-CBED-B854BF501B95}"/>
-              </a:ext>
-            </a:extLst>
-          </p:cNvPr>
-          <p:cNvSpPr/>
-          <p:nvPr/>
-        </p:nvSpPr>
-        <p:spPr>
-          <a:xfrm>
-            <a:off x="4979469" y="1999419"/>
-            <a:ext cx="1429407" cy="1213944"/>
-          </a:xfrm>
-          <a:prstGeom prst="rect">
-            <a:avLst/>
-          </a:prstGeom>
-          <a:solidFill>
-            <a:schemeClr val="accent6">
-              <a:lumMod val="60000"/>
-              <a:lumOff val="40000"/>
-            </a:schemeClr>
-          </a:solidFill>
-        </p:spPr>
-        <p:style>
-          <a:lnRef idx="2">
-            <a:schemeClr val="accent1">
-              <a:shade val="15000"/>
-            </a:schemeClr>
-          </a:lnRef>
-          <a:fillRef idx="1">
-            <a:schemeClr val="accent1"/>
-          </a:fillRef>
-          <a:effectRef idx="0">
-            <a:schemeClr val="accent1"/>
-          </a:effectRef>
-          <a:fontRef idx="minor">
-            <a:schemeClr val="lt1"/>
-          </a:fontRef>
-        </p:style>
-        <p:txBody>
-          <a:bodyPr rtlCol="0" anchor="ctr"/>
-          <a:lstStyle/>
-          <a:p>
-            <a:pPr algn="ctr"/>
-            <a:endParaRPr lang="en-US"/>
-          </a:p>
-        </p:txBody>
-      </p:sp>
-      <p:sp>
-        <p:nvSpPr>
-          <p:cNvPr id="6" name="Rectangle 5">
-            <a:extLst>
-              <a:ext uri="{FF2B5EF4-FFF2-40B4-BE49-F238E27FC236}">
-                <a16:creationId xmlns:a16="http://schemas.microsoft.com/office/drawing/2014/main" id="{2387D9FD-6AEC-3F3A-B46A-66E7A83EAC0F}"/>
-              </a:ext>
-            </a:extLst>
-          </p:cNvPr>
-          <p:cNvSpPr/>
-          <p:nvPr/>
-        </p:nvSpPr>
-        <p:spPr>
-          <a:xfrm>
-            <a:off x="5131869" y="2183350"/>
-            <a:ext cx="1429407" cy="1213944"/>
-          </a:xfrm>
-          <a:prstGeom prst="rect">
-            <a:avLst/>
-          </a:prstGeom>
-          <a:solidFill>
-            <a:schemeClr val="accent6">
-              <a:lumMod val="60000"/>
-              <a:lumOff val="40000"/>
-            </a:schemeClr>
-          </a:solidFill>
-        </p:spPr>
-        <p:style>
-          <a:lnRef idx="2">
-            <a:schemeClr val="accent1">
-              <a:shade val="15000"/>
-            </a:schemeClr>
-          </a:lnRef>
-          <a:fillRef idx="1">
-            <a:schemeClr val="accent1"/>
-          </a:fillRef>
-          <a:effectRef idx="0">
-            <a:schemeClr val="accent1"/>
-          </a:effectRef>
-          <a:fontRef idx="minor">
-            <a:schemeClr val="lt1"/>
-          </a:fontRef>
-        </p:style>
-        <p:txBody>
-          <a:bodyPr rtlCol="0" anchor="ctr"/>
-          <a:lstStyle/>
-          <a:p>
-            <a:pPr algn="ctr"/>
-            <a:endParaRPr lang="en-US"/>
-          </a:p>
-        </p:txBody>
-      </p:sp>
-      <p:sp>
-        <p:nvSpPr>
-          <p:cNvPr id="7" name="Rectangle 6">
-            <a:extLst>
-              <a:ext uri="{FF2B5EF4-FFF2-40B4-BE49-F238E27FC236}">
-                <a16:creationId xmlns:a16="http://schemas.microsoft.com/office/drawing/2014/main" id="{356B5A5C-BB11-4609-2D36-A600537F64F3}"/>
-              </a:ext>
-            </a:extLst>
-          </p:cNvPr>
-          <p:cNvSpPr/>
-          <p:nvPr/>
-        </p:nvSpPr>
-        <p:spPr>
-          <a:xfrm>
-            <a:off x="5284269" y="2335750"/>
-            <a:ext cx="1429407" cy="1213944"/>
-          </a:xfrm>
-          <a:prstGeom prst="rect">
-            <a:avLst/>
-          </a:prstGeom>
-          <a:solidFill>
-            <a:schemeClr val="accent6">
-              <a:lumMod val="60000"/>
-              <a:lumOff val="40000"/>
-            </a:schemeClr>
-          </a:solidFill>
-        </p:spPr>
-        <p:style>
-          <a:lnRef idx="2">
-            <a:schemeClr val="accent1">
-              <a:shade val="15000"/>
-            </a:schemeClr>
-          </a:lnRef>
-          <a:fillRef idx="1">
-            <a:schemeClr val="accent1"/>
-          </a:fillRef>
-          <a:effectRef idx="0">
-            <a:schemeClr val="accent1"/>
-          </a:effectRef>
-          <a:fontRef idx="minor">
-            <a:schemeClr val="lt1"/>
-          </a:fontRef>
-        </p:style>
-        <p:txBody>
-          <a:bodyPr rtlCol="0" anchor="ctr"/>
-          <a:lstStyle/>
-          <a:p>
-            <a:pPr algn="ctr"/>
-            <a:endParaRPr lang="en-US"/>
-          </a:p>
-        </p:txBody>
-      </p:sp>
-      <p:sp>
-        <p:nvSpPr>
-          <p:cNvPr id="8" name="Rectangle 7">
-            <a:extLst>
-              <a:ext uri="{FF2B5EF4-FFF2-40B4-BE49-F238E27FC236}">
-                <a16:creationId xmlns:a16="http://schemas.microsoft.com/office/drawing/2014/main" id="{76239F8E-3894-60BC-7154-E71B0AAA6294}"/>
-              </a:ext>
-            </a:extLst>
-          </p:cNvPr>
-          <p:cNvSpPr/>
-          <p:nvPr/>
-        </p:nvSpPr>
-        <p:spPr>
-          <a:xfrm>
-            <a:off x="5436669" y="2488150"/>
-            <a:ext cx="1429407" cy="1213944"/>
-          </a:xfrm>
-          <a:prstGeom prst="rect">
-            <a:avLst/>
-          </a:prstGeom>
-          <a:solidFill>
-            <a:schemeClr val="accent6">
-              <a:lumMod val="60000"/>
-              <a:lumOff val="40000"/>
-            </a:schemeClr>
-          </a:solidFill>
-        </p:spPr>
-        <p:style>
-          <a:lnRef idx="2">
-            <a:schemeClr val="accent1">
-              <a:shade val="15000"/>
-            </a:schemeClr>
-          </a:lnRef>
-          <a:fillRef idx="1">
-            <a:schemeClr val="accent1"/>
-          </a:fillRef>
-          <a:effectRef idx="0">
-            <a:schemeClr val="accent1"/>
-          </a:effectRef>
-          <a:fontRef idx="minor">
-            <a:schemeClr val="lt1"/>
-          </a:fontRef>
-        </p:style>
-        <p:txBody>
-          <a:bodyPr rtlCol="0" anchor="ctr"/>
-          <a:lstStyle/>
-          <a:p>
-            <a:pPr algn="ctr"/>
-            <a:r>
-              <a:rPr lang="en-US" dirty="0"/>
-              <a:t>Server</a:t>
-            </a:r>
-          </a:p>
-        </p:txBody>
-      </p:sp>
-      <p:sp>
-        <p:nvSpPr>
-          <p:cNvPr id="9" name="TextBox 8">
-            <a:extLst>
-              <a:ext uri="{FF2B5EF4-FFF2-40B4-BE49-F238E27FC236}">
-                <a16:creationId xmlns:a16="http://schemas.microsoft.com/office/drawing/2014/main" id="{BCEACE6B-8596-DCAB-A684-F036ECE75C9A}"/>
+          <p:cNvPr id="4" name="TextBox 3">
+            <a:extLst>
+              <a:ext uri="{FF2B5EF4-FFF2-40B4-BE49-F238E27FC236}">
+                <a16:creationId xmlns:a16="http://schemas.microsoft.com/office/drawing/2014/main" id="{70D1D55A-0A36-55C9-BA58-63CAAFE274EF}"/>
               </a:ext>
             </a:extLst>
           </p:cNvPr>
@@ -12115,8 +11844,8 @@
         </p:nvSpPr>
         <p:spPr>
           <a:xfrm>
-            <a:off x="10101212" y="434897"/>
-            <a:ext cx="1998752" cy="646331"/>
+            <a:off x="752430" y="219296"/>
+            <a:ext cx="10772820" cy="5078313"/>
           </a:xfrm>
           <a:prstGeom prst="rect">
             <a:avLst/>
@@ -12135,1096 +11864,108 @@
                   <a:srgbClr val="FF0000"/>
                 </a:solidFill>
               </a:rPr>
-              <a:t>{ string: “00cc11”,</a:t>
-            </a:r>
-          </a:p>
-          <a:p>
-            <a:r>
-              <a:rPr lang="en-US" dirty="0">
-                <a:solidFill>
-                  <a:srgbClr val="FF0000"/>
-                </a:solidFill>
-              </a:rPr>
-              <a:t>  “used”: “true” }</a:t>
-            </a:r>
-          </a:p>
-        </p:txBody>
-      </p:sp>
-      <p:sp>
-        <p:nvSpPr>
-          <p:cNvPr id="10" name="TextBox 9">
-            <a:extLst>
-              <a:ext uri="{FF2B5EF4-FFF2-40B4-BE49-F238E27FC236}">
-                <a16:creationId xmlns:a16="http://schemas.microsoft.com/office/drawing/2014/main" id="{8BB3BF6C-4DF3-7C31-C008-241CE0BABDAF}"/>
-              </a:ext>
-            </a:extLst>
-          </p:cNvPr>
-          <p:cNvSpPr txBox="1"/>
-          <p:nvPr/>
-        </p:nvSpPr>
-        <p:spPr>
-          <a:xfrm>
-            <a:off x="10101212" y="1253385"/>
-            <a:ext cx="1894045" cy="646331"/>
-          </a:xfrm>
-          <a:prstGeom prst="rect">
-            <a:avLst/>
-          </a:prstGeom>
-          <a:noFill/>
-        </p:spPr>
-        <p:txBody>
-          <a:bodyPr wrap="square" rtlCol="0">
-            <a:spAutoFit/>
-          </a:bodyPr>
-          <a:lstStyle/>
-          <a:p>
-            <a:r>
-              <a:rPr lang="en-US" dirty="0">
-                <a:solidFill>
-                  <a:srgbClr val="FF0000"/>
-                </a:solidFill>
-              </a:rPr>
-              <a:t>{ string: “xx6411”,</a:t>
-            </a:r>
-          </a:p>
-          <a:p>
-            <a:r>
-              <a:rPr lang="en-US" dirty="0">
-                <a:solidFill>
-                  <a:srgbClr val="FF0000"/>
-                </a:solidFill>
-              </a:rPr>
-              <a:t>  “used”: “true” }</a:t>
-            </a:r>
-          </a:p>
-        </p:txBody>
-      </p:sp>
-      <p:sp>
-        <p:nvSpPr>
-          <p:cNvPr id="11" name="TextBox 10">
-            <a:extLst>
-              <a:ext uri="{FF2B5EF4-FFF2-40B4-BE49-F238E27FC236}">
-                <a16:creationId xmlns:a16="http://schemas.microsoft.com/office/drawing/2014/main" id="{E51FA8D1-05F3-CAE4-BB09-0BB4F09B4ED3}"/>
-              </a:ext>
-            </a:extLst>
-          </p:cNvPr>
-          <p:cNvSpPr txBox="1"/>
-          <p:nvPr/>
-        </p:nvSpPr>
-        <p:spPr>
-          <a:xfrm>
-            <a:off x="10101211" y="2065282"/>
-            <a:ext cx="1949060" cy="646331"/>
-          </a:xfrm>
-          <a:prstGeom prst="rect">
-            <a:avLst/>
-          </a:prstGeom>
-          <a:noFill/>
-        </p:spPr>
-        <p:txBody>
-          <a:bodyPr wrap="square" rtlCol="0">
-            <a:spAutoFit/>
-          </a:bodyPr>
-          <a:lstStyle/>
-          <a:p>
-            <a:r>
-              <a:rPr lang="en-US" dirty="0"/>
-              <a:t>{ string: “74d412”,</a:t>
-            </a:r>
-          </a:p>
-          <a:p>
-            <a:r>
-              <a:rPr lang="en-US" dirty="0"/>
-              <a:t>  “used”: “false” }</a:t>
-            </a:r>
-          </a:p>
-        </p:txBody>
-      </p:sp>
-      <p:sp>
-        <p:nvSpPr>
-          <p:cNvPr id="12" name="TextBox 11">
-            <a:extLst>
-              <a:ext uri="{FF2B5EF4-FFF2-40B4-BE49-F238E27FC236}">
-                <a16:creationId xmlns:a16="http://schemas.microsoft.com/office/drawing/2014/main" id="{E73FD72A-E6CC-DEBC-2D1D-301BAA5F8CB5}"/>
-              </a:ext>
-            </a:extLst>
-          </p:cNvPr>
-          <p:cNvSpPr txBox="1"/>
-          <p:nvPr/>
-        </p:nvSpPr>
-        <p:spPr>
-          <a:xfrm>
-            <a:off x="10126058" y="2877179"/>
-            <a:ext cx="1894558" cy="646331"/>
-          </a:xfrm>
-          <a:prstGeom prst="rect">
-            <a:avLst/>
-          </a:prstGeom>
-          <a:noFill/>
-        </p:spPr>
-        <p:txBody>
-          <a:bodyPr wrap="square" rtlCol="0">
-            <a:spAutoFit/>
-          </a:bodyPr>
-          <a:lstStyle/>
-          <a:p>
-            <a:r>
-              <a:rPr lang="en-US" dirty="0"/>
-              <a:t>{ string: “hww40”,</a:t>
-            </a:r>
-          </a:p>
-          <a:p>
-            <a:r>
-              <a:rPr lang="en-US" dirty="0"/>
-              <a:t>  “used”: “false” }</a:t>
-            </a:r>
-          </a:p>
-        </p:txBody>
-      </p:sp>
-      <p:sp>
-        <p:nvSpPr>
-          <p:cNvPr id="13" name="TextBox 12">
-            <a:extLst>
-              <a:ext uri="{FF2B5EF4-FFF2-40B4-BE49-F238E27FC236}">
-                <a16:creationId xmlns:a16="http://schemas.microsoft.com/office/drawing/2014/main" id="{81873B74-31FF-743F-A250-158ACD61174C}"/>
-              </a:ext>
-            </a:extLst>
-          </p:cNvPr>
-          <p:cNvSpPr txBox="1"/>
-          <p:nvPr/>
-        </p:nvSpPr>
-        <p:spPr>
-          <a:xfrm>
-            <a:off x="10135132" y="3689076"/>
-            <a:ext cx="1860125" cy="646331"/>
-          </a:xfrm>
-          <a:prstGeom prst="rect">
-            <a:avLst/>
-          </a:prstGeom>
-          <a:noFill/>
-        </p:spPr>
-        <p:txBody>
-          <a:bodyPr wrap="square" rtlCol="0">
-            <a:spAutoFit/>
-          </a:bodyPr>
-          <a:lstStyle/>
-          <a:p>
-            <a:r>
-              <a:rPr lang="en-US" dirty="0"/>
-              <a:t>{ string: “211zxz”,</a:t>
-            </a:r>
-          </a:p>
-          <a:p>
-            <a:r>
-              <a:rPr lang="en-US" dirty="0"/>
-              <a:t>  “used”: “false” }</a:t>
-            </a:r>
-          </a:p>
-        </p:txBody>
-      </p:sp>
-      <p:sp>
-        <p:nvSpPr>
-          <p:cNvPr id="14" name="TextBox 13">
-            <a:extLst>
-              <a:ext uri="{FF2B5EF4-FFF2-40B4-BE49-F238E27FC236}">
-                <a16:creationId xmlns:a16="http://schemas.microsoft.com/office/drawing/2014/main" id="{22BAA874-62B0-4063-F781-C93B158EABD3}"/>
-              </a:ext>
-            </a:extLst>
-          </p:cNvPr>
-          <p:cNvSpPr txBox="1"/>
-          <p:nvPr/>
-        </p:nvSpPr>
-        <p:spPr>
-          <a:xfrm>
-            <a:off x="10190146" y="4500973"/>
-            <a:ext cx="1907382" cy="646331"/>
-          </a:xfrm>
-          <a:prstGeom prst="rect">
-            <a:avLst/>
-          </a:prstGeom>
-          <a:noFill/>
-        </p:spPr>
-        <p:txBody>
-          <a:bodyPr wrap="square" rtlCol="0">
-            <a:spAutoFit/>
-          </a:bodyPr>
-          <a:lstStyle/>
-          <a:p>
-            <a:r>
-              <a:rPr lang="en-US" dirty="0"/>
-              <a:t>{ string: “b4v3z7”,</a:t>
-            </a:r>
-          </a:p>
-          <a:p>
-            <a:r>
-              <a:rPr lang="en-US" dirty="0"/>
-              <a:t>  “used”: “false” }</a:t>
-            </a:r>
-          </a:p>
-        </p:txBody>
-      </p:sp>
-      <p:sp>
-        <p:nvSpPr>
-          <p:cNvPr id="15" name="Smiley Face 14">
-            <a:extLst>
-              <a:ext uri="{FF2B5EF4-FFF2-40B4-BE49-F238E27FC236}">
-                <a16:creationId xmlns:a16="http://schemas.microsoft.com/office/drawing/2014/main" id="{5E4192C9-0E70-013A-9E0A-A1C980AC4C0E}"/>
-              </a:ext>
-            </a:extLst>
-          </p:cNvPr>
-          <p:cNvSpPr/>
-          <p:nvPr/>
-        </p:nvSpPr>
-        <p:spPr>
-          <a:xfrm>
-            <a:off x="215078" y="1466088"/>
-            <a:ext cx="780586" cy="725213"/>
-          </a:xfrm>
-          <a:prstGeom prst="smileyFace">
-            <a:avLst/>
-          </a:prstGeom>
-          <a:solidFill>
-            <a:schemeClr val="accent5">
-              <a:lumMod val="40000"/>
-              <a:lumOff val="60000"/>
-            </a:schemeClr>
-          </a:solidFill>
-        </p:spPr>
-        <p:style>
-          <a:lnRef idx="2">
-            <a:schemeClr val="accent1">
-              <a:shade val="15000"/>
-            </a:schemeClr>
-          </a:lnRef>
-          <a:fillRef idx="1">
-            <a:schemeClr val="accent1"/>
-          </a:fillRef>
-          <a:effectRef idx="0">
-            <a:schemeClr val="accent1"/>
-          </a:effectRef>
-          <a:fontRef idx="minor">
-            <a:schemeClr val="lt1"/>
-          </a:fontRef>
-        </p:style>
-        <p:txBody>
-          <a:bodyPr rtlCol="0" anchor="ctr"/>
-          <a:lstStyle/>
-          <a:p>
-            <a:pPr algn="ctr"/>
-            <a:endParaRPr lang="en-US"/>
-          </a:p>
-        </p:txBody>
-      </p:sp>
-      <p:sp>
-        <p:nvSpPr>
-          <p:cNvPr id="16" name="TextBox 15">
-            <a:extLst>
-              <a:ext uri="{FF2B5EF4-FFF2-40B4-BE49-F238E27FC236}">
-                <a16:creationId xmlns:a16="http://schemas.microsoft.com/office/drawing/2014/main" id="{10B29CA3-72BB-1EC0-607B-65598C3E47DD}"/>
-              </a:ext>
-            </a:extLst>
-          </p:cNvPr>
-          <p:cNvSpPr txBox="1"/>
-          <p:nvPr/>
-        </p:nvSpPr>
-        <p:spPr>
-          <a:xfrm>
-            <a:off x="10190146" y="5312870"/>
-            <a:ext cx="1937775" cy="646331"/>
-          </a:xfrm>
-          <a:prstGeom prst="rect">
-            <a:avLst/>
-          </a:prstGeom>
-          <a:noFill/>
-        </p:spPr>
-        <p:txBody>
-          <a:bodyPr wrap="square" rtlCol="0">
-            <a:spAutoFit/>
-          </a:bodyPr>
-          <a:lstStyle/>
-          <a:p>
-            <a:r>
-              <a:rPr lang="en-US" dirty="0"/>
-              <a:t>{ string: “aaa311”,</a:t>
-            </a:r>
-          </a:p>
-          <a:p>
-            <a:r>
-              <a:rPr lang="en-US" dirty="0"/>
-              <a:t>  “used”: “false” }</a:t>
-            </a:r>
-          </a:p>
-        </p:txBody>
-      </p:sp>
-      <p:cxnSp>
-        <p:nvCxnSpPr>
-          <p:cNvPr id="17" name="Straight Arrow Connector 16">
-            <a:extLst>
-              <a:ext uri="{FF2B5EF4-FFF2-40B4-BE49-F238E27FC236}">
-                <a16:creationId xmlns:a16="http://schemas.microsoft.com/office/drawing/2014/main" id="{0891D0B8-3757-1932-34DE-BE1B822E59C6}"/>
-              </a:ext>
-            </a:extLst>
-          </p:cNvPr>
-          <p:cNvCxnSpPr>
-            <a:cxnSpLocks/>
-            <a:stCxn id="15" idx="6"/>
-          </p:cNvCxnSpPr>
-          <p:nvPr/>
-        </p:nvCxnSpPr>
-        <p:spPr>
-          <a:xfrm flipV="1">
-            <a:off x="995664" y="1828694"/>
-            <a:ext cx="1626669" cy="1"/>
-          </a:xfrm>
-          <a:prstGeom prst="straightConnector1">
-            <a:avLst/>
-          </a:prstGeom>
-          <a:ln>
-            <a:tailEnd type="triangle"/>
-          </a:ln>
-        </p:spPr>
-        <p:style>
-          <a:lnRef idx="2">
-            <a:schemeClr val="accent1"/>
-          </a:lnRef>
-          <a:fillRef idx="0">
-            <a:schemeClr val="accent1"/>
-          </a:fillRef>
-          <a:effectRef idx="1">
-            <a:schemeClr val="accent1"/>
-          </a:effectRef>
-          <a:fontRef idx="minor">
-            <a:schemeClr val="tx1"/>
-          </a:fontRef>
-        </p:style>
-      </p:cxnSp>
-      <p:sp>
-        <p:nvSpPr>
-          <p:cNvPr id="18" name="TextBox 17">
-            <a:extLst>
-              <a:ext uri="{FF2B5EF4-FFF2-40B4-BE49-F238E27FC236}">
-                <a16:creationId xmlns:a16="http://schemas.microsoft.com/office/drawing/2014/main" id="{2F28EFA8-AD57-8B42-8772-70806E2F1A80}"/>
-              </a:ext>
-            </a:extLst>
-          </p:cNvPr>
-          <p:cNvSpPr txBox="1"/>
-          <p:nvPr/>
-        </p:nvSpPr>
-        <p:spPr>
-          <a:xfrm>
-            <a:off x="1187223" y="1301019"/>
-            <a:ext cx="1276619" cy="461665"/>
-          </a:xfrm>
-          <a:prstGeom prst="rect">
-            <a:avLst/>
-          </a:prstGeom>
-          <a:noFill/>
-        </p:spPr>
-        <p:txBody>
-          <a:bodyPr wrap="square" rtlCol="0">
-            <a:spAutoFit/>
-          </a:bodyPr>
-          <a:lstStyle/>
-          <a:p>
-            <a:r>
-              <a:rPr lang="en-US" sz="1200" dirty="0">
-                <a:solidFill>
-                  <a:srgbClr val="FF0000"/>
-                </a:solidFill>
-              </a:rPr>
-              <a:t>Give me 2 random Strings</a:t>
-            </a:r>
-          </a:p>
-        </p:txBody>
-      </p:sp>
-      <p:sp>
-        <p:nvSpPr>
-          <p:cNvPr id="19" name="Smiley Face 18">
-            <a:extLst>
-              <a:ext uri="{FF2B5EF4-FFF2-40B4-BE49-F238E27FC236}">
-                <a16:creationId xmlns:a16="http://schemas.microsoft.com/office/drawing/2014/main" id="{484E82B1-7AF5-F4A2-A855-40D2C3E465B0}"/>
-              </a:ext>
-            </a:extLst>
-          </p:cNvPr>
-          <p:cNvSpPr/>
-          <p:nvPr/>
-        </p:nvSpPr>
-        <p:spPr>
-          <a:xfrm>
-            <a:off x="215078" y="2622625"/>
-            <a:ext cx="780586" cy="725213"/>
-          </a:xfrm>
-          <a:prstGeom prst="smileyFace">
-            <a:avLst/>
-          </a:prstGeom>
-          <a:solidFill>
-            <a:schemeClr val="accent5">
-              <a:lumMod val="40000"/>
-              <a:lumOff val="60000"/>
-            </a:schemeClr>
-          </a:solidFill>
-        </p:spPr>
-        <p:style>
-          <a:lnRef idx="2">
-            <a:schemeClr val="accent1">
-              <a:shade val="15000"/>
-            </a:schemeClr>
-          </a:lnRef>
-          <a:fillRef idx="1">
-            <a:schemeClr val="accent1"/>
-          </a:fillRef>
-          <a:effectRef idx="0">
-            <a:schemeClr val="accent1"/>
-          </a:effectRef>
-          <a:fontRef idx="minor">
-            <a:schemeClr val="lt1"/>
-          </a:fontRef>
-        </p:style>
-        <p:txBody>
-          <a:bodyPr rtlCol="0" anchor="ctr"/>
-          <a:lstStyle/>
-          <a:p>
-            <a:pPr algn="ctr"/>
-            <a:endParaRPr lang="en-US"/>
-          </a:p>
-        </p:txBody>
-      </p:sp>
-      <p:sp>
-        <p:nvSpPr>
-          <p:cNvPr id="20" name="Rectangle 19">
-            <a:extLst>
-              <a:ext uri="{FF2B5EF4-FFF2-40B4-BE49-F238E27FC236}">
-                <a16:creationId xmlns:a16="http://schemas.microsoft.com/office/drawing/2014/main" id="{91D647B3-F8AB-45C3-9844-FD450E479D9E}"/>
-              </a:ext>
-            </a:extLst>
-          </p:cNvPr>
-          <p:cNvSpPr/>
-          <p:nvPr/>
-        </p:nvSpPr>
-        <p:spPr>
-          <a:xfrm>
-            <a:off x="2642839" y="936702"/>
-            <a:ext cx="1014761" cy="4210602"/>
-          </a:xfrm>
-          <a:prstGeom prst="rect">
-            <a:avLst/>
-          </a:prstGeom>
-        </p:spPr>
-        <p:style>
-          <a:lnRef idx="2">
-            <a:schemeClr val="accent1">
-              <a:shade val="15000"/>
-            </a:schemeClr>
-          </a:lnRef>
-          <a:fillRef idx="1">
-            <a:schemeClr val="accent1"/>
-          </a:fillRef>
-          <a:effectRef idx="0">
-            <a:schemeClr val="accent1"/>
-          </a:effectRef>
-          <a:fontRef idx="minor">
-            <a:schemeClr val="lt1"/>
-          </a:fontRef>
-        </p:style>
-        <p:txBody>
-          <a:bodyPr rtlCol="0" anchor="ctr"/>
-          <a:lstStyle/>
-          <a:p>
-            <a:pPr algn="ctr"/>
-            <a:r>
-              <a:rPr lang="en-US" dirty="0"/>
-              <a:t>Load</a:t>
-            </a:r>
-          </a:p>
-          <a:p>
-            <a:pPr algn="ctr"/>
-            <a:r>
-              <a:rPr lang="en-US" dirty="0"/>
-              <a:t>Balance</a:t>
-            </a:r>
-          </a:p>
-        </p:txBody>
-      </p:sp>
-      <p:cxnSp>
-        <p:nvCxnSpPr>
-          <p:cNvPr id="21" name="Straight Arrow Connector 20">
-            <a:extLst>
-              <a:ext uri="{FF2B5EF4-FFF2-40B4-BE49-F238E27FC236}">
-                <a16:creationId xmlns:a16="http://schemas.microsoft.com/office/drawing/2014/main" id="{F420C864-8725-DC2B-F1AC-DD53447A3D46}"/>
-              </a:ext>
-            </a:extLst>
-          </p:cNvPr>
-          <p:cNvCxnSpPr>
-            <a:stCxn id="19" idx="6"/>
-          </p:cNvCxnSpPr>
-          <p:nvPr/>
-        </p:nvCxnSpPr>
-        <p:spPr>
-          <a:xfrm flipV="1">
-            <a:off x="995664" y="2985231"/>
-            <a:ext cx="1622953" cy="1"/>
-          </a:xfrm>
-          <a:prstGeom prst="straightConnector1">
-            <a:avLst/>
-          </a:prstGeom>
-          <a:ln>
-            <a:tailEnd type="triangle"/>
-          </a:ln>
-        </p:spPr>
-        <p:style>
-          <a:lnRef idx="2">
-            <a:schemeClr val="accent1"/>
-          </a:lnRef>
-          <a:fillRef idx="0">
-            <a:schemeClr val="accent1"/>
-          </a:fillRef>
-          <a:effectRef idx="1">
-            <a:schemeClr val="accent1"/>
-          </a:effectRef>
-          <a:fontRef idx="minor">
-            <a:schemeClr val="tx1"/>
-          </a:fontRef>
-        </p:style>
-      </p:cxnSp>
-      <p:sp>
-        <p:nvSpPr>
-          <p:cNvPr id="22" name="Smiley Face 21">
-            <a:extLst>
-              <a:ext uri="{FF2B5EF4-FFF2-40B4-BE49-F238E27FC236}">
-                <a16:creationId xmlns:a16="http://schemas.microsoft.com/office/drawing/2014/main" id="{B616840A-722C-FDE5-02F5-90299AAFD4CD}"/>
-              </a:ext>
-            </a:extLst>
-          </p:cNvPr>
-          <p:cNvSpPr/>
-          <p:nvPr/>
-        </p:nvSpPr>
-        <p:spPr>
-          <a:xfrm>
-            <a:off x="243209" y="3822897"/>
-            <a:ext cx="780586" cy="725213"/>
-          </a:xfrm>
-          <a:prstGeom prst="smileyFace">
-            <a:avLst/>
-          </a:prstGeom>
-          <a:solidFill>
-            <a:schemeClr val="accent5">
-              <a:lumMod val="40000"/>
-              <a:lumOff val="60000"/>
-            </a:schemeClr>
-          </a:solidFill>
-        </p:spPr>
-        <p:style>
-          <a:lnRef idx="2">
-            <a:schemeClr val="accent1">
-              <a:shade val="15000"/>
-            </a:schemeClr>
-          </a:lnRef>
-          <a:fillRef idx="1">
-            <a:schemeClr val="accent1"/>
-          </a:fillRef>
-          <a:effectRef idx="0">
-            <a:schemeClr val="accent1"/>
-          </a:effectRef>
-          <a:fontRef idx="minor">
-            <a:schemeClr val="lt1"/>
-          </a:fontRef>
-        </p:style>
-        <p:txBody>
-          <a:bodyPr rtlCol="0" anchor="ctr"/>
-          <a:lstStyle/>
-          <a:p>
-            <a:pPr algn="ctr"/>
-            <a:endParaRPr lang="en-US"/>
-          </a:p>
-        </p:txBody>
-      </p:sp>
-      <p:cxnSp>
-        <p:nvCxnSpPr>
-          <p:cNvPr id="23" name="Straight Arrow Connector 22">
-            <a:extLst>
-              <a:ext uri="{FF2B5EF4-FFF2-40B4-BE49-F238E27FC236}">
-                <a16:creationId xmlns:a16="http://schemas.microsoft.com/office/drawing/2014/main" id="{4878E650-53F5-D419-9138-1649F0D976F5}"/>
-              </a:ext>
-            </a:extLst>
-          </p:cNvPr>
-          <p:cNvCxnSpPr>
-            <a:stCxn id="22" idx="6"/>
-          </p:cNvCxnSpPr>
-          <p:nvPr/>
-        </p:nvCxnSpPr>
-        <p:spPr>
-          <a:xfrm flipV="1">
-            <a:off x="1023795" y="4185503"/>
-            <a:ext cx="1622249" cy="1"/>
-          </a:xfrm>
-          <a:prstGeom prst="straightConnector1">
-            <a:avLst/>
-          </a:prstGeom>
-          <a:ln>
-            <a:tailEnd type="triangle"/>
-          </a:ln>
-        </p:spPr>
-        <p:style>
-          <a:lnRef idx="2">
-            <a:schemeClr val="accent1"/>
-          </a:lnRef>
-          <a:fillRef idx="0">
-            <a:schemeClr val="accent1"/>
-          </a:fillRef>
-          <a:effectRef idx="1">
-            <a:schemeClr val="accent1"/>
-          </a:effectRef>
-          <a:fontRef idx="minor">
-            <a:schemeClr val="tx1"/>
-          </a:fontRef>
-        </p:style>
-      </p:cxnSp>
-      <p:sp>
-        <p:nvSpPr>
-          <p:cNvPr id="24" name="TextBox 23">
-            <a:extLst>
-              <a:ext uri="{FF2B5EF4-FFF2-40B4-BE49-F238E27FC236}">
-                <a16:creationId xmlns:a16="http://schemas.microsoft.com/office/drawing/2014/main" id="{ACFC215E-0EB6-02D9-9DA8-E7DD80CB35C4}"/>
-              </a:ext>
-            </a:extLst>
-          </p:cNvPr>
-          <p:cNvSpPr txBox="1"/>
-          <p:nvPr/>
-        </p:nvSpPr>
-        <p:spPr>
-          <a:xfrm>
-            <a:off x="1200993" y="2469856"/>
-            <a:ext cx="1276619" cy="461665"/>
-          </a:xfrm>
-          <a:prstGeom prst="rect">
-            <a:avLst/>
-          </a:prstGeom>
-          <a:noFill/>
-        </p:spPr>
-        <p:txBody>
-          <a:bodyPr wrap="square" rtlCol="0">
-            <a:spAutoFit/>
-          </a:bodyPr>
-          <a:lstStyle/>
-          <a:p>
-            <a:r>
-              <a:rPr lang="en-US" sz="1200" dirty="0"/>
-              <a:t>Give me 3 random Strings</a:t>
-            </a:r>
-          </a:p>
-        </p:txBody>
-      </p:sp>
-      <p:sp>
-        <p:nvSpPr>
-          <p:cNvPr id="25" name="TextBox 24">
-            <a:extLst>
-              <a:ext uri="{FF2B5EF4-FFF2-40B4-BE49-F238E27FC236}">
-                <a16:creationId xmlns:a16="http://schemas.microsoft.com/office/drawing/2014/main" id="{925EBD67-B0CF-08A2-3FD3-D78CFF9A3B4C}"/>
-              </a:ext>
-            </a:extLst>
-          </p:cNvPr>
-          <p:cNvSpPr txBox="1"/>
-          <p:nvPr/>
-        </p:nvSpPr>
-        <p:spPr>
-          <a:xfrm>
-            <a:off x="1196609" y="3689076"/>
-            <a:ext cx="1276619" cy="461665"/>
-          </a:xfrm>
-          <a:prstGeom prst="rect">
-            <a:avLst/>
-          </a:prstGeom>
-          <a:noFill/>
-        </p:spPr>
-        <p:txBody>
-          <a:bodyPr wrap="square" rtlCol="0">
-            <a:spAutoFit/>
-          </a:bodyPr>
-          <a:lstStyle/>
-          <a:p>
-            <a:r>
-              <a:rPr lang="en-US" sz="1200" dirty="0"/>
-              <a:t>Give me 2 random Strings</a:t>
-            </a:r>
-          </a:p>
-        </p:txBody>
-      </p:sp>
-      <p:cxnSp>
-        <p:nvCxnSpPr>
-          <p:cNvPr id="26" name="Straight Arrow Connector 25">
-            <a:extLst>
-              <a:ext uri="{FF2B5EF4-FFF2-40B4-BE49-F238E27FC236}">
-                <a16:creationId xmlns:a16="http://schemas.microsoft.com/office/drawing/2014/main" id="{C4A459DC-9DB4-AA71-BCAE-F1FACBF0BB19}"/>
-              </a:ext>
-            </a:extLst>
-          </p:cNvPr>
-          <p:cNvCxnSpPr>
-            <a:stCxn id="20" idx="3"/>
-            <a:endCxn id="5" idx="1"/>
-          </p:cNvCxnSpPr>
-          <p:nvPr/>
-        </p:nvCxnSpPr>
-        <p:spPr>
-          <a:xfrm flipV="1">
-            <a:off x="3657600" y="2606391"/>
-            <a:ext cx="1321869" cy="435612"/>
-          </a:xfrm>
-          <a:prstGeom prst="straightConnector1">
-            <a:avLst/>
-          </a:prstGeom>
-          <a:ln>
-            <a:tailEnd type="triangle"/>
-          </a:ln>
-        </p:spPr>
-        <p:style>
-          <a:lnRef idx="2">
-            <a:schemeClr val="accent1"/>
-          </a:lnRef>
-          <a:fillRef idx="0">
-            <a:schemeClr val="accent1"/>
-          </a:fillRef>
-          <a:effectRef idx="1">
-            <a:schemeClr val="accent1"/>
-          </a:effectRef>
-          <a:fontRef idx="minor">
-            <a:schemeClr val="tx1"/>
-          </a:fontRef>
-        </p:style>
-      </p:cxnSp>
-      <p:cxnSp>
-        <p:nvCxnSpPr>
-          <p:cNvPr id="27" name="Straight Arrow Connector 26">
-            <a:extLst>
-              <a:ext uri="{FF2B5EF4-FFF2-40B4-BE49-F238E27FC236}">
-                <a16:creationId xmlns:a16="http://schemas.microsoft.com/office/drawing/2014/main" id="{4F1724F4-B3EA-20F5-00C9-0C843E14835C}"/>
-              </a:ext>
-            </a:extLst>
-          </p:cNvPr>
-          <p:cNvCxnSpPr>
-            <a:stCxn id="20" idx="3"/>
-            <a:endCxn id="6" idx="1"/>
-          </p:cNvCxnSpPr>
-          <p:nvPr/>
-        </p:nvCxnSpPr>
-        <p:spPr>
-          <a:xfrm flipV="1">
-            <a:off x="3657600" y="2790322"/>
-            <a:ext cx="1474269" cy="251681"/>
-          </a:xfrm>
-          <a:prstGeom prst="straightConnector1">
-            <a:avLst/>
-          </a:prstGeom>
-          <a:ln>
-            <a:tailEnd type="triangle"/>
-          </a:ln>
-        </p:spPr>
-        <p:style>
-          <a:lnRef idx="2">
-            <a:schemeClr val="accent1"/>
-          </a:lnRef>
-          <a:fillRef idx="0">
-            <a:schemeClr val="accent1"/>
-          </a:fillRef>
-          <a:effectRef idx="1">
-            <a:schemeClr val="accent1"/>
-          </a:effectRef>
-          <a:fontRef idx="minor">
-            <a:schemeClr val="tx1"/>
-          </a:fontRef>
-        </p:style>
-      </p:cxnSp>
-      <p:cxnSp>
-        <p:nvCxnSpPr>
-          <p:cNvPr id="28" name="Straight Arrow Connector 27">
-            <a:extLst>
-              <a:ext uri="{FF2B5EF4-FFF2-40B4-BE49-F238E27FC236}">
-                <a16:creationId xmlns:a16="http://schemas.microsoft.com/office/drawing/2014/main" id="{A7BAE102-5169-06E1-E33B-16D8D5284F6F}"/>
-              </a:ext>
-            </a:extLst>
-          </p:cNvPr>
-          <p:cNvCxnSpPr>
-            <a:stCxn id="20" idx="3"/>
-            <a:endCxn id="7" idx="1"/>
-          </p:cNvCxnSpPr>
-          <p:nvPr/>
-        </p:nvCxnSpPr>
-        <p:spPr>
-          <a:xfrm flipV="1">
-            <a:off x="3657600" y="2942722"/>
-            <a:ext cx="1626669" cy="99281"/>
-          </a:xfrm>
-          <a:prstGeom prst="straightConnector1">
-            <a:avLst/>
-          </a:prstGeom>
-          <a:ln>
-            <a:tailEnd type="triangle"/>
-          </a:ln>
-        </p:spPr>
-        <p:style>
-          <a:lnRef idx="2">
-            <a:schemeClr val="accent1"/>
-          </a:lnRef>
-          <a:fillRef idx="0">
-            <a:schemeClr val="accent1"/>
-          </a:fillRef>
-          <a:effectRef idx="1">
-            <a:schemeClr val="accent1"/>
-          </a:effectRef>
-          <a:fontRef idx="minor">
-            <a:schemeClr val="tx1"/>
-          </a:fontRef>
-        </p:style>
-      </p:cxnSp>
-      <p:cxnSp>
-        <p:nvCxnSpPr>
-          <p:cNvPr id="29" name="Straight Arrow Connector 28">
-            <a:extLst>
-              <a:ext uri="{FF2B5EF4-FFF2-40B4-BE49-F238E27FC236}">
-                <a16:creationId xmlns:a16="http://schemas.microsoft.com/office/drawing/2014/main" id="{A30C2113-29BF-ED00-4761-EA6051C6E421}"/>
-              </a:ext>
-            </a:extLst>
-          </p:cNvPr>
-          <p:cNvCxnSpPr>
-            <a:endCxn id="4" idx="2"/>
-          </p:cNvCxnSpPr>
-          <p:nvPr/>
-        </p:nvCxnSpPr>
-        <p:spPr>
-          <a:xfrm>
-            <a:off x="6408876" y="2065282"/>
-            <a:ext cx="2223276" cy="711651"/>
-          </a:xfrm>
-          <a:prstGeom prst="straightConnector1">
-            <a:avLst/>
-          </a:prstGeom>
-          <a:ln>
-            <a:headEnd type="triangle"/>
-            <a:tailEnd type="triangle"/>
-          </a:ln>
-        </p:spPr>
-        <p:style>
-          <a:lnRef idx="2">
-            <a:schemeClr val="accent1"/>
-          </a:lnRef>
-          <a:fillRef idx="0">
-            <a:schemeClr val="accent1"/>
-          </a:fillRef>
-          <a:effectRef idx="1">
-            <a:schemeClr val="accent1"/>
-          </a:effectRef>
-          <a:fontRef idx="minor">
-            <a:schemeClr val="tx1"/>
-          </a:fontRef>
-        </p:style>
-      </p:cxnSp>
-      <p:cxnSp>
-        <p:nvCxnSpPr>
-          <p:cNvPr id="30" name="Straight Arrow Connector 29">
-            <a:extLst>
-              <a:ext uri="{FF2B5EF4-FFF2-40B4-BE49-F238E27FC236}">
-                <a16:creationId xmlns:a16="http://schemas.microsoft.com/office/drawing/2014/main" id="{752FC9BF-1DFD-F8FD-AFDC-79A692097F7B}"/>
-              </a:ext>
-            </a:extLst>
-          </p:cNvPr>
-          <p:cNvCxnSpPr>
-            <a:endCxn id="4" idx="2"/>
-          </p:cNvCxnSpPr>
-          <p:nvPr/>
-        </p:nvCxnSpPr>
-        <p:spPr>
-          <a:xfrm>
-            <a:off x="6561276" y="2191301"/>
-            <a:ext cx="2070876" cy="585632"/>
-          </a:xfrm>
-          <a:prstGeom prst="straightConnector1">
-            <a:avLst/>
-          </a:prstGeom>
-          <a:ln>
-            <a:headEnd type="triangle"/>
-            <a:tailEnd type="triangle"/>
-          </a:ln>
-        </p:spPr>
-        <p:style>
-          <a:lnRef idx="2">
-            <a:schemeClr val="accent1"/>
-          </a:lnRef>
-          <a:fillRef idx="0">
-            <a:schemeClr val="accent1"/>
-          </a:fillRef>
-          <a:effectRef idx="1">
-            <a:schemeClr val="accent1"/>
-          </a:effectRef>
-          <a:fontRef idx="minor">
-            <a:schemeClr val="tx1"/>
-          </a:fontRef>
-        </p:style>
-      </p:cxnSp>
-      <p:cxnSp>
-        <p:nvCxnSpPr>
-          <p:cNvPr id="31" name="Straight Arrow Connector 30">
-            <a:extLst>
-              <a:ext uri="{FF2B5EF4-FFF2-40B4-BE49-F238E27FC236}">
-                <a16:creationId xmlns:a16="http://schemas.microsoft.com/office/drawing/2014/main" id="{CC3EB51C-4F6C-C6DC-EE46-4F17C89A332B}"/>
-              </a:ext>
-            </a:extLst>
-          </p:cNvPr>
-          <p:cNvCxnSpPr>
-            <a:endCxn id="4" idx="2"/>
-          </p:cNvCxnSpPr>
-          <p:nvPr/>
-        </p:nvCxnSpPr>
-        <p:spPr>
-          <a:xfrm>
-            <a:off x="6713676" y="2335750"/>
-            <a:ext cx="1918476" cy="441183"/>
-          </a:xfrm>
-          <a:prstGeom prst="straightConnector1">
-            <a:avLst/>
-          </a:prstGeom>
-          <a:ln>
-            <a:headEnd type="triangle"/>
-            <a:tailEnd type="triangle"/>
-          </a:ln>
-        </p:spPr>
-        <p:style>
-          <a:lnRef idx="2">
-            <a:schemeClr val="accent1"/>
-          </a:lnRef>
-          <a:fillRef idx="0">
-            <a:schemeClr val="accent1"/>
-          </a:fillRef>
-          <a:effectRef idx="1">
-            <a:schemeClr val="accent1"/>
-          </a:effectRef>
-          <a:fontRef idx="minor">
-            <a:schemeClr val="tx1"/>
-          </a:fontRef>
-        </p:style>
-      </p:cxnSp>
-      <p:sp>
-        <p:nvSpPr>
-          <p:cNvPr id="32" name="TextBox 31">
-            <a:extLst>
-              <a:ext uri="{FF2B5EF4-FFF2-40B4-BE49-F238E27FC236}">
-                <a16:creationId xmlns:a16="http://schemas.microsoft.com/office/drawing/2014/main" id="{A0184553-0FBC-EFC0-60BE-D6432217BE8A}"/>
-              </a:ext>
-            </a:extLst>
-          </p:cNvPr>
-          <p:cNvSpPr txBox="1"/>
-          <p:nvPr/>
-        </p:nvSpPr>
-        <p:spPr>
-          <a:xfrm>
-            <a:off x="3833166" y="195958"/>
-            <a:ext cx="6348264" cy="1169551"/>
-          </a:xfrm>
-          <a:prstGeom prst="rect">
-            <a:avLst/>
-          </a:prstGeom>
-          <a:noFill/>
-        </p:spPr>
-        <p:txBody>
-          <a:bodyPr wrap="square" rtlCol="0">
-            <a:spAutoFit/>
-          </a:bodyPr>
-          <a:lstStyle/>
-          <a:p>
-            <a:r>
-              <a:rPr lang="en-US" sz="1400" dirty="0"/>
-              <a:t>Two queries:</a:t>
-            </a:r>
-          </a:p>
-          <a:p>
-            <a:pPr marL="342900" indent="-342900">
-              <a:buFont typeface="+mj-lt"/>
-              <a:buAutoNum type="arabicPeriod"/>
-            </a:pPr>
-            <a:r>
-              <a:rPr lang="en-US" sz="1400" dirty="0"/>
-              <a:t>SELECT string FROM Strings WHERE used = FALSE FETCH FIRST 2 ROWS ONLY;</a:t>
-            </a:r>
-          </a:p>
-          <a:p>
-            <a:pPr marL="342900" indent="-342900">
-              <a:buFont typeface="+mj-lt"/>
-              <a:buAutoNum type="arabicPeriod"/>
-            </a:pPr>
-            <a:r>
-              <a:rPr lang="en-US" sz="1400" dirty="0"/>
-              <a:t>UPDATE  Strings SET used = TRUE WHERE string = “00cc11” OR string = “xx6411”</a:t>
-            </a:r>
-          </a:p>
-        </p:txBody>
-      </p:sp>
-      <p:sp>
-        <p:nvSpPr>
-          <p:cNvPr id="2" name="TextBox 1">
-            <a:extLst>
-              <a:ext uri="{FF2B5EF4-FFF2-40B4-BE49-F238E27FC236}">
-                <a16:creationId xmlns:a16="http://schemas.microsoft.com/office/drawing/2014/main" id="{991CC83A-FB71-0933-78A4-4FCBE4549486}"/>
-              </a:ext>
-            </a:extLst>
-          </p:cNvPr>
-          <p:cNvSpPr txBox="1"/>
-          <p:nvPr/>
-        </p:nvSpPr>
-        <p:spPr>
-          <a:xfrm>
-            <a:off x="338213" y="5427654"/>
-            <a:ext cx="9851933" cy="830997"/>
-          </a:xfrm>
-          <a:prstGeom prst="rect">
-            <a:avLst/>
-          </a:prstGeom>
-          <a:noFill/>
-        </p:spPr>
-        <p:txBody>
-          <a:bodyPr wrap="square" rtlCol="0">
-            <a:spAutoFit/>
-          </a:bodyPr>
-          <a:lstStyle/>
-          <a:p>
-            <a:pPr marL="285750" indent="-285750">
-              <a:buFont typeface="Arial" panose="020B0604020202020204" pitchFamily="34" charset="0"/>
-              <a:buChar char="•"/>
-            </a:pPr>
-            <a:r>
-              <a:rPr lang="en-IE" sz="1600" dirty="0">
+              <a:t>SOLUTIONS – OPTIONS AVAILABLE</a:t>
+            </a:r>
+          </a:p>
+          <a:p>
+            <a:endParaRPr lang="en-US" dirty="0">
+              <a:solidFill>
+                <a:srgbClr val="FF0000"/>
+              </a:solidFill>
+            </a:endParaRPr>
+          </a:p>
+          <a:p>
+            <a:r>
+              <a:rPr lang="en-IE" sz="1800" dirty="0">
                 <a:solidFill>
                   <a:srgbClr val="0C0D0E"/>
                 </a:solidFill>
                 <a:latin typeface="-apple-system"/>
               </a:rPr>
-              <a:t>If </a:t>
-            </a:r>
-            <a:r>
-              <a:rPr lang="en-IE" sz="1600" b="1" dirty="0">
+              <a:t>If using an </a:t>
+            </a:r>
+            <a:r>
+              <a:rPr lang="en-IE" sz="1800" b="1" dirty="0">
                 <a:solidFill>
                   <a:srgbClr val="0C0D0E"/>
                 </a:solidFill>
                 <a:latin typeface="-apple-system"/>
               </a:rPr>
-              <a:t>SQL DBs </a:t>
-            </a:r>
-            <a:r>
-              <a:rPr lang="en-IE" sz="1600" dirty="0">
+              <a:t>SQL DBs:</a:t>
+            </a:r>
+          </a:p>
+          <a:p>
+            <a:pPr marL="742950" lvl="1" indent="-285750">
+              <a:buFont typeface="Arial" panose="020B0604020202020204" pitchFamily="34" charset="0"/>
+              <a:buChar char="•"/>
+            </a:pPr>
+            <a:r>
+              <a:rPr lang="en-IE" b="1" dirty="0">
                 <a:solidFill>
                   <a:srgbClr val="0C0D0E"/>
                 </a:solidFill>
                 <a:latin typeface="-apple-system"/>
               </a:rPr>
-              <a:t>=&gt; Use </a:t>
-            </a:r>
-            <a:r>
-              <a:rPr lang="en-IE" sz="1600" b="1" dirty="0">
+              <a:t>Option 1: </a:t>
+            </a:r>
+            <a:r>
+              <a:rPr lang="en-IE" dirty="0">
                 <a:solidFill>
                   <a:srgbClr val="0C0D0E"/>
                 </a:solidFill>
                 <a:latin typeface="-apple-system"/>
               </a:rPr>
-              <a:t>locking mechanism of transactions =&gt; level of isolation needed is “Repeatable Read”.</a:t>
-            </a:r>
-            <a:endParaRPr lang="en-IE" sz="1600" dirty="0">
+              <a:t>Use </a:t>
+            </a:r>
+            <a:r>
+              <a:rPr lang="en-IE" b="1" dirty="0">
+                <a:solidFill>
+                  <a:srgbClr val="0C0D0E"/>
+                </a:solidFill>
+                <a:latin typeface="-apple-system"/>
+              </a:rPr>
+              <a:t>locking mechanism of transactions =&gt; level of isolation needed is “Repeatable Read” or “serializable” </a:t>
+            </a:r>
+            <a:r>
+              <a:rPr lang="en-IE" dirty="0">
+                <a:solidFill>
+                  <a:srgbClr val="0C0D0E"/>
+                </a:solidFill>
+                <a:latin typeface="-apple-system"/>
+              </a:rPr>
+              <a:t>=&gt; If a transaction is aborted </a:t>
+            </a:r>
+            <a:r>
+              <a:rPr lang="en-IE" b="0" i="0" dirty="0">
+                <a:solidFill>
+                  <a:srgbClr val="0C0D0E"/>
+                </a:solidFill>
+                <a:effectLst/>
+                <a:latin typeface="inherit"/>
+              </a:rPr>
+              <a:t>due to reasons beyond your control, your application must be prepared to start all over again, from the BEGIN WORK, i.e. </a:t>
+            </a:r>
+            <a:r>
+              <a:rPr lang="en-IE" b="1" i="0" dirty="0">
+                <a:solidFill>
+                  <a:srgbClr val="0C0D0E"/>
+                </a:solidFill>
+                <a:effectLst/>
+                <a:latin typeface="inherit"/>
+              </a:rPr>
+              <a:t>a re-try logic must be implemented </a:t>
+            </a:r>
+            <a:r>
+              <a:rPr lang="en-IE" b="0" i="0" dirty="0">
+                <a:solidFill>
+                  <a:srgbClr val="0C0D0E"/>
+                </a:solidFill>
+                <a:effectLst/>
+                <a:latin typeface="inherit"/>
+              </a:rPr>
+              <a:t>to handle the transactions that fail.</a:t>
+            </a:r>
+            <a:endParaRPr lang="en-IE" dirty="0">
               <a:solidFill>
                 <a:srgbClr val="0C0D0E"/>
               </a:solidFill>
@@ -13232,104 +11973,260 @@
             </a:endParaRPr>
           </a:p>
           <a:p>
-            <a:pPr marL="285750" indent="-285750">
+            <a:pPr marL="742950" lvl="1" indent="-285750">
               <a:buFont typeface="Arial" panose="020B0604020202020204" pitchFamily="34" charset="0"/>
               <a:buChar char="•"/>
             </a:pPr>
             <a:r>
-              <a:rPr lang="en-IE" sz="1600" dirty="0">
+              <a:rPr lang="en-IE" b="1" dirty="0">
                 <a:solidFill>
                   <a:srgbClr val="0C0D0E"/>
                 </a:solidFill>
                 <a:latin typeface="-apple-system"/>
               </a:rPr>
-              <a:t>If </a:t>
-            </a:r>
-            <a:r>
-              <a:rPr lang="en-IE" sz="1600" b="1" dirty="0">
+              <a:t>Option 2: </a:t>
+            </a:r>
+            <a:r>
+              <a:rPr lang="en-IE" dirty="0">
                 <a:solidFill>
                   <a:srgbClr val="0C0D0E"/>
                 </a:solidFill>
                 <a:latin typeface="-apple-system"/>
               </a:rPr>
-              <a:t>NoSQL DBs </a:t>
-            </a:r>
-            <a:r>
-              <a:rPr lang="en-IE" sz="1600" dirty="0">
+              <a:t>Use Optimistic Logic =&gt; </a:t>
+            </a:r>
+            <a:r>
+              <a:rPr lang="en-IE" b="1" dirty="0">
                 <a:solidFill>
                   <a:srgbClr val="0C0D0E"/>
                 </a:solidFill>
                 <a:latin typeface="-apple-system"/>
               </a:rPr>
-              <a:t>=&gt; Use </a:t>
-            </a:r>
-            <a:r>
-              <a:rPr lang="en-IE" sz="1600" b="1" dirty="0">
+              <a:t>Add a “version” or a “timestamp” column </a:t>
+            </a:r>
+            <a:r>
+              <a:rPr lang="en-IE" dirty="0">
                 <a:solidFill>
                   <a:srgbClr val="0C0D0E"/>
                 </a:solidFill>
                 <a:latin typeface="-apple-system"/>
               </a:rPr>
-              <a:t>versioning</a:t>
-            </a:r>
-            <a:r>
-              <a:rPr lang="en-IE" sz="1600" dirty="0">
+              <a:t>in the database </a:t>
+            </a:r>
+            <a:r>
+              <a:rPr lang="en-IE" dirty="0">
+                <a:solidFill>
+                  <a:srgbClr val="1F1F1F"/>
+                </a:solidFill>
+                <a:latin typeface="Google Sans"/>
+              </a:rPr>
+              <a:t>=&gt; </a:t>
+            </a:r>
+            <a:r>
+              <a:rPr lang="en-IE" b="1" dirty="0">
+                <a:solidFill>
+                  <a:srgbClr val="1F1F1F"/>
+                </a:solidFill>
+                <a:latin typeface="Google Sans"/>
+              </a:rPr>
+              <a:t>a re-try logic must be implemented </a:t>
+            </a:r>
+            <a:r>
+              <a:rPr lang="en-IE" dirty="0">
+                <a:solidFill>
+                  <a:srgbClr val="1F1F1F"/>
+                </a:solidFill>
+                <a:latin typeface="Google Sans"/>
+              </a:rPr>
+              <a:t>to handle cases where the SQL query fails to make the update because the document was already modified by another process.</a:t>
+            </a:r>
+            <a:endParaRPr lang="en-IE" dirty="0">
+              <a:solidFill>
+                <a:srgbClr val="0C0D0E"/>
+              </a:solidFill>
+              <a:latin typeface="-apple-system"/>
+            </a:endParaRPr>
+          </a:p>
+          <a:p>
+            <a:pPr marL="742950" lvl="1" indent="-285750">
+              <a:buFont typeface="Arial" panose="020B0604020202020204" pitchFamily="34" charset="0"/>
+              <a:buChar char="•"/>
+            </a:pPr>
+            <a:r>
+              <a:rPr lang="en-IE" b="1" dirty="0">
                 <a:solidFill>
                   <a:srgbClr val="0C0D0E"/>
                 </a:solidFill>
                 <a:latin typeface="-apple-system"/>
               </a:rPr>
-              <a:t>. NoSQL DBs usually DO NOT use locking. </a:t>
-            </a:r>
-            <a:r>
-              <a:rPr lang="en-IE" sz="1600" b="0" i="0" dirty="0">
+              <a:t>Option 3: </a:t>
+            </a:r>
+            <a:r>
+              <a:rPr lang="en-IE" dirty="0">
                 <a:solidFill>
                   <a:srgbClr val="1F1F1F"/>
                 </a:solidFill>
-                <a:effectLst/>
                 <a:latin typeface="Google Sans"/>
               </a:rPr>
-              <a:t>They allow concurrent operations to proceed without locking or blocking, but check for conflicts at the end of each operation.</a:t>
-            </a:r>
-            <a:endParaRPr lang="en-US" sz="1600" dirty="0"/>
-          </a:p>
-        </p:txBody>
-      </p:sp>
-      <p:sp>
-        <p:nvSpPr>
-          <p:cNvPr id="3" name="TextBox 2">
-            <a:extLst>
-              <a:ext uri="{FF2B5EF4-FFF2-40B4-BE49-F238E27FC236}">
-                <a16:creationId xmlns:a16="http://schemas.microsoft.com/office/drawing/2014/main" id="{F7331679-87C6-563F-5C82-9C34718C640F}"/>
-              </a:ext>
-            </a:extLst>
-          </p:cNvPr>
-          <p:cNvSpPr txBox="1"/>
-          <p:nvPr/>
-        </p:nvSpPr>
-        <p:spPr>
-          <a:xfrm>
-            <a:off x="285661" y="219296"/>
-            <a:ext cx="2983055" cy="369332"/>
-          </a:xfrm>
-          <a:prstGeom prst="rect">
-            <a:avLst/>
-          </a:prstGeom>
-          <a:noFill/>
-        </p:spPr>
-        <p:txBody>
-          <a:bodyPr wrap="square" rtlCol="0">
-            <a:spAutoFit/>
-          </a:bodyPr>
-          <a:lstStyle/>
-          <a:p>
-            <a:r>
-              <a:rPr lang="en-US" dirty="0">
+              <a:t>Build an </a:t>
+            </a:r>
+            <a:r>
+              <a:rPr lang="en-IE" b="1" dirty="0">
                 <a:solidFill>
-                  <a:srgbClr val="FF0000"/>
+                  <a:srgbClr val="1F1F1F"/>
                 </a:solidFill>
-              </a:rPr>
-              <a:t>SOLUTION – OPTION 1</a:t>
+                <a:latin typeface="Google Sans"/>
+              </a:rPr>
+              <a:t>SQL query ad-hoc</a:t>
+            </a:r>
+            <a:r>
+              <a:rPr lang="en-IE" dirty="0">
+                <a:solidFill>
+                  <a:srgbClr val="1F1F1F"/>
+                </a:solidFill>
+                <a:latin typeface="Google Sans"/>
+              </a:rPr>
+              <a:t> might avoid using locking mechanisms =&gt; </a:t>
+            </a:r>
+            <a:r>
+              <a:rPr lang="en-IE" b="1" dirty="0">
+                <a:solidFill>
+                  <a:srgbClr val="1F1F1F"/>
+                </a:solidFill>
+                <a:latin typeface="Google Sans"/>
+              </a:rPr>
+              <a:t>a re-try logic must be implemented</a:t>
+            </a:r>
+            <a:r>
+              <a:rPr lang="en-IE" dirty="0">
+                <a:solidFill>
+                  <a:srgbClr val="1F1F1F"/>
+                </a:solidFill>
+                <a:latin typeface="Google Sans"/>
+              </a:rPr>
+              <a:t> to handle cases where the SQL query fails.</a:t>
+            </a:r>
+            <a:endParaRPr lang="en-IE" b="1" dirty="0">
+              <a:solidFill>
+                <a:srgbClr val="0C0D0E"/>
+              </a:solidFill>
+              <a:latin typeface="-apple-system"/>
+            </a:endParaRPr>
+          </a:p>
+          <a:p>
+            <a:endParaRPr lang="en-IE" sz="1800" dirty="0">
+              <a:solidFill>
+                <a:srgbClr val="0C0D0E"/>
+              </a:solidFill>
+              <a:latin typeface="-apple-system"/>
+            </a:endParaRPr>
+          </a:p>
+          <a:p>
+            <a:r>
+              <a:rPr lang="en-IE" sz="1800" dirty="0">
+                <a:solidFill>
+                  <a:srgbClr val="0C0D0E"/>
+                </a:solidFill>
+                <a:latin typeface="-apple-system"/>
+              </a:rPr>
+              <a:t>If using </a:t>
+            </a:r>
+            <a:r>
+              <a:rPr lang="en-IE" sz="1800" b="1" dirty="0">
+                <a:solidFill>
+                  <a:srgbClr val="0C0D0E"/>
+                </a:solidFill>
+                <a:latin typeface="-apple-system"/>
+              </a:rPr>
+              <a:t>NoSQL DBs:</a:t>
+            </a:r>
+          </a:p>
+          <a:p>
+            <a:pPr marL="742950" lvl="1" indent="-285750">
+              <a:buFont typeface="Arial" panose="020B0604020202020204" pitchFamily="34" charset="0"/>
+              <a:buChar char="•"/>
+            </a:pPr>
+            <a:r>
+              <a:rPr lang="en-IE" b="1" dirty="0">
+                <a:solidFill>
+                  <a:srgbClr val="0C0D0E"/>
+                </a:solidFill>
+                <a:latin typeface="-apple-system"/>
+              </a:rPr>
+              <a:t>Option 1: </a:t>
+            </a:r>
+            <a:r>
+              <a:rPr lang="en-IE" dirty="0">
+                <a:solidFill>
+                  <a:srgbClr val="0C0D0E"/>
+                </a:solidFill>
+                <a:latin typeface="-apple-system"/>
+              </a:rPr>
+              <a:t>Use </a:t>
+            </a:r>
+            <a:r>
+              <a:rPr lang="en-IE" b="1" dirty="0">
+                <a:solidFill>
+                  <a:srgbClr val="0C0D0E"/>
+                </a:solidFill>
+                <a:latin typeface="-apple-system"/>
+              </a:rPr>
+              <a:t>versioning</a:t>
+            </a:r>
+            <a:r>
+              <a:rPr lang="en-IE" dirty="0">
+                <a:solidFill>
+                  <a:srgbClr val="0C0D0E"/>
+                </a:solidFill>
+                <a:latin typeface="-apple-system"/>
+              </a:rPr>
+              <a:t>. NoSQL DBs usually DO NOT use locking mechanisms. </a:t>
+            </a:r>
+            <a:r>
+              <a:rPr lang="en-IE" b="0" i="0" dirty="0">
+                <a:solidFill>
+                  <a:srgbClr val="1F1F1F"/>
+                </a:solidFill>
+                <a:effectLst/>
+                <a:latin typeface="Google Sans"/>
+              </a:rPr>
+              <a:t>They allow concurrent operations to proceed without locking or blocking, but check for conflicts at the end of each operation =&gt; </a:t>
+            </a:r>
+            <a:r>
+              <a:rPr lang="en-IE" b="1" dirty="0">
+                <a:solidFill>
+                  <a:srgbClr val="1F1F1F"/>
+                </a:solidFill>
+                <a:latin typeface="Google Sans"/>
+              </a:rPr>
+              <a:t>If conflict arises</a:t>
+            </a:r>
+            <a:r>
+              <a:rPr lang="en-IE" dirty="0">
+                <a:solidFill>
+                  <a:srgbClr val="1F1F1F"/>
+                </a:solidFill>
+                <a:latin typeface="Google Sans"/>
+              </a:rPr>
+              <a:t> (and 409 is returned), </a:t>
+            </a:r>
+            <a:r>
+              <a:rPr lang="en-IE" b="1" dirty="0">
+                <a:solidFill>
+                  <a:srgbClr val="1F1F1F"/>
+                </a:solidFill>
+                <a:latin typeface="Google Sans"/>
+              </a:rPr>
+              <a:t>you must implement a re-try logic </a:t>
+            </a:r>
+            <a:r>
+              <a:rPr lang="en-IE" dirty="0">
+                <a:solidFill>
+                  <a:srgbClr val="1F1F1F"/>
+                </a:solidFill>
+                <a:latin typeface="Google Sans"/>
+              </a:rPr>
+              <a:t>to fetch again the list of Strings (i.e. SELECT/READ the documents that satisfy the initial condition) and then apply the UPDATE/WRITE.</a:t>
             </a:r>
           </a:p>
         </p:txBody>
@@ -13337,7 +12234,7 @@
     </p:spTree>
     <p:extLst>
       <p:ext uri="{BB962C8B-B14F-4D97-AF65-F5344CB8AC3E}">
-        <p14:creationId xmlns:p14="http://schemas.microsoft.com/office/powerpoint/2010/main" val="3592899797"/>
+        <p14:creationId xmlns:p14="http://schemas.microsoft.com/office/powerpoint/2010/main" val="1840832416"/>
       </p:ext>
     </p:extLst>
   </p:cSld>
@@ -13909,6 +12806,3402 @@
         <p:cNvPr id="1" name="">
           <a:extLst>
             <a:ext uri="{FF2B5EF4-FFF2-40B4-BE49-F238E27FC236}">
+              <a16:creationId xmlns:a16="http://schemas.microsoft.com/office/drawing/2014/main" id="{A9AC321E-EE35-349A-EFA8-EAEBF17CA905}"/>
+            </a:ext>
+          </a:extLst>
+        </p:cNvPr>
+        <p:cNvGrpSpPr/>
+        <p:nvPr/>
+      </p:nvGrpSpPr>
+      <p:grpSpPr>
+        <a:xfrm>
+          <a:off x="0" y="0"/>
+          <a:ext cx="0" cy="0"/>
+          <a:chOff x="0" y="0"/>
+          <a:chExt cx="0" cy="0"/>
+        </a:xfrm>
+      </p:grpSpPr>
+      <p:sp>
+        <p:nvSpPr>
+          <p:cNvPr id="4" name="Can 3">
+            <a:extLst>
+              <a:ext uri="{FF2B5EF4-FFF2-40B4-BE49-F238E27FC236}">
+                <a16:creationId xmlns:a16="http://schemas.microsoft.com/office/drawing/2014/main" id="{FF25F29D-1803-DBAE-1ACE-82B1BFCCEA9D}"/>
+              </a:ext>
+            </a:extLst>
+          </p:cNvPr>
+          <p:cNvSpPr/>
+          <p:nvPr/>
+        </p:nvSpPr>
+        <p:spPr>
+          <a:xfrm>
+            <a:off x="8632152" y="1762684"/>
+            <a:ext cx="1198180" cy="2028497"/>
+          </a:xfrm>
+          <a:prstGeom prst="can">
+            <a:avLst/>
+          </a:prstGeom>
+        </p:spPr>
+        <p:style>
+          <a:lnRef idx="2">
+            <a:schemeClr val="accent1">
+              <a:shade val="15000"/>
+            </a:schemeClr>
+          </a:lnRef>
+          <a:fillRef idx="1">
+            <a:schemeClr val="accent1"/>
+          </a:fillRef>
+          <a:effectRef idx="0">
+            <a:schemeClr val="accent1"/>
+          </a:effectRef>
+          <a:fontRef idx="minor">
+            <a:schemeClr val="lt1"/>
+          </a:fontRef>
+        </p:style>
+        <p:txBody>
+          <a:bodyPr rtlCol="0" anchor="ctr"/>
+          <a:lstStyle/>
+          <a:p>
+            <a:pPr algn="ctr"/>
+            <a:r>
+              <a:rPr lang="en-US" dirty="0"/>
+              <a:t>Strings</a:t>
+            </a:r>
+          </a:p>
+          <a:p>
+            <a:pPr algn="ctr"/>
+            <a:r>
+              <a:rPr lang="en-US" dirty="0"/>
+              <a:t>DB</a:t>
+            </a:r>
+          </a:p>
+        </p:txBody>
+      </p:sp>
+      <p:sp>
+        <p:nvSpPr>
+          <p:cNvPr id="5" name="Rectangle 4">
+            <a:extLst>
+              <a:ext uri="{FF2B5EF4-FFF2-40B4-BE49-F238E27FC236}">
+                <a16:creationId xmlns:a16="http://schemas.microsoft.com/office/drawing/2014/main" id="{58528C48-4B4C-01DD-CBED-B854BF501B95}"/>
+              </a:ext>
+            </a:extLst>
+          </p:cNvPr>
+          <p:cNvSpPr/>
+          <p:nvPr/>
+        </p:nvSpPr>
+        <p:spPr>
+          <a:xfrm>
+            <a:off x="4979469" y="1999419"/>
+            <a:ext cx="1429407" cy="1213944"/>
+          </a:xfrm>
+          <a:prstGeom prst="rect">
+            <a:avLst/>
+          </a:prstGeom>
+          <a:solidFill>
+            <a:schemeClr val="accent6">
+              <a:lumMod val="60000"/>
+              <a:lumOff val="40000"/>
+            </a:schemeClr>
+          </a:solidFill>
+        </p:spPr>
+        <p:style>
+          <a:lnRef idx="2">
+            <a:schemeClr val="accent1">
+              <a:shade val="15000"/>
+            </a:schemeClr>
+          </a:lnRef>
+          <a:fillRef idx="1">
+            <a:schemeClr val="accent1"/>
+          </a:fillRef>
+          <a:effectRef idx="0">
+            <a:schemeClr val="accent1"/>
+          </a:effectRef>
+          <a:fontRef idx="minor">
+            <a:schemeClr val="lt1"/>
+          </a:fontRef>
+        </p:style>
+        <p:txBody>
+          <a:bodyPr rtlCol="0" anchor="ctr"/>
+          <a:lstStyle/>
+          <a:p>
+            <a:pPr algn="ctr"/>
+            <a:endParaRPr lang="en-US"/>
+          </a:p>
+        </p:txBody>
+      </p:sp>
+      <p:sp>
+        <p:nvSpPr>
+          <p:cNvPr id="6" name="Rectangle 5">
+            <a:extLst>
+              <a:ext uri="{FF2B5EF4-FFF2-40B4-BE49-F238E27FC236}">
+                <a16:creationId xmlns:a16="http://schemas.microsoft.com/office/drawing/2014/main" id="{2387D9FD-6AEC-3F3A-B46A-66E7A83EAC0F}"/>
+              </a:ext>
+            </a:extLst>
+          </p:cNvPr>
+          <p:cNvSpPr/>
+          <p:nvPr/>
+        </p:nvSpPr>
+        <p:spPr>
+          <a:xfrm>
+            <a:off x="5131869" y="2183350"/>
+            <a:ext cx="1429407" cy="1213944"/>
+          </a:xfrm>
+          <a:prstGeom prst="rect">
+            <a:avLst/>
+          </a:prstGeom>
+          <a:solidFill>
+            <a:schemeClr val="accent6">
+              <a:lumMod val="60000"/>
+              <a:lumOff val="40000"/>
+            </a:schemeClr>
+          </a:solidFill>
+        </p:spPr>
+        <p:style>
+          <a:lnRef idx="2">
+            <a:schemeClr val="accent1">
+              <a:shade val="15000"/>
+            </a:schemeClr>
+          </a:lnRef>
+          <a:fillRef idx="1">
+            <a:schemeClr val="accent1"/>
+          </a:fillRef>
+          <a:effectRef idx="0">
+            <a:schemeClr val="accent1"/>
+          </a:effectRef>
+          <a:fontRef idx="minor">
+            <a:schemeClr val="lt1"/>
+          </a:fontRef>
+        </p:style>
+        <p:txBody>
+          <a:bodyPr rtlCol="0" anchor="ctr"/>
+          <a:lstStyle/>
+          <a:p>
+            <a:pPr algn="ctr"/>
+            <a:endParaRPr lang="en-US"/>
+          </a:p>
+        </p:txBody>
+      </p:sp>
+      <p:sp>
+        <p:nvSpPr>
+          <p:cNvPr id="7" name="Rectangle 6">
+            <a:extLst>
+              <a:ext uri="{FF2B5EF4-FFF2-40B4-BE49-F238E27FC236}">
+                <a16:creationId xmlns:a16="http://schemas.microsoft.com/office/drawing/2014/main" id="{356B5A5C-BB11-4609-2D36-A600537F64F3}"/>
+              </a:ext>
+            </a:extLst>
+          </p:cNvPr>
+          <p:cNvSpPr/>
+          <p:nvPr/>
+        </p:nvSpPr>
+        <p:spPr>
+          <a:xfrm>
+            <a:off x="5284269" y="2335750"/>
+            <a:ext cx="1429407" cy="1213944"/>
+          </a:xfrm>
+          <a:prstGeom prst="rect">
+            <a:avLst/>
+          </a:prstGeom>
+          <a:solidFill>
+            <a:schemeClr val="accent6">
+              <a:lumMod val="60000"/>
+              <a:lumOff val="40000"/>
+            </a:schemeClr>
+          </a:solidFill>
+        </p:spPr>
+        <p:style>
+          <a:lnRef idx="2">
+            <a:schemeClr val="accent1">
+              <a:shade val="15000"/>
+            </a:schemeClr>
+          </a:lnRef>
+          <a:fillRef idx="1">
+            <a:schemeClr val="accent1"/>
+          </a:fillRef>
+          <a:effectRef idx="0">
+            <a:schemeClr val="accent1"/>
+          </a:effectRef>
+          <a:fontRef idx="minor">
+            <a:schemeClr val="lt1"/>
+          </a:fontRef>
+        </p:style>
+        <p:txBody>
+          <a:bodyPr rtlCol="0" anchor="ctr"/>
+          <a:lstStyle/>
+          <a:p>
+            <a:pPr algn="ctr"/>
+            <a:endParaRPr lang="en-US"/>
+          </a:p>
+        </p:txBody>
+      </p:sp>
+      <p:sp>
+        <p:nvSpPr>
+          <p:cNvPr id="8" name="Rectangle 7">
+            <a:extLst>
+              <a:ext uri="{FF2B5EF4-FFF2-40B4-BE49-F238E27FC236}">
+                <a16:creationId xmlns:a16="http://schemas.microsoft.com/office/drawing/2014/main" id="{76239F8E-3894-60BC-7154-E71B0AAA6294}"/>
+              </a:ext>
+            </a:extLst>
+          </p:cNvPr>
+          <p:cNvSpPr/>
+          <p:nvPr/>
+        </p:nvSpPr>
+        <p:spPr>
+          <a:xfrm>
+            <a:off x="5436669" y="2488150"/>
+            <a:ext cx="1429407" cy="1213944"/>
+          </a:xfrm>
+          <a:prstGeom prst="rect">
+            <a:avLst/>
+          </a:prstGeom>
+          <a:solidFill>
+            <a:schemeClr val="accent6">
+              <a:lumMod val="60000"/>
+              <a:lumOff val="40000"/>
+            </a:schemeClr>
+          </a:solidFill>
+        </p:spPr>
+        <p:style>
+          <a:lnRef idx="2">
+            <a:schemeClr val="accent1">
+              <a:shade val="15000"/>
+            </a:schemeClr>
+          </a:lnRef>
+          <a:fillRef idx="1">
+            <a:schemeClr val="accent1"/>
+          </a:fillRef>
+          <a:effectRef idx="0">
+            <a:schemeClr val="accent1"/>
+          </a:effectRef>
+          <a:fontRef idx="minor">
+            <a:schemeClr val="lt1"/>
+          </a:fontRef>
+        </p:style>
+        <p:txBody>
+          <a:bodyPr rtlCol="0" anchor="ctr"/>
+          <a:lstStyle/>
+          <a:p>
+            <a:pPr algn="ctr"/>
+            <a:r>
+              <a:rPr lang="en-US" dirty="0"/>
+              <a:t>Server</a:t>
+            </a:r>
+          </a:p>
+        </p:txBody>
+      </p:sp>
+      <p:sp>
+        <p:nvSpPr>
+          <p:cNvPr id="9" name="TextBox 8">
+            <a:extLst>
+              <a:ext uri="{FF2B5EF4-FFF2-40B4-BE49-F238E27FC236}">
+                <a16:creationId xmlns:a16="http://schemas.microsoft.com/office/drawing/2014/main" id="{BCEACE6B-8596-DCAB-A684-F036ECE75C9A}"/>
+              </a:ext>
+            </a:extLst>
+          </p:cNvPr>
+          <p:cNvSpPr txBox="1"/>
+          <p:nvPr/>
+        </p:nvSpPr>
+        <p:spPr>
+          <a:xfrm>
+            <a:off x="10101212" y="434897"/>
+            <a:ext cx="1998752" cy="646331"/>
+          </a:xfrm>
+          <a:prstGeom prst="rect">
+            <a:avLst/>
+          </a:prstGeom>
+          <a:noFill/>
+        </p:spPr>
+        <p:txBody>
+          <a:bodyPr wrap="square" rtlCol="0">
+            <a:spAutoFit/>
+          </a:bodyPr>
+          <a:lstStyle/>
+          <a:p>
+            <a:r>
+              <a:rPr lang="en-US" dirty="0">
+                <a:solidFill>
+                  <a:srgbClr val="FF0000"/>
+                </a:solidFill>
+              </a:rPr>
+              <a:t>{ string: “00cc11”,</a:t>
+            </a:r>
+          </a:p>
+          <a:p>
+            <a:r>
+              <a:rPr lang="en-US" dirty="0">
+                <a:solidFill>
+                  <a:srgbClr val="FF0000"/>
+                </a:solidFill>
+              </a:rPr>
+              <a:t>  “used”: “true” }</a:t>
+            </a:r>
+          </a:p>
+        </p:txBody>
+      </p:sp>
+      <p:sp>
+        <p:nvSpPr>
+          <p:cNvPr id="10" name="TextBox 9">
+            <a:extLst>
+              <a:ext uri="{FF2B5EF4-FFF2-40B4-BE49-F238E27FC236}">
+                <a16:creationId xmlns:a16="http://schemas.microsoft.com/office/drawing/2014/main" id="{8BB3BF6C-4DF3-7C31-C008-241CE0BABDAF}"/>
+              </a:ext>
+            </a:extLst>
+          </p:cNvPr>
+          <p:cNvSpPr txBox="1"/>
+          <p:nvPr/>
+        </p:nvSpPr>
+        <p:spPr>
+          <a:xfrm>
+            <a:off x="10101212" y="1253385"/>
+            <a:ext cx="1894045" cy="646331"/>
+          </a:xfrm>
+          <a:prstGeom prst="rect">
+            <a:avLst/>
+          </a:prstGeom>
+          <a:noFill/>
+        </p:spPr>
+        <p:txBody>
+          <a:bodyPr wrap="square" rtlCol="0">
+            <a:spAutoFit/>
+          </a:bodyPr>
+          <a:lstStyle/>
+          <a:p>
+            <a:r>
+              <a:rPr lang="en-US" dirty="0">
+                <a:solidFill>
+                  <a:srgbClr val="FF0000"/>
+                </a:solidFill>
+              </a:rPr>
+              <a:t>{ string: “xx6411”,</a:t>
+            </a:r>
+          </a:p>
+          <a:p>
+            <a:r>
+              <a:rPr lang="en-US" dirty="0">
+                <a:solidFill>
+                  <a:srgbClr val="FF0000"/>
+                </a:solidFill>
+              </a:rPr>
+              <a:t>  “used”: “true” }</a:t>
+            </a:r>
+          </a:p>
+        </p:txBody>
+      </p:sp>
+      <p:sp>
+        <p:nvSpPr>
+          <p:cNvPr id="11" name="TextBox 10">
+            <a:extLst>
+              <a:ext uri="{FF2B5EF4-FFF2-40B4-BE49-F238E27FC236}">
+                <a16:creationId xmlns:a16="http://schemas.microsoft.com/office/drawing/2014/main" id="{E51FA8D1-05F3-CAE4-BB09-0BB4F09B4ED3}"/>
+              </a:ext>
+            </a:extLst>
+          </p:cNvPr>
+          <p:cNvSpPr txBox="1"/>
+          <p:nvPr/>
+        </p:nvSpPr>
+        <p:spPr>
+          <a:xfrm>
+            <a:off x="10101211" y="2065282"/>
+            <a:ext cx="1949060" cy="646331"/>
+          </a:xfrm>
+          <a:prstGeom prst="rect">
+            <a:avLst/>
+          </a:prstGeom>
+          <a:noFill/>
+        </p:spPr>
+        <p:txBody>
+          <a:bodyPr wrap="square" rtlCol="0">
+            <a:spAutoFit/>
+          </a:bodyPr>
+          <a:lstStyle/>
+          <a:p>
+            <a:r>
+              <a:rPr lang="en-US" dirty="0"/>
+              <a:t>{ string: “74d412”,</a:t>
+            </a:r>
+          </a:p>
+          <a:p>
+            <a:r>
+              <a:rPr lang="en-US" dirty="0"/>
+              <a:t>  “used”: “false” }</a:t>
+            </a:r>
+          </a:p>
+        </p:txBody>
+      </p:sp>
+      <p:sp>
+        <p:nvSpPr>
+          <p:cNvPr id="12" name="TextBox 11">
+            <a:extLst>
+              <a:ext uri="{FF2B5EF4-FFF2-40B4-BE49-F238E27FC236}">
+                <a16:creationId xmlns:a16="http://schemas.microsoft.com/office/drawing/2014/main" id="{E73FD72A-E6CC-DEBC-2D1D-301BAA5F8CB5}"/>
+              </a:ext>
+            </a:extLst>
+          </p:cNvPr>
+          <p:cNvSpPr txBox="1"/>
+          <p:nvPr/>
+        </p:nvSpPr>
+        <p:spPr>
+          <a:xfrm>
+            <a:off x="10126058" y="2877179"/>
+            <a:ext cx="1894558" cy="646331"/>
+          </a:xfrm>
+          <a:prstGeom prst="rect">
+            <a:avLst/>
+          </a:prstGeom>
+          <a:noFill/>
+        </p:spPr>
+        <p:txBody>
+          <a:bodyPr wrap="square" rtlCol="0">
+            <a:spAutoFit/>
+          </a:bodyPr>
+          <a:lstStyle/>
+          <a:p>
+            <a:r>
+              <a:rPr lang="en-US" dirty="0"/>
+              <a:t>{ string: “hww40”,</a:t>
+            </a:r>
+          </a:p>
+          <a:p>
+            <a:r>
+              <a:rPr lang="en-US" dirty="0"/>
+              <a:t>  “used”: “false” }</a:t>
+            </a:r>
+          </a:p>
+        </p:txBody>
+      </p:sp>
+      <p:sp>
+        <p:nvSpPr>
+          <p:cNvPr id="13" name="TextBox 12">
+            <a:extLst>
+              <a:ext uri="{FF2B5EF4-FFF2-40B4-BE49-F238E27FC236}">
+                <a16:creationId xmlns:a16="http://schemas.microsoft.com/office/drawing/2014/main" id="{81873B74-31FF-743F-A250-158ACD61174C}"/>
+              </a:ext>
+            </a:extLst>
+          </p:cNvPr>
+          <p:cNvSpPr txBox="1"/>
+          <p:nvPr/>
+        </p:nvSpPr>
+        <p:spPr>
+          <a:xfrm>
+            <a:off x="10135132" y="3689076"/>
+            <a:ext cx="1860125" cy="646331"/>
+          </a:xfrm>
+          <a:prstGeom prst="rect">
+            <a:avLst/>
+          </a:prstGeom>
+          <a:noFill/>
+        </p:spPr>
+        <p:txBody>
+          <a:bodyPr wrap="square" rtlCol="0">
+            <a:spAutoFit/>
+          </a:bodyPr>
+          <a:lstStyle/>
+          <a:p>
+            <a:r>
+              <a:rPr lang="en-US" dirty="0"/>
+              <a:t>{ string: “211zxz”,</a:t>
+            </a:r>
+          </a:p>
+          <a:p>
+            <a:r>
+              <a:rPr lang="en-US" dirty="0"/>
+              <a:t>  “used”: “false” }</a:t>
+            </a:r>
+          </a:p>
+        </p:txBody>
+      </p:sp>
+      <p:sp>
+        <p:nvSpPr>
+          <p:cNvPr id="14" name="TextBox 13">
+            <a:extLst>
+              <a:ext uri="{FF2B5EF4-FFF2-40B4-BE49-F238E27FC236}">
+                <a16:creationId xmlns:a16="http://schemas.microsoft.com/office/drawing/2014/main" id="{22BAA874-62B0-4063-F781-C93B158EABD3}"/>
+              </a:ext>
+            </a:extLst>
+          </p:cNvPr>
+          <p:cNvSpPr txBox="1"/>
+          <p:nvPr/>
+        </p:nvSpPr>
+        <p:spPr>
+          <a:xfrm>
+            <a:off x="10190146" y="4500973"/>
+            <a:ext cx="1907382" cy="646331"/>
+          </a:xfrm>
+          <a:prstGeom prst="rect">
+            <a:avLst/>
+          </a:prstGeom>
+          <a:noFill/>
+        </p:spPr>
+        <p:txBody>
+          <a:bodyPr wrap="square" rtlCol="0">
+            <a:spAutoFit/>
+          </a:bodyPr>
+          <a:lstStyle/>
+          <a:p>
+            <a:r>
+              <a:rPr lang="en-US" dirty="0"/>
+              <a:t>{ string: “b4v3z7”,</a:t>
+            </a:r>
+          </a:p>
+          <a:p>
+            <a:r>
+              <a:rPr lang="en-US" dirty="0"/>
+              <a:t>  “used”: “false” }</a:t>
+            </a:r>
+          </a:p>
+        </p:txBody>
+      </p:sp>
+      <p:sp>
+        <p:nvSpPr>
+          <p:cNvPr id="15" name="Smiley Face 14">
+            <a:extLst>
+              <a:ext uri="{FF2B5EF4-FFF2-40B4-BE49-F238E27FC236}">
+                <a16:creationId xmlns:a16="http://schemas.microsoft.com/office/drawing/2014/main" id="{5E4192C9-0E70-013A-9E0A-A1C980AC4C0E}"/>
+              </a:ext>
+            </a:extLst>
+          </p:cNvPr>
+          <p:cNvSpPr/>
+          <p:nvPr/>
+        </p:nvSpPr>
+        <p:spPr>
+          <a:xfrm>
+            <a:off x="215078" y="1466088"/>
+            <a:ext cx="780586" cy="725213"/>
+          </a:xfrm>
+          <a:prstGeom prst="smileyFace">
+            <a:avLst/>
+          </a:prstGeom>
+          <a:solidFill>
+            <a:schemeClr val="accent5">
+              <a:lumMod val="40000"/>
+              <a:lumOff val="60000"/>
+            </a:schemeClr>
+          </a:solidFill>
+        </p:spPr>
+        <p:style>
+          <a:lnRef idx="2">
+            <a:schemeClr val="accent1">
+              <a:shade val="15000"/>
+            </a:schemeClr>
+          </a:lnRef>
+          <a:fillRef idx="1">
+            <a:schemeClr val="accent1"/>
+          </a:fillRef>
+          <a:effectRef idx="0">
+            <a:schemeClr val="accent1"/>
+          </a:effectRef>
+          <a:fontRef idx="minor">
+            <a:schemeClr val="lt1"/>
+          </a:fontRef>
+        </p:style>
+        <p:txBody>
+          <a:bodyPr rtlCol="0" anchor="ctr"/>
+          <a:lstStyle/>
+          <a:p>
+            <a:pPr algn="ctr"/>
+            <a:endParaRPr lang="en-US"/>
+          </a:p>
+        </p:txBody>
+      </p:sp>
+      <p:sp>
+        <p:nvSpPr>
+          <p:cNvPr id="16" name="TextBox 15">
+            <a:extLst>
+              <a:ext uri="{FF2B5EF4-FFF2-40B4-BE49-F238E27FC236}">
+                <a16:creationId xmlns:a16="http://schemas.microsoft.com/office/drawing/2014/main" id="{10B29CA3-72BB-1EC0-607B-65598C3E47DD}"/>
+              </a:ext>
+            </a:extLst>
+          </p:cNvPr>
+          <p:cNvSpPr txBox="1"/>
+          <p:nvPr/>
+        </p:nvSpPr>
+        <p:spPr>
+          <a:xfrm>
+            <a:off x="10190146" y="5312870"/>
+            <a:ext cx="1937775" cy="646331"/>
+          </a:xfrm>
+          <a:prstGeom prst="rect">
+            <a:avLst/>
+          </a:prstGeom>
+          <a:noFill/>
+        </p:spPr>
+        <p:txBody>
+          <a:bodyPr wrap="square" rtlCol="0">
+            <a:spAutoFit/>
+          </a:bodyPr>
+          <a:lstStyle/>
+          <a:p>
+            <a:r>
+              <a:rPr lang="en-US" dirty="0"/>
+              <a:t>{ string: “aaa311”,</a:t>
+            </a:r>
+          </a:p>
+          <a:p>
+            <a:r>
+              <a:rPr lang="en-US" dirty="0"/>
+              <a:t>  “used”: “false” }</a:t>
+            </a:r>
+          </a:p>
+        </p:txBody>
+      </p:sp>
+      <p:cxnSp>
+        <p:nvCxnSpPr>
+          <p:cNvPr id="17" name="Straight Arrow Connector 16">
+            <a:extLst>
+              <a:ext uri="{FF2B5EF4-FFF2-40B4-BE49-F238E27FC236}">
+                <a16:creationId xmlns:a16="http://schemas.microsoft.com/office/drawing/2014/main" id="{0891D0B8-3757-1932-34DE-BE1B822E59C6}"/>
+              </a:ext>
+            </a:extLst>
+          </p:cNvPr>
+          <p:cNvCxnSpPr>
+            <a:cxnSpLocks/>
+            <a:stCxn id="15" idx="6"/>
+          </p:cNvCxnSpPr>
+          <p:nvPr/>
+        </p:nvCxnSpPr>
+        <p:spPr>
+          <a:xfrm flipV="1">
+            <a:off x="995664" y="1828694"/>
+            <a:ext cx="1626669" cy="1"/>
+          </a:xfrm>
+          <a:prstGeom prst="straightConnector1">
+            <a:avLst/>
+          </a:prstGeom>
+          <a:ln>
+            <a:tailEnd type="triangle"/>
+          </a:ln>
+        </p:spPr>
+        <p:style>
+          <a:lnRef idx="2">
+            <a:schemeClr val="accent1"/>
+          </a:lnRef>
+          <a:fillRef idx="0">
+            <a:schemeClr val="accent1"/>
+          </a:fillRef>
+          <a:effectRef idx="1">
+            <a:schemeClr val="accent1"/>
+          </a:effectRef>
+          <a:fontRef idx="minor">
+            <a:schemeClr val="tx1"/>
+          </a:fontRef>
+        </p:style>
+      </p:cxnSp>
+      <p:sp>
+        <p:nvSpPr>
+          <p:cNvPr id="18" name="TextBox 17">
+            <a:extLst>
+              <a:ext uri="{FF2B5EF4-FFF2-40B4-BE49-F238E27FC236}">
+                <a16:creationId xmlns:a16="http://schemas.microsoft.com/office/drawing/2014/main" id="{2F28EFA8-AD57-8B42-8772-70806E2F1A80}"/>
+              </a:ext>
+            </a:extLst>
+          </p:cNvPr>
+          <p:cNvSpPr txBox="1"/>
+          <p:nvPr/>
+        </p:nvSpPr>
+        <p:spPr>
+          <a:xfrm>
+            <a:off x="1187223" y="1301019"/>
+            <a:ext cx="1276619" cy="461665"/>
+          </a:xfrm>
+          <a:prstGeom prst="rect">
+            <a:avLst/>
+          </a:prstGeom>
+          <a:noFill/>
+        </p:spPr>
+        <p:txBody>
+          <a:bodyPr wrap="square" rtlCol="0">
+            <a:spAutoFit/>
+          </a:bodyPr>
+          <a:lstStyle/>
+          <a:p>
+            <a:r>
+              <a:rPr lang="en-US" sz="1200" dirty="0">
+                <a:solidFill>
+                  <a:srgbClr val="FF0000"/>
+                </a:solidFill>
+              </a:rPr>
+              <a:t>Give me 2 random Strings</a:t>
+            </a:r>
+          </a:p>
+        </p:txBody>
+      </p:sp>
+      <p:sp>
+        <p:nvSpPr>
+          <p:cNvPr id="19" name="Smiley Face 18">
+            <a:extLst>
+              <a:ext uri="{FF2B5EF4-FFF2-40B4-BE49-F238E27FC236}">
+                <a16:creationId xmlns:a16="http://schemas.microsoft.com/office/drawing/2014/main" id="{484E82B1-7AF5-F4A2-A855-40D2C3E465B0}"/>
+              </a:ext>
+            </a:extLst>
+          </p:cNvPr>
+          <p:cNvSpPr/>
+          <p:nvPr/>
+        </p:nvSpPr>
+        <p:spPr>
+          <a:xfrm>
+            <a:off x="215078" y="2622625"/>
+            <a:ext cx="780586" cy="725213"/>
+          </a:xfrm>
+          <a:prstGeom prst="smileyFace">
+            <a:avLst/>
+          </a:prstGeom>
+          <a:solidFill>
+            <a:schemeClr val="accent5">
+              <a:lumMod val="40000"/>
+              <a:lumOff val="60000"/>
+            </a:schemeClr>
+          </a:solidFill>
+        </p:spPr>
+        <p:style>
+          <a:lnRef idx="2">
+            <a:schemeClr val="accent1">
+              <a:shade val="15000"/>
+            </a:schemeClr>
+          </a:lnRef>
+          <a:fillRef idx="1">
+            <a:schemeClr val="accent1"/>
+          </a:fillRef>
+          <a:effectRef idx="0">
+            <a:schemeClr val="accent1"/>
+          </a:effectRef>
+          <a:fontRef idx="minor">
+            <a:schemeClr val="lt1"/>
+          </a:fontRef>
+        </p:style>
+        <p:txBody>
+          <a:bodyPr rtlCol="0" anchor="ctr"/>
+          <a:lstStyle/>
+          <a:p>
+            <a:pPr algn="ctr"/>
+            <a:endParaRPr lang="en-US"/>
+          </a:p>
+        </p:txBody>
+      </p:sp>
+      <p:sp>
+        <p:nvSpPr>
+          <p:cNvPr id="20" name="Rectangle 19">
+            <a:extLst>
+              <a:ext uri="{FF2B5EF4-FFF2-40B4-BE49-F238E27FC236}">
+                <a16:creationId xmlns:a16="http://schemas.microsoft.com/office/drawing/2014/main" id="{91D647B3-F8AB-45C3-9844-FD450E479D9E}"/>
+              </a:ext>
+            </a:extLst>
+          </p:cNvPr>
+          <p:cNvSpPr/>
+          <p:nvPr/>
+        </p:nvSpPr>
+        <p:spPr>
+          <a:xfrm>
+            <a:off x="2642839" y="936702"/>
+            <a:ext cx="1014761" cy="4210602"/>
+          </a:xfrm>
+          <a:prstGeom prst="rect">
+            <a:avLst/>
+          </a:prstGeom>
+        </p:spPr>
+        <p:style>
+          <a:lnRef idx="2">
+            <a:schemeClr val="accent1">
+              <a:shade val="15000"/>
+            </a:schemeClr>
+          </a:lnRef>
+          <a:fillRef idx="1">
+            <a:schemeClr val="accent1"/>
+          </a:fillRef>
+          <a:effectRef idx="0">
+            <a:schemeClr val="accent1"/>
+          </a:effectRef>
+          <a:fontRef idx="minor">
+            <a:schemeClr val="lt1"/>
+          </a:fontRef>
+        </p:style>
+        <p:txBody>
+          <a:bodyPr rtlCol="0" anchor="ctr"/>
+          <a:lstStyle/>
+          <a:p>
+            <a:pPr algn="ctr"/>
+            <a:r>
+              <a:rPr lang="en-US" dirty="0"/>
+              <a:t>Load</a:t>
+            </a:r>
+          </a:p>
+          <a:p>
+            <a:pPr algn="ctr"/>
+            <a:r>
+              <a:rPr lang="en-US" dirty="0"/>
+              <a:t>Balance</a:t>
+            </a:r>
+          </a:p>
+        </p:txBody>
+      </p:sp>
+      <p:cxnSp>
+        <p:nvCxnSpPr>
+          <p:cNvPr id="21" name="Straight Arrow Connector 20">
+            <a:extLst>
+              <a:ext uri="{FF2B5EF4-FFF2-40B4-BE49-F238E27FC236}">
+                <a16:creationId xmlns:a16="http://schemas.microsoft.com/office/drawing/2014/main" id="{F420C864-8725-DC2B-F1AC-DD53447A3D46}"/>
+              </a:ext>
+            </a:extLst>
+          </p:cNvPr>
+          <p:cNvCxnSpPr>
+            <a:stCxn id="19" idx="6"/>
+          </p:cNvCxnSpPr>
+          <p:nvPr/>
+        </p:nvCxnSpPr>
+        <p:spPr>
+          <a:xfrm flipV="1">
+            <a:off x="995664" y="2985231"/>
+            <a:ext cx="1622953" cy="1"/>
+          </a:xfrm>
+          <a:prstGeom prst="straightConnector1">
+            <a:avLst/>
+          </a:prstGeom>
+          <a:ln>
+            <a:tailEnd type="triangle"/>
+          </a:ln>
+        </p:spPr>
+        <p:style>
+          <a:lnRef idx="2">
+            <a:schemeClr val="accent1"/>
+          </a:lnRef>
+          <a:fillRef idx="0">
+            <a:schemeClr val="accent1"/>
+          </a:fillRef>
+          <a:effectRef idx="1">
+            <a:schemeClr val="accent1"/>
+          </a:effectRef>
+          <a:fontRef idx="minor">
+            <a:schemeClr val="tx1"/>
+          </a:fontRef>
+        </p:style>
+      </p:cxnSp>
+      <p:sp>
+        <p:nvSpPr>
+          <p:cNvPr id="22" name="Smiley Face 21">
+            <a:extLst>
+              <a:ext uri="{FF2B5EF4-FFF2-40B4-BE49-F238E27FC236}">
+                <a16:creationId xmlns:a16="http://schemas.microsoft.com/office/drawing/2014/main" id="{B616840A-722C-FDE5-02F5-90299AAFD4CD}"/>
+              </a:ext>
+            </a:extLst>
+          </p:cNvPr>
+          <p:cNvSpPr/>
+          <p:nvPr/>
+        </p:nvSpPr>
+        <p:spPr>
+          <a:xfrm>
+            <a:off x="243209" y="3822897"/>
+            <a:ext cx="780586" cy="725213"/>
+          </a:xfrm>
+          <a:prstGeom prst="smileyFace">
+            <a:avLst/>
+          </a:prstGeom>
+          <a:solidFill>
+            <a:schemeClr val="accent5">
+              <a:lumMod val="40000"/>
+              <a:lumOff val="60000"/>
+            </a:schemeClr>
+          </a:solidFill>
+        </p:spPr>
+        <p:style>
+          <a:lnRef idx="2">
+            <a:schemeClr val="accent1">
+              <a:shade val="15000"/>
+            </a:schemeClr>
+          </a:lnRef>
+          <a:fillRef idx="1">
+            <a:schemeClr val="accent1"/>
+          </a:fillRef>
+          <a:effectRef idx="0">
+            <a:schemeClr val="accent1"/>
+          </a:effectRef>
+          <a:fontRef idx="minor">
+            <a:schemeClr val="lt1"/>
+          </a:fontRef>
+        </p:style>
+        <p:txBody>
+          <a:bodyPr rtlCol="0" anchor="ctr"/>
+          <a:lstStyle/>
+          <a:p>
+            <a:pPr algn="ctr"/>
+            <a:endParaRPr lang="en-US"/>
+          </a:p>
+        </p:txBody>
+      </p:sp>
+      <p:cxnSp>
+        <p:nvCxnSpPr>
+          <p:cNvPr id="23" name="Straight Arrow Connector 22">
+            <a:extLst>
+              <a:ext uri="{FF2B5EF4-FFF2-40B4-BE49-F238E27FC236}">
+                <a16:creationId xmlns:a16="http://schemas.microsoft.com/office/drawing/2014/main" id="{4878E650-53F5-D419-9138-1649F0D976F5}"/>
+              </a:ext>
+            </a:extLst>
+          </p:cNvPr>
+          <p:cNvCxnSpPr>
+            <a:stCxn id="22" idx="6"/>
+          </p:cNvCxnSpPr>
+          <p:nvPr/>
+        </p:nvCxnSpPr>
+        <p:spPr>
+          <a:xfrm flipV="1">
+            <a:off x="1023795" y="4185503"/>
+            <a:ext cx="1622249" cy="1"/>
+          </a:xfrm>
+          <a:prstGeom prst="straightConnector1">
+            <a:avLst/>
+          </a:prstGeom>
+          <a:ln>
+            <a:tailEnd type="triangle"/>
+          </a:ln>
+        </p:spPr>
+        <p:style>
+          <a:lnRef idx="2">
+            <a:schemeClr val="accent1"/>
+          </a:lnRef>
+          <a:fillRef idx="0">
+            <a:schemeClr val="accent1"/>
+          </a:fillRef>
+          <a:effectRef idx="1">
+            <a:schemeClr val="accent1"/>
+          </a:effectRef>
+          <a:fontRef idx="minor">
+            <a:schemeClr val="tx1"/>
+          </a:fontRef>
+        </p:style>
+      </p:cxnSp>
+      <p:sp>
+        <p:nvSpPr>
+          <p:cNvPr id="24" name="TextBox 23">
+            <a:extLst>
+              <a:ext uri="{FF2B5EF4-FFF2-40B4-BE49-F238E27FC236}">
+                <a16:creationId xmlns:a16="http://schemas.microsoft.com/office/drawing/2014/main" id="{ACFC215E-0EB6-02D9-9DA8-E7DD80CB35C4}"/>
+              </a:ext>
+            </a:extLst>
+          </p:cNvPr>
+          <p:cNvSpPr txBox="1"/>
+          <p:nvPr/>
+        </p:nvSpPr>
+        <p:spPr>
+          <a:xfrm>
+            <a:off x="1200993" y="2469856"/>
+            <a:ext cx="1276619" cy="461665"/>
+          </a:xfrm>
+          <a:prstGeom prst="rect">
+            <a:avLst/>
+          </a:prstGeom>
+          <a:noFill/>
+        </p:spPr>
+        <p:txBody>
+          <a:bodyPr wrap="square" rtlCol="0">
+            <a:spAutoFit/>
+          </a:bodyPr>
+          <a:lstStyle/>
+          <a:p>
+            <a:r>
+              <a:rPr lang="en-US" sz="1200" dirty="0"/>
+              <a:t>Give me 3 random Strings</a:t>
+            </a:r>
+          </a:p>
+        </p:txBody>
+      </p:sp>
+      <p:sp>
+        <p:nvSpPr>
+          <p:cNvPr id="25" name="TextBox 24">
+            <a:extLst>
+              <a:ext uri="{FF2B5EF4-FFF2-40B4-BE49-F238E27FC236}">
+                <a16:creationId xmlns:a16="http://schemas.microsoft.com/office/drawing/2014/main" id="{925EBD67-B0CF-08A2-3FD3-D78CFF9A3B4C}"/>
+              </a:ext>
+            </a:extLst>
+          </p:cNvPr>
+          <p:cNvSpPr txBox="1"/>
+          <p:nvPr/>
+        </p:nvSpPr>
+        <p:spPr>
+          <a:xfrm>
+            <a:off x="1196609" y="3689076"/>
+            <a:ext cx="1276619" cy="461665"/>
+          </a:xfrm>
+          <a:prstGeom prst="rect">
+            <a:avLst/>
+          </a:prstGeom>
+          <a:noFill/>
+        </p:spPr>
+        <p:txBody>
+          <a:bodyPr wrap="square" rtlCol="0">
+            <a:spAutoFit/>
+          </a:bodyPr>
+          <a:lstStyle/>
+          <a:p>
+            <a:r>
+              <a:rPr lang="en-US" sz="1200" dirty="0"/>
+              <a:t>Give me 2 random Strings</a:t>
+            </a:r>
+          </a:p>
+        </p:txBody>
+      </p:sp>
+      <p:cxnSp>
+        <p:nvCxnSpPr>
+          <p:cNvPr id="26" name="Straight Arrow Connector 25">
+            <a:extLst>
+              <a:ext uri="{FF2B5EF4-FFF2-40B4-BE49-F238E27FC236}">
+                <a16:creationId xmlns:a16="http://schemas.microsoft.com/office/drawing/2014/main" id="{C4A459DC-9DB4-AA71-BCAE-F1FACBF0BB19}"/>
+              </a:ext>
+            </a:extLst>
+          </p:cNvPr>
+          <p:cNvCxnSpPr>
+            <a:stCxn id="20" idx="3"/>
+            <a:endCxn id="5" idx="1"/>
+          </p:cNvCxnSpPr>
+          <p:nvPr/>
+        </p:nvCxnSpPr>
+        <p:spPr>
+          <a:xfrm flipV="1">
+            <a:off x="3657600" y="2606391"/>
+            <a:ext cx="1321869" cy="435612"/>
+          </a:xfrm>
+          <a:prstGeom prst="straightConnector1">
+            <a:avLst/>
+          </a:prstGeom>
+          <a:ln>
+            <a:tailEnd type="triangle"/>
+          </a:ln>
+        </p:spPr>
+        <p:style>
+          <a:lnRef idx="2">
+            <a:schemeClr val="accent1"/>
+          </a:lnRef>
+          <a:fillRef idx="0">
+            <a:schemeClr val="accent1"/>
+          </a:fillRef>
+          <a:effectRef idx="1">
+            <a:schemeClr val="accent1"/>
+          </a:effectRef>
+          <a:fontRef idx="minor">
+            <a:schemeClr val="tx1"/>
+          </a:fontRef>
+        </p:style>
+      </p:cxnSp>
+      <p:cxnSp>
+        <p:nvCxnSpPr>
+          <p:cNvPr id="27" name="Straight Arrow Connector 26">
+            <a:extLst>
+              <a:ext uri="{FF2B5EF4-FFF2-40B4-BE49-F238E27FC236}">
+                <a16:creationId xmlns:a16="http://schemas.microsoft.com/office/drawing/2014/main" id="{4F1724F4-B3EA-20F5-00C9-0C843E14835C}"/>
+              </a:ext>
+            </a:extLst>
+          </p:cNvPr>
+          <p:cNvCxnSpPr>
+            <a:stCxn id="20" idx="3"/>
+            <a:endCxn id="6" idx="1"/>
+          </p:cNvCxnSpPr>
+          <p:nvPr/>
+        </p:nvCxnSpPr>
+        <p:spPr>
+          <a:xfrm flipV="1">
+            <a:off x="3657600" y="2790322"/>
+            <a:ext cx="1474269" cy="251681"/>
+          </a:xfrm>
+          <a:prstGeom prst="straightConnector1">
+            <a:avLst/>
+          </a:prstGeom>
+          <a:ln>
+            <a:tailEnd type="triangle"/>
+          </a:ln>
+        </p:spPr>
+        <p:style>
+          <a:lnRef idx="2">
+            <a:schemeClr val="accent1"/>
+          </a:lnRef>
+          <a:fillRef idx="0">
+            <a:schemeClr val="accent1"/>
+          </a:fillRef>
+          <a:effectRef idx="1">
+            <a:schemeClr val="accent1"/>
+          </a:effectRef>
+          <a:fontRef idx="minor">
+            <a:schemeClr val="tx1"/>
+          </a:fontRef>
+        </p:style>
+      </p:cxnSp>
+      <p:cxnSp>
+        <p:nvCxnSpPr>
+          <p:cNvPr id="28" name="Straight Arrow Connector 27">
+            <a:extLst>
+              <a:ext uri="{FF2B5EF4-FFF2-40B4-BE49-F238E27FC236}">
+                <a16:creationId xmlns:a16="http://schemas.microsoft.com/office/drawing/2014/main" id="{A7BAE102-5169-06E1-E33B-16D8D5284F6F}"/>
+              </a:ext>
+            </a:extLst>
+          </p:cNvPr>
+          <p:cNvCxnSpPr>
+            <a:stCxn id="20" idx="3"/>
+            <a:endCxn id="7" idx="1"/>
+          </p:cNvCxnSpPr>
+          <p:nvPr/>
+        </p:nvCxnSpPr>
+        <p:spPr>
+          <a:xfrm flipV="1">
+            <a:off x="3657600" y="2942722"/>
+            <a:ext cx="1626669" cy="99281"/>
+          </a:xfrm>
+          <a:prstGeom prst="straightConnector1">
+            <a:avLst/>
+          </a:prstGeom>
+          <a:ln>
+            <a:tailEnd type="triangle"/>
+          </a:ln>
+        </p:spPr>
+        <p:style>
+          <a:lnRef idx="2">
+            <a:schemeClr val="accent1"/>
+          </a:lnRef>
+          <a:fillRef idx="0">
+            <a:schemeClr val="accent1"/>
+          </a:fillRef>
+          <a:effectRef idx="1">
+            <a:schemeClr val="accent1"/>
+          </a:effectRef>
+          <a:fontRef idx="minor">
+            <a:schemeClr val="tx1"/>
+          </a:fontRef>
+        </p:style>
+      </p:cxnSp>
+      <p:cxnSp>
+        <p:nvCxnSpPr>
+          <p:cNvPr id="29" name="Straight Arrow Connector 28">
+            <a:extLst>
+              <a:ext uri="{FF2B5EF4-FFF2-40B4-BE49-F238E27FC236}">
+                <a16:creationId xmlns:a16="http://schemas.microsoft.com/office/drawing/2014/main" id="{A30C2113-29BF-ED00-4761-EA6051C6E421}"/>
+              </a:ext>
+            </a:extLst>
+          </p:cNvPr>
+          <p:cNvCxnSpPr>
+            <a:endCxn id="4" idx="2"/>
+          </p:cNvCxnSpPr>
+          <p:nvPr/>
+        </p:nvCxnSpPr>
+        <p:spPr>
+          <a:xfrm>
+            <a:off x="6408876" y="2065282"/>
+            <a:ext cx="2223276" cy="711651"/>
+          </a:xfrm>
+          <a:prstGeom prst="straightConnector1">
+            <a:avLst/>
+          </a:prstGeom>
+          <a:ln>
+            <a:headEnd type="triangle"/>
+            <a:tailEnd type="triangle"/>
+          </a:ln>
+        </p:spPr>
+        <p:style>
+          <a:lnRef idx="2">
+            <a:schemeClr val="accent1"/>
+          </a:lnRef>
+          <a:fillRef idx="0">
+            <a:schemeClr val="accent1"/>
+          </a:fillRef>
+          <a:effectRef idx="1">
+            <a:schemeClr val="accent1"/>
+          </a:effectRef>
+          <a:fontRef idx="minor">
+            <a:schemeClr val="tx1"/>
+          </a:fontRef>
+        </p:style>
+      </p:cxnSp>
+      <p:cxnSp>
+        <p:nvCxnSpPr>
+          <p:cNvPr id="30" name="Straight Arrow Connector 29">
+            <a:extLst>
+              <a:ext uri="{FF2B5EF4-FFF2-40B4-BE49-F238E27FC236}">
+                <a16:creationId xmlns:a16="http://schemas.microsoft.com/office/drawing/2014/main" id="{752FC9BF-1DFD-F8FD-AFDC-79A692097F7B}"/>
+              </a:ext>
+            </a:extLst>
+          </p:cNvPr>
+          <p:cNvCxnSpPr>
+            <a:endCxn id="4" idx="2"/>
+          </p:cNvCxnSpPr>
+          <p:nvPr/>
+        </p:nvCxnSpPr>
+        <p:spPr>
+          <a:xfrm>
+            <a:off x="6561276" y="2191301"/>
+            <a:ext cx="2070876" cy="585632"/>
+          </a:xfrm>
+          <a:prstGeom prst="straightConnector1">
+            <a:avLst/>
+          </a:prstGeom>
+          <a:ln>
+            <a:headEnd type="triangle"/>
+            <a:tailEnd type="triangle"/>
+          </a:ln>
+        </p:spPr>
+        <p:style>
+          <a:lnRef idx="2">
+            <a:schemeClr val="accent1"/>
+          </a:lnRef>
+          <a:fillRef idx="0">
+            <a:schemeClr val="accent1"/>
+          </a:fillRef>
+          <a:effectRef idx="1">
+            <a:schemeClr val="accent1"/>
+          </a:effectRef>
+          <a:fontRef idx="minor">
+            <a:schemeClr val="tx1"/>
+          </a:fontRef>
+        </p:style>
+      </p:cxnSp>
+      <p:cxnSp>
+        <p:nvCxnSpPr>
+          <p:cNvPr id="31" name="Straight Arrow Connector 30">
+            <a:extLst>
+              <a:ext uri="{FF2B5EF4-FFF2-40B4-BE49-F238E27FC236}">
+                <a16:creationId xmlns:a16="http://schemas.microsoft.com/office/drawing/2014/main" id="{CC3EB51C-4F6C-C6DC-EE46-4F17C89A332B}"/>
+              </a:ext>
+            </a:extLst>
+          </p:cNvPr>
+          <p:cNvCxnSpPr>
+            <a:endCxn id="4" idx="2"/>
+          </p:cNvCxnSpPr>
+          <p:nvPr/>
+        </p:nvCxnSpPr>
+        <p:spPr>
+          <a:xfrm>
+            <a:off x="6713676" y="2335750"/>
+            <a:ext cx="1918476" cy="441183"/>
+          </a:xfrm>
+          <a:prstGeom prst="straightConnector1">
+            <a:avLst/>
+          </a:prstGeom>
+          <a:ln>
+            <a:headEnd type="triangle"/>
+            <a:tailEnd type="triangle"/>
+          </a:ln>
+        </p:spPr>
+        <p:style>
+          <a:lnRef idx="2">
+            <a:schemeClr val="accent1"/>
+          </a:lnRef>
+          <a:fillRef idx="0">
+            <a:schemeClr val="accent1"/>
+          </a:fillRef>
+          <a:effectRef idx="1">
+            <a:schemeClr val="accent1"/>
+          </a:effectRef>
+          <a:fontRef idx="minor">
+            <a:schemeClr val="tx1"/>
+          </a:fontRef>
+        </p:style>
+      </p:cxnSp>
+      <p:sp>
+        <p:nvSpPr>
+          <p:cNvPr id="32" name="TextBox 31">
+            <a:extLst>
+              <a:ext uri="{FF2B5EF4-FFF2-40B4-BE49-F238E27FC236}">
+                <a16:creationId xmlns:a16="http://schemas.microsoft.com/office/drawing/2014/main" id="{A0184553-0FBC-EFC0-60BE-D6432217BE8A}"/>
+              </a:ext>
+            </a:extLst>
+          </p:cNvPr>
+          <p:cNvSpPr txBox="1"/>
+          <p:nvPr/>
+        </p:nvSpPr>
+        <p:spPr>
+          <a:xfrm>
+            <a:off x="3836597" y="105974"/>
+            <a:ext cx="7082484" cy="1754326"/>
+          </a:xfrm>
+          <a:prstGeom prst="rect">
+            <a:avLst/>
+          </a:prstGeom>
+          <a:noFill/>
+        </p:spPr>
+        <p:txBody>
+          <a:bodyPr wrap="square" rtlCol="0">
+            <a:spAutoFit/>
+          </a:bodyPr>
+          <a:lstStyle/>
+          <a:p>
+            <a:r>
+              <a:rPr lang="en-IE" sz="1200" b="1" i="0" dirty="0">
+                <a:solidFill>
+                  <a:srgbClr val="0C0D0E"/>
+                </a:solidFill>
+                <a:effectLst/>
+                <a:latin typeface="-apple-system"/>
+              </a:rPr>
+              <a:t>If you are using level 4 (SERIALIZABLE), then a simple SELECT followed by update is sufficient.</a:t>
+            </a:r>
+          </a:p>
+          <a:p>
+            <a:endParaRPr lang="en-IE" sz="1200" dirty="0">
+              <a:effectLst/>
+              <a:latin typeface="inherit"/>
+            </a:endParaRPr>
+          </a:p>
+          <a:p>
+            <a:r>
+              <a:rPr lang="en-IE" sz="1200" dirty="0">
+                <a:effectLst/>
+                <a:latin typeface="inherit"/>
+              </a:rPr>
+              <a:t>-- transaction begins</a:t>
+            </a:r>
+            <a:r>
+              <a:rPr lang="en-IE" sz="1200" dirty="0"/>
+              <a:t> </a:t>
+            </a:r>
+          </a:p>
+          <a:p>
+            <a:pPr marL="285750" indent="-285750">
+              <a:buFont typeface="Arial" panose="020B0604020202020204" pitchFamily="34" charset="0"/>
+              <a:buChar char="•"/>
+            </a:pPr>
+            <a:r>
+              <a:rPr lang="en-IE" sz="1200" dirty="0">
+                <a:effectLst/>
+                <a:latin typeface="inherit"/>
+              </a:rPr>
+              <a:t>SET</a:t>
+            </a:r>
+            <a:r>
+              <a:rPr lang="en-IE" sz="1200" dirty="0"/>
+              <a:t> TRANSACTION ISOLATION LEVEL </a:t>
+            </a:r>
+            <a:r>
+              <a:rPr lang="en-IE" sz="1200" dirty="0">
+                <a:solidFill>
+                  <a:srgbClr val="FF0000"/>
+                </a:solidFill>
+              </a:rPr>
+              <a:t>serializable</a:t>
+            </a:r>
+            <a:r>
+              <a:rPr lang="en-IE" sz="1200" dirty="0"/>
+              <a:t>;</a:t>
+            </a:r>
+            <a:endParaRPr lang="en-US" sz="1200" dirty="0"/>
+          </a:p>
+          <a:p>
+            <a:pPr marL="285750" indent="-285750">
+              <a:buFont typeface="Arial" panose="020B0604020202020204" pitchFamily="34" charset="0"/>
+              <a:buChar char="•"/>
+            </a:pPr>
+            <a:r>
+              <a:rPr lang="en-US" sz="1200" dirty="0">
+                <a:solidFill>
+                  <a:srgbClr val="FF0000"/>
+                </a:solidFill>
+              </a:rPr>
+              <a:t>SELECT</a:t>
+            </a:r>
+            <a:r>
+              <a:rPr lang="en-US" sz="1200" dirty="0"/>
+              <a:t> string FROM Strings WHERE used = FALSE FETCH FIRST 2 ROWS ONLY;</a:t>
+            </a:r>
+          </a:p>
+          <a:p>
+            <a:pPr marL="285750" indent="-285750">
+              <a:buFont typeface="Arial" panose="020B0604020202020204" pitchFamily="34" charset="0"/>
+              <a:buChar char="•"/>
+            </a:pPr>
+            <a:r>
+              <a:rPr lang="en-US" sz="1200" dirty="0"/>
+              <a:t>** here you can do any other computation**</a:t>
+            </a:r>
+          </a:p>
+          <a:p>
+            <a:pPr marL="285750" indent="-285750">
+              <a:buFont typeface="Arial" panose="020B0604020202020204" pitchFamily="34" charset="0"/>
+              <a:buChar char="•"/>
+            </a:pPr>
+            <a:r>
+              <a:rPr lang="en-US" sz="1200" dirty="0"/>
+              <a:t>UPDATE  Strings SET used = TRUE WHERE string = “00cc11” OR string = “xx6411”;</a:t>
+            </a:r>
+          </a:p>
+          <a:p>
+            <a:pPr marL="285750" indent="-285750">
+              <a:buFont typeface="Arial" panose="020B0604020202020204" pitchFamily="34" charset="0"/>
+              <a:buChar char="•"/>
+            </a:pPr>
+            <a:r>
+              <a:rPr lang="en-US" sz="1200" dirty="0"/>
+              <a:t>COMMIT;</a:t>
+            </a:r>
+          </a:p>
+          <a:p>
+            <a:r>
+              <a:rPr lang="en-US" sz="1200" dirty="0"/>
+              <a:t>-- </a:t>
+            </a:r>
+            <a:r>
+              <a:rPr lang="en-IE" sz="1200" dirty="0">
+                <a:effectLst/>
+                <a:latin typeface="inherit"/>
+              </a:rPr>
+              <a:t>transaction ends</a:t>
+            </a:r>
+            <a:r>
+              <a:rPr lang="en-IE" sz="1200" dirty="0"/>
+              <a:t> </a:t>
+            </a:r>
+            <a:endParaRPr lang="en-US" sz="1200" dirty="0"/>
+          </a:p>
+        </p:txBody>
+      </p:sp>
+      <p:sp>
+        <p:nvSpPr>
+          <p:cNvPr id="3" name="TextBox 2">
+            <a:extLst>
+              <a:ext uri="{FF2B5EF4-FFF2-40B4-BE49-F238E27FC236}">
+                <a16:creationId xmlns:a16="http://schemas.microsoft.com/office/drawing/2014/main" id="{F7331679-87C6-563F-5C82-9C34718C640F}"/>
+              </a:ext>
+            </a:extLst>
+          </p:cNvPr>
+          <p:cNvSpPr txBox="1"/>
+          <p:nvPr/>
+        </p:nvSpPr>
+        <p:spPr>
+          <a:xfrm>
+            <a:off x="285661" y="219296"/>
+            <a:ext cx="2983055" cy="369332"/>
+          </a:xfrm>
+          <a:prstGeom prst="rect">
+            <a:avLst/>
+          </a:prstGeom>
+          <a:noFill/>
+        </p:spPr>
+        <p:txBody>
+          <a:bodyPr wrap="square" rtlCol="0">
+            <a:spAutoFit/>
+          </a:bodyPr>
+          <a:lstStyle/>
+          <a:p>
+            <a:r>
+              <a:rPr lang="en-US" dirty="0">
+                <a:solidFill>
+                  <a:srgbClr val="FF0000"/>
+                </a:solidFill>
+              </a:rPr>
+              <a:t>SOLUTION – OPTION 1</a:t>
+            </a:r>
+          </a:p>
+        </p:txBody>
+      </p:sp>
+      <p:sp>
+        <p:nvSpPr>
+          <p:cNvPr id="33" name="TextBox 32">
+            <a:extLst>
+              <a:ext uri="{FF2B5EF4-FFF2-40B4-BE49-F238E27FC236}">
+                <a16:creationId xmlns:a16="http://schemas.microsoft.com/office/drawing/2014/main" id="{2CAB9C60-F30A-E8A9-4107-98B2AADEF5D5}"/>
+              </a:ext>
+            </a:extLst>
+          </p:cNvPr>
+          <p:cNvSpPr txBox="1"/>
+          <p:nvPr/>
+        </p:nvSpPr>
+        <p:spPr>
+          <a:xfrm>
+            <a:off x="3760932" y="4694116"/>
+            <a:ext cx="6450403" cy="1938992"/>
+          </a:xfrm>
+          <a:prstGeom prst="rect">
+            <a:avLst/>
+          </a:prstGeom>
+          <a:noFill/>
+        </p:spPr>
+        <p:txBody>
+          <a:bodyPr wrap="square" rtlCol="0">
+            <a:spAutoFit/>
+          </a:bodyPr>
+          <a:lstStyle/>
+          <a:p>
+            <a:r>
+              <a:rPr lang="en-IE" sz="1200" b="1" i="0" dirty="0">
+                <a:solidFill>
+                  <a:srgbClr val="0C0D0E"/>
+                </a:solidFill>
+                <a:effectLst/>
+                <a:latin typeface="-apple-system"/>
+              </a:rPr>
+              <a:t>If you are using the default level 3 (REPEATABLE READ), then you would need to lock any row that affects subsequent writes =&gt; use “SELECT FOR UPDATE” if the DBs has </a:t>
+            </a:r>
+            <a:r>
+              <a:rPr lang="en-IE" sz="1200" b="1" dirty="0">
+                <a:solidFill>
+                  <a:srgbClr val="0C0D0E"/>
+                </a:solidFill>
+                <a:latin typeface="-apple-system"/>
+              </a:rPr>
+              <a:t>this statement implemented</a:t>
+            </a:r>
+            <a:br>
+              <a:rPr lang="en-IE" sz="1200" b="0" i="0" dirty="0">
+                <a:solidFill>
+                  <a:srgbClr val="0C0D0E"/>
+                </a:solidFill>
+                <a:effectLst/>
+                <a:latin typeface="-apple-system"/>
+              </a:rPr>
+            </a:br>
+            <a:br>
+              <a:rPr lang="en-IE" sz="1200" dirty="0">
+                <a:effectLst/>
+                <a:latin typeface="inherit"/>
+              </a:rPr>
+            </a:br>
+            <a:r>
+              <a:rPr lang="en-IE" sz="1200" dirty="0">
+                <a:effectLst/>
+                <a:latin typeface="inherit"/>
+              </a:rPr>
+              <a:t>-- transaction begins</a:t>
+            </a:r>
+            <a:r>
+              <a:rPr lang="en-IE" sz="1200" dirty="0"/>
+              <a:t> </a:t>
+            </a:r>
+          </a:p>
+          <a:p>
+            <a:pPr marL="285750" indent="-285750">
+              <a:buFont typeface="Arial" panose="020B0604020202020204" pitchFamily="34" charset="0"/>
+              <a:buChar char="•"/>
+            </a:pPr>
+            <a:r>
+              <a:rPr lang="en-IE" sz="1200" dirty="0">
+                <a:effectLst/>
+                <a:latin typeface="inherit"/>
+              </a:rPr>
+              <a:t>SET</a:t>
+            </a:r>
+            <a:r>
+              <a:rPr lang="en-IE" sz="1200" dirty="0"/>
+              <a:t> TRANSACTION ISOLATION LEVEL </a:t>
+            </a:r>
+            <a:r>
+              <a:rPr lang="en-IE" sz="1200" dirty="0">
+                <a:solidFill>
+                  <a:srgbClr val="FF0000"/>
+                </a:solidFill>
+              </a:rPr>
+              <a:t>repeatable-read</a:t>
+            </a:r>
+            <a:r>
+              <a:rPr lang="en-IE" sz="1200" dirty="0"/>
+              <a:t>;</a:t>
+            </a:r>
+            <a:endParaRPr lang="en-US" sz="1200" dirty="0"/>
+          </a:p>
+          <a:p>
+            <a:pPr marL="285750" indent="-285750">
+              <a:buFont typeface="Arial" panose="020B0604020202020204" pitchFamily="34" charset="0"/>
+              <a:buChar char="•"/>
+            </a:pPr>
+            <a:r>
+              <a:rPr lang="en-IE" sz="1200" i="0" dirty="0">
+                <a:solidFill>
+                  <a:srgbClr val="FF0000"/>
+                </a:solidFill>
+                <a:effectLst/>
+                <a:latin typeface="-apple-system"/>
+              </a:rPr>
+              <a:t>SELECT FOR UPDATE</a:t>
+            </a:r>
+            <a:r>
+              <a:rPr lang="en-US" sz="1200" dirty="0"/>
+              <a:t> string FROM Strings WHERE used = FALSE FETCH FIRST 2 ROWS ONLY;</a:t>
+            </a:r>
+          </a:p>
+          <a:p>
+            <a:pPr marL="285750" indent="-285750">
+              <a:buFont typeface="Arial" panose="020B0604020202020204" pitchFamily="34" charset="0"/>
+              <a:buChar char="•"/>
+            </a:pPr>
+            <a:r>
+              <a:rPr lang="en-US" sz="1200" dirty="0"/>
+              <a:t>** here you can do any other computation**</a:t>
+            </a:r>
+          </a:p>
+          <a:p>
+            <a:pPr marL="285750" indent="-285750">
+              <a:buFont typeface="Arial" panose="020B0604020202020204" pitchFamily="34" charset="0"/>
+              <a:buChar char="•"/>
+            </a:pPr>
+            <a:r>
+              <a:rPr lang="en-US" sz="1200" dirty="0"/>
+              <a:t>UPDATE  Strings SET used = TRUE WHERE string = “00cc11” OR string = “xx6411”;</a:t>
+            </a:r>
+          </a:p>
+          <a:p>
+            <a:pPr marL="285750" indent="-285750">
+              <a:buFont typeface="Arial" panose="020B0604020202020204" pitchFamily="34" charset="0"/>
+              <a:buChar char="•"/>
+            </a:pPr>
+            <a:r>
+              <a:rPr lang="en-US" sz="1200" dirty="0"/>
+              <a:t>COMMIT;</a:t>
+            </a:r>
+          </a:p>
+          <a:p>
+            <a:r>
+              <a:rPr lang="en-US" sz="1200" dirty="0"/>
+              <a:t>-- </a:t>
+            </a:r>
+            <a:r>
+              <a:rPr lang="en-IE" sz="1200" dirty="0">
+                <a:effectLst/>
+                <a:latin typeface="inherit"/>
+              </a:rPr>
+              <a:t>transaction ends</a:t>
+            </a:r>
+            <a:r>
+              <a:rPr lang="en-IE" sz="1200" dirty="0"/>
+              <a:t> </a:t>
+            </a:r>
+            <a:endParaRPr lang="en-US" sz="1200" dirty="0"/>
+          </a:p>
+        </p:txBody>
+      </p:sp>
+      <p:sp>
+        <p:nvSpPr>
+          <p:cNvPr id="34" name="TextBox 33">
+            <a:extLst>
+              <a:ext uri="{FF2B5EF4-FFF2-40B4-BE49-F238E27FC236}">
+                <a16:creationId xmlns:a16="http://schemas.microsoft.com/office/drawing/2014/main" id="{9FFF031D-691F-9E4C-F24F-1B20C74C1E3F}"/>
+              </a:ext>
+            </a:extLst>
+          </p:cNvPr>
+          <p:cNvSpPr txBox="1"/>
+          <p:nvPr/>
+        </p:nvSpPr>
+        <p:spPr>
+          <a:xfrm>
+            <a:off x="54276" y="6319758"/>
+            <a:ext cx="1177502" cy="461665"/>
+          </a:xfrm>
+          <a:prstGeom prst="rect">
+            <a:avLst/>
+          </a:prstGeom>
+          <a:noFill/>
+        </p:spPr>
+        <p:txBody>
+          <a:bodyPr wrap="none" rtlCol="0">
+            <a:spAutoFit/>
+          </a:bodyPr>
+          <a:lstStyle/>
+          <a:p>
+            <a:r>
+              <a:rPr lang="en-US" sz="1200" dirty="0"/>
+              <a:t>Docs:</a:t>
+            </a:r>
+          </a:p>
+          <a:p>
+            <a:r>
+              <a:rPr lang="en-US" sz="1200" dirty="0">
+                <a:hlinkClick r:id="rId2"/>
+              </a:rPr>
+              <a:t>Here</a:t>
+            </a:r>
+            <a:r>
+              <a:rPr lang="en-US" sz="1200" dirty="0"/>
+              <a:t> and </a:t>
+            </a:r>
+            <a:r>
+              <a:rPr lang="en-US" sz="1200" dirty="0">
+                <a:hlinkClick r:id="rId3"/>
+              </a:rPr>
+              <a:t>Here</a:t>
+            </a:r>
+            <a:r>
+              <a:rPr lang="en-US" sz="1200" dirty="0"/>
+              <a:t> </a:t>
+            </a:r>
+          </a:p>
+        </p:txBody>
+      </p:sp>
+    </p:spTree>
+    <p:extLst>
+      <p:ext uri="{BB962C8B-B14F-4D97-AF65-F5344CB8AC3E}">
+        <p14:creationId xmlns:p14="http://schemas.microsoft.com/office/powerpoint/2010/main" val="3592899797"/>
+      </p:ext>
+    </p:extLst>
+  </p:cSld>
+  <p:clrMapOvr>
+    <a:masterClrMapping/>
+  </p:clrMapOvr>
+</p:sld>
+</file>
+
+<file path=ppt/slides/slide21.xml><?xml version="1.0" encoding="utf-8"?>
+<p:sld xmlns:a="http://schemas.openxmlformats.org/drawingml/2006/main" xmlns:r="http://schemas.openxmlformats.org/officeDocument/2006/relationships" xmlns:p="http://schemas.openxmlformats.org/presentationml/2006/main">
+  <p:cSld>
+    <p:spTree>
+      <p:nvGrpSpPr>
+        <p:cNvPr id="1" name="">
+          <a:extLst>
+            <a:ext uri="{FF2B5EF4-FFF2-40B4-BE49-F238E27FC236}">
+              <a16:creationId xmlns:a16="http://schemas.microsoft.com/office/drawing/2014/main" id="{E2948AF9-058D-D9FA-ED5B-DF8C9D3D9146}"/>
+            </a:ext>
+          </a:extLst>
+        </p:cNvPr>
+        <p:cNvGrpSpPr/>
+        <p:nvPr/>
+      </p:nvGrpSpPr>
+      <p:grpSpPr>
+        <a:xfrm>
+          <a:off x="0" y="0"/>
+          <a:ext cx="0" cy="0"/>
+          <a:chOff x="0" y="0"/>
+          <a:chExt cx="0" cy="0"/>
+        </a:xfrm>
+      </p:grpSpPr>
+      <p:sp>
+        <p:nvSpPr>
+          <p:cNvPr id="4" name="Can 3">
+            <a:extLst>
+              <a:ext uri="{FF2B5EF4-FFF2-40B4-BE49-F238E27FC236}">
+                <a16:creationId xmlns:a16="http://schemas.microsoft.com/office/drawing/2014/main" id="{AEA5B782-AC1B-C06C-AE2F-8FC2CC2B86C2}"/>
+              </a:ext>
+            </a:extLst>
+          </p:cNvPr>
+          <p:cNvSpPr/>
+          <p:nvPr/>
+        </p:nvSpPr>
+        <p:spPr>
+          <a:xfrm>
+            <a:off x="8632152" y="1762684"/>
+            <a:ext cx="1198180" cy="2028497"/>
+          </a:xfrm>
+          <a:prstGeom prst="can">
+            <a:avLst/>
+          </a:prstGeom>
+        </p:spPr>
+        <p:style>
+          <a:lnRef idx="2">
+            <a:schemeClr val="accent1">
+              <a:shade val="15000"/>
+            </a:schemeClr>
+          </a:lnRef>
+          <a:fillRef idx="1">
+            <a:schemeClr val="accent1"/>
+          </a:fillRef>
+          <a:effectRef idx="0">
+            <a:schemeClr val="accent1"/>
+          </a:effectRef>
+          <a:fontRef idx="minor">
+            <a:schemeClr val="lt1"/>
+          </a:fontRef>
+        </p:style>
+        <p:txBody>
+          <a:bodyPr rtlCol="0" anchor="ctr"/>
+          <a:lstStyle/>
+          <a:p>
+            <a:pPr algn="ctr"/>
+            <a:r>
+              <a:rPr lang="en-US" dirty="0"/>
+              <a:t>Strings</a:t>
+            </a:r>
+          </a:p>
+          <a:p>
+            <a:pPr algn="ctr"/>
+            <a:r>
+              <a:rPr lang="en-US" dirty="0"/>
+              <a:t>DB</a:t>
+            </a:r>
+          </a:p>
+        </p:txBody>
+      </p:sp>
+      <p:sp>
+        <p:nvSpPr>
+          <p:cNvPr id="5" name="Rectangle 4">
+            <a:extLst>
+              <a:ext uri="{FF2B5EF4-FFF2-40B4-BE49-F238E27FC236}">
+                <a16:creationId xmlns:a16="http://schemas.microsoft.com/office/drawing/2014/main" id="{4F95B458-B6F5-B83A-A27A-6450444F0433}"/>
+              </a:ext>
+            </a:extLst>
+          </p:cNvPr>
+          <p:cNvSpPr/>
+          <p:nvPr/>
+        </p:nvSpPr>
+        <p:spPr>
+          <a:xfrm>
+            <a:off x="4979469" y="1999419"/>
+            <a:ext cx="1429407" cy="1213944"/>
+          </a:xfrm>
+          <a:prstGeom prst="rect">
+            <a:avLst/>
+          </a:prstGeom>
+          <a:solidFill>
+            <a:schemeClr val="accent6">
+              <a:lumMod val="60000"/>
+              <a:lumOff val="40000"/>
+            </a:schemeClr>
+          </a:solidFill>
+        </p:spPr>
+        <p:style>
+          <a:lnRef idx="2">
+            <a:schemeClr val="accent1">
+              <a:shade val="15000"/>
+            </a:schemeClr>
+          </a:lnRef>
+          <a:fillRef idx="1">
+            <a:schemeClr val="accent1"/>
+          </a:fillRef>
+          <a:effectRef idx="0">
+            <a:schemeClr val="accent1"/>
+          </a:effectRef>
+          <a:fontRef idx="minor">
+            <a:schemeClr val="lt1"/>
+          </a:fontRef>
+        </p:style>
+        <p:txBody>
+          <a:bodyPr rtlCol="0" anchor="ctr"/>
+          <a:lstStyle/>
+          <a:p>
+            <a:pPr algn="ctr"/>
+            <a:endParaRPr lang="en-US"/>
+          </a:p>
+        </p:txBody>
+      </p:sp>
+      <p:sp>
+        <p:nvSpPr>
+          <p:cNvPr id="6" name="Rectangle 5">
+            <a:extLst>
+              <a:ext uri="{FF2B5EF4-FFF2-40B4-BE49-F238E27FC236}">
+                <a16:creationId xmlns:a16="http://schemas.microsoft.com/office/drawing/2014/main" id="{2D416AA1-0A3D-40F2-CD79-85CC422E8D23}"/>
+              </a:ext>
+            </a:extLst>
+          </p:cNvPr>
+          <p:cNvSpPr/>
+          <p:nvPr/>
+        </p:nvSpPr>
+        <p:spPr>
+          <a:xfrm>
+            <a:off x="5131869" y="2183350"/>
+            <a:ext cx="1429407" cy="1213944"/>
+          </a:xfrm>
+          <a:prstGeom prst="rect">
+            <a:avLst/>
+          </a:prstGeom>
+          <a:solidFill>
+            <a:schemeClr val="accent6">
+              <a:lumMod val="60000"/>
+              <a:lumOff val="40000"/>
+            </a:schemeClr>
+          </a:solidFill>
+        </p:spPr>
+        <p:style>
+          <a:lnRef idx="2">
+            <a:schemeClr val="accent1">
+              <a:shade val="15000"/>
+            </a:schemeClr>
+          </a:lnRef>
+          <a:fillRef idx="1">
+            <a:schemeClr val="accent1"/>
+          </a:fillRef>
+          <a:effectRef idx="0">
+            <a:schemeClr val="accent1"/>
+          </a:effectRef>
+          <a:fontRef idx="minor">
+            <a:schemeClr val="lt1"/>
+          </a:fontRef>
+        </p:style>
+        <p:txBody>
+          <a:bodyPr rtlCol="0" anchor="ctr"/>
+          <a:lstStyle/>
+          <a:p>
+            <a:pPr algn="ctr"/>
+            <a:endParaRPr lang="en-US"/>
+          </a:p>
+        </p:txBody>
+      </p:sp>
+      <p:sp>
+        <p:nvSpPr>
+          <p:cNvPr id="7" name="Rectangle 6">
+            <a:extLst>
+              <a:ext uri="{FF2B5EF4-FFF2-40B4-BE49-F238E27FC236}">
+                <a16:creationId xmlns:a16="http://schemas.microsoft.com/office/drawing/2014/main" id="{ECE0535F-BBBD-D250-1B2E-6CA970F763ED}"/>
+              </a:ext>
+            </a:extLst>
+          </p:cNvPr>
+          <p:cNvSpPr/>
+          <p:nvPr/>
+        </p:nvSpPr>
+        <p:spPr>
+          <a:xfrm>
+            <a:off x="5284269" y="2335750"/>
+            <a:ext cx="1429407" cy="1213944"/>
+          </a:xfrm>
+          <a:prstGeom prst="rect">
+            <a:avLst/>
+          </a:prstGeom>
+          <a:solidFill>
+            <a:schemeClr val="accent6">
+              <a:lumMod val="60000"/>
+              <a:lumOff val="40000"/>
+            </a:schemeClr>
+          </a:solidFill>
+        </p:spPr>
+        <p:style>
+          <a:lnRef idx="2">
+            <a:schemeClr val="accent1">
+              <a:shade val="15000"/>
+            </a:schemeClr>
+          </a:lnRef>
+          <a:fillRef idx="1">
+            <a:schemeClr val="accent1"/>
+          </a:fillRef>
+          <a:effectRef idx="0">
+            <a:schemeClr val="accent1"/>
+          </a:effectRef>
+          <a:fontRef idx="minor">
+            <a:schemeClr val="lt1"/>
+          </a:fontRef>
+        </p:style>
+        <p:txBody>
+          <a:bodyPr rtlCol="0" anchor="ctr"/>
+          <a:lstStyle/>
+          <a:p>
+            <a:pPr algn="ctr"/>
+            <a:endParaRPr lang="en-US"/>
+          </a:p>
+        </p:txBody>
+      </p:sp>
+      <p:sp>
+        <p:nvSpPr>
+          <p:cNvPr id="8" name="Rectangle 7">
+            <a:extLst>
+              <a:ext uri="{FF2B5EF4-FFF2-40B4-BE49-F238E27FC236}">
+                <a16:creationId xmlns:a16="http://schemas.microsoft.com/office/drawing/2014/main" id="{782B9A42-3E65-0A71-782A-B60FA64B5AE6}"/>
+              </a:ext>
+            </a:extLst>
+          </p:cNvPr>
+          <p:cNvSpPr/>
+          <p:nvPr/>
+        </p:nvSpPr>
+        <p:spPr>
+          <a:xfrm>
+            <a:off x="5436669" y="2488150"/>
+            <a:ext cx="1429407" cy="1213944"/>
+          </a:xfrm>
+          <a:prstGeom prst="rect">
+            <a:avLst/>
+          </a:prstGeom>
+          <a:solidFill>
+            <a:schemeClr val="accent6">
+              <a:lumMod val="60000"/>
+              <a:lumOff val="40000"/>
+            </a:schemeClr>
+          </a:solidFill>
+        </p:spPr>
+        <p:style>
+          <a:lnRef idx="2">
+            <a:schemeClr val="accent1">
+              <a:shade val="15000"/>
+            </a:schemeClr>
+          </a:lnRef>
+          <a:fillRef idx="1">
+            <a:schemeClr val="accent1"/>
+          </a:fillRef>
+          <a:effectRef idx="0">
+            <a:schemeClr val="accent1"/>
+          </a:effectRef>
+          <a:fontRef idx="minor">
+            <a:schemeClr val="lt1"/>
+          </a:fontRef>
+        </p:style>
+        <p:txBody>
+          <a:bodyPr rtlCol="0" anchor="ctr"/>
+          <a:lstStyle/>
+          <a:p>
+            <a:pPr algn="ctr"/>
+            <a:r>
+              <a:rPr lang="en-US" dirty="0"/>
+              <a:t>Server</a:t>
+            </a:r>
+          </a:p>
+        </p:txBody>
+      </p:sp>
+      <p:sp>
+        <p:nvSpPr>
+          <p:cNvPr id="9" name="TextBox 8">
+            <a:extLst>
+              <a:ext uri="{FF2B5EF4-FFF2-40B4-BE49-F238E27FC236}">
+                <a16:creationId xmlns:a16="http://schemas.microsoft.com/office/drawing/2014/main" id="{D5D99343-C711-0902-5520-61D9AC84CD5F}"/>
+              </a:ext>
+            </a:extLst>
+          </p:cNvPr>
+          <p:cNvSpPr txBox="1"/>
+          <p:nvPr/>
+        </p:nvSpPr>
+        <p:spPr>
+          <a:xfrm>
+            <a:off x="10101212" y="434897"/>
+            <a:ext cx="1998752" cy="646331"/>
+          </a:xfrm>
+          <a:prstGeom prst="rect">
+            <a:avLst/>
+          </a:prstGeom>
+          <a:noFill/>
+        </p:spPr>
+        <p:txBody>
+          <a:bodyPr wrap="square" rtlCol="0">
+            <a:spAutoFit/>
+          </a:bodyPr>
+          <a:lstStyle/>
+          <a:p>
+            <a:r>
+              <a:rPr lang="en-US" sz="1200" dirty="0">
+                <a:solidFill>
+                  <a:srgbClr val="FF0000"/>
+                </a:solidFill>
+              </a:rPr>
+              <a:t>{ string: “00cc11”,</a:t>
+            </a:r>
+          </a:p>
+          <a:p>
+            <a:r>
+              <a:rPr lang="en-US" sz="1200" dirty="0">
+                <a:solidFill>
+                  <a:srgbClr val="FF0000"/>
+                </a:solidFill>
+              </a:rPr>
+              <a:t>  “used”: “true”,</a:t>
+            </a:r>
+          </a:p>
+          <a:p>
+            <a:r>
+              <a:rPr lang="en-US" sz="1200" dirty="0">
+                <a:solidFill>
+                  <a:srgbClr val="FF0000"/>
+                </a:solidFill>
+              </a:rPr>
+              <a:t>“</a:t>
+            </a:r>
+            <a:r>
+              <a:rPr lang="en-US" sz="1200" dirty="0" err="1">
+                <a:solidFill>
+                  <a:srgbClr val="FF0000"/>
+                </a:solidFill>
+              </a:rPr>
+              <a:t>modified_data</a:t>
+            </a:r>
+            <a:r>
+              <a:rPr lang="en-US" sz="1200" dirty="0">
+                <a:solidFill>
+                  <a:srgbClr val="FF0000"/>
+                </a:solidFill>
+              </a:rPr>
+              <a:t>”: “2005” }</a:t>
+            </a:r>
+          </a:p>
+        </p:txBody>
+      </p:sp>
+      <p:sp>
+        <p:nvSpPr>
+          <p:cNvPr id="10" name="TextBox 9">
+            <a:extLst>
+              <a:ext uri="{FF2B5EF4-FFF2-40B4-BE49-F238E27FC236}">
+                <a16:creationId xmlns:a16="http://schemas.microsoft.com/office/drawing/2014/main" id="{50FC4F48-A74D-DE2E-8A29-7B060DDB68AE}"/>
+              </a:ext>
+            </a:extLst>
+          </p:cNvPr>
+          <p:cNvSpPr txBox="1"/>
+          <p:nvPr/>
+        </p:nvSpPr>
+        <p:spPr>
+          <a:xfrm>
+            <a:off x="10101212" y="1253385"/>
+            <a:ext cx="1894045" cy="646331"/>
+          </a:xfrm>
+          <a:prstGeom prst="rect">
+            <a:avLst/>
+          </a:prstGeom>
+          <a:noFill/>
+        </p:spPr>
+        <p:txBody>
+          <a:bodyPr wrap="square" rtlCol="0">
+            <a:spAutoFit/>
+          </a:bodyPr>
+          <a:lstStyle/>
+          <a:p>
+            <a:r>
+              <a:rPr lang="en-US" sz="1200" dirty="0">
+                <a:solidFill>
+                  <a:srgbClr val="FF0000"/>
+                </a:solidFill>
+              </a:rPr>
+              <a:t>{ string: “xx6411”,</a:t>
+            </a:r>
+          </a:p>
+          <a:p>
+            <a:r>
+              <a:rPr lang="en-US" sz="1200" dirty="0">
+                <a:solidFill>
+                  <a:srgbClr val="FF0000"/>
+                </a:solidFill>
+              </a:rPr>
+              <a:t>  “used”: “true,</a:t>
+            </a:r>
+          </a:p>
+          <a:p>
+            <a:r>
+              <a:rPr lang="en-US" sz="1200" dirty="0">
+                <a:solidFill>
+                  <a:srgbClr val="FF0000"/>
+                </a:solidFill>
+              </a:rPr>
+              <a:t>“</a:t>
+            </a:r>
+            <a:r>
+              <a:rPr lang="en-US" sz="1200" dirty="0" err="1">
+                <a:solidFill>
+                  <a:srgbClr val="FF0000"/>
+                </a:solidFill>
+              </a:rPr>
+              <a:t>modified_data</a:t>
+            </a:r>
+            <a:r>
+              <a:rPr lang="en-US" sz="1200" dirty="0">
+                <a:solidFill>
+                  <a:srgbClr val="FF0000"/>
+                </a:solidFill>
+              </a:rPr>
+              <a:t>”: “2001” }</a:t>
+            </a:r>
+          </a:p>
+        </p:txBody>
+      </p:sp>
+      <p:sp>
+        <p:nvSpPr>
+          <p:cNvPr id="11" name="TextBox 10">
+            <a:extLst>
+              <a:ext uri="{FF2B5EF4-FFF2-40B4-BE49-F238E27FC236}">
+                <a16:creationId xmlns:a16="http://schemas.microsoft.com/office/drawing/2014/main" id="{27C003BD-094C-902F-0534-22735BCFE9C6}"/>
+              </a:ext>
+            </a:extLst>
+          </p:cNvPr>
+          <p:cNvSpPr txBox="1"/>
+          <p:nvPr/>
+        </p:nvSpPr>
+        <p:spPr>
+          <a:xfrm>
+            <a:off x="10101211" y="2065282"/>
+            <a:ext cx="1949060" cy="646331"/>
+          </a:xfrm>
+          <a:prstGeom prst="rect">
+            <a:avLst/>
+          </a:prstGeom>
+          <a:noFill/>
+        </p:spPr>
+        <p:txBody>
+          <a:bodyPr wrap="square" rtlCol="0">
+            <a:spAutoFit/>
+          </a:bodyPr>
+          <a:lstStyle/>
+          <a:p>
+            <a:r>
+              <a:rPr lang="en-US" sz="1200" dirty="0"/>
+              <a:t>{ string: “74d412”,</a:t>
+            </a:r>
+          </a:p>
+          <a:p>
+            <a:r>
+              <a:rPr lang="en-US" sz="1200" dirty="0"/>
+              <a:t>  “used”: “false”,</a:t>
+            </a:r>
+          </a:p>
+          <a:p>
+            <a:r>
+              <a:rPr lang="en-US" sz="1200" dirty="0"/>
+              <a:t>“</a:t>
+            </a:r>
+            <a:r>
+              <a:rPr lang="en-US" sz="1200" dirty="0" err="1"/>
+              <a:t>modified_data</a:t>
+            </a:r>
+            <a:r>
+              <a:rPr lang="en-US" sz="1200" dirty="0"/>
+              <a:t>”: “2005” }</a:t>
+            </a:r>
+          </a:p>
+        </p:txBody>
+      </p:sp>
+      <p:sp>
+        <p:nvSpPr>
+          <p:cNvPr id="12" name="TextBox 11">
+            <a:extLst>
+              <a:ext uri="{FF2B5EF4-FFF2-40B4-BE49-F238E27FC236}">
+                <a16:creationId xmlns:a16="http://schemas.microsoft.com/office/drawing/2014/main" id="{27398239-A416-26EC-6D26-DB76992DCFF7}"/>
+              </a:ext>
+            </a:extLst>
+          </p:cNvPr>
+          <p:cNvSpPr txBox="1"/>
+          <p:nvPr/>
+        </p:nvSpPr>
+        <p:spPr>
+          <a:xfrm>
+            <a:off x="10126058" y="2877179"/>
+            <a:ext cx="1894558" cy="646331"/>
+          </a:xfrm>
+          <a:prstGeom prst="rect">
+            <a:avLst/>
+          </a:prstGeom>
+          <a:noFill/>
+        </p:spPr>
+        <p:txBody>
+          <a:bodyPr wrap="square" rtlCol="0">
+            <a:spAutoFit/>
+          </a:bodyPr>
+          <a:lstStyle/>
+          <a:p>
+            <a:r>
+              <a:rPr lang="en-US" sz="1200" dirty="0"/>
+              <a:t>{ string: “hww40”,</a:t>
+            </a:r>
+          </a:p>
+          <a:p>
+            <a:r>
+              <a:rPr lang="en-US" sz="1200" dirty="0"/>
+              <a:t>  “used”: “false”,</a:t>
+            </a:r>
+          </a:p>
+          <a:p>
+            <a:r>
+              <a:rPr lang="en-US" sz="1200" dirty="0"/>
+              <a:t>“</a:t>
+            </a:r>
+            <a:r>
+              <a:rPr lang="en-US" sz="1200" dirty="0" err="1"/>
+              <a:t>modified_data</a:t>
+            </a:r>
+            <a:r>
+              <a:rPr lang="en-US" sz="1200" dirty="0"/>
+              <a:t>”: “2005” }</a:t>
+            </a:r>
+          </a:p>
+        </p:txBody>
+      </p:sp>
+      <p:sp>
+        <p:nvSpPr>
+          <p:cNvPr id="13" name="TextBox 12">
+            <a:extLst>
+              <a:ext uri="{FF2B5EF4-FFF2-40B4-BE49-F238E27FC236}">
+                <a16:creationId xmlns:a16="http://schemas.microsoft.com/office/drawing/2014/main" id="{7DB8E0D7-02E5-EB96-6ADF-E59DE258B2E0}"/>
+              </a:ext>
+            </a:extLst>
+          </p:cNvPr>
+          <p:cNvSpPr txBox="1"/>
+          <p:nvPr/>
+        </p:nvSpPr>
+        <p:spPr>
+          <a:xfrm>
+            <a:off x="10135132" y="3689076"/>
+            <a:ext cx="1992789" cy="830997"/>
+          </a:xfrm>
+          <a:prstGeom prst="rect">
+            <a:avLst/>
+          </a:prstGeom>
+          <a:noFill/>
+        </p:spPr>
+        <p:txBody>
+          <a:bodyPr wrap="square" rtlCol="0">
+            <a:spAutoFit/>
+          </a:bodyPr>
+          <a:lstStyle/>
+          <a:p>
+            <a:r>
+              <a:rPr lang="en-US" sz="1200" dirty="0"/>
+              <a:t>{ string: “211zxz”,</a:t>
+            </a:r>
+          </a:p>
+          <a:p>
+            <a:r>
+              <a:rPr lang="en-US" sz="1200" dirty="0"/>
+              <a:t>  “used”: “false”,</a:t>
+            </a:r>
+          </a:p>
+          <a:p>
+            <a:r>
+              <a:rPr lang="en-US" sz="1200" dirty="0"/>
+              <a:t>“</a:t>
+            </a:r>
+            <a:r>
+              <a:rPr lang="en-US" sz="1200" dirty="0" err="1"/>
+              <a:t>modified_data</a:t>
+            </a:r>
+            <a:r>
+              <a:rPr lang="en-US" sz="1200" dirty="0"/>
+              <a:t>”: “2005” }</a:t>
+            </a:r>
+          </a:p>
+          <a:p>
+            <a:endParaRPr lang="en-US" sz="1200" dirty="0"/>
+          </a:p>
+        </p:txBody>
+      </p:sp>
+      <p:sp>
+        <p:nvSpPr>
+          <p:cNvPr id="14" name="TextBox 13">
+            <a:extLst>
+              <a:ext uri="{FF2B5EF4-FFF2-40B4-BE49-F238E27FC236}">
+                <a16:creationId xmlns:a16="http://schemas.microsoft.com/office/drawing/2014/main" id="{950543E6-70AA-0EE2-88DC-3BD3FD199BF4}"/>
+              </a:ext>
+            </a:extLst>
+          </p:cNvPr>
+          <p:cNvSpPr txBox="1"/>
+          <p:nvPr/>
+        </p:nvSpPr>
+        <p:spPr>
+          <a:xfrm>
+            <a:off x="10190146" y="4500973"/>
+            <a:ext cx="1907382" cy="646331"/>
+          </a:xfrm>
+          <a:prstGeom prst="rect">
+            <a:avLst/>
+          </a:prstGeom>
+          <a:noFill/>
+        </p:spPr>
+        <p:txBody>
+          <a:bodyPr wrap="square" rtlCol="0">
+            <a:spAutoFit/>
+          </a:bodyPr>
+          <a:lstStyle/>
+          <a:p>
+            <a:r>
+              <a:rPr lang="en-US" sz="1200" dirty="0"/>
+              <a:t>{ string: “b4v3z7”,</a:t>
+            </a:r>
+          </a:p>
+          <a:p>
+            <a:r>
+              <a:rPr lang="en-US" sz="1200" dirty="0"/>
+              <a:t>  “used”: “false”,</a:t>
+            </a:r>
+          </a:p>
+          <a:p>
+            <a:r>
+              <a:rPr lang="en-US" sz="1200" dirty="0"/>
+              <a:t>“</a:t>
+            </a:r>
+            <a:r>
+              <a:rPr lang="en-US" sz="1200" dirty="0" err="1"/>
+              <a:t>modified_data</a:t>
+            </a:r>
+            <a:r>
+              <a:rPr lang="en-US" sz="1200" dirty="0"/>
+              <a:t>”: “2005” }</a:t>
+            </a:r>
+          </a:p>
+        </p:txBody>
+      </p:sp>
+      <p:sp>
+        <p:nvSpPr>
+          <p:cNvPr id="15" name="Smiley Face 14">
+            <a:extLst>
+              <a:ext uri="{FF2B5EF4-FFF2-40B4-BE49-F238E27FC236}">
+                <a16:creationId xmlns:a16="http://schemas.microsoft.com/office/drawing/2014/main" id="{85D4EAD3-0CF2-9E25-6D5A-5F59BF1F44BB}"/>
+              </a:ext>
+            </a:extLst>
+          </p:cNvPr>
+          <p:cNvSpPr/>
+          <p:nvPr/>
+        </p:nvSpPr>
+        <p:spPr>
+          <a:xfrm>
+            <a:off x="215078" y="1466088"/>
+            <a:ext cx="780586" cy="725213"/>
+          </a:xfrm>
+          <a:prstGeom prst="smileyFace">
+            <a:avLst/>
+          </a:prstGeom>
+          <a:solidFill>
+            <a:schemeClr val="accent5">
+              <a:lumMod val="40000"/>
+              <a:lumOff val="60000"/>
+            </a:schemeClr>
+          </a:solidFill>
+        </p:spPr>
+        <p:style>
+          <a:lnRef idx="2">
+            <a:schemeClr val="accent1">
+              <a:shade val="15000"/>
+            </a:schemeClr>
+          </a:lnRef>
+          <a:fillRef idx="1">
+            <a:schemeClr val="accent1"/>
+          </a:fillRef>
+          <a:effectRef idx="0">
+            <a:schemeClr val="accent1"/>
+          </a:effectRef>
+          <a:fontRef idx="minor">
+            <a:schemeClr val="lt1"/>
+          </a:fontRef>
+        </p:style>
+        <p:txBody>
+          <a:bodyPr rtlCol="0" anchor="ctr"/>
+          <a:lstStyle/>
+          <a:p>
+            <a:pPr algn="ctr"/>
+            <a:endParaRPr lang="en-US"/>
+          </a:p>
+        </p:txBody>
+      </p:sp>
+      <p:sp>
+        <p:nvSpPr>
+          <p:cNvPr id="16" name="TextBox 15">
+            <a:extLst>
+              <a:ext uri="{FF2B5EF4-FFF2-40B4-BE49-F238E27FC236}">
+                <a16:creationId xmlns:a16="http://schemas.microsoft.com/office/drawing/2014/main" id="{A5CDCDB4-FFF2-7E85-A0E8-B9A41031000E}"/>
+              </a:ext>
+            </a:extLst>
+          </p:cNvPr>
+          <p:cNvSpPr txBox="1"/>
+          <p:nvPr/>
+        </p:nvSpPr>
+        <p:spPr>
+          <a:xfrm>
+            <a:off x="10190146" y="5312870"/>
+            <a:ext cx="1937775" cy="646331"/>
+          </a:xfrm>
+          <a:prstGeom prst="rect">
+            <a:avLst/>
+          </a:prstGeom>
+          <a:noFill/>
+        </p:spPr>
+        <p:txBody>
+          <a:bodyPr wrap="square" rtlCol="0">
+            <a:spAutoFit/>
+          </a:bodyPr>
+          <a:lstStyle/>
+          <a:p>
+            <a:r>
+              <a:rPr lang="en-US" sz="1200" dirty="0"/>
+              <a:t>{ string: “aaa311”,</a:t>
+            </a:r>
+          </a:p>
+          <a:p>
+            <a:r>
+              <a:rPr lang="en-US" sz="1200" dirty="0"/>
+              <a:t>  “used”: “false” ,</a:t>
+            </a:r>
+          </a:p>
+          <a:p>
+            <a:r>
+              <a:rPr lang="en-US" sz="1200" dirty="0"/>
+              <a:t>“</a:t>
+            </a:r>
+            <a:r>
+              <a:rPr lang="en-US" sz="1200" dirty="0" err="1"/>
+              <a:t>modified_data</a:t>
+            </a:r>
+            <a:r>
+              <a:rPr lang="en-US" sz="1200" dirty="0"/>
+              <a:t>”: “2005” }</a:t>
+            </a:r>
+          </a:p>
+        </p:txBody>
+      </p:sp>
+      <p:cxnSp>
+        <p:nvCxnSpPr>
+          <p:cNvPr id="17" name="Straight Arrow Connector 16">
+            <a:extLst>
+              <a:ext uri="{FF2B5EF4-FFF2-40B4-BE49-F238E27FC236}">
+                <a16:creationId xmlns:a16="http://schemas.microsoft.com/office/drawing/2014/main" id="{6FFC6276-185E-ECA7-8493-1B2BFF55735C}"/>
+              </a:ext>
+            </a:extLst>
+          </p:cNvPr>
+          <p:cNvCxnSpPr>
+            <a:cxnSpLocks/>
+            <a:stCxn id="15" idx="6"/>
+          </p:cNvCxnSpPr>
+          <p:nvPr/>
+        </p:nvCxnSpPr>
+        <p:spPr>
+          <a:xfrm flipV="1">
+            <a:off x="995664" y="1828694"/>
+            <a:ext cx="1626669" cy="1"/>
+          </a:xfrm>
+          <a:prstGeom prst="straightConnector1">
+            <a:avLst/>
+          </a:prstGeom>
+          <a:ln>
+            <a:tailEnd type="triangle"/>
+          </a:ln>
+        </p:spPr>
+        <p:style>
+          <a:lnRef idx="2">
+            <a:schemeClr val="accent1"/>
+          </a:lnRef>
+          <a:fillRef idx="0">
+            <a:schemeClr val="accent1"/>
+          </a:fillRef>
+          <a:effectRef idx="1">
+            <a:schemeClr val="accent1"/>
+          </a:effectRef>
+          <a:fontRef idx="minor">
+            <a:schemeClr val="tx1"/>
+          </a:fontRef>
+        </p:style>
+      </p:cxnSp>
+      <p:sp>
+        <p:nvSpPr>
+          <p:cNvPr id="18" name="TextBox 17">
+            <a:extLst>
+              <a:ext uri="{FF2B5EF4-FFF2-40B4-BE49-F238E27FC236}">
+                <a16:creationId xmlns:a16="http://schemas.microsoft.com/office/drawing/2014/main" id="{157E5CA0-8009-6453-5E8E-41107BA0A928}"/>
+              </a:ext>
+            </a:extLst>
+          </p:cNvPr>
+          <p:cNvSpPr txBox="1"/>
+          <p:nvPr/>
+        </p:nvSpPr>
+        <p:spPr>
+          <a:xfrm>
+            <a:off x="1187223" y="1301019"/>
+            <a:ext cx="1276619" cy="461665"/>
+          </a:xfrm>
+          <a:prstGeom prst="rect">
+            <a:avLst/>
+          </a:prstGeom>
+          <a:noFill/>
+        </p:spPr>
+        <p:txBody>
+          <a:bodyPr wrap="square" rtlCol="0">
+            <a:spAutoFit/>
+          </a:bodyPr>
+          <a:lstStyle/>
+          <a:p>
+            <a:r>
+              <a:rPr lang="en-US" sz="1200" dirty="0">
+                <a:solidFill>
+                  <a:srgbClr val="FF0000"/>
+                </a:solidFill>
+              </a:rPr>
+              <a:t>Give me 2 random Strings</a:t>
+            </a:r>
+          </a:p>
+        </p:txBody>
+      </p:sp>
+      <p:sp>
+        <p:nvSpPr>
+          <p:cNvPr id="19" name="Smiley Face 18">
+            <a:extLst>
+              <a:ext uri="{FF2B5EF4-FFF2-40B4-BE49-F238E27FC236}">
+                <a16:creationId xmlns:a16="http://schemas.microsoft.com/office/drawing/2014/main" id="{470C990F-55D3-FAEC-0172-F293C7DCA294}"/>
+              </a:ext>
+            </a:extLst>
+          </p:cNvPr>
+          <p:cNvSpPr/>
+          <p:nvPr/>
+        </p:nvSpPr>
+        <p:spPr>
+          <a:xfrm>
+            <a:off x="215078" y="2622625"/>
+            <a:ext cx="780586" cy="725213"/>
+          </a:xfrm>
+          <a:prstGeom prst="smileyFace">
+            <a:avLst/>
+          </a:prstGeom>
+          <a:solidFill>
+            <a:schemeClr val="accent5">
+              <a:lumMod val="40000"/>
+              <a:lumOff val="60000"/>
+            </a:schemeClr>
+          </a:solidFill>
+        </p:spPr>
+        <p:style>
+          <a:lnRef idx="2">
+            <a:schemeClr val="accent1">
+              <a:shade val="15000"/>
+            </a:schemeClr>
+          </a:lnRef>
+          <a:fillRef idx="1">
+            <a:schemeClr val="accent1"/>
+          </a:fillRef>
+          <a:effectRef idx="0">
+            <a:schemeClr val="accent1"/>
+          </a:effectRef>
+          <a:fontRef idx="minor">
+            <a:schemeClr val="lt1"/>
+          </a:fontRef>
+        </p:style>
+        <p:txBody>
+          <a:bodyPr rtlCol="0" anchor="ctr"/>
+          <a:lstStyle/>
+          <a:p>
+            <a:pPr algn="ctr"/>
+            <a:endParaRPr lang="en-US"/>
+          </a:p>
+        </p:txBody>
+      </p:sp>
+      <p:sp>
+        <p:nvSpPr>
+          <p:cNvPr id="20" name="Rectangle 19">
+            <a:extLst>
+              <a:ext uri="{FF2B5EF4-FFF2-40B4-BE49-F238E27FC236}">
+                <a16:creationId xmlns:a16="http://schemas.microsoft.com/office/drawing/2014/main" id="{88A6D13E-252C-05AF-5830-16638C58C003}"/>
+              </a:ext>
+            </a:extLst>
+          </p:cNvPr>
+          <p:cNvSpPr/>
+          <p:nvPr/>
+        </p:nvSpPr>
+        <p:spPr>
+          <a:xfrm>
+            <a:off x="2642839" y="936702"/>
+            <a:ext cx="1014761" cy="4210602"/>
+          </a:xfrm>
+          <a:prstGeom prst="rect">
+            <a:avLst/>
+          </a:prstGeom>
+        </p:spPr>
+        <p:style>
+          <a:lnRef idx="2">
+            <a:schemeClr val="accent1">
+              <a:shade val="15000"/>
+            </a:schemeClr>
+          </a:lnRef>
+          <a:fillRef idx="1">
+            <a:schemeClr val="accent1"/>
+          </a:fillRef>
+          <a:effectRef idx="0">
+            <a:schemeClr val="accent1"/>
+          </a:effectRef>
+          <a:fontRef idx="minor">
+            <a:schemeClr val="lt1"/>
+          </a:fontRef>
+        </p:style>
+        <p:txBody>
+          <a:bodyPr rtlCol="0" anchor="ctr"/>
+          <a:lstStyle/>
+          <a:p>
+            <a:pPr algn="ctr"/>
+            <a:r>
+              <a:rPr lang="en-US" dirty="0"/>
+              <a:t>Load</a:t>
+            </a:r>
+          </a:p>
+          <a:p>
+            <a:pPr algn="ctr"/>
+            <a:r>
+              <a:rPr lang="en-US" dirty="0"/>
+              <a:t>Balance</a:t>
+            </a:r>
+          </a:p>
+        </p:txBody>
+      </p:sp>
+      <p:cxnSp>
+        <p:nvCxnSpPr>
+          <p:cNvPr id="21" name="Straight Arrow Connector 20">
+            <a:extLst>
+              <a:ext uri="{FF2B5EF4-FFF2-40B4-BE49-F238E27FC236}">
+                <a16:creationId xmlns:a16="http://schemas.microsoft.com/office/drawing/2014/main" id="{B1B8A0C0-A448-52E2-598C-BBF7589E19C3}"/>
+              </a:ext>
+            </a:extLst>
+          </p:cNvPr>
+          <p:cNvCxnSpPr>
+            <a:stCxn id="19" idx="6"/>
+          </p:cNvCxnSpPr>
+          <p:nvPr/>
+        </p:nvCxnSpPr>
+        <p:spPr>
+          <a:xfrm flipV="1">
+            <a:off x="995664" y="2985231"/>
+            <a:ext cx="1622953" cy="1"/>
+          </a:xfrm>
+          <a:prstGeom prst="straightConnector1">
+            <a:avLst/>
+          </a:prstGeom>
+          <a:ln>
+            <a:tailEnd type="triangle"/>
+          </a:ln>
+        </p:spPr>
+        <p:style>
+          <a:lnRef idx="2">
+            <a:schemeClr val="accent1"/>
+          </a:lnRef>
+          <a:fillRef idx="0">
+            <a:schemeClr val="accent1"/>
+          </a:fillRef>
+          <a:effectRef idx="1">
+            <a:schemeClr val="accent1"/>
+          </a:effectRef>
+          <a:fontRef idx="minor">
+            <a:schemeClr val="tx1"/>
+          </a:fontRef>
+        </p:style>
+      </p:cxnSp>
+      <p:sp>
+        <p:nvSpPr>
+          <p:cNvPr id="22" name="Smiley Face 21">
+            <a:extLst>
+              <a:ext uri="{FF2B5EF4-FFF2-40B4-BE49-F238E27FC236}">
+                <a16:creationId xmlns:a16="http://schemas.microsoft.com/office/drawing/2014/main" id="{6B6C130A-A661-78E8-A46A-1380B02C1053}"/>
+              </a:ext>
+            </a:extLst>
+          </p:cNvPr>
+          <p:cNvSpPr/>
+          <p:nvPr/>
+        </p:nvSpPr>
+        <p:spPr>
+          <a:xfrm>
+            <a:off x="243209" y="3822897"/>
+            <a:ext cx="780586" cy="725213"/>
+          </a:xfrm>
+          <a:prstGeom prst="smileyFace">
+            <a:avLst/>
+          </a:prstGeom>
+          <a:solidFill>
+            <a:schemeClr val="accent5">
+              <a:lumMod val="40000"/>
+              <a:lumOff val="60000"/>
+            </a:schemeClr>
+          </a:solidFill>
+        </p:spPr>
+        <p:style>
+          <a:lnRef idx="2">
+            <a:schemeClr val="accent1">
+              <a:shade val="15000"/>
+            </a:schemeClr>
+          </a:lnRef>
+          <a:fillRef idx="1">
+            <a:schemeClr val="accent1"/>
+          </a:fillRef>
+          <a:effectRef idx="0">
+            <a:schemeClr val="accent1"/>
+          </a:effectRef>
+          <a:fontRef idx="minor">
+            <a:schemeClr val="lt1"/>
+          </a:fontRef>
+        </p:style>
+        <p:txBody>
+          <a:bodyPr rtlCol="0" anchor="ctr"/>
+          <a:lstStyle/>
+          <a:p>
+            <a:pPr algn="ctr"/>
+            <a:endParaRPr lang="en-US"/>
+          </a:p>
+        </p:txBody>
+      </p:sp>
+      <p:cxnSp>
+        <p:nvCxnSpPr>
+          <p:cNvPr id="23" name="Straight Arrow Connector 22">
+            <a:extLst>
+              <a:ext uri="{FF2B5EF4-FFF2-40B4-BE49-F238E27FC236}">
+                <a16:creationId xmlns:a16="http://schemas.microsoft.com/office/drawing/2014/main" id="{C3CCBA93-5C68-BC71-48F8-30324A23BECB}"/>
+              </a:ext>
+            </a:extLst>
+          </p:cNvPr>
+          <p:cNvCxnSpPr>
+            <a:stCxn id="22" idx="6"/>
+          </p:cNvCxnSpPr>
+          <p:nvPr/>
+        </p:nvCxnSpPr>
+        <p:spPr>
+          <a:xfrm flipV="1">
+            <a:off x="1023795" y="4185503"/>
+            <a:ext cx="1622249" cy="1"/>
+          </a:xfrm>
+          <a:prstGeom prst="straightConnector1">
+            <a:avLst/>
+          </a:prstGeom>
+          <a:ln>
+            <a:tailEnd type="triangle"/>
+          </a:ln>
+        </p:spPr>
+        <p:style>
+          <a:lnRef idx="2">
+            <a:schemeClr val="accent1"/>
+          </a:lnRef>
+          <a:fillRef idx="0">
+            <a:schemeClr val="accent1"/>
+          </a:fillRef>
+          <a:effectRef idx="1">
+            <a:schemeClr val="accent1"/>
+          </a:effectRef>
+          <a:fontRef idx="minor">
+            <a:schemeClr val="tx1"/>
+          </a:fontRef>
+        </p:style>
+      </p:cxnSp>
+      <p:sp>
+        <p:nvSpPr>
+          <p:cNvPr id="24" name="TextBox 23">
+            <a:extLst>
+              <a:ext uri="{FF2B5EF4-FFF2-40B4-BE49-F238E27FC236}">
+                <a16:creationId xmlns:a16="http://schemas.microsoft.com/office/drawing/2014/main" id="{E72C1B8C-D0B5-9A1D-619A-327F33957692}"/>
+              </a:ext>
+            </a:extLst>
+          </p:cNvPr>
+          <p:cNvSpPr txBox="1"/>
+          <p:nvPr/>
+        </p:nvSpPr>
+        <p:spPr>
+          <a:xfrm>
+            <a:off x="1200993" y="2469856"/>
+            <a:ext cx="1276619" cy="461665"/>
+          </a:xfrm>
+          <a:prstGeom prst="rect">
+            <a:avLst/>
+          </a:prstGeom>
+          <a:noFill/>
+        </p:spPr>
+        <p:txBody>
+          <a:bodyPr wrap="square" rtlCol="0">
+            <a:spAutoFit/>
+          </a:bodyPr>
+          <a:lstStyle/>
+          <a:p>
+            <a:r>
+              <a:rPr lang="en-US" sz="1200" dirty="0"/>
+              <a:t>Give me 3 random Strings</a:t>
+            </a:r>
+          </a:p>
+        </p:txBody>
+      </p:sp>
+      <p:sp>
+        <p:nvSpPr>
+          <p:cNvPr id="25" name="TextBox 24">
+            <a:extLst>
+              <a:ext uri="{FF2B5EF4-FFF2-40B4-BE49-F238E27FC236}">
+                <a16:creationId xmlns:a16="http://schemas.microsoft.com/office/drawing/2014/main" id="{787E39CC-7124-D871-7520-66FF3DC4ABC7}"/>
+              </a:ext>
+            </a:extLst>
+          </p:cNvPr>
+          <p:cNvSpPr txBox="1"/>
+          <p:nvPr/>
+        </p:nvSpPr>
+        <p:spPr>
+          <a:xfrm>
+            <a:off x="1196609" y="3689076"/>
+            <a:ext cx="1276619" cy="461665"/>
+          </a:xfrm>
+          <a:prstGeom prst="rect">
+            <a:avLst/>
+          </a:prstGeom>
+          <a:noFill/>
+        </p:spPr>
+        <p:txBody>
+          <a:bodyPr wrap="square" rtlCol="0">
+            <a:spAutoFit/>
+          </a:bodyPr>
+          <a:lstStyle/>
+          <a:p>
+            <a:r>
+              <a:rPr lang="en-US" sz="1200" dirty="0"/>
+              <a:t>Give me 2 random Strings</a:t>
+            </a:r>
+          </a:p>
+        </p:txBody>
+      </p:sp>
+      <p:cxnSp>
+        <p:nvCxnSpPr>
+          <p:cNvPr id="26" name="Straight Arrow Connector 25">
+            <a:extLst>
+              <a:ext uri="{FF2B5EF4-FFF2-40B4-BE49-F238E27FC236}">
+                <a16:creationId xmlns:a16="http://schemas.microsoft.com/office/drawing/2014/main" id="{DC60277F-AD54-2CF4-EC5C-3AADC1CEC9B9}"/>
+              </a:ext>
+            </a:extLst>
+          </p:cNvPr>
+          <p:cNvCxnSpPr>
+            <a:stCxn id="20" idx="3"/>
+            <a:endCxn id="5" idx="1"/>
+          </p:cNvCxnSpPr>
+          <p:nvPr/>
+        </p:nvCxnSpPr>
+        <p:spPr>
+          <a:xfrm flipV="1">
+            <a:off x="3657600" y="2606391"/>
+            <a:ext cx="1321869" cy="435612"/>
+          </a:xfrm>
+          <a:prstGeom prst="straightConnector1">
+            <a:avLst/>
+          </a:prstGeom>
+          <a:ln>
+            <a:tailEnd type="triangle"/>
+          </a:ln>
+        </p:spPr>
+        <p:style>
+          <a:lnRef idx="2">
+            <a:schemeClr val="accent1"/>
+          </a:lnRef>
+          <a:fillRef idx="0">
+            <a:schemeClr val="accent1"/>
+          </a:fillRef>
+          <a:effectRef idx="1">
+            <a:schemeClr val="accent1"/>
+          </a:effectRef>
+          <a:fontRef idx="minor">
+            <a:schemeClr val="tx1"/>
+          </a:fontRef>
+        </p:style>
+      </p:cxnSp>
+      <p:cxnSp>
+        <p:nvCxnSpPr>
+          <p:cNvPr id="27" name="Straight Arrow Connector 26">
+            <a:extLst>
+              <a:ext uri="{FF2B5EF4-FFF2-40B4-BE49-F238E27FC236}">
+                <a16:creationId xmlns:a16="http://schemas.microsoft.com/office/drawing/2014/main" id="{FCF3A21A-9B5D-02EA-DE23-BED56B007DAE}"/>
+              </a:ext>
+            </a:extLst>
+          </p:cNvPr>
+          <p:cNvCxnSpPr>
+            <a:stCxn id="20" idx="3"/>
+            <a:endCxn id="6" idx="1"/>
+          </p:cNvCxnSpPr>
+          <p:nvPr/>
+        </p:nvCxnSpPr>
+        <p:spPr>
+          <a:xfrm flipV="1">
+            <a:off x="3657600" y="2790322"/>
+            <a:ext cx="1474269" cy="251681"/>
+          </a:xfrm>
+          <a:prstGeom prst="straightConnector1">
+            <a:avLst/>
+          </a:prstGeom>
+          <a:ln>
+            <a:tailEnd type="triangle"/>
+          </a:ln>
+        </p:spPr>
+        <p:style>
+          <a:lnRef idx="2">
+            <a:schemeClr val="accent1"/>
+          </a:lnRef>
+          <a:fillRef idx="0">
+            <a:schemeClr val="accent1"/>
+          </a:fillRef>
+          <a:effectRef idx="1">
+            <a:schemeClr val="accent1"/>
+          </a:effectRef>
+          <a:fontRef idx="minor">
+            <a:schemeClr val="tx1"/>
+          </a:fontRef>
+        </p:style>
+      </p:cxnSp>
+      <p:cxnSp>
+        <p:nvCxnSpPr>
+          <p:cNvPr id="28" name="Straight Arrow Connector 27">
+            <a:extLst>
+              <a:ext uri="{FF2B5EF4-FFF2-40B4-BE49-F238E27FC236}">
+                <a16:creationId xmlns:a16="http://schemas.microsoft.com/office/drawing/2014/main" id="{4B6925C1-AA0E-5F0D-1257-1DC47EC3F257}"/>
+              </a:ext>
+            </a:extLst>
+          </p:cNvPr>
+          <p:cNvCxnSpPr>
+            <a:stCxn id="20" idx="3"/>
+            <a:endCxn id="7" idx="1"/>
+          </p:cNvCxnSpPr>
+          <p:nvPr/>
+        </p:nvCxnSpPr>
+        <p:spPr>
+          <a:xfrm flipV="1">
+            <a:off x="3657600" y="2942722"/>
+            <a:ext cx="1626669" cy="99281"/>
+          </a:xfrm>
+          <a:prstGeom prst="straightConnector1">
+            <a:avLst/>
+          </a:prstGeom>
+          <a:ln>
+            <a:tailEnd type="triangle"/>
+          </a:ln>
+        </p:spPr>
+        <p:style>
+          <a:lnRef idx="2">
+            <a:schemeClr val="accent1"/>
+          </a:lnRef>
+          <a:fillRef idx="0">
+            <a:schemeClr val="accent1"/>
+          </a:fillRef>
+          <a:effectRef idx="1">
+            <a:schemeClr val="accent1"/>
+          </a:effectRef>
+          <a:fontRef idx="minor">
+            <a:schemeClr val="tx1"/>
+          </a:fontRef>
+        </p:style>
+      </p:cxnSp>
+      <p:cxnSp>
+        <p:nvCxnSpPr>
+          <p:cNvPr id="29" name="Straight Arrow Connector 28">
+            <a:extLst>
+              <a:ext uri="{FF2B5EF4-FFF2-40B4-BE49-F238E27FC236}">
+                <a16:creationId xmlns:a16="http://schemas.microsoft.com/office/drawing/2014/main" id="{30870C76-37D2-3BA7-CED7-1636BC90F4FD}"/>
+              </a:ext>
+            </a:extLst>
+          </p:cNvPr>
+          <p:cNvCxnSpPr>
+            <a:endCxn id="4" idx="2"/>
+          </p:cNvCxnSpPr>
+          <p:nvPr/>
+        </p:nvCxnSpPr>
+        <p:spPr>
+          <a:xfrm>
+            <a:off x="6408876" y="2065282"/>
+            <a:ext cx="2223276" cy="711651"/>
+          </a:xfrm>
+          <a:prstGeom prst="straightConnector1">
+            <a:avLst/>
+          </a:prstGeom>
+          <a:ln>
+            <a:headEnd type="triangle"/>
+            <a:tailEnd type="triangle"/>
+          </a:ln>
+        </p:spPr>
+        <p:style>
+          <a:lnRef idx="2">
+            <a:schemeClr val="accent1"/>
+          </a:lnRef>
+          <a:fillRef idx="0">
+            <a:schemeClr val="accent1"/>
+          </a:fillRef>
+          <a:effectRef idx="1">
+            <a:schemeClr val="accent1"/>
+          </a:effectRef>
+          <a:fontRef idx="minor">
+            <a:schemeClr val="tx1"/>
+          </a:fontRef>
+        </p:style>
+      </p:cxnSp>
+      <p:cxnSp>
+        <p:nvCxnSpPr>
+          <p:cNvPr id="30" name="Straight Arrow Connector 29">
+            <a:extLst>
+              <a:ext uri="{FF2B5EF4-FFF2-40B4-BE49-F238E27FC236}">
+                <a16:creationId xmlns:a16="http://schemas.microsoft.com/office/drawing/2014/main" id="{7F6FA6A5-4F82-E0D0-7544-F2407AE7CFD1}"/>
+              </a:ext>
+            </a:extLst>
+          </p:cNvPr>
+          <p:cNvCxnSpPr>
+            <a:endCxn id="4" idx="2"/>
+          </p:cNvCxnSpPr>
+          <p:nvPr/>
+        </p:nvCxnSpPr>
+        <p:spPr>
+          <a:xfrm>
+            <a:off x="6561276" y="2191301"/>
+            <a:ext cx="2070876" cy="585632"/>
+          </a:xfrm>
+          <a:prstGeom prst="straightConnector1">
+            <a:avLst/>
+          </a:prstGeom>
+          <a:ln>
+            <a:headEnd type="triangle"/>
+            <a:tailEnd type="triangle"/>
+          </a:ln>
+        </p:spPr>
+        <p:style>
+          <a:lnRef idx="2">
+            <a:schemeClr val="accent1"/>
+          </a:lnRef>
+          <a:fillRef idx="0">
+            <a:schemeClr val="accent1"/>
+          </a:fillRef>
+          <a:effectRef idx="1">
+            <a:schemeClr val="accent1"/>
+          </a:effectRef>
+          <a:fontRef idx="minor">
+            <a:schemeClr val="tx1"/>
+          </a:fontRef>
+        </p:style>
+      </p:cxnSp>
+      <p:cxnSp>
+        <p:nvCxnSpPr>
+          <p:cNvPr id="31" name="Straight Arrow Connector 30">
+            <a:extLst>
+              <a:ext uri="{FF2B5EF4-FFF2-40B4-BE49-F238E27FC236}">
+                <a16:creationId xmlns:a16="http://schemas.microsoft.com/office/drawing/2014/main" id="{FEF8560A-9E1F-67B5-E613-75024D57D9FE}"/>
+              </a:ext>
+            </a:extLst>
+          </p:cNvPr>
+          <p:cNvCxnSpPr>
+            <a:endCxn id="4" idx="2"/>
+          </p:cNvCxnSpPr>
+          <p:nvPr/>
+        </p:nvCxnSpPr>
+        <p:spPr>
+          <a:xfrm>
+            <a:off x="6713676" y="2335750"/>
+            <a:ext cx="1918476" cy="441183"/>
+          </a:xfrm>
+          <a:prstGeom prst="straightConnector1">
+            <a:avLst/>
+          </a:prstGeom>
+          <a:ln>
+            <a:headEnd type="triangle"/>
+            <a:tailEnd type="triangle"/>
+          </a:ln>
+        </p:spPr>
+        <p:style>
+          <a:lnRef idx="2">
+            <a:schemeClr val="accent1"/>
+          </a:lnRef>
+          <a:fillRef idx="0">
+            <a:schemeClr val="accent1"/>
+          </a:fillRef>
+          <a:effectRef idx="1">
+            <a:schemeClr val="accent1"/>
+          </a:effectRef>
+          <a:fontRef idx="minor">
+            <a:schemeClr val="tx1"/>
+          </a:fontRef>
+        </p:style>
+      </p:cxnSp>
+      <p:sp>
+        <p:nvSpPr>
+          <p:cNvPr id="3" name="TextBox 2">
+            <a:extLst>
+              <a:ext uri="{FF2B5EF4-FFF2-40B4-BE49-F238E27FC236}">
+                <a16:creationId xmlns:a16="http://schemas.microsoft.com/office/drawing/2014/main" id="{2A775897-9EC8-F47B-0B96-BA926D19144C}"/>
+              </a:ext>
+            </a:extLst>
+          </p:cNvPr>
+          <p:cNvSpPr txBox="1"/>
+          <p:nvPr/>
+        </p:nvSpPr>
+        <p:spPr>
+          <a:xfrm>
+            <a:off x="285661" y="219296"/>
+            <a:ext cx="2983055" cy="369332"/>
+          </a:xfrm>
+          <a:prstGeom prst="rect">
+            <a:avLst/>
+          </a:prstGeom>
+          <a:noFill/>
+        </p:spPr>
+        <p:txBody>
+          <a:bodyPr wrap="square" rtlCol="0">
+            <a:spAutoFit/>
+          </a:bodyPr>
+          <a:lstStyle/>
+          <a:p>
+            <a:r>
+              <a:rPr lang="en-US" dirty="0">
+                <a:solidFill>
+                  <a:srgbClr val="FF0000"/>
+                </a:solidFill>
+              </a:rPr>
+              <a:t>SOLUTION – OPTION 2</a:t>
+            </a:r>
+          </a:p>
+        </p:txBody>
+      </p:sp>
+      <p:sp>
+        <p:nvSpPr>
+          <p:cNvPr id="33" name="TextBox 32">
+            <a:extLst>
+              <a:ext uri="{FF2B5EF4-FFF2-40B4-BE49-F238E27FC236}">
+                <a16:creationId xmlns:a16="http://schemas.microsoft.com/office/drawing/2014/main" id="{4B3B7885-9479-DEAB-2C53-4A703D3245B5}"/>
+              </a:ext>
+            </a:extLst>
+          </p:cNvPr>
+          <p:cNvSpPr txBox="1"/>
+          <p:nvPr/>
+        </p:nvSpPr>
+        <p:spPr>
+          <a:xfrm>
+            <a:off x="3760932" y="4694116"/>
+            <a:ext cx="6450403" cy="1384995"/>
+          </a:xfrm>
+          <a:prstGeom prst="rect">
+            <a:avLst/>
+          </a:prstGeom>
+          <a:noFill/>
+        </p:spPr>
+        <p:txBody>
+          <a:bodyPr wrap="square" rtlCol="0">
+            <a:spAutoFit/>
+          </a:bodyPr>
+          <a:lstStyle/>
+          <a:p>
+            <a:pPr marL="285750" indent="-285750">
+              <a:buFont typeface="Arial" panose="020B0604020202020204" pitchFamily="34" charset="0"/>
+              <a:buChar char="•"/>
+            </a:pPr>
+            <a:r>
+              <a:rPr lang="en-IE" sz="1200" i="0" dirty="0">
+                <a:solidFill>
+                  <a:srgbClr val="FF0000"/>
+                </a:solidFill>
+                <a:effectLst/>
+                <a:latin typeface="-apple-system"/>
+              </a:rPr>
+              <a:t>SELECT </a:t>
+            </a:r>
+            <a:r>
+              <a:rPr lang="en-US" sz="1200" dirty="0"/>
+              <a:t>string, </a:t>
+            </a:r>
+            <a:r>
+              <a:rPr lang="en-IE" sz="1200" dirty="0" err="1"/>
+              <a:t>modified_data</a:t>
+            </a:r>
+            <a:r>
+              <a:rPr lang="en-US" sz="1200" dirty="0"/>
+              <a:t> FROM Strings WHERE used = FALSE FETCH FIRST 2 ROWS ONLY;</a:t>
+            </a:r>
+          </a:p>
+          <a:p>
+            <a:pPr marL="285750" indent="-285750">
+              <a:buFont typeface="Arial" panose="020B0604020202020204" pitchFamily="34" charset="0"/>
+              <a:buChar char="•"/>
+            </a:pPr>
+            <a:r>
+              <a:rPr lang="en-US" sz="1200" dirty="0"/>
+              <a:t>** here you can do any other computation**</a:t>
+            </a:r>
+          </a:p>
+          <a:p>
+            <a:pPr marL="285750" indent="-285750">
+              <a:buFont typeface="Arial" panose="020B0604020202020204" pitchFamily="34" charset="0"/>
+              <a:buChar char="•"/>
+            </a:pPr>
+            <a:r>
+              <a:rPr lang="en-US" sz="1200" dirty="0"/>
+              <a:t>UPDATE  Strings SET used = TRUE WHERE string = “00cc11” OR string = “xx6411” </a:t>
+            </a:r>
+            <a:r>
+              <a:rPr lang="en-IE" sz="1200" dirty="0">
+                <a:effectLst/>
+                <a:latin typeface="inherit"/>
+              </a:rPr>
+              <a:t>and</a:t>
+            </a:r>
+            <a:r>
+              <a:rPr lang="en-IE" sz="1200" dirty="0"/>
+              <a:t> </a:t>
+            </a:r>
+            <a:r>
+              <a:rPr lang="en-IE" sz="1200" dirty="0" err="1"/>
+              <a:t>modified_data</a:t>
+            </a:r>
+            <a:r>
+              <a:rPr lang="en-IE" sz="1200" dirty="0"/>
+              <a:t> </a:t>
+            </a:r>
+            <a:r>
+              <a:rPr lang="en-IE" sz="1200" dirty="0">
+                <a:effectLst/>
+                <a:latin typeface="inherit"/>
+              </a:rPr>
+              <a:t>=</a:t>
+            </a:r>
+            <a:r>
+              <a:rPr lang="en-IE" sz="1200" dirty="0"/>
+              <a:t> </a:t>
+            </a:r>
+            <a:r>
+              <a:rPr lang="en-IE" sz="1200" dirty="0" err="1"/>
+              <a:t>old_modified_date</a:t>
+            </a:r>
+            <a:endParaRPr lang="en-US" sz="1200" dirty="0"/>
+          </a:p>
+          <a:p>
+            <a:pPr marL="285750" indent="-285750">
+              <a:buFont typeface="Arial" panose="020B0604020202020204" pitchFamily="34" charset="0"/>
+              <a:buChar char="•"/>
+            </a:pPr>
+            <a:r>
+              <a:rPr lang="en-US" sz="1200" dirty="0"/>
+              <a:t>UPDATE  Strings SET used = TRUE WHERE string = “xx6411” </a:t>
+            </a:r>
+            <a:r>
+              <a:rPr lang="en-IE" sz="1200" dirty="0">
+                <a:effectLst/>
+                <a:latin typeface="inherit"/>
+              </a:rPr>
+              <a:t>and</a:t>
+            </a:r>
+            <a:r>
+              <a:rPr lang="en-IE" sz="1200" dirty="0"/>
+              <a:t> </a:t>
+            </a:r>
+            <a:r>
+              <a:rPr lang="en-IE" sz="1200" dirty="0" err="1"/>
+              <a:t>modified_data</a:t>
+            </a:r>
+            <a:r>
+              <a:rPr lang="en-IE" sz="1200" dirty="0"/>
+              <a:t> </a:t>
+            </a:r>
+            <a:r>
+              <a:rPr lang="en-IE" sz="1200" dirty="0">
+                <a:effectLst/>
+                <a:latin typeface="inherit"/>
+              </a:rPr>
+              <a:t>=</a:t>
+            </a:r>
+            <a:r>
+              <a:rPr lang="en-IE" sz="1200" dirty="0"/>
+              <a:t> </a:t>
+            </a:r>
+            <a:r>
+              <a:rPr lang="en-IE" sz="1200" dirty="0" err="1"/>
+              <a:t>old_modified_date</a:t>
+            </a:r>
+            <a:endParaRPr lang="en-US" sz="1200" dirty="0"/>
+          </a:p>
+        </p:txBody>
+      </p:sp>
+      <p:sp>
+        <p:nvSpPr>
+          <p:cNvPr id="2" name="TextBox 1">
+            <a:extLst>
+              <a:ext uri="{FF2B5EF4-FFF2-40B4-BE49-F238E27FC236}">
+                <a16:creationId xmlns:a16="http://schemas.microsoft.com/office/drawing/2014/main" id="{6F27C3A5-AD0E-F4F4-3E4C-37B15E80C733}"/>
+              </a:ext>
+            </a:extLst>
+          </p:cNvPr>
+          <p:cNvSpPr txBox="1"/>
+          <p:nvPr/>
+        </p:nvSpPr>
+        <p:spPr>
+          <a:xfrm>
+            <a:off x="4268177" y="333265"/>
+            <a:ext cx="5435912" cy="369332"/>
+          </a:xfrm>
+          <a:prstGeom prst="rect">
+            <a:avLst/>
+          </a:prstGeom>
+          <a:noFill/>
+        </p:spPr>
+        <p:txBody>
+          <a:bodyPr wrap="none" rtlCol="0">
+            <a:spAutoFit/>
+          </a:bodyPr>
+          <a:lstStyle/>
+          <a:p>
+            <a:r>
+              <a:rPr lang="en-US" dirty="0"/>
+              <a:t>You can use a “</a:t>
+            </a:r>
+            <a:r>
+              <a:rPr lang="en-US" dirty="0" err="1"/>
+              <a:t>modified_data</a:t>
+            </a:r>
+            <a:r>
+              <a:rPr lang="en-US" dirty="0"/>
+              <a:t>” or a “version-number”</a:t>
+            </a:r>
+          </a:p>
+        </p:txBody>
+      </p:sp>
+    </p:spTree>
+    <p:extLst>
+      <p:ext uri="{BB962C8B-B14F-4D97-AF65-F5344CB8AC3E}">
+        <p14:creationId xmlns:p14="http://schemas.microsoft.com/office/powerpoint/2010/main" val="2324347115"/>
+      </p:ext>
+    </p:extLst>
+  </p:cSld>
+  <p:clrMapOvr>
+    <a:masterClrMapping/>
+  </p:clrMapOvr>
+</p:sld>
+</file>
+
+<file path=ppt/slides/slide22.xml><?xml version="1.0" encoding="utf-8"?>
+<p:sld xmlns:a="http://schemas.openxmlformats.org/drawingml/2006/main" xmlns:r="http://schemas.openxmlformats.org/officeDocument/2006/relationships" xmlns:p="http://schemas.openxmlformats.org/presentationml/2006/main">
+  <p:cSld>
+    <p:spTree>
+      <p:nvGrpSpPr>
+        <p:cNvPr id="1" name="">
+          <a:extLst>
+            <a:ext uri="{FF2B5EF4-FFF2-40B4-BE49-F238E27FC236}">
               <a16:creationId xmlns:a16="http://schemas.microsoft.com/office/drawing/2014/main" id="{47C83521-73D5-6634-7DD9-A34E8C0C63A1}"/>
             </a:ext>
           </a:extLst>
@@ -15270,8 +17563,8 @@
         </p:nvSpPr>
         <p:spPr>
           <a:xfrm>
-            <a:off x="1185011" y="5425569"/>
-            <a:ext cx="8198515" cy="1200329"/>
+            <a:off x="826169" y="5385775"/>
+            <a:ext cx="8916200" cy="1077218"/>
           </a:xfrm>
           <a:prstGeom prst="rect">
             <a:avLst/>
@@ -15284,8 +17577,36 @@
           </a:bodyPr>
           <a:lstStyle/>
           <a:p>
-            <a:r>
-              <a:rPr lang="en-IE" b="0" i="0" dirty="0">
+            <a:pPr lvl="1"/>
+            <a:r>
+              <a:rPr lang="en-IE" sz="1600" dirty="0">
+                <a:solidFill>
+                  <a:srgbClr val="1F1F1F"/>
+                </a:solidFill>
+                <a:latin typeface="Google Sans"/>
+              </a:rPr>
+              <a:t>Build an </a:t>
+            </a:r>
+            <a:r>
+              <a:rPr lang="en-IE" sz="1600" b="1" dirty="0">
+                <a:solidFill>
+                  <a:srgbClr val="1F1F1F"/>
+                </a:solidFill>
+                <a:latin typeface="Google Sans"/>
+              </a:rPr>
+              <a:t>SQL query ad-hoc</a:t>
+            </a:r>
+            <a:r>
+              <a:rPr lang="en-IE" sz="1600" dirty="0">
+                <a:solidFill>
+                  <a:srgbClr val="1F1F1F"/>
+                </a:solidFill>
+                <a:latin typeface="Google Sans"/>
+              </a:rPr>
+              <a:t> might avoid using locking mechanisms. </a:t>
+            </a:r>
+            <a:r>
+              <a:rPr lang="en-IE" sz="1600" b="0" i="0" dirty="0">
                 <a:solidFill>
                   <a:srgbClr val="0C0D0E"/>
                 </a:solidFill>
@@ -15295,7 +17616,7 @@
               <a:t>If one of the UPDATE returns </a:t>
             </a:r>
             <a:r>
-              <a:rPr lang="en-IE" b="1" i="0" dirty="0">
+              <a:rPr lang="en-IE" sz="1600" b="1" i="0" dirty="0">
                 <a:solidFill>
                   <a:srgbClr val="0C0D0E"/>
                 </a:solidFill>
@@ -15305,56 +17626,21 @@
               <a:t>“0 UPDATES”</a:t>
             </a:r>
             <a:r>
-              <a:rPr lang="en-IE" b="0" i="0" dirty="0">
+              <a:rPr lang="en-IE" sz="1600" b="0" i="0" dirty="0">
                 <a:solidFill>
                   <a:srgbClr val="0C0D0E"/>
                 </a:solidFill>
                 <a:effectLst/>
                 <a:latin typeface="-apple-system"/>
               </a:rPr>
-              <a:t> because maybe another process has made the change before…</a:t>
-            </a:r>
-            <a:r>
-              <a:rPr lang="en-IE" b="0" i="0" u="sng" dirty="0">
-                <a:solidFill>
-                  <a:srgbClr val="0C0D0E"/>
-                </a:solidFill>
-                <a:effectLst/>
-                <a:latin typeface="-apple-system"/>
-              </a:rPr>
-              <a:t>but this means I would need to do again a SELECT to get another string and then and UPDATE again</a:t>
-            </a:r>
-            <a:r>
-              <a:rPr lang="en-IE" b="0" i="0" dirty="0">
-                <a:solidFill>
-                  <a:srgbClr val="0C0D0E"/>
-                </a:solidFill>
-                <a:effectLst/>
-                <a:latin typeface="-apple-system"/>
-              </a:rPr>
-              <a:t>… until I find the number of strings the client needs… </a:t>
-            </a:r>
-            <a:r>
-              <a:rPr lang="en-IE" b="0" i="0" u="sng" dirty="0">
-                <a:solidFill>
-                  <a:srgbClr val="0C0D0E"/>
-                </a:solidFill>
-                <a:effectLst/>
-                <a:latin typeface="-apple-system"/>
-              </a:rPr>
-              <a:t>This option might be “time” and “resources” consuming</a:t>
-            </a:r>
-            <a:r>
-              <a:rPr lang="en-IE" b="0" i="0" dirty="0">
-                <a:solidFill>
-                  <a:srgbClr val="0C0D0E"/>
-                </a:solidFill>
-                <a:effectLst/>
-                <a:latin typeface="-apple-system"/>
-              </a:rPr>
-              <a:t>…</a:t>
-            </a:r>
-            <a:endParaRPr lang="en-US" dirty="0"/>
+              <a:t> because maybe another process has made the change before…but this means I would need to do re-try again starting from a SELECT to get another string and then and UPDATE again… until I find the number of strings the client needs.</a:t>
+            </a:r>
+            <a:endParaRPr lang="en-IE" sz="1600" b="1" dirty="0">
+              <a:solidFill>
+                <a:srgbClr val="0C0D0E"/>
+              </a:solidFill>
+              <a:latin typeface="-apple-system"/>
+            </a:endParaRPr>
           </a:p>
         </p:txBody>
       </p:sp>
@@ -15392,7 +17678,7 @@
                   <a:srgbClr val="FF0000"/>
                 </a:solidFill>
               </a:rPr>
-              <a:t>SOLUTION – OPTION 2</a:t>
+              <a:t>SOLUTION – OPTION 3</a:t>
             </a:r>
           </a:p>
         </p:txBody>

--- a/docs/MySystemDesign_RangeOfCounter.pptx
+++ b/docs/MySystemDesign_RangeOfCounter.pptx
@@ -19,14 +19,18 @@
     <p:sldId id="267" r:id="rId13"/>
     <p:sldId id="268" r:id="rId14"/>
     <p:sldId id="270" r:id="rId15"/>
-    <p:sldId id="272" r:id="rId16"/>
-    <p:sldId id="271" r:id="rId17"/>
-    <p:sldId id="273" r:id="rId18"/>
-    <p:sldId id="276" r:id="rId19"/>
-    <p:sldId id="277" r:id="rId20"/>
-    <p:sldId id="275" r:id="rId21"/>
-    <p:sldId id="278" r:id="rId22"/>
-    <p:sldId id="274" r:id="rId23"/>
+    <p:sldId id="282" r:id="rId16"/>
+    <p:sldId id="272" r:id="rId17"/>
+    <p:sldId id="271" r:id="rId18"/>
+    <p:sldId id="273" r:id="rId19"/>
+    <p:sldId id="276" r:id="rId20"/>
+    <p:sldId id="277" r:id="rId21"/>
+    <p:sldId id="275" r:id="rId22"/>
+    <p:sldId id="278" r:id="rId23"/>
+    <p:sldId id="274" r:id="rId24"/>
+    <p:sldId id="280" r:id="rId25"/>
+    <p:sldId id="279" r:id="rId26"/>
+    <p:sldId id="281" r:id="rId27"/>
   </p:sldIdLst>
   <p:sldSz cx="12192000" cy="6858000"/>
   <p:notesSz cx="6858000" cy="9144000"/>
@@ -7885,6 +7889,46 @@
           <a:chExt cx="0" cy="0"/>
         </a:xfrm>
       </p:grpSpPr>
+      <p:sp>
+        <p:nvSpPr>
+          <p:cNvPr id="2" name="TextBox 1">
+            <a:extLst>
+              <a:ext uri="{FF2B5EF4-FFF2-40B4-BE49-F238E27FC236}">
+                <a16:creationId xmlns:a16="http://schemas.microsoft.com/office/drawing/2014/main" id="{4059CDB5-A5BF-A8C3-DC96-80E5D02E138D}"/>
+              </a:ext>
+            </a:extLst>
+          </p:cNvPr>
+          <p:cNvSpPr txBox="1"/>
+          <p:nvPr/>
+        </p:nvSpPr>
+        <p:spPr>
+          <a:xfrm>
+            <a:off x="2005072" y="2705100"/>
+            <a:ext cx="8181855" cy="369332"/>
+          </a:xfrm>
+          <a:prstGeom prst="rect">
+            <a:avLst/>
+          </a:prstGeom>
+          <a:noFill/>
+        </p:spPr>
+        <p:txBody>
+          <a:bodyPr wrap="none" rtlCol="0">
+            <a:spAutoFit/>
+          </a:bodyPr>
+          <a:lstStyle/>
+          <a:p>
+            <a:r>
+              <a:rPr lang="en-US" dirty="0"/>
+              <a:t>If you do not want to implement a solution by yourself, you can avail on </a:t>
+            </a:r>
+            <a:r>
+              <a:rPr lang="en-US" dirty="0" err="1"/>
+              <a:t>ZooKeeper</a:t>
+            </a:r>
+            <a:endParaRPr lang="en-US" dirty="0"/>
+          </a:p>
+        </p:txBody>
+      </p:sp>
     </p:spTree>
     <p:extLst>
       <p:ext uri="{BB962C8B-B14F-4D97-AF65-F5344CB8AC3E}">
@@ -7899,6 +7943,42 @@
 </file>
 
 <file path=ppt/slides/slide15.xml><?xml version="1.0" encoding="utf-8"?>
+<p:sld xmlns:a="http://schemas.openxmlformats.org/drawingml/2006/main" xmlns:r="http://schemas.openxmlformats.org/officeDocument/2006/relationships" xmlns:p="http://schemas.openxmlformats.org/presentationml/2006/main">
+  <p:cSld>
+    <p:spTree>
+      <p:nvGrpSpPr>
+        <p:cNvPr id="1" name="">
+          <a:extLst>
+            <a:ext uri="{FF2B5EF4-FFF2-40B4-BE49-F238E27FC236}">
+              <a16:creationId xmlns:a16="http://schemas.microsoft.com/office/drawing/2014/main" id="{E7DF816B-185F-2F96-1464-4DEB76BB075F}"/>
+            </a:ext>
+          </a:extLst>
+        </p:cNvPr>
+        <p:cNvGrpSpPr/>
+        <p:nvPr/>
+      </p:nvGrpSpPr>
+      <p:grpSpPr>
+        <a:xfrm>
+          <a:off x="0" y="0"/>
+          <a:ext cx="0" cy="0"/>
+          <a:chOff x="0" y="0"/>
+          <a:chExt cx="0" cy="0"/>
+        </a:xfrm>
+      </p:grpSpPr>
+    </p:spTree>
+    <p:extLst>
+      <p:ext uri="{BB962C8B-B14F-4D97-AF65-F5344CB8AC3E}">
+        <p14:creationId xmlns:p14="http://schemas.microsoft.com/office/powerpoint/2010/main" val="2802067718"/>
+      </p:ext>
+    </p:extLst>
+  </p:cSld>
+  <p:clrMapOvr>
+    <a:masterClrMapping/>
+  </p:clrMapOvr>
+</p:sld>
+</file>
+
+<file path=ppt/slides/slide16.xml><?xml version="1.0" encoding="utf-8"?>
 <p:sld xmlns:a="http://schemas.openxmlformats.org/drawingml/2006/main" xmlns:r="http://schemas.openxmlformats.org/officeDocument/2006/relationships" xmlns:p="http://schemas.openxmlformats.org/presentationml/2006/main">
   <p:cSld>
     <p:spTree>
@@ -8045,7 +8125,7 @@
 </p:sld>
 </file>
 
-<file path=ppt/slides/slide16.xml><?xml version="1.0" encoding="utf-8"?>
+<file path=ppt/slides/slide17.xml><?xml version="1.0" encoding="utf-8"?>
 <p:sld xmlns:a="http://schemas.openxmlformats.org/drawingml/2006/main" xmlns:r="http://schemas.openxmlformats.org/officeDocument/2006/relationships" xmlns:p="http://schemas.openxmlformats.org/presentationml/2006/main">
   <p:cSld>
     <p:spTree>
@@ -9479,7 +9559,7 @@
 </p:sld>
 </file>
 
-<file path=ppt/slides/slide17.xml><?xml version="1.0" encoding="utf-8"?>
+<file path=ppt/slides/slide18.xml><?xml version="1.0" encoding="utf-8"?>
 <p:sld xmlns:a="http://schemas.openxmlformats.org/drawingml/2006/main" xmlns:r="http://schemas.openxmlformats.org/officeDocument/2006/relationships" xmlns:p="http://schemas.openxmlformats.org/presentationml/2006/main">
   <p:cSld>
     <p:spTree>
@@ -10952,7 +11032,7 @@
 </p:sld>
 </file>
 
-<file path=ppt/slides/slide18.xml><?xml version="1.0" encoding="utf-8"?>
+<file path=ppt/slides/slide19.xml><?xml version="1.0" encoding="utf-8"?>
 <p:sld xmlns:a="http://schemas.openxmlformats.org/drawingml/2006/main" xmlns:r="http://schemas.openxmlformats.org/officeDocument/2006/relationships" xmlns:p="http://schemas.openxmlformats.org/presentationml/2006/main">
   <p:cSld>
     <p:spTree>
@@ -11813,437 +11893,6 @@
 </p:sld>
 </file>
 
-<file path=ppt/slides/slide19.xml><?xml version="1.0" encoding="utf-8"?>
-<p:sld xmlns:a="http://schemas.openxmlformats.org/drawingml/2006/main" xmlns:r="http://schemas.openxmlformats.org/officeDocument/2006/relationships" xmlns:p="http://schemas.openxmlformats.org/presentationml/2006/main">
-  <p:cSld>
-    <p:spTree>
-      <p:nvGrpSpPr>
-        <p:cNvPr id="1" name=""/>
-        <p:cNvGrpSpPr/>
-        <p:nvPr/>
-      </p:nvGrpSpPr>
-      <p:grpSpPr>
-        <a:xfrm>
-          <a:off x="0" y="0"/>
-          <a:ext cx="0" cy="0"/>
-          <a:chOff x="0" y="0"/>
-          <a:chExt cx="0" cy="0"/>
-        </a:xfrm>
-      </p:grpSpPr>
-      <p:sp>
-        <p:nvSpPr>
-          <p:cNvPr id="4" name="TextBox 3">
-            <a:extLst>
-              <a:ext uri="{FF2B5EF4-FFF2-40B4-BE49-F238E27FC236}">
-                <a16:creationId xmlns:a16="http://schemas.microsoft.com/office/drawing/2014/main" id="{70D1D55A-0A36-55C9-BA58-63CAAFE274EF}"/>
-              </a:ext>
-            </a:extLst>
-          </p:cNvPr>
-          <p:cNvSpPr txBox="1"/>
-          <p:nvPr/>
-        </p:nvSpPr>
-        <p:spPr>
-          <a:xfrm>
-            <a:off x="752430" y="219296"/>
-            <a:ext cx="10772820" cy="5078313"/>
-          </a:xfrm>
-          <a:prstGeom prst="rect">
-            <a:avLst/>
-          </a:prstGeom>
-          <a:noFill/>
-        </p:spPr>
-        <p:txBody>
-          <a:bodyPr wrap="square" rtlCol="0">
-            <a:spAutoFit/>
-          </a:bodyPr>
-          <a:lstStyle/>
-          <a:p>
-            <a:r>
-              <a:rPr lang="en-US" dirty="0">
-                <a:solidFill>
-                  <a:srgbClr val="FF0000"/>
-                </a:solidFill>
-              </a:rPr>
-              <a:t>SOLUTIONS – OPTIONS AVAILABLE</a:t>
-            </a:r>
-          </a:p>
-          <a:p>
-            <a:endParaRPr lang="en-US" dirty="0">
-              <a:solidFill>
-                <a:srgbClr val="FF0000"/>
-              </a:solidFill>
-            </a:endParaRPr>
-          </a:p>
-          <a:p>
-            <a:r>
-              <a:rPr lang="en-IE" sz="1800" dirty="0">
-                <a:solidFill>
-                  <a:srgbClr val="0C0D0E"/>
-                </a:solidFill>
-                <a:latin typeface="-apple-system"/>
-              </a:rPr>
-              <a:t>If using an </a:t>
-            </a:r>
-            <a:r>
-              <a:rPr lang="en-IE" sz="1800" b="1" dirty="0">
-                <a:solidFill>
-                  <a:srgbClr val="0C0D0E"/>
-                </a:solidFill>
-                <a:latin typeface="-apple-system"/>
-              </a:rPr>
-              <a:t>SQL DBs:</a:t>
-            </a:r>
-          </a:p>
-          <a:p>
-            <a:pPr marL="742950" lvl="1" indent="-285750">
-              <a:buFont typeface="Arial" panose="020B0604020202020204" pitchFamily="34" charset="0"/>
-              <a:buChar char="•"/>
-            </a:pPr>
-            <a:r>
-              <a:rPr lang="en-IE" b="1" dirty="0">
-                <a:solidFill>
-                  <a:srgbClr val="0C0D0E"/>
-                </a:solidFill>
-                <a:latin typeface="-apple-system"/>
-              </a:rPr>
-              <a:t>Option 1: </a:t>
-            </a:r>
-            <a:r>
-              <a:rPr lang="en-IE" dirty="0">
-                <a:solidFill>
-                  <a:srgbClr val="0C0D0E"/>
-                </a:solidFill>
-                <a:latin typeface="-apple-system"/>
-              </a:rPr>
-              <a:t>Use </a:t>
-            </a:r>
-            <a:r>
-              <a:rPr lang="en-IE" b="1" dirty="0">
-                <a:solidFill>
-                  <a:srgbClr val="0C0D0E"/>
-                </a:solidFill>
-                <a:latin typeface="-apple-system"/>
-              </a:rPr>
-              <a:t>locking mechanism of transactions =&gt; level of isolation needed is “Repeatable Read” or “serializable” </a:t>
-            </a:r>
-            <a:r>
-              <a:rPr lang="en-IE" dirty="0">
-                <a:solidFill>
-                  <a:srgbClr val="0C0D0E"/>
-                </a:solidFill>
-                <a:latin typeface="-apple-system"/>
-              </a:rPr>
-              <a:t>=&gt; If a transaction is aborted </a:t>
-            </a:r>
-            <a:r>
-              <a:rPr lang="en-IE" b="0" i="0" dirty="0">
-                <a:solidFill>
-                  <a:srgbClr val="0C0D0E"/>
-                </a:solidFill>
-                <a:effectLst/>
-                <a:latin typeface="inherit"/>
-              </a:rPr>
-              <a:t>due to reasons beyond your control, your application must be prepared to start all over again, from the BEGIN WORK, i.e. </a:t>
-            </a:r>
-            <a:r>
-              <a:rPr lang="en-IE" b="1" i="0" dirty="0">
-                <a:solidFill>
-                  <a:srgbClr val="0C0D0E"/>
-                </a:solidFill>
-                <a:effectLst/>
-                <a:latin typeface="inherit"/>
-              </a:rPr>
-              <a:t>a re-try logic must be implemented </a:t>
-            </a:r>
-            <a:r>
-              <a:rPr lang="en-IE" b="0" i="0" dirty="0">
-                <a:solidFill>
-                  <a:srgbClr val="0C0D0E"/>
-                </a:solidFill>
-                <a:effectLst/>
-                <a:latin typeface="inherit"/>
-              </a:rPr>
-              <a:t>to handle the transactions that fail.</a:t>
-            </a:r>
-            <a:endParaRPr lang="en-IE" dirty="0">
-              <a:solidFill>
-                <a:srgbClr val="0C0D0E"/>
-              </a:solidFill>
-              <a:latin typeface="-apple-system"/>
-            </a:endParaRPr>
-          </a:p>
-          <a:p>
-            <a:pPr marL="742950" lvl="1" indent="-285750">
-              <a:buFont typeface="Arial" panose="020B0604020202020204" pitchFamily="34" charset="0"/>
-              <a:buChar char="•"/>
-            </a:pPr>
-            <a:r>
-              <a:rPr lang="en-IE" b="1" dirty="0">
-                <a:solidFill>
-                  <a:srgbClr val="0C0D0E"/>
-                </a:solidFill>
-                <a:latin typeface="-apple-system"/>
-              </a:rPr>
-              <a:t>Option 2: </a:t>
-            </a:r>
-            <a:r>
-              <a:rPr lang="en-IE" dirty="0">
-                <a:solidFill>
-                  <a:srgbClr val="0C0D0E"/>
-                </a:solidFill>
-                <a:latin typeface="-apple-system"/>
-              </a:rPr>
-              <a:t>Use Optimistic Logic =&gt; </a:t>
-            </a:r>
-            <a:r>
-              <a:rPr lang="en-IE" b="1" dirty="0">
-                <a:solidFill>
-                  <a:srgbClr val="0C0D0E"/>
-                </a:solidFill>
-                <a:latin typeface="-apple-system"/>
-              </a:rPr>
-              <a:t>Add a “version” or a “timestamp” column </a:t>
-            </a:r>
-            <a:r>
-              <a:rPr lang="en-IE" dirty="0">
-                <a:solidFill>
-                  <a:srgbClr val="0C0D0E"/>
-                </a:solidFill>
-                <a:latin typeface="-apple-system"/>
-              </a:rPr>
-              <a:t>in the database </a:t>
-            </a:r>
-            <a:r>
-              <a:rPr lang="en-IE" dirty="0">
-                <a:solidFill>
-                  <a:srgbClr val="1F1F1F"/>
-                </a:solidFill>
-                <a:latin typeface="Google Sans"/>
-              </a:rPr>
-              <a:t>=&gt; </a:t>
-            </a:r>
-            <a:r>
-              <a:rPr lang="en-IE" b="1" dirty="0">
-                <a:solidFill>
-                  <a:srgbClr val="1F1F1F"/>
-                </a:solidFill>
-                <a:latin typeface="Google Sans"/>
-              </a:rPr>
-              <a:t>a re-try logic must be implemented </a:t>
-            </a:r>
-            <a:r>
-              <a:rPr lang="en-IE" dirty="0">
-                <a:solidFill>
-                  <a:srgbClr val="1F1F1F"/>
-                </a:solidFill>
-                <a:latin typeface="Google Sans"/>
-              </a:rPr>
-              <a:t>to handle cases where the SQL query fails to make the update because the document was already modified by another process.</a:t>
-            </a:r>
-            <a:endParaRPr lang="en-IE" dirty="0">
-              <a:solidFill>
-                <a:srgbClr val="0C0D0E"/>
-              </a:solidFill>
-              <a:latin typeface="-apple-system"/>
-            </a:endParaRPr>
-          </a:p>
-          <a:p>
-            <a:pPr marL="742950" lvl="1" indent="-285750">
-              <a:buFont typeface="Arial" panose="020B0604020202020204" pitchFamily="34" charset="0"/>
-              <a:buChar char="•"/>
-            </a:pPr>
-            <a:r>
-              <a:rPr lang="en-IE" b="1" dirty="0">
-                <a:solidFill>
-                  <a:srgbClr val="0C0D0E"/>
-                </a:solidFill>
-                <a:latin typeface="-apple-system"/>
-              </a:rPr>
-              <a:t>Option 3: </a:t>
-            </a:r>
-            <a:r>
-              <a:rPr lang="en-IE" dirty="0">
-                <a:solidFill>
-                  <a:srgbClr val="1F1F1F"/>
-                </a:solidFill>
-                <a:latin typeface="Google Sans"/>
-              </a:rPr>
-              <a:t>Build an </a:t>
-            </a:r>
-            <a:r>
-              <a:rPr lang="en-IE" b="1" dirty="0">
-                <a:solidFill>
-                  <a:srgbClr val="1F1F1F"/>
-                </a:solidFill>
-                <a:latin typeface="Google Sans"/>
-              </a:rPr>
-              <a:t>SQL query ad-hoc</a:t>
-            </a:r>
-            <a:r>
-              <a:rPr lang="en-IE" dirty="0">
-                <a:solidFill>
-                  <a:srgbClr val="1F1F1F"/>
-                </a:solidFill>
-                <a:latin typeface="Google Sans"/>
-              </a:rPr>
-              <a:t> might avoid using locking mechanisms =&gt; </a:t>
-            </a:r>
-            <a:r>
-              <a:rPr lang="en-IE" b="1" dirty="0">
-                <a:solidFill>
-                  <a:srgbClr val="1F1F1F"/>
-                </a:solidFill>
-                <a:latin typeface="Google Sans"/>
-              </a:rPr>
-              <a:t>a re-try logic must be implemented</a:t>
-            </a:r>
-            <a:r>
-              <a:rPr lang="en-IE" dirty="0">
-                <a:solidFill>
-                  <a:srgbClr val="1F1F1F"/>
-                </a:solidFill>
-                <a:latin typeface="Google Sans"/>
-              </a:rPr>
-              <a:t> to handle cases where the SQL query fails.</a:t>
-            </a:r>
-            <a:endParaRPr lang="en-IE" b="1" dirty="0">
-              <a:solidFill>
-                <a:srgbClr val="0C0D0E"/>
-              </a:solidFill>
-              <a:latin typeface="-apple-system"/>
-            </a:endParaRPr>
-          </a:p>
-          <a:p>
-            <a:endParaRPr lang="en-IE" sz="1800" dirty="0">
-              <a:solidFill>
-                <a:srgbClr val="0C0D0E"/>
-              </a:solidFill>
-              <a:latin typeface="-apple-system"/>
-            </a:endParaRPr>
-          </a:p>
-          <a:p>
-            <a:r>
-              <a:rPr lang="en-IE" sz="1800" dirty="0">
-                <a:solidFill>
-                  <a:srgbClr val="0C0D0E"/>
-                </a:solidFill>
-                <a:latin typeface="-apple-system"/>
-              </a:rPr>
-              <a:t>If using </a:t>
-            </a:r>
-            <a:r>
-              <a:rPr lang="en-IE" sz="1800" b="1" dirty="0">
-                <a:solidFill>
-                  <a:srgbClr val="0C0D0E"/>
-                </a:solidFill>
-                <a:latin typeface="-apple-system"/>
-              </a:rPr>
-              <a:t>NoSQL DBs:</a:t>
-            </a:r>
-          </a:p>
-          <a:p>
-            <a:pPr marL="742950" lvl="1" indent="-285750">
-              <a:buFont typeface="Arial" panose="020B0604020202020204" pitchFamily="34" charset="0"/>
-              <a:buChar char="•"/>
-            </a:pPr>
-            <a:r>
-              <a:rPr lang="en-IE" b="1" dirty="0">
-                <a:solidFill>
-                  <a:srgbClr val="0C0D0E"/>
-                </a:solidFill>
-                <a:latin typeface="-apple-system"/>
-              </a:rPr>
-              <a:t>Option 1: </a:t>
-            </a:r>
-            <a:r>
-              <a:rPr lang="en-IE" dirty="0">
-                <a:solidFill>
-                  <a:srgbClr val="0C0D0E"/>
-                </a:solidFill>
-                <a:latin typeface="-apple-system"/>
-              </a:rPr>
-              <a:t>Use </a:t>
-            </a:r>
-            <a:r>
-              <a:rPr lang="en-IE" b="1" dirty="0">
-                <a:solidFill>
-                  <a:srgbClr val="0C0D0E"/>
-                </a:solidFill>
-                <a:latin typeface="-apple-system"/>
-              </a:rPr>
-              <a:t>versioning</a:t>
-            </a:r>
-            <a:r>
-              <a:rPr lang="en-IE" dirty="0">
-                <a:solidFill>
-                  <a:srgbClr val="0C0D0E"/>
-                </a:solidFill>
-                <a:latin typeface="-apple-system"/>
-              </a:rPr>
-              <a:t>. NoSQL DBs usually DO NOT use locking mechanisms. </a:t>
-            </a:r>
-            <a:r>
-              <a:rPr lang="en-IE" b="0" i="0" dirty="0">
-                <a:solidFill>
-                  <a:srgbClr val="1F1F1F"/>
-                </a:solidFill>
-                <a:effectLst/>
-                <a:latin typeface="Google Sans"/>
-              </a:rPr>
-              <a:t>They allow concurrent operations to proceed without locking or blocking, but check for conflicts at the end of each operation =&gt; </a:t>
-            </a:r>
-            <a:r>
-              <a:rPr lang="en-IE" b="1" dirty="0">
-                <a:solidFill>
-                  <a:srgbClr val="1F1F1F"/>
-                </a:solidFill>
-                <a:latin typeface="Google Sans"/>
-              </a:rPr>
-              <a:t>If conflict arises</a:t>
-            </a:r>
-            <a:r>
-              <a:rPr lang="en-IE" dirty="0">
-                <a:solidFill>
-                  <a:srgbClr val="1F1F1F"/>
-                </a:solidFill>
-                <a:latin typeface="Google Sans"/>
-              </a:rPr>
-              <a:t> (and 409 is returned), </a:t>
-            </a:r>
-            <a:r>
-              <a:rPr lang="en-IE" b="1" dirty="0">
-                <a:solidFill>
-                  <a:srgbClr val="1F1F1F"/>
-                </a:solidFill>
-                <a:latin typeface="Google Sans"/>
-              </a:rPr>
-              <a:t>you must implement a re-try logic </a:t>
-            </a:r>
-            <a:r>
-              <a:rPr lang="en-IE" dirty="0">
-                <a:solidFill>
-                  <a:srgbClr val="1F1F1F"/>
-                </a:solidFill>
-                <a:latin typeface="Google Sans"/>
-              </a:rPr>
-              <a:t>to fetch again the list of Strings (i.e. SELECT/READ the documents that satisfy the initial condition) and then apply the UPDATE/WRITE.</a:t>
-            </a:r>
-          </a:p>
-        </p:txBody>
-      </p:sp>
-    </p:spTree>
-    <p:extLst>
-      <p:ext uri="{BB962C8B-B14F-4D97-AF65-F5344CB8AC3E}">
-        <p14:creationId xmlns:p14="http://schemas.microsoft.com/office/powerpoint/2010/main" val="1840832416"/>
-      </p:ext>
-    </p:extLst>
-  </p:cSld>
-  <p:clrMapOvr>
-    <a:masterClrMapping/>
-  </p:clrMapOvr>
-</p:sld>
-</file>
-
 <file path=ppt/slides/slide2.xml><?xml version="1.0" encoding="utf-8"?>
 <p:sld xmlns:a="http://schemas.openxmlformats.org/drawingml/2006/main" xmlns:r="http://schemas.openxmlformats.org/officeDocument/2006/relationships" xmlns:p="http://schemas.openxmlformats.org/presentationml/2006/main">
   <p:cSld>
@@ -12803,6 +12452,437 @@
   <p:cSld>
     <p:spTree>
       <p:nvGrpSpPr>
+        <p:cNvPr id="1" name=""/>
+        <p:cNvGrpSpPr/>
+        <p:nvPr/>
+      </p:nvGrpSpPr>
+      <p:grpSpPr>
+        <a:xfrm>
+          <a:off x="0" y="0"/>
+          <a:ext cx="0" cy="0"/>
+          <a:chOff x="0" y="0"/>
+          <a:chExt cx="0" cy="0"/>
+        </a:xfrm>
+      </p:grpSpPr>
+      <p:sp>
+        <p:nvSpPr>
+          <p:cNvPr id="4" name="TextBox 3">
+            <a:extLst>
+              <a:ext uri="{FF2B5EF4-FFF2-40B4-BE49-F238E27FC236}">
+                <a16:creationId xmlns:a16="http://schemas.microsoft.com/office/drawing/2014/main" id="{70D1D55A-0A36-55C9-BA58-63CAAFE274EF}"/>
+              </a:ext>
+            </a:extLst>
+          </p:cNvPr>
+          <p:cNvSpPr txBox="1"/>
+          <p:nvPr/>
+        </p:nvSpPr>
+        <p:spPr>
+          <a:xfrm>
+            <a:off x="752430" y="219296"/>
+            <a:ext cx="10772820" cy="5078313"/>
+          </a:xfrm>
+          <a:prstGeom prst="rect">
+            <a:avLst/>
+          </a:prstGeom>
+          <a:noFill/>
+        </p:spPr>
+        <p:txBody>
+          <a:bodyPr wrap="square" rtlCol="0">
+            <a:spAutoFit/>
+          </a:bodyPr>
+          <a:lstStyle/>
+          <a:p>
+            <a:r>
+              <a:rPr lang="en-US" dirty="0">
+                <a:solidFill>
+                  <a:srgbClr val="FF0000"/>
+                </a:solidFill>
+              </a:rPr>
+              <a:t>SOLUTIONS – OPTIONS AVAILABLE</a:t>
+            </a:r>
+          </a:p>
+          <a:p>
+            <a:endParaRPr lang="en-US" dirty="0">
+              <a:solidFill>
+                <a:srgbClr val="FF0000"/>
+              </a:solidFill>
+            </a:endParaRPr>
+          </a:p>
+          <a:p>
+            <a:r>
+              <a:rPr lang="en-IE" sz="1800" dirty="0">
+                <a:solidFill>
+                  <a:srgbClr val="0C0D0E"/>
+                </a:solidFill>
+                <a:latin typeface="-apple-system"/>
+              </a:rPr>
+              <a:t>If using an </a:t>
+            </a:r>
+            <a:r>
+              <a:rPr lang="en-IE" sz="1800" b="1" dirty="0">
+                <a:solidFill>
+                  <a:srgbClr val="0C0D0E"/>
+                </a:solidFill>
+                <a:latin typeface="-apple-system"/>
+              </a:rPr>
+              <a:t>SQL DBs:</a:t>
+            </a:r>
+          </a:p>
+          <a:p>
+            <a:pPr marL="742950" lvl="1" indent="-285750">
+              <a:buFont typeface="Arial" panose="020B0604020202020204" pitchFamily="34" charset="0"/>
+              <a:buChar char="•"/>
+            </a:pPr>
+            <a:r>
+              <a:rPr lang="en-IE" b="1" dirty="0">
+                <a:solidFill>
+                  <a:srgbClr val="0C0D0E"/>
+                </a:solidFill>
+                <a:latin typeface="-apple-system"/>
+              </a:rPr>
+              <a:t>Option 1: </a:t>
+            </a:r>
+            <a:r>
+              <a:rPr lang="en-IE" dirty="0">
+                <a:solidFill>
+                  <a:srgbClr val="0C0D0E"/>
+                </a:solidFill>
+                <a:latin typeface="-apple-system"/>
+              </a:rPr>
+              <a:t>Use </a:t>
+            </a:r>
+            <a:r>
+              <a:rPr lang="en-IE" b="1" dirty="0">
+                <a:solidFill>
+                  <a:srgbClr val="0C0D0E"/>
+                </a:solidFill>
+                <a:latin typeface="-apple-system"/>
+              </a:rPr>
+              <a:t>locking mechanism of transactions =&gt; level of isolation needed is “Repeatable Read” or “serializable” </a:t>
+            </a:r>
+            <a:r>
+              <a:rPr lang="en-IE" dirty="0">
+                <a:solidFill>
+                  <a:srgbClr val="0C0D0E"/>
+                </a:solidFill>
+                <a:latin typeface="-apple-system"/>
+              </a:rPr>
+              <a:t>=&gt; If a transaction is aborted </a:t>
+            </a:r>
+            <a:r>
+              <a:rPr lang="en-IE" b="0" i="0" dirty="0">
+                <a:solidFill>
+                  <a:srgbClr val="0C0D0E"/>
+                </a:solidFill>
+                <a:effectLst/>
+                <a:latin typeface="inherit"/>
+              </a:rPr>
+              <a:t>due to reasons beyond your control, your application must be prepared to start all over again, from the BEGIN WORK, i.e. </a:t>
+            </a:r>
+            <a:r>
+              <a:rPr lang="en-IE" b="1" i="0" dirty="0">
+                <a:solidFill>
+                  <a:srgbClr val="0C0D0E"/>
+                </a:solidFill>
+                <a:effectLst/>
+                <a:latin typeface="inherit"/>
+              </a:rPr>
+              <a:t>a re-try logic must be implemented </a:t>
+            </a:r>
+            <a:r>
+              <a:rPr lang="en-IE" b="0" i="0" dirty="0">
+                <a:solidFill>
+                  <a:srgbClr val="0C0D0E"/>
+                </a:solidFill>
+                <a:effectLst/>
+                <a:latin typeface="inherit"/>
+              </a:rPr>
+              <a:t>to handle the transactions that fail.</a:t>
+            </a:r>
+            <a:endParaRPr lang="en-IE" dirty="0">
+              <a:solidFill>
+                <a:srgbClr val="0C0D0E"/>
+              </a:solidFill>
+              <a:latin typeface="-apple-system"/>
+            </a:endParaRPr>
+          </a:p>
+          <a:p>
+            <a:pPr marL="742950" lvl="1" indent="-285750">
+              <a:buFont typeface="Arial" panose="020B0604020202020204" pitchFamily="34" charset="0"/>
+              <a:buChar char="•"/>
+            </a:pPr>
+            <a:r>
+              <a:rPr lang="en-IE" b="1" dirty="0">
+                <a:solidFill>
+                  <a:srgbClr val="0C0D0E"/>
+                </a:solidFill>
+                <a:latin typeface="-apple-system"/>
+              </a:rPr>
+              <a:t>Option 2: </a:t>
+            </a:r>
+            <a:r>
+              <a:rPr lang="en-IE" dirty="0">
+                <a:solidFill>
+                  <a:srgbClr val="0C0D0E"/>
+                </a:solidFill>
+                <a:latin typeface="-apple-system"/>
+              </a:rPr>
+              <a:t>Use Optimistic Logic =&gt; </a:t>
+            </a:r>
+            <a:r>
+              <a:rPr lang="en-IE" b="1" dirty="0">
+                <a:solidFill>
+                  <a:srgbClr val="0C0D0E"/>
+                </a:solidFill>
+                <a:latin typeface="-apple-system"/>
+              </a:rPr>
+              <a:t>Add a “version” or a “timestamp” column </a:t>
+            </a:r>
+            <a:r>
+              <a:rPr lang="en-IE" dirty="0">
+                <a:solidFill>
+                  <a:srgbClr val="0C0D0E"/>
+                </a:solidFill>
+                <a:latin typeface="-apple-system"/>
+              </a:rPr>
+              <a:t>in the database </a:t>
+            </a:r>
+            <a:r>
+              <a:rPr lang="en-IE" dirty="0">
+                <a:solidFill>
+                  <a:srgbClr val="1F1F1F"/>
+                </a:solidFill>
+                <a:latin typeface="Google Sans"/>
+              </a:rPr>
+              <a:t>=&gt; </a:t>
+            </a:r>
+            <a:r>
+              <a:rPr lang="en-IE" b="1" dirty="0">
+                <a:solidFill>
+                  <a:srgbClr val="1F1F1F"/>
+                </a:solidFill>
+                <a:latin typeface="Google Sans"/>
+              </a:rPr>
+              <a:t>a re-try logic must be implemented </a:t>
+            </a:r>
+            <a:r>
+              <a:rPr lang="en-IE" dirty="0">
+                <a:solidFill>
+                  <a:srgbClr val="1F1F1F"/>
+                </a:solidFill>
+                <a:latin typeface="Google Sans"/>
+              </a:rPr>
+              <a:t>to handle cases where the SQL query fails to make the update because the document was already modified by another process.</a:t>
+            </a:r>
+            <a:endParaRPr lang="en-IE" dirty="0">
+              <a:solidFill>
+                <a:srgbClr val="0C0D0E"/>
+              </a:solidFill>
+              <a:latin typeface="-apple-system"/>
+            </a:endParaRPr>
+          </a:p>
+          <a:p>
+            <a:pPr marL="742950" lvl="1" indent="-285750">
+              <a:buFont typeface="Arial" panose="020B0604020202020204" pitchFamily="34" charset="0"/>
+              <a:buChar char="•"/>
+            </a:pPr>
+            <a:r>
+              <a:rPr lang="en-IE" b="1" dirty="0">
+                <a:solidFill>
+                  <a:srgbClr val="0C0D0E"/>
+                </a:solidFill>
+                <a:latin typeface="-apple-system"/>
+              </a:rPr>
+              <a:t>Option 3: </a:t>
+            </a:r>
+            <a:r>
+              <a:rPr lang="en-IE" dirty="0">
+                <a:solidFill>
+                  <a:srgbClr val="1F1F1F"/>
+                </a:solidFill>
+                <a:latin typeface="Google Sans"/>
+              </a:rPr>
+              <a:t>Build an </a:t>
+            </a:r>
+            <a:r>
+              <a:rPr lang="en-IE" b="1" dirty="0">
+                <a:solidFill>
+                  <a:srgbClr val="1F1F1F"/>
+                </a:solidFill>
+                <a:latin typeface="Google Sans"/>
+              </a:rPr>
+              <a:t>SQL query ad-hoc</a:t>
+            </a:r>
+            <a:r>
+              <a:rPr lang="en-IE" dirty="0">
+                <a:solidFill>
+                  <a:srgbClr val="1F1F1F"/>
+                </a:solidFill>
+                <a:latin typeface="Google Sans"/>
+              </a:rPr>
+              <a:t> might avoid using locking mechanisms =&gt; </a:t>
+            </a:r>
+            <a:r>
+              <a:rPr lang="en-IE" b="1" dirty="0">
+                <a:solidFill>
+                  <a:srgbClr val="1F1F1F"/>
+                </a:solidFill>
+                <a:latin typeface="Google Sans"/>
+              </a:rPr>
+              <a:t>a re-try logic must be implemented</a:t>
+            </a:r>
+            <a:r>
+              <a:rPr lang="en-IE" dirty="0">
+                <a:solidFill>
+                  <a:srgbClr val="1F1F1F"/>
+                </a:solidFill>
+                <a:latin typeface="Google Sans"/>
+              </a:rPr>
+              <a:t> to handle cases where the SQL query fails.</a:t>
+            </a:r>
+            <a:endParaRPr lang="en-IE" b="1" dirty="0">
+              <a:solidFill>
+                <a:srgbClr val="0C0D0E"/>
+              </a:solidFill>
+              <a:latin typeface="-apple-system"/>
+            </a:endParaRPr>
+          </a:p>
+          <a:p>
+            <a:endParaRPr lang="en-IE" sz="1800" dirty="0">
+              <a:solidFill>
+                <a:srgbClr val="0C0D0E"/>
+              </a:solidFill>
+              <a:latin typeface="-apple-system"/>
+            </a:endParaRPr>
+          </a:p>
+          <a:p>
+            <a:r>
+              <a:rPr lang="en-IE" sz="1800" dirty="0">
+                <a:solidFill>
+                  <a:srgbClr val="0C0D0E"/>
+                </a:solidFill>
+                <a:latin typeface="-apple-system"/>
+              </a:rPr>
+              <a:t>If using </a:t>
+            </a:r>
+            <a:r>
+              <a:rPr lang="en-IE" sz="1800" b="1" dirty="0">
+                <a:solidFill>
+                  <a:srgbClr val="0C0D0E"/>
+                </a:solidFill>
+                <a:latin typeface="-apple-system"/>
+              </a:rPr>
+              <a:t>NoSQL DBs:</a:t>
+            </a:r>
+          </a:p>
+          <a:p>
+            <a:pPr marL="742950" lvl="1" indent="-285750">
+              <a:buFont typeface="Arial" panose="020B0604020202020204" pitchFamily="34" charset="0"/>
+              <a:buChar char="•"/>
+            </a:pPr>
+            <a:r>
+              <a:rPr lang="en-IE" b="1" dirty="0">
+                <a:solidFill>
+                  <a:srgbClr val="0C0D0E"/>
+                </a:solidFill>
+                <a:latin typeface="-apple-system"/>
+              </a:rPr>
+              <a:t>Option 1: </a:t>
+            </a:r>
+            <a:r>
+              <a:rPr lang="en-IE" dirty="0">
+                <a:solidFill>
+                  <a:srgbClr val="0C0D0E"/>
+                </a:solidFill>
+                <a:latin typeface="-apple-system"/>
+              </a:rPr>
+              <a:t>Use </a:t>
+            </a:r>
+            <a:r>
+              <a:rPr lang="en-IE" b="1" dirty="0">
+                <a:solidFill>
+                  <a:srgbClr val="0C0D0E"/>
+                </a:solidFill>
+                <a:latin typeface="-apple-system"/>
+              </a:rPr>
+              <a:t>versioning</a:t>
+            </a:r>
+            <a:r>
+              <a:rPr lang="en-IE" dirty="0">
+                <a:solidFill>
+                  <a:srgbClr val="0C0D0E"/>
+                </a:solidFill>
+                <a:latin typeface="-apple-system"/>
+              </a:rPr>
+              <a:t>. NoSQL DBs usually DO NOT use locking mechanisms. </a:t>
+            </a:r>
+            <a:r>
+              <a:rPr lang="en-IE" b="0" i="0" dirty="0">
+                <a:solidFill>
+                  <a:srgbClr val="1F1F1F"/>
+                </a:solidFill>
+                <a:effectLst/>
+                <a:latin typeface="Google Sans"/>
+              </a:rPr>
+              <a:t>They allow concurrent operations to proceed without locking or blocking, but check for conflicts at the end of each operation =&gt; </a:t>
+            </a:r>
+            <a:r>
+              <a:rPr lang="en-IE" b="1" dirty="0">
+                <a:solidFill>
+                  <a:srgbClr val="1F1F1F"/>
+                </a:solidFill>
+                <a:latin typeface="Google Sans"/>
+              </a:rPr>
+              <a:t>If conflict arises</a:t>
+            </a:r>
+            <a:r>
+              <a:rPr lang="en-IE" dirty="0">
+                <a:solidFill>
+                  <a:srgbClr val="1F1F1F"/>
+                </a:solidFill>
+                <a:latin typeface="Google Sans"/>
+              </a:rPr>
+              <a:t> (and 409 is returned), </a:t>
+            </a:r>
+            <a:r>
+              <a:rPr lang="en-IE" b="1" dirty="0">
+                <a:solidFill>
+                  <a:srgbClr val="1F1F1F"/>
+                </a:solidFill>
+                <a:latin typeface="Google Sans"/>
+              </a:rPr>
+              <a:t>you must implement a re-try logic </a:t>
+            </a:r>
+            <a:r>
+              <a:rPr lang="en-IE" dirty="0">
+                <a:solidFill>
+                  <a:srgbClr val="1F1F1F"/>
+                </a:solidFill>
+                <a:latin typeface="Google Sans"/>
+              </a:rPr>
+              <a:t>to fetch again the list of Strings (i.e. SELECT/READ the documents that satisfy the initial condition) and then apply the UPDATE/WRITE.</a:t>
+            </a:r>
+          </a:p>
+        </p:txBody>
+      </p:sp>
+    </p:spTree>
+    <p:extLst>
+      <p:ext uri="{BB962C8B-B14F-4D97-AF65-F5344CB8AC3E}">
+        <p14:creationId xmlns:p14="http://schemas.microsoft.com/office/powerpoint/2010/main" val="1840832416"/>
+      </p:ext>
+    </p:extLst>
+  </p:cSld>
+  <p:clrMapOvr>
+    <a:masterClrMapping/>
+  </p:clrMapOvr>
+</p:sld>
+</file>
+
+<file path=ppt/slides/slide21.xml><?xml version="1.0" encoding="utf-8"?>
+<p:sld xmlns:a="http://schemas.openxmlformats.org/drawingml/2006/main" xmlns:r="http://schemas.openxmlformats.org/officeDocument/2006/relationships" xmlns:p="http://schemas.openxmlformats.org/presentationml/2006/main">
+  <p:cSld>
+    <p:spTree>
+      <p:nvGrpSpPr>
         <p:cNvPr id="1" name="">
           <a:extLst>
             <a:ext uri="{FF2B5EF4-FFF2-40B4-BE49-F238E27FC236}">
@@ -14527,7 +14607,7 @@
 </p:sld>
 </file>
 
-<file path=ppt/slides/slide21.xml><?xml version="1.0" encoding="utf-8"?>
+<file path=ppt/slides/slide22.xml><?xml version="1.0" encoding="utf-8"?>
 <p:sld xmlns:a="http://schemas.openxmlformats.org/drawingml/2006/main" xmlns:r="http://schemas.openxmlformats.org/officeDocument/2006/relationships" xmlns:p="http://schemas.openxmlformats.org/presentationml/2006/main">
   <p:cSld>
     <p:spTree>
@@ -16176,7 +16256,15 @@
             </a:r>
             <a:r>
               <a:rPr lang="en-US" dirty="0"/>
-              <a:t>” or a “version-number”</a:t>
+              <a:t>” or a “</a:t>
+            </a:r>
+            <a:r>
+              <a:rPr lang="en-US" dirty="0" err="1"/>
+              <a:t>version_number</a:t>
+            </a:r>
+            <a:r>
+              <a:rPr lang="en-US" dirty="0"/>
+              <a:t>”</a:t>
             </a:r>
           </a:p>
         </p:txBody>
@@ -16194,7 +16282,7 @@
 </p:sld>
 </file>
 
-<file path=ppt/slides/slide22.xml><?xml version="1.0" encoding="utf-8"?>
+<file path=ppt/slides/slide23.xml><?xml version="1.0" encoding="utf-8"?>
 <p:sld xmlns:a="http://schemas.openxmlformats.org/drawingml/2006/main" xmlns:r="http://schemas.openxmlformats.org/officeDocument/2006/relationships" xmlns:p="http://schemas.openxmlformats.org/presentationml/2006/main">
   <p:cSld>
     <p:spTree>
@@ -17687,6 +17775,227 @@
     <p:extLst>
       <p:ext uri="{BB962C8B-B14F-4D97-AF65-F5344CB8AC3E}">
         <p14:creationId xmlns:p14="http://schemas.microsoft.com/office/powerpoint/2010/main" val="1970716188"/>
+      </p:ext>
+    </p:extLst>
+  </p:cSld>
+  <p:clrMapOvr>
+    <a:masterClrMapping/>
+  </p:clrMapOvr>
+</p:sld>
+</file>
+
+<file path=ppt/slides/slide24.xml><?xml version="1.0" encoding="utf-8"?>
+<p:sld xmlns:a="http://schemas.openxmlformats.org/drawingml/2006/main" xmlns:r="http://schemas.openxmlformats.org/officeDocument/2006/relationships" xmlns:p="http://schemas.openxmlformats.org/presentationml/2006/main">
+  <p:cSld>
+    <p:spTree>
+      <p:nvGrpSpPr>
+        <p:cNvPr id="1" name="">
+          <a:extLst>
+            <a:ext uri="{FF2B5EF4-FFF2-40B4-BE49-F238E27FC236}">
+              <a16:creationId xmlns:a16="http://schemas.microsoft.com/office/drawing/2014/main" id="{B4A20030-3ABB-585A-5D3C-2E774D0F3AAF}"/>
+            </a:ext>
+          </a:extLst>
+        </p:cNvPr>
+        <p:cNvGrpSpPr/>
+        <p:nvPr/>
+      </p:nvGrpSpPr>
+      <p:grpSpPr>
+        <a:xfrm>
+          <a:off x="0" y="0"/>
+          <a:ext cx="0" cy="0"/>
+          <a:chOff x="0" y="0"/>
+          <a:chExt cx="0" cy="0"/>
+        </a:xfrm>
+      </p:grpSpPr>
+    </p:spTree>
+    <p:extLst>
+      <p:ext uri="{BB962C8B-B14F-4D97-AF65-F5344CB8AC3E}">
+        <p14:creationId xmlns:p14="http://schemas.microsoft.com/office/powerpoint/2010/main" val="2292341457"/>
+      </p:ext>
+    </p:extLst>
+  </p:cSld>
+  <p:clrMapOvr>
+    <a:masterClrMapping/>
+  </p:clrMapOvr>
+</p:sld>
+</file>
+
+<file path=ppt/slides/slide25.xml><?xml version="1.0" encoding="utf-8"?>
+<p:sld xmlns:a="http://schemas.openxmlformats.org/drawingml/2006/main" xmlns:r="http://schemas.openxmlformats.org/officeDocument/2006/relationships" xmlns:p="http://schemas.openxmlformats.org/presentationml/2006/main">
+  <p:cSld>
+    <p:spTree>
+      <p:nvGrpSpPr>
+        <p:cNvPr id="1" name="">
+          <a:extLst>
+            <a:ext uri="{FF2B5EF4-FFF2-40B4-BE49-F238E27FC236}">
+              <a16:creationId xmlns:a16="http://schemas.microsoft.com/office/drawing/2014/main" id="{FB714F44-B3B6-8B4C-7CBE-50C1A9D01B05}"/>
+            </a:ext>
+          </a:extLst>
+        </p:cNvPr>
+        <p:cNvGrpSpPr/>
+        <p:nvPr/>
+      </p:nvGrpSpPr>
+      <p:grpSpPr>
+        <a:xfrm>
+          <a:off x="0" y="0"/>
+          <a:ext cx="0" cy="0"/>
+          <a:chOff x="0" y="0"/>
+          <a:chExt cx="0" cy="0"/>
+        </a:xfrm>
+      </p:grpSpPr>
+      <p:sp>
+        <p:nvSpPr>
+          <p:cNvPr id="4" name="TextBox 3">
+            <a:extLst>
+              <a:ext uri="{FF2B5EF4-FFF2-40B4-BE49-F238E27FC236}">
+                <a16:creationId xmlns:a16="http://schemas.microsoft.com/office/drawing/2014/main" id="{DAFCEB15-53D5-1664-8D0A-429AB5FB9ABD}"/>
+              </a:ext>
+            </a:extLst>
+          </p:cNvPr>
+          <p:cNvSpPr txBox="1"/>
+          <p:nvPr/>
+        </p:nvSpPr>
+        <p:spPr>
+          <a:xfrm>
+            <a:off x="383628" y="2577113"/>
+            <a:ext cx="11424744" cy="1015663"/>
+          </a:xfrm>
+          <a:prstGeom prst="rect">
+            <a:avLst/>
+          </a:prstGeom>
+          <a:noFill/>
+        </p:spPr>
+        <p:txBody>
+          <a:bodyPr wrap="square" rtlCol="0">
+            <a:spAutoFit/>
+          </a:bodyPr>
+          <a:lstStyle/>
+          <a:p>
+            <a:pPr algn="l" fontAlgn="base"/>
+            <a:r>
+              <a:rPr lang="en-IE" sz="2000" b="1" i="0" dirty="0">
+                <a:solidFill>
+                  <a:srgbClr val="FF0000"/>
+                </a:solidFill>
+                <a:effectLst/>
+                <a:latin typeface="inherit"/>
+              </a:rPr>
+              <a:t>Owned by Daniela Ventura</a:t>
+            </a:r>
+          </a:p>
+          <a:p>
+            <a:pPr algn="l" fontAlgn="base"/>
+            <a:endParaRPr lang="en-IE" sz="2000" b="1" dirty="0">
+              <a:solidFill>
+                <a:srgbClr val="FF0000"/>
+              </a:solidFill>
+              <a:latin typeface="inherit"/>
+            </a:endParaRPr>
+          </a:p>
+          <a:p>
+            <a:pPr algn="l" fontAlgn="base"/>
+            <a:r>
+              <a:rPr lang="en-IE" sz="2000" b="1" dirty="0">
+                <a:solidFill>
+                  <a:srgbClr val="FF0000"/>
+                </a:solidFill>
+                <a:latin typeface="inherit"/>
+              </a:rPr>
+              <a:t>GPL Licence</a:t>
+            </a:r>
+          </a:p>
+        </p:txBody>
+      </p:sp>
+      <p:sp>
+        <p:nvSpPr>
+          <p:cNvPr id="2" name="TextBox 1">
+            <a:extLst>
+              <a:ext uri="{FF2B5EF4-FFF2-40B4-BE49-F238E27FC236}">
+                <a16:creationId xmlns:a16="http://schemas.microsoft.com/office/drawing/2014/main" id="{F5418F33-A093-7341-8AAB-52BD55FE3EC3}"/>
+              </a:ext>
+            </a:extLst>
+          </p:cNvPr>
+          <p:cNvSpPr txBox="1"/>
+          <p:nvPr/>
+        </p:nvSpPr>
+        <p:spPr>
+          <a:xfrm>
+            <a:off x="1418895" y="5420161"/>
+            <a:ext cx="10279117" cy="400110"/>
+          </a:xfrm>
+          <a:prstGeom prst="rect">
+            <a:avLst/>
+          </a:prstGeom>
+          <a:noFill/>
+        </p:spPr>
+        <p:txBody>
+          <a:bodyPr wrap="square" rtlCol="0">
+            <a:spAutoFit/>
+          </a:bodyPr>
+          <a:lstStyle/>
+          <a:p>
+            <a:pPr algn="r" fontAlgn="base"/>
+            <a:r>
+              <a:rPr lang="en-IE" sz="2000" b="1" dirty="0" err="1">
+                <a:solidFill>
+                  <a:srgbClr val="FF0000"/>
+                </a:solidFill>
+                <a:latin typeface="inherit"/>
+              </a:rPr>
+              <a:t>TinyURL</a:t>
+            </a:r>
+            <a:r>
+              <a:rPr lang="en-IE" sz="2000" b="1" dirty="0">
+                <a:solidFill>
+                  <a:srgbClr val="FF0000"/>
+                </a:solidFill>
+                <a:latin typeface="inherit"/>
+              </a:rPr>
+              <a:t> (Use Case)</a:t>
+            </a:r>
+          </a:p>
+        </p:txBody>
+      </p:sp>
+    </p:spTree>
+    <p:extLst>
+      <p:ext uri="{BB962C8B-B14F-4D97-AF65-F5344CB8AC3E}">
+        <p14:creationId xmlns:p14="http://schemas.microsoft.com/office/powerpoint/2010/main" val="378663750"/>
+      </p:ext>
+    </p:extLst>
+  </p:cSld>
+  <p:clrMapOvr>
+    <a:masterClrMapping/>
+  </p:clrMapOvr>
+</p:sld>
+</file>
+
+<file path=ppt/slides/slide26.xml><?xml version="1.0" encoding="utf-8"?>
+<p:sld xmlns:a="http://schemas.openxmlformats.org/drawingml/2006/main" xmlns:r="http://schemas.openxmlformats.org/officeDocument/2006/relationships" xmlns:p="http://schemas.openxmlformats.org/presentationml/2006/main">
+  <p:cSld>
+    <p:spTree>
+      <p:nvGrpSpPr>
+        <p:cNvPr id="1" name="">
+          <a:extLst>
+            <a:ext uri="{FF2B5EF4-FFF2-40B4-BE49-F238E27FC236}">
+              <a16:creationId xmlns:a16="http://schemas.microsoft.com/office/drawing/2014/main" id="{EA2E941A-B71F-E83E-DBB7-5AD6CAF37AE6}"/>
+            </a:ext>
+          </a:extLst>
+        </p:cNvPr>
+        <p:cNvGrpSpPr/>
+        <p:nvPr/>
+      </p:nvGrpSpPr>
+      <p:grpSpPr>
+        <a:xfrm>
+          <a:off x="0" y="0"/>
+          <a:ext cx="0" cy="0"/>
+          <a:chOff x="0" y="0"/>
+          <a:chExt cx="0" cy="0"/>
+        </a:xfrm>
+      </p:grpSpPr>
+    </p:spTree>
+    <p:extLst>
+      <p:ext uri="{BB962C8B-B14F-4D97-AF65-F5344CB8AC3E}">
+        <p14:creationId xmlns:p14="http://schemas.microsoft.com/office/powerpoint/2010/main" val="1918236504"/>
       </p:ext>
     </p:extLst>
   </p:cSld>

--- a/docs/MySystemDesign_RangeOfCounter.pptx
+++ b/docs/MySystemDesign_RangeOfCounter.pptx
@@ -19,18 +19,14 @@
     <p:sldId id="267" r:id="rId13"/>
     <p:sldId id="268" r:id="rId14"/>
     <p:sldId id="270" r:id="rId15"/>
-    <p:sldId id="282" r:id="rId16"/>
-    <p:sldId id="272" r:id="rId17"/>
-    <p:sldId id="271" r:id="rId18"/>
-    <p:sldId id="273" r:id="rId19"/>
-    <p:sldId id="276" r:id="rId20"/>
-    <p:sldId id="277" r:id="rId21"/>
-    <p:sldId id="275" r:id="rId22"/>
-    <p:sldId id="278" r:id="rId23"/>
-    <p:sldId id="274" r:id="rId24"/>
-    <p:sldId id="280" r:id="rId25"/>
-    <p:sldId id="279" r:id="rId26"/>
-    <p:sldId id="281" r:id="rId27"/>
+    <p:sldId id="272" r:id="rId16"/>
+    <p:sldId id="271" r:id="rId17"/>
+    <p:sldId id="273" r:id="rId18"/>
+    <p:sldId id="276" r:id="rId19"/>
+    <p:sldId id="277" r:id="rId20"/>
+    <p:sldId id="275" r:id="rId21"/>
+    <p:sldId id="278" r:id="rId22"/>
+    <p:sldId id="274" r:id="rId23"/>
   </p:sldIdLst>
   <p:sldSz cx="12192000" cy="6858000"/>
   <p:notesSz cx="6858000" cy="9144000"/>
@@ -286,7 +282,7 @@
           <a:p>
             <a:fld id="{1CAE48DF-23E4-2E4E-9011-6A2C88CF2076}" type="datetimeFigureOut">
               <a:rPr lang="en-US" smtClean="0"/>
-              <a:t>3/11/25</a:t>
+              <a:t>6/9/25</a:t>
             </a:fld>
             <a:endParaRPr lang="en-US"/>
           </a:p>
@@ -486,7 +482,7 @@
           <a:p>
             <a:fld id="{1CAE48DF-23E4-2E4E-9011-6A2C88CF2076}" type="datetimeFigureOut">
               <a:rPr lang="en-US" smtClean="0"/>
-              <a:t>3/11/25</a:t>
+              <a:t>6/9/25</a:t>
             </a:fld>
             <a:endParaRPr lang="en-US"/>
           </a:p>
@@ -696,7 +692,7 @@
           <a:p>
             <a:fld id="{1CAE48DF-23E4-2E4E-9011-6A2C88CF2076}" type="datetimeFigureOut">
               <a:rPr lang="en-US" smtClean="0"/>
-              <a:t>3/11/25</a:t>
+              <a:t>6/9/25</a:t>
             </a:fld>
             <a:endParaRPr lang="en-US"/>
           </a:p>
@@ -896,7 +892,7 @@
           <a:p>
             <a:fld id="{1CAE48DF-23E4-2E4E-9011-6A2C88CF2076}" type="datetimeFigureOut">
               <a:rPr lang="en-US" smtClean="0"/>
-              <a:t>3/11/25</a:t>
+              <a:t>6/9/25</a:t>
             </a:fld>
             <a:endParaRPr lang="en-US"/>
           </a:p>
@@ -1172,7 +1168,7 @@
           <a:p>
             <a:fld id="{1CAE48DF-23E4-2E4E-9011-6A2C88CF2076}" type="datetimeFigureOut">
               <a:rPr lang="en-US" smtClean="0"/>
-              <a:t>3/11/25</a:t>
+              <a:t>6/9/25</a:t>
             </a:fld>
             <a:endParaRPr lang="en-US"/>
           </a:p>
@@ -1440,7 +1436,7 @@
           <a:p>
             <a:fld id="{1CAE48DF-23E4-2E4E-9011-6A2C88CF2076}" type="datetimeFigureOut">
               <a:rPr lang="en-US" smtClean="0"/>
-              <a:t>3/11/25</a:t>
+              <a:t>6/9/25</a:t>
             </a:fld>
             <a:endParaRPr lang="en-US"/>
           </a:p>
@@ -1855,7 +1851,7 @@
           <a:p>
             <a:fld id="{1CAE48DF-23E4-2E4E-9011-6A2C88CF2076}" type="datetimeFigureOut">
               <a:rPr lang="en-US" smtClean="0"/>
-              <a:t>3/11/25</a:t>
+              <a:t>6/9/25</a:t>
             </a:fld>
             <a:endParaRPr lang="en-US"/>
           </a:p>
@@ -1997,7 +1993,7 @@
           <a:p>
             <a:fld id="{1CAE48DF-23E4-2E4E-9011-6A2C88CF2076}" type="datetimeFigureOut">
               <a:rPr lang="en-US" smtClean="0"/>
-              <a:t>3/11/25</a:t>
+              <a:t>6/9/25</a:t>
             </a:fld>
             <a:endParaRPr lang="en-US"/>
           </a:p>
@@ -2110,7 +2106,7 @@
           <a:p>
             <a:fld id="{1CAE48DF-23E4-2E4E-9011-6A2C88CF2076}" type="datetimeFigureOut">
               <a:rPr lang="en-US" smtClean="0"/>
-              <a:t>3/11/25</a:t>
+              <a:t>6/9/25</a:t>
             </a:fld>
             <a:endParaRPr lang="en-US"/>
           </a:p>
@@ -2423,7 +2419,7 @@
           <a:p>
             <a:fld id="{1CAE48DF-23E4-2E4E-9011-6A2C88CF2076}" type="datetimeFigureOut">
               <a:rPr lang="en-US" smtClean="0"/>
-              <a:t>3/11/25</a:t>
+              <a:t>6/9/25</a:t>
             </a:fld>
             <a:endParaRPr lang="en-US"/>
           </a:p>
@@ -2712,7 +2708,7 @@
           <a:p>
             <a:fld id="{1CAE48DF-23E4-2E4E-9011-6A2C88CF2076}" type="datetimeFigureOut">
               <a:rPr lang="en-US" smtClean="0"/>
-              <a:t>3/11/25</a:t>
+              <a:t>6/9/25</a:t>
             </a:fld>
             <a:endParaRPr lang="en-US"/>
           </a:p>
@@ -2955,7 +2951,7 @@
           <a:p>
             <a:fld id="{1CAE48DF-23E4-2E4E-9011-6A2C88CF2076}" type="datetimeFigureOut">
               <a:rPr lang="en-US" smtClean="0"/>
-              <a:t>3/11/25</a:t>
+              <a:t>6/9/25</a:t>
             </a:fld>
             <a:endParaRPr lang="en-US"/>
           </a:p>
@@ -7950,42 +7946,6 @@
         <p:cNvPr id="1" name="">
           <a:extLst>
             <a:ext uri="{FF2B5EF4-FFF2-40B4-BE49-F238E27FC236}">
-              <a16:creationId xmlns:a16="http://schemas.microsoft.com/office/drawing/2014/main" id="{E7DF816B-185F-2F96-1464-4DEB76BB075F}"/>
-            </a:ext>
-          </a:extLst>
-        </p:cNvPr>
-        <p:cNvGrpSpPr/>
-        <p:nvPr/>
-      </p:nvGrpSpPr>
-      <p:grpSpPr>
-        <a:xfrm>
-          <a:off x="0" y="0"/>
-          <a:ext cx="0" cy="0"/>
-          <a:chOff x="0" y="0"/>
-          <a:chExt cx="0" cy="0"/>
-        </a:xfrm>
-      </p:grpSpPr>
-    </p:spTree>
-    <p:extLst>
-      <p:ext uri="{BB962C8B-B14F-4D97-AF65-F5344CB8AC3E}">
-        <p14:creationId xmlns:p14="http://schemas.microsoft.com/office/powerpoint/2010/main" val="2802067718"/>
-      </p:ext>
-    </p:extLst>
-  </p:cSld>
-  <p:clrMapOvr>
-    <a:masterClrMapping/>
-  </p:clrMapOvr>
-</p:sld>
-</file>
-
-<file path=ppt/slides/slide16.xml><?xml version="1.0" encoding="utf-8"?>
-<p:sld xmlns:a="http://schemas.openxmlformats.org/drawingml/2006/main" xmlns:r="http://schemas.openxmlformats.org/officeDocument/2006/relationships" xmlns:p="http://schemas.openxmlformats.org/presentationml/2006/main">
-  <p:cSld>
-    <p:spTree>
-      <p:nvGrpSpPr>
-        <p:cNvPr id="1" name="">
-          <a:extLst>
-            <a:ext uri="{FF2B5EF4-FFF2-40B4-BE49-F238E27FC236}">
               <a16:creationId xmlns:a16="http://schemas.microsoft.com/office/drawing/2014/main" id="{3A4BD8A7-1B85-F3BA-EFFA-1EBD53D75A80}"/>
             </a:ext>
           </a:extLst>
@@ -8125,7 +8085,7 @@
 </p:sld>
 </file>
 
-<file path=ppt/slides/slide17.xml><?xml version="1.0" encoding="utf-8"?>
+<file path=ppt/slides/slide16.xml><?xml version="1.0" encoding="utf-8"?>
 <p:sld xmlns:a="http://schemas.openxmlformats.org/drawingml/2006/main" xmlns:r="http://schemas.openxmlformats.org/officeDocument/2006/relationships" xmlns:p="http://schemas.openxmlformats.org/presentationml/2006/main">
   <p:cSld>
     <p:spTree>
@@ -9559,7 +9519,7 @@
 </p:sld>
 </file>
 
-<file path=ppt/slides/slide18.xml><?xml version="1.0" encoding="utf-8"?>
+<file path=ppt/slides/slide17.xml><?xml version="1.0" encoding="utf-8"?>
 <p:sld xmlns:a="http://schemas.openxmlformats.org/drawingml/2006/main" xmlns:r="http://schemas.openxmlformats.org/officeDocument/2006/relationships" xmlns:p="http://schemas.openxmlformats.org/presentationml/2006/main">
   <p:cSld>
     <p:spTree>
@@ -11032,7 +10992,7 @@
 </p:sld>
 </file>
 
-<file path=ppt/slides/slide19.xml><?xml version="1.0" encoding="utf-8"?>
+<file path=ppt/slides/slide18.xml><?xml version="1.0" encoding="utf-8"?>
 <p:sld xmlns:a="http://schemas.openxmlformats.org/drawingml/2006/main" xmlns:r="http://schemas.openxmlformats.org/officeDocument/2006/relationships" xmlns:p="http://schemas.openxmlformats.org/presentationml/2006/main">
   <p:cSld>
     <p:spTree>
@@ -11893,6 +11853,437 @@
 </p:sld>
 </file>
 
+<file path=ppt/slides/slide19.xml><?xml version="1.0" encoding="utf-8"?>
+<p:sld xmlns:a="http://schemas.openxmlformats.org/drawingml/2006/main" xmlns:r="http://schemas.openxmlformats.org/officeDocument/2006/relationships" xmlns:p="http://schemas.openxmlformats.org/presentationml/2006/main">
+  <p:cSld>
+    <p:spTree>
+      <p:nvGrpSpPr>
+        <p:cNvPr id="1" name=""/>
+        <p:cNvGrpSpPr/>
+        <p:nvPr/>
+      </p:nvGrpSpPr>
+      <p:grpSpPr>
+        <a:xfrm>
+          <a:off x="0" y="0"/>
+          <a:ext cx="0" cy="0"/>
+          <a:chOff x="0" y="0"/>
+          <a:chExt cx="0" cy="0"/>
+        </a:xfrm>
+      </p:grpSpPr>
+      <p:sp>
+        <p:nvSpPr>
+          <p:cNvPr id="4" name="TextBox 3">
+            <a:extLst>
+              <a:ext uri="{FF2B5EF4-FFF2-40B4-BE49-F238E27FC236}">
+                <a16:creationId xmlns:a16="http://schemas.microsoft.com/office/drawing/2014/main" id="{70D1D55A-0A36-55C9-BA58-63CAAFE274EF}"/>
+              </a:ext>
+            </a:extLst>
+          </p:cNvPr>
+          <p:cNvSpPr txBox="1"/>
+          <p:nvPr/>
+        </p:nvSpPr>
+        <p:spPr>
+          <a:xfrm>
+            <a:off x="752430" y="219296"/>
+            <a:ext cx="10772820" cy="5078313"/>
+          </a:xfrm>
+          <a:prstGeom prst="rect">
+            <a:avLst/>
+          </a:prstGeom>
+          <a:noFill/>
+        </p:spPr>
+        <p:txBody>
+          <a:bodyPr wrap="square" rtlCol="0">
+            <a:spAutoFit/>
+          </a:bodyPr>
+          <a:lstStyle/>
+          <a:p>
+            <a:r>
+              <a:rPr lang="en-US" dirty="0">
+                <a:solidFill>
+                  <a:srgbClr val="FF0000"/>
+                </a:solidFill>
+              </a:rPr>
+              <a:t>SOLUTIONS – OPTIONS AVAILABLE</a:t>
+            </a:r>
+          </a:p>
+          <a:p>
+            <a:endParaRPr lang="en-US" dirty="0">
+              <a:solidFill>
+                <a:srgbClr val="FF0000"/>
+              </a:solidFill>
+            </a:endParaRPr>
+          </a:p>
+          <a:p>
+            <a:r>
+              <a:rPr lang="en-IE" sz="1800" dirty="0">
+                <a:solidFill>
+                  <a:srgbClr val="0C0D0E"/>
+                </a:solidFill>
+                <a:latin typeface="-apple-system"/>
+              </a:rPr>
+              <a:t>If using an </a:t>
+            </a:r>
+            <a:r>
+              <a:rPr lang="en-IE" sz="1800" b="1" dirty="0">
+                <a:solidFill>
+                  <a:srgbClr val="0C0D0E"/>
+                </a:solidFill>
+                <a:latin typeface="-apple-system"/>
+              </a:rPr>
+              <a:t>SQL DBs:</a:t>
+            </a:r>
+          </a:p>
+          <a:p>
+            <a:pPr marL="742950" lvl="1" indent="-285750">
+              <a:buFont typeface="Arial" panose="020B0604020202020204" pitchFamily="34" charset="0"/>
+              <a:buChar char="•"/>
+            </a:pPr>
+            <a:r>
+              <a:rPr lang="en-IE" b="1" dirty="0">
+                <a:solidFill>
+                  <a:srgbClr val="0C0D0E"/>
+                </a:solidFill>
+                <a:latin typeface="-apple-system"/>
+              </a:rPr>
+              <a:t>Option 1: </a:t>
+            </a:r>
+            <a:r>
+              <a:rPr lang="en-IE" dirty="0">
+                <a:solidFill>
+                  <a:srgbClr val="0C0D0E"/>
+                </a:solidFill>
+                <a:latin typeface="-apple-system"/>
+              </a:rPr>
+              <a:t>Use </a:t>
+            </a:r>
+            <a:r>
+              <a:rPr lang="en-IE" b="1" dirty="0">
+                <a:solidFill>
+                  <a:srgbClr val="0C0D0E"/>
+                </a:solidFill>
+                <a:latin typeface="-apple-system"/>
+              </a:rPr>
+              <a:t>locking mechanism of transactions =&gt; level of isolation needed is “Repeatable Read” or “serializable” </a:t>
+            </a:r>
+            <a:r>
+              <a:rPr lang="en-IE" dirty="0">
+                <a:solidFill>
+                  <a:srgbClr val="0C0D0E"/>
+                </a:solidFill>
+                <a:latin typeface="-apple-system"/>
+              </a:rPr>
+              <a:t>=&gt; If a transaction is aborted </a:t>
+            </a:r>
+            <a:r>
+              <a:rPr lang="en-IE" b="0" i="0" dirty="0">
+                <a:solidFill>
+                  <a:srgbClr val="0C0D0E"/>
+                </a:solidFill>
+                <a:effectLst/>
+                <a:latin typeface="inherit"/>
+              </a:rPr>
+              <a:t>due to reasons beyond your control, your application must be prepared to start all over again, from the BEGIN WORK, i.e. </a:t>
+            </a:r>
+            <a:r>
+              <a:rPr lang="en-IE" b="1" i="0" dirty="0">
+                <a:solidFill>
+                  <a:srgbClr val="0C0D0E"/>
+                </a:solidFill>
+                <a:effectLst/>
+                <a:latin typeface="inherit"/>
+              </a:rPr>
+              <a:t>a re-try logic must be implemented </a:t>
+            </a:r>
+            <a:r>
+              <a:rPr lang="en-IE" b="0" i="0" dirty="0">
+                <a:solidFill>
+                  <a:srgbClr val="0C0D0E"/>
+                </a:solidFill>
+                <a:effectLst/>
+                <a:latin typeface="inherit"/>
+              </a:rPr>
+              <a:t>to handle the transactions that fail.</a:t>
+            </a:r>
+            <a:endParaRPr lang="en-IE" dirty="0">
+              <a:solidFill>
+                <a:srgbClr val="0C0D0E"/>
+              </a:solidFill>
+              <a:latin typeface="-apple-system"/>
+            </a:endParaRPr>
+          </a:p>
+          <a:p>
+            <a:pPr marL="742950" lvl="1" indent="-285750">
+              <a:buFont typeface="Arial" panose="020B0604020202020204" pitchFamily="34" charset="0"/>
+              <a:buChar char="•"/>
+            </a:pPr>
+            <a:r>
+              <a:rPr lang="en-IE" b="1" dirty="0">
+                <a:solidFill>
+                  <a:srgbClr val="0C0D0E"/>
+                </a:solidFill>
+                <a:latin typeface="-apple-system"/>
+              </a:rPr>
+              <a:t>Option 2: </a:t>
+            </a:r>
+            <a:r>
+              <a:rPr lang="en-IE" dirty="0">
+                <a:solidFill>
+                  <a:srgbClr val="0C0D0E"/>
+                </a:solidFill>
+                <a:latin typeface="-apple-system"/>
+              </a:rPr>
+              <a:t>Use Optimistic Logic =&gt; </a:t>
+            </a:r>
+            <a:r>
+              <a:rPr lang="en-IE" b="1" dirty="0">
+                <a:solidFill>
+                  <a:srgbClr val="0C0D0E"/>
+                </a:solidFill>
+                <a:latin typeface="-apple-system"/>
+              </a:rPr>
+              <a:t>Add a “version” or a “timestamp” column </a:t>
+            </a:r>
+            <a:r>
+              <a:rPr lang="en-IE" dirty="0">
+                <a:solidFill>
+                  <a:srgbClr val="0C0D0E"/>
+                </a:solidFill>
+                <a:latin typeface="-apple-system"/>
+              </a:rPr>
+              <a:t>in the database </a:t>
+            </a:r>
+            <a:r>
+              <a:rPr lang="en-IE" dirty="0">
+                <a:solidFill>
+                  <a:srgbClr val="1F1F1F"/>
+                </a:solidFill>
+                <a:latin typeface="Google Sans"/>
+              </a:rPr>
+              <a:t>=&gt; </a:t>
+            </a:r>
+            <a:r>
+              <a:rPr lang="en-IE" b="1" dirty="0">
+                <a:solidFill>
+                  <a:srgbClr val="1F1F1F"/>
+                </a:solidFill>
+                <a:latin typeface="Google Sans"/>
+              </a:rPr>
+              <a:t>a re-try logic must be implemented </a:t>
+            </a:r>
+            <a:r>
+              <a:rPr lang="en-IE" dirty="0">
+                <a:solidFill>
+                  <a:srgbClr val="1F1F1F"/>
+                </a:solidFill>
+                <a:latin typeface="Google Sans"/>
+              </a:rPr>
+              <a:t>to handle cases where the SQL query fails to make the update because the document was already modified by another process.</a:t>
+            </a:r>
+            <a:endParaRPr lang="en-IE" dirty="0">
+              <a:solidFill>
+                <a:srgbClr val="0C0D0E"/>
+              </a:solidFill>
+              <a:latin typeface="-apple-system"/>
+            </a:endParaRPr>
+          </a:p>
+          <a:p>
+            <a:pPr marL="742950" lvl="1" indent="-285750">
+              <a:buFont typeface="Arial" panose="020B0604020202020204" pitchFamily="34" charset="0"/>
+              <a:buChar char="•"/>
+            </a:pPr>
+            <a:r>
+              <a:rPr lang="en-IE" b="1" dirty="0">
+                <a:solidFill>
+                  <a:srgbClr val="0C0D0E"/>
+                </a:solidFill>
+                <a:latin typeface="-apple-system"/>
+              </a:rPr>
+              <a:t>Option 3: </a:t>
+            </a:r>
+            <a:r>
+              <a:rPr lang="en-IE" dirty="0">
+                <a:solidFill>
+                  <a:srgbClr val="1F1F1F"/>
+                </a:solidFill>
+                <a:latin typeface="Google Sans"/>
+              </a:rPr>
+              <a:t>Build an </a:t>
+            </a:r>
+            <a:r>
+              <a:rPr lang="en-IE" b="1" dirty="0">
+                <a:solidFill>
+                  <a:srgbClr val="1F1F1F"/>
+                </a:solidFill>
+                <a:latin typeface="Google Sans"/>
+              </a:rPr>
+              <a:t>SQL query ad-hoc</a:t>
+            </a:r>
+            <a:r>
+              <a:rPr lang="en-IE" dirty="0">
+                <a:solidFill>
+                  <a:srgbClr val="1F1F1F"/>
+                </a:solidFill>
+                <a:latin typeface="Google Sans"/>
+              </a:rPr>
+              <a:t> might avoid using locking mechanisms =&gt; </a:t>
+            </a:r>
+            <a:r>
+              <a:rPr lang="en-IE" b="1" dirty="0">
+                <a:solidFill>
+                  <a:srgbClr val="1F1F1F"/>
+                </a:solidFill>
+                <a:latin typeface="Google Sans"/>
+              </a:rPr>
+              <a:t>a re-try logic must be implemented</a:t>
+            </a:r>
+            <a:r>
+              <a:rPr lang="en-IE" dirty="0">
+                <a:solidFill>
+                  <a:srgbClr val="1F1F1F"/>
+                </a:solidFill>
+                <a:latin typeface="Google Sans"/>
+              </a:rPr>
+              <a:t> to handle cases where the SQL query fails.</a:t>
+            </a:r>
+            <a:endParaRPr lang="en-IE" b="1" dirty="0">
+              <a:solidFill>
+                <a:srgbClr val="0C0D0E"/>
+              </a:solidFill>
+              <a:latin typeface="-apple-system"/>
+            </a:endParaRPr>
+          </a:p>
+          <a:p>
+            <a:endParaRPr lang="en-IE" sz="1800" dirty="0">
+              <a:solidFill>
+                <a:srgbClr val="0C0D0E"/>
+              </a:solidFill>
+              <a:latin typeface="-apple-system"/>
+            </a:endParaRPr>
+          </a:p>
+          <a:p>
+            <a:r>
+              <a:rPr lang="en-IE" sz="1800" dirty="0">
+                <a:solidFill>
+                  <a:srgbClr val="0C0D0E"/>
+                </a:solidFill>
+                <a:latin typeface="-apple-system"/>
+              </a:rPr>
+              <a:t>If using </a:t>
+            </a:r>
+            <a:r>
+              <a:rPr lang="en-IE" sz="1800" b="1" dirty="0">
+                <a:solidFill>
+                  <a:srgbClr val="0C0D0E"/>
+                </a:solidFill>
+                <a:latin typeface="-apple-system"/>
+              </a:rPr>
+              <a:t>NoSQL DBs:</a:t>
+            </a:r>
+          </a:p>
+          <a:p>
+            <a:pPr marL="742950" lvl="1" indent="-285750">
+              <a:buFont typeface="Arial" panose="020B0604020202020204" pitchFamily="34" charset="0"/>
+              <a:buChar char="•"/>
+            </a:pPr>
+            <a:r>
+              <a:rPr lang="en-IE" b="1" dirty="0">
+                <a:solidFill>
+                  <a:srgbClr val="0C0D0E"/>
+                </a:solidFill>
+                <a:latin typeface="-apple-system"/>
+              </a:rPr>
+              <a:t>Option 1: </a:t>
+            </a:r>
+            <a:r>
+              <a:rPr lang="en-IE" dirty="0">
+                <a:solidFill>
+                  <a:srgbClr val="0C0D0E"/>
+                </a:solidFill>
+                <a:latin typeface="-apple-system"/>
+              </a:rPr>
+              <a:t>Use </a:t>
+            </a:r>
+            <a:r>
+              <a:rPr lang="en-IE" b="1" dirty="0">
+                <a:solidFill>
+                  <a:srgbClr val="0C0D0E"/>
+                </a:solidFill>
+                <a:latin typeface="-apple-system"/>
+              </a:rPr>
+              <a:t>versioning</a:t>
+            </a:r>
+            <a:r>
+              <a:rPr lang="en-IE" dirty="0">
+                <a:solidFill>
+                  <a:srgbClr val="0C0D0E"/>
+                </a:solidFill>
+                <a:latin typeface="-apple-system"/>
+              </a:rPr>
+              <a:t>. NoSQL DBs usually DO NOT use locking mechanisms. </a:t>
+            </a:r>
+            <a:r>
+              <a:rPr lang="en-IE" b="0" i="0" dirty="0">
+                <a:solidFill>
+                  <a:srgbClr val="1F1F1F"/>
+                </a:solidFill>
+                <a:effectLst/>
+                <a:latin typeface="Google Sans"/>
+              </a:rPr>
+              <a:t>They allow concurrent operations to proceed without locking or blocking, but check for conflicts at the end of each operation =&gt; </a:t>
+            </a:r>
+            <a:r>
+              <a:rPr lang="en-IE" b="1" dirty="0">
+                <a:solidFill>
+                  <a:srgbClr val="1F1F1F"/>
+                </a:solidFill>
+                <a:latin typeface="Google Sans"/>
+              </a:rPr>
+              <a:t>If conflict arises</a:t>
+            </a:r>
+            <a:r>
+              <a:rPr lang="en-IE" dirty="0">
+                <a:solidFill>
+                  <a:srgbClr val="1F1F1F"/>
+                </a:solidFill>
+                <a:latin typeface="Google Sans"/>
+              </a:rPr>
+              <a:t> (and 409 is returned), </a:t>
+            </a:r>
+            <a:r>
+              <a:rPr lang="en-IE" b="1" dirty="0">
+                <a:solidFill>
+                  <a:srgbClr val="1F1F1F"/>
+                </a:solidFill>
+                <a:latin typeface="Google Sans"/>
+              </a:rPr>
+              <a:t>you must implement a re-try logic </a:t>
+            </a:r>
+            <a:r>
+              <a:rPr lang="en-IE" dirty="0">
+                <a:solidFill>
+                  <a:srgbClr val="1F1F1F"/>
+                </a:solidFill>
+                <a:latin typeface="Google Sans"/>
+              </a:rPr>
+              <a:t>to fetch again the list of Strings (i.e. SELECT/READ the documents that satisfy the initial condition) and then apply the UPDATE/WRITE.</a:t>
+            </a:r>
+          </a:p>
+        </p:txBody>
+      </p:sp>
+    </p:spTree>
+    <p:extLst>
+      <p:ext uri="{BB962C8B-B14F-4D97-AF65-F5344CB8AC3E}">
+        <p14:creationId xmlns:p14="http://schemas.microsoft.com/office/powerpoint/2010/main" val="1840832416"/>
+      </p:ext>
+    </p:extLst>
+  </p:cSld>
+  <p:clrMapOvr>
+    <a:masterClrMapping/>
+  </p:clrMapOvr>
+</p:sld>
+</file>
+
 <file path=ppt/slides/slide2.xml><?xml version="1.0" encoding="utf-8"?>
 <p:sld xmlns:a="http://schemas.openxmlformats.org/drawingml/2006/main" xmlns:r="http://schemas.openxmlformats.org/officeDocument/2006/relationships" xmlns:p="http://schemas.openxmlformats.org/presentationml/2006/main">
   <p:cSld>
@@ -12452,437 +12843,6 @@
   <p:cSld>
     <p:spTree>
       <p:nvGrpSpPr>
-        <p:cNvPr id="1" name=""/>
-        <p:cNvGrpSpPr/>
-        <p:nvPr/>
-      </p:nvGrpSpPr>
-      <p:grpSpPr>
-        <a:xfrm>
-          <a:off x="0" y="0"/>
-          <a:ext cx="0" cy="0"/>
-          <a:chOff x="0" y="0"/>
-          <a:chExt cx="0" cy="0"/>
-        </a:xfrm>
-      </p:grpSpPr>
-      <p:sp>
-        <p:nvSpPr>
-          <p:cNvPr id="4" name="TextBox 3">
-            <a:extLst>
-              <a:ext uri="{FF2B5EF4-FFF2-40B4-BE49-F238E27FC236}">
-                <a16:creationId xmlns:a16="http://schemas.microsoft.com/office/drawing/2014/main" id="{70D1D55A-0A36-55C9-BA58-63CAAFE274EF}"/>
-              </a:ext>
-            </a:extLst>
-          </p:cNvPr>
-          <p:cNvSpPr txBox="1"/>
-          <p:nvPr/>
-        </p:nvSpPr>
-        <p:spPr>
-          <a:xfrm>
-            <a:off x="752430" y="219296"/>
-            <a:ext cx="10772820" cy="5078313"/>
-          </a:xfrm>
-          <a:prstGeom prst="rect">
-            <a:avLst/>
-          </a:prstGeom>
-          <a:noFill/>
-        </p:spPr>
-        <p:txBody>
-          <a:bodyPr wrap="square" rtlCol="0">
-            <a:spAutoFit/>
-          </a:bodyPr>
-          <a:lstStyle/>
-          <a:p>
-            <a:r>
-              <a:rPr lang="en-US" dirty="0">
-                <a:solidFill>
-                  <a:srgbClr val="FF0000"/>
-                </a:solidFill>
-              </a:rPr>
-              <a:t>SOLUTIONS – OPTIONS AVAILABLE</a:t>
-            </a:r>
-          </a:p>
-          <a:p>
-            <a:endParaRPr lang="en-US" dirty="0">
-              <a:solidFill>
-                <a:srgbClr val="FF0000"/>
-              </a:solidFill>
-            </a:endParaRPr>
-          </a:p>
-          <a:p>
-            <a:r>
-              <a:rPr lang="en-IE" sz="1800" dirty="0">
-                <a:solidFill>
-                  <a:srgbClr val="0C0D0E"/>
-                </a:solidFill>
-                <a:latin typeface="-apple-system"/>
-              </a:rPr>
-              <a:t>If using an </a:t>
-            </a:r>
-            <a:r>
-              <a:rPr lang="en-IE" sz="1800" b="1" dirty="0">
-                <a:solidFill>
-                  <a:srgbClr val="0C0D0E"/>
-                </a:solidFill>
-                <a:latin typeface="-apple-system"/>
-              </a:rPr>
-              <a:t>SQL DBs:</a:t>
-            </a:r>
-          </a:p>
-          <a:p>
-            <a:pPr marL="742950" lvl="1" indent="-285750">
-              <a:buFont typeface="Arial" panose="020B0604020202020204" pitchFamily="34" charset="0"/>
-              <a:buChar char="•"/>
-            </a:pPr>
-            <a:r>
-              <a:rPr lang="en-IE" b="1" dirty="0">
-                <a:solidFill>
-                  <a:srgbClr val="0C0D0E"/>
-                </a:solidFill>
-                <a:latin typeface="-apple-system"/>
-              </a:rPr>
-              <a:t>Option 1: </a:t>
-            </a:r>
-            <a:r>
-              <a:rPr lang="en-IE" dirty="0">
-                <a:solidFill>
-                  <a:srgbClr val="0C0D0E"/>
-                </a:solidFill>
-                <a:latin typeface="-apple-system"/>
-              </a:rPr>
-              <a:t>Use </a:t>
-            </a:r>
-            <a:r>
-              <a:rPr lang="en-IE" b="1" dirty="0">
-                <a:solidFill>
-                  <a:srgbClr val="0C0D0E"/>
-                </a:solidFill>
-                <a:latin typeface="-apple-system"/>
-              </a:rPr>
-              <a:t>locking mechanism of transactions =&gt; level of isolation needed is “Repeatable Read” or “serializable” </a:t>
-            </a:r>
-            <a:r>
-              <a:rPr lang="en-IE" dirty="0">
-                <a:solidFill>
-                  <a:srgbClr val="0C0D0E"/>
-                </a:solidFill>
-                <a:latin typeface="-apple-system"/>
-              </a:rPr>
-              <a:t>=&gt; If a transaction is aborted </a:t>
-            </a:r>
-            <a:r>
-              <a:rPr lang="en-IE" b="0" i="0" dirty="0">
-                <a:solidFill>
-                  <a:srgbClr val="0C0D0E"/>
-                </a:solidFill>
-                <a:effectLst/>
-                <a:latin typeface="inherit"/>
-              </a:rPr>
-              <a:t>due to reasons beyond your control, your application must be prepared to start all over again, from the BEGIN WORK, i.e. </a:t>
-            </a:r>
-            <a:r>
-              <a:rPr lang="en-IE" b="1" i="0" dirty="0">
-                <a:solidFill>
-                  <a:srgbClr val="0C0D0E"/>
-                </a:solidFill>
-                <a:effectLst/>
-                <a:latin typeface="inherit"/>
-              </a:rPr>
-              <a:t>a re-try logic must be implemented </a:t>
-            </a:r>
-            <a:r>
-              <a:rPr lang="en-IE" b="0" i="0" dirty="0">
-                <a:solidFill>
-                  <a:srgbClr val="0C0D0E"/>
-                </a:solidFill>
-                <a:effectLst/>
-                <a:latin typeface="inherit"/>
-              </a:rPr>
-              <a:t>to handle the transactions that fail.</a:t>
-            </a:r>
-            <a:endParaRPr lang="en-IE" dirty="0">
-              <a:solidFill>
-                <a:srgbClr val="0C0D0E"/>
-              </a:solidFill>
-              <a:latin typeface="-apple-system"/>
-            </a:endParaRPr>
-          </a:p>
-          <a:p>
-            <a:pPr marL="742950" lvl="1" indent="-285750">
-              <a:buFont typeface="Arial" panose="020B0604020202020204" pitchFamily="34" charset="0"/>
-              <a:buChar char="•"/>
-            </a:pPr>
-            <a:r>
-              <a:rPr lang="en-IE" b="1" dirty="0">
-                <a:solidFill>
-                  <a:srgbClr val="0C0D0E"/>
-                </a:solidFill>
-                <a:latin typeface="-apple-system"/>
-              </a:rPr>
-              <a:t>Option 2: </a:t>
-            </a:r>
-            <a:r>
-              <a:rPr lang="en-IE" dirty="0">
-                <a:solidFill>
-                  <a:srgbClr val="0C0D0E"/>
-                </a:solidFill>
-                <a:latin typeface="-apple-system"/>
-              </a:rPr>
-              <a:t>Use Optimistic Logic =&gt; </a:t>
-            </a:r>
-            <a:r>
-              <a:rPr lang="en-IE" b="1" dirty="0">
-                <a:solidFill>
-                  <a:srgbClr val="0C0D0E"/>
-                </a:solidFill>
-                <a:latin typeface="-apple-system"/>
-              </a:rPr>
-              <a:t>Add a “version” or a “timestamp” column </a:t>
-            </a:r>
-            <a:r>
-              <a:rPr lang="en-IE" dirty="0">
-                <a:solidFill>
-                  <a:srgbClr val="0C0D0E"/>
-                </a:solidFill>
-                <a:latin typeface="-apple-system"/>
-              </a:rPr>
-              <a:t>in the database </a:t>
-            </a:r>
-            <a:r>
-              <a:rPr lang="en-IE" dirty="0">
-                <a:solidFill>
-                  <a:srgbClr val="1F1F1F"/>
-                </a:solidFill>
-                <a:latin typeface="Google Sans"/>
-              </a:rPr>
-              <a:t>=&gt; </a:t>
-            </a:r>
-            <a:r>
-              <a:rPr lang="en-IE" b="1" dirty="0">
-                <a:solidFill>
-                  <a:srgbClr val="1F1F1F"/>
-                </a:solidFill>
-                <a:latin typeface="Google Sans"/>
-              </a:rPr>
-              <a:t>a re-try logic must be implemented </a:t>
-            </a:r>
-            <a:r>
-              <a:rPr lang="en-IE" dirty="0">
-                <a:solidFill>
-                  <a:srgbClr val="1F1F1F"/>
-                </a:solidFill>
-                <a:latin typeface="Google Sans"/>
-              </a:rPr>
-              <a:t>to handle cases where the SQL query fails to make the update because the document was already modified by another process.</a:t>
-            </a:r>
-            <a:endParaRPr lang="en-IE" dirty="0">
-              <a:solidFill>
-                <a:srgbClr val="0C0D0E"/>
-              </a:solidFill>
-              <a:latin typeface="-apple-system"/>
-            </a:endParaRPr>
-          </a:p>
-          <a:p>
-            <a:pPr marL="742950" lvl="1" indent="-285750">
-              <a:buFont typeface="Arial" panose="020B0604020202020204" pitchFamily="34" charset="0"/>
-              <a:buChar char="•"/>
-            </a:pPr>
-            <a:r>
-              <a:rPr lang="en-IE" b="1" dirty="0">
-                <a:solidFill>
-                  <a:srgbClr val="0C0D0E"/>
-                </a:solidFill>
-                <a:latin typeface="-apple-system"/>
-              </a:rPr>
-              <a:t>Option 3: </a:t>
-            </a:r>
-            <a:r>
-              <a:rPr lang="en-IE" dirty="0">
-                <a:solidFill>
-                  <a:srgbClr val="1F1F1F"/>
-                </a:solidFill>
-                <a:latin typeface="Google Sans"/>
-              </a:rPr>
-              <a:t>Build an </a:t>
-            </a:r>
-            <a:r>
-              <a:rPr lang="en-IE" b="1" dirty="0">
-                <a:solidFill>
-                  <a:srgbClr val="1F1F1F"/>
-                </a:solidFill>
-                <a:latin typeface="Google Sans"/>
-              </a:rPr>
-              <a:t>SQL query ad-hoc</a:t>
-            </a:r>
-            <a:r>
-              <a:rPr lang="en-IE" dirty="0">
-                <a:solidFill>
-                  <a:srgbClr val="1F1F1F"/>
-                </a:solidFill>
-                <a:latin typeface="Google Sans"/>
-              </a:rPr>
-              <a:t> might avoid using locking mechanisms =&gt; </a:t>
-            </a:r>
-            <a:r>
-              <a:rPr lang="en-IE" b="1" dirty="0">
-                <a:solidFill>
-                  <a:srgbClr val="1F1F1F"/>
-                </a:solidFill>
-                <a:latin typeface="Google Sans"/>
-              </a:rPr>
-              <a:t>a re-try logic must be implemented</a:t>
-            </a:r>
-            <a:r>
-              <a:rPr lang="en-IE" dirty="0">
-                <a:solidFill>
-                  <a:srgbClr val="1F1F1F"/>
-                </a:solidFill>
-                <a:latin typeface="Google Sans"/>
-              </a:rPr>
-              <a:t> to handle cases where the SQL query fails.</a:t>
-            </a:r>
-            <a:endParaRPr lang="en-IE" b="1" dirty="0">
-              <a:solidFill>
-                <a:srgbClr val="0C0D0E"/>
-              </a:solidFill>
-              <a:latin typeface="-apple-system"/>
-            </a:endParaRPr>
-          </a:p>
-          <a:p>
-            <a:endParaRPr lang="en-IE" sz="1800" dirty="0">
-              <a:solidFill>
-                <a:srgbClr val="0C0D0E"/>
-              </a:solidFill>
-              <a:latin typeface="-apple-system"/>
-            </a:endParaRPr>
-          </a:p>
-          <a:p>
-            <a:r>
-              <a:rPr lang="en-IE" sz="1800" dirty="0">
-                <a:solidFill>
-                  <a:srgbClr val="0C0D0E"/>
-                </a:solidFill>
-                <a:latin typeface="-apple-system"/>
-              </a:rPr>
-              <a:t>If using </a:t>
-            </a:r>
-            <a:r>
-              <a:rPr lang="en-IE" sz="1800" b="1" dirty="0">
-                <a:solidFill>
-                  <a:srgbClr val="0C0D0E"/>
-                </a:solidFill>
-                <a:latin typeface="-apple-system"/>
-              </a:rPr>
-              <a:t>NoSQL DBs:</a:t>
-            </a:r>
-          </a:p>
-          <a:p>
-            <a:pPr marL="742950" lvl="1" indent="-285750">
-              <a:buFont typeface="Arial" panose="020B0604020202020204" pitchFamily="34" charset="0"/>
-              <a:buChar char="•"/>
-            </a:pPr>
-            <a:r>
-              <a:rPr lang="en-IE" b="1" dirty="0">
-                <a:solidFill>
-                  <a:srgbClr val="0C0D0E"/>
-                </a:solidFill>
-                <a:latin typeface="-apple-system"/>
-              </a:rPr>
-              <a:t>Option 1: </a:t>
-            </a:r>
-            <a:r>
-              <a:rPr lang="en-IE" dirty="0">
-                <a:solidFill>
-                  <a:srgbClr val="0C0D0E"/>
-                </a:solidFill>
-                <a:latin typeface="-apple-system"/>
-              </a:rPr>
-              <a:t>Use </a:t>
-            </a:r>
-            <a:r>
-              <a:rPr lang="en-IE" b="1" dirty="0">
-                <a:solidFill>
-                  <a:srgbClr val="0C0D0E"/>
-                </a:solidFill>
-                <a:latin typeface="-apple-system"/>
-              </a:rPr>
-              <a:t>versioning</a:t>
-            </a:r>
-            <a:r>
-              <a:rPr lang="en-IE" dirty="0">
-                <a:solidFill>
-                  <a:srgbClr val="0C0D0E"/>
-                </a:solidFill>
-                <a:latin typeface="-apple-system"/>
-              </a:rPr>
-              <a:t>. NoSQL DBs usually DO NOT use locking mechanisms. </a:t>
-            </a:r>
-            <a:r>
-              <a:rPr lang="en-IE" b="0" i="0" dirty="0">
-                <a:solidFill>
-                  <a:srgbClr val="1F1F1F"/>
-                </a:solidFill>
-                <a:effectLst/>
-                <a:latin typeface="Google Sans"/>
-              </a:rPr>
-              <a:t>They allow concurrent operations to proceed without locking or blocking, but check for conflicts at the end of each operation =&gt; </a:t>
-            </a:r>
-            <a:r>
-              <a:rPr lang="en-IE" b="1" dirty="0">
-                <a:solidFill>
-                  <a:srgbClr val="1F1F1F"/>
-                </a:solidFill>
-                <a:latin typeface="Google Sans"/>
-              </a:rPr>
-              <a:t>If conflict arises</a:t>
-            </a:r>
-            <a:r>
-              <a:rPr lang="en-IE" dirty="0">
-                <a:solidFill>
-                  <a:srgbClr val="1F1F1F"/>
-                </a:solidFill>
-                <a:latin typeface="Google Sans"/>
-              </a:rPr>
-              <a:t> (and 409 is returned), </a:t>
-            </a:r>
-            <a:r>
-              <a:rPr lang="en-IE" b="1" dirty="0">
-                <a:solidFill>
-                  <a:srgbClr val="1F1F1F"/>
-                </a:solidFill>
-                <a:latin typeface="Google Sans"/>
-              </a:rPr>
-              <a:t>you must implement a re-try logic </a:t>
-            </a:r>
-            <a:r>
-              <a:rPr lang="en-IE" dirty="0">
-                <a:solidFill>
-                  <a:srgbClr val="1F1F1F"/>
-                </a:solidFill>
-                <a:latin typeface="Google Sans"/>
-              </a:rPr>
-              <a:t>to fetch again the list of Strings (i.e. SELECT/READ the documents that satisfy the initial condition) and then apply the UPDATE/WRITE.</a:t>
-            </a:r>
-          </a:p>
-        </p:txBody>
-      </p:sp>
-    </p:spTree>
-    <p:extLst>
-      <p:ext uri="{BB962C8B-B14F-4D97-AF65-F5344CB8AC3E}">
-        <p14:creationId xmlns:p14="http://schemas.microsoft.com/office/powerpoint/2010/main" val="1840832416"/>
-      </p:ext>
-    </p:extLst>
-  </p:cSld>
-  <p:clrMapOvr>
-    <a:masterClrMapping/>
-  </p:clrMapOvr>
-</p:sld>
-</file>
-
-<file path=ppt/slides/slide21.xml><?xml version="1.0" encoding="utf-8"?>
-<p:sld xmlns:a="http://schemas.openxmlformats.org/drawingml/2006/main" xmlns:r="http://schemas.openxmlformats.org/officeDocument/2006/relationships" xmlns:p="http://schemas.openxmlformats.org/presentationml/2006/main">
-  <p:cSld>
-    <p:spTree>
-      <p:nvGrpSpPr>
         <p:cNvPr id="1" name="">
           <a:extLst>
             <a:ext uri="{FF2B5EF4-FFF2-40B4-BE49-F238E27FC236}">
@@ -14607,7 +14567,7 @@
 </p:sld>
 </file>
 
-<file path=ppt/slides/slide22.xml><?xml version="1.0" encoding="utf-8"?>
+<file path=ppt/slides/slide21.xml><?xml version="1.0" encoding="utf-8"?>
 <p:sld xmlns:a="http://schemas.openxmlformats.org/drawingml/2006/main" xmlns:r="http://schemas.openxmlformats.org/officeDocument/2006/relationships" xmlns:p="http://schemas.openxmlformats.org/presentationml/2006/main">
   <p:cSld>
     <p:spTree>
@@ -16282,7 +16242,7 @@
 </p:sld>
 </file>
 
-<file path=ppt/slides/slide23.xml><?xml version="1.0" encoding="utf-8"?>
+<file path=ppt/slides/slide22.xml><?xml version="1.0" encoding="utf-8"?>
 <p:sld xmlns:a="http://schemas.openxmlformats.org/drawingml/2006/main" xmlns:r="http://schemas.openxmlformats.org/officeDocument/2006/relationships" xmlns:p="http://schemas.openxmlformats.org/presentationml/2006/main">
   <p:cSld>
     <p:spTree>
@@ -17775,227 +17735,6 @@
     <p:extLst>
       <p:ext uri="{BB962C8B-B14F-4D97-AF65-F5344CB8AC3E}">
         <p14:creationId xmlns:p14="http://schemas.microsoft.com/office/powerpoint/2010/main" val="1970716188"/>
-      </p:ext>
-    </p:extLst>
-  </p:cSld>
-  <p:clrMapOvr>
-    <a:masterClrMapping/>
-  </p:clrMapOvr>
-</p:sld>
-</file>
-
-<file path=ppt/slides/slide24.xml><?xml version="1.0" encoding="utf-8"?>
-<p:sld xmlns:a="http://schemas.openxmlformats.org/drawingml/2006/main" xmlns:r="http://schemas.openxmlformats.org/officeDocument/2006/relationships" xmlns:p="http://schemas.openxmlformats.org/presentationml/2006/main">
-  <p:cSld>
-    <p:spTree>
-      <p:nvGrpSpPr>
-        <p:cNvPr id="1" name="">
-          <a:extLst>
-            <a:ext uri="{FF2B5EF4-FFF2-40B4-BE49-F238E27FC236}">
-              <a16:creationId xmlns:a16="http://schemas.microsoft.com/office/drawing/2014/main" id="{B4A20030-3ABB-585A-5D3C-2E774D0F3AAF}"/>
-            </a:ext>
-          </a:extLst>
-        </p:cNvPr>
-        <p:cNvGrpSpPr/>
-        <p:nvPr/>
-      </p:nvGrpSpPr>
-      <p:grpSpPr>
-        <a:xfrm>
-          <a:off x="0" y="0"/>
-          <a:ext cx="0" cy="0"/>
-          <a:chOff x="0" y="0"/>
-          <a:chExt cx="0" cy="0"/>
-        </a:xfrm>
-      </p:grpSpPr>
-    </p:spTree>
-    <p:extLst>
-      <p:ext uri="{BB962C8B-B14F-4D97-AF65-F5344CB8AC3E}">
-        <p14:creationId xmlns:p14="http://schemas.microsoft.com/office/powerpoint/2010/main" val="2292341457"/>
-      </p:ext>
-    </p:extLst>
-  </p:cSld>
-  <p:clrMapOvr>
-    <a:masterClrMapping/>
-  </p:clrMapOvr>
-</p:sld>
-</file>
-
-<file path=ppt/slides/slide25.xml><?xml version="1.0" encoding="utf-8"?>
-<p:sld xmlns:a="http://schemas.openxmlformats.org/drawingml/2006/main" xmlns:r="http://schemas.openxmlformats.org/officeDocument/2006/relationships" xmlns:p="http://schemas.openxmlformats.org/presentationml/2006/main">
-  <p:cSld>
-    <p:spTree>
-      <p:nvGrpSpPr>
-        <p:cNvPr id="1" name="">
-          <a:extLst>
-            <a:ext uri="{FF2B5EF4-FFF2-40B4-BE49-F238E27FC236}">
-              <a16:creationId xmlns:a16="http://schemas.microsoft.com/office/drawing/2014/main" id="{FB714F44-B3B6-8B4C-7CBE-50C1A9D01B05}"/>
-            </a:ext>
-          </a:extLst>
-        </p:cNvPr>
-        <p:cNvGrpSpPr/>
-        <p:nvPr/>
-      </p:nvGrpSpPr>
-      <p:grpSpPr>
-        <a:xfrm>
-          <a:off x="0" y="0"/>
-          <a:ext cx="0" cy="0"/>
-          <a:chOff x="0" y="0"/>
-          <a:chExt cx="0" cy="0"/>
-        </a:xfrm>
-      </p:grpSpPr>
-      <p:sp>
-        <p:nvSpPr>
-          <p:cNvPr id="4" name="TextBox 3">
-            <a:extLst>
-              <a:ext uri="{FF2B5EF4-FFF2-40B4-BE49-F238E27FC236}">
-                <a16:creationId xmlns:a16="http://schemas.microsoft.com/office/drawing/2014/main" id="{DAFCEB15-53D5-1664-8D0A-429AB5FB9ABD}"/>
-              </a:ext>
-            </a:extLst>
-          </p:cNvPr>
-          <p:cNvSpPr txBox="1"/>
-          <p:nvPr/>
-        </p:nvSpPr>
-        <p:spPr>
-          <a:xfrm>
-            <a:off x="383628" y="2577113"/>
-            <a:ext cx="11424744" cy="1015663"/>
-          </a:xfrm>
-          <a:prstGeom prst="rect">
-            <a:avLst/>
-          </a:prstGeom>
-          <a:noFill/>
-        </p:spPr>
-        <p:txBody>
-          <a:bodyPr wrap="square" rtlCol="0">
-            <a:spAutoFit/>
-          </a:bodyPr>
-          <a:lstStyle/>
-          <a:p>
-            <a:pPr algn="l" fontAlgn="base"/>
-            <a:r>
-              <a:rPr lang="en-IE" sz="2000" b="1" i="0" dirty="0">
-                <a:solidFill>
-                  <a:srgbClr val="FF0000"/>
-                </a:solidFill>
-                <a:effectLst/>
-                <a:latin typeface="inherit"/>
-              </a:rPr>
-              <a:t>Owned by Daniela Ventura</a:t>
-            </a:r>
-          </a:p>
-          <a:p>
-            <a:pPr algn="l" fontAlgn="base"/>
-            <a:endParaRPr lang="en-IE" sz="2000" b="1" dirty="0">
-              <a:solidFill>
-                <a:srgbClr val="FF0000"/>
-              </a:solidFill>
-              <a:latin typeface="inherit"/>
-            </a:endParaRPr>
-          </a:p>
-          <a:p>
-            <a:pPr algn="l" fontAlgn="base"/>
-            <a:r>
-              <a:rPr lang="en-IE" sz="2000" b="1" dirty="0">
-                <a:solidFill>
-                  <a:srgbClr val="FF0000"/>
-                </a:solidFill>
-                <a:latin typeface="inherit"/>
-              </a:rPr>
-              <a:t>GPL Licence</a:t>
-            </a:r>
-          </a:p>
-        </p:txBody>
-      </p:sp>
-      <p:sp>
-        <p:nvSpPr>
-          <p:cNvPr id="2" name="TextBox 1">
-            <a:extLst>
-              <a:ext uri="{FF2B5EF4-FFF2-40B4-BE49-F238E27FC236}">
-                <a16:creationId xmlns:a16="http://schemas.microsoft.com/office/drawing/2014/main" id="{F5418F33-A093-7341-8AAB-52BD55FE3EC3}"/>
-              </a:ext>
-            </a:extLst>
-          </p:cNvPr>
-          <p:cNvSpPr txBox="1"/>
-          <p:nvPr/>
-        </p:nvSpPr>
-        <p:spPr>
-          <a:xfrm>
-            <a:off x="1418895" y="5420161"/>
-            <a:ext cx="10279117" cy="400110"/>
-          </a:xfrm>
-          <a:prstGeom prst="rect">
-            <a:avLst/>
-          </a:prstGeom>
-          <a:noFill/>
-        </p:spPr>
-        <p:txBody>
-          <a:bodyPr wrap="square" rtlCol="0">
-            <a:spAutoFit/>
-          </a:bodyPr>
-          <a:lstStyle/>
-          <a:p>
-            <a:pPr algn="r" fontAlgn="base"/>
-            <a:r>
-              <a:rPr lang="en-IE" sz="2000" b="1" dirty="0" err="1">
-                <a:solidFill>
-                  <a:srgbClr val="FF0000"/>
-                </a:solidFill>
-                <a:latin typeface="inherit"/>
-              </a:rPr>
-              <a:t>TinyURL</a:t>
-            </a:r>
-            <a:r>
-              <a:rPr lang="en-IE" sz="2000" b="1" dirty="0">
-                <a:solidFill>
-                  <a:srgbClr val="FF0000"/>
-                </a:solidFill>
-                <a:latin typeface="inherit"/>
-              </a:rPr>
-              <a:t> (Use Case)</a:t>
-            </a:r>
-          </a:p>
-        </p:txBody>
-      </p:sp>
-    </p:spTree>
-    <p:extLst>
-      <p:ext uri="{BB962C8B-B14F-4D97-AF65-F5344CB8AC3E}">
-        <p14:creationId xmlns:p14="http://schemas.microsoft.com/office/powerpoint/2010/main" val="378663750"/>
-      </p:ext>
-    </p:extLst>
-  </p:cSld>
-  <p:clrMapOvr>
-    <a:masterClrMapping/>
-  </p:clrMapOvr>
-</p:sld>
-</file>
-
-<file path=ppt/slides/slide26.xml><?xml version="1.0" encoding="utf-8"?>
-<p:sld xmlns:a="http://schemas.openxmlformats.org/drawingml/2006/main" xmlns:r="http://schemas.openxmlformats.org/officeDocument/2006/relationships" xmlns:p="http://schemas.openxmlformats.org/presentationml/2006/main">
-  <p:cSld>
-    <p:spTree>
-      <p:nvGrpSpPr>
-        <p:cNvPr id="1" name="">
-          <a:extLst>
-            <a:ext uri="{FF2B5EF4-FFF2-40B4-BE49-F238E27FC236}">
-              <a16:creationId xmlns:a16="http://schemas.microsoft.com/office/drawing/2014/main" id="{EA2E941A-B71F-E83E-DBB7-5AD6CAF37AE6}"/>
-            </a:ext>
-          </a:extLst>
-        </p:cNvPr>
-        <p:cNvGrpSpPr/>
-        <p:nvPr/>
-      </p:nvGrpSpPr>
-      <p:grpSpPr>
-        <a:xfrm>
-          <a:off x="0" y="0"/>
-          <a:ext cx="0" cy="0"/>
-          <a:chOff x="0" y="0"/>
-          <a:chExt cx="0" cy="0"/>
-        </a:xfrm>
-      </p:grpSpPr>
-    </p:spTree>
-    <p:extLst>
-      <p:ext uri="{BB962C8B-B14F-4D97-AF65-F5344CB8AC3E}">
-        <p14:creationId xmlns:p14="http://schemas.microsoft.com/office/powerpoint/2010/main" val="1918236504"/>
       </p:ext>
     </p:extLst>
   </p:cSld>
